--- a/App_Data/Presentation/Syncfusion Presentation.pptx
+++ b/App_Data/Presentation/Syncfusion Presentation.pptx
@@ -12,8 +12,8 @@
   </p:handoutMasterIdLst>
   <p:sldIdLst>
     <p:sldId id="256" r:id="rId2"/>
-    <p:sldId id="325" r:id="rId3"/>
-    <p:sldId id="334" r:id="rId4"/>
+    <p:sldId id="334" r:id="rId3"/>
+    <p:sldId id="325" r:id="rId4"/>
     <p:sldId id="335" r:id="rId5"/>
     <p:sldId id="336" r:id="rId6"/>
     <p:sldId id="337" r:id="rId7"/>
@@ -271,7 +271,7 @@
           <a:p>
             <a:fld id="{34059F6D-21EE-419B-9D71-8E29C43C11FD}" type="datetimeFigureOut">
               <a:rPr lang="en-US" smtClean="0"/>
-              <a:t>8/29/2018</a:t>
+              <a:t>6/16/2021</a:t>
             </a:fld>
             <a:endParaRPr lang="en-US"/>
           </a:p>
@@ -436,7 +436,7 @@
           <a:p>
             <a:fld id="{BC706472-74E6-4978-B5D4-A86FAE8938AA}" type="datetimeFigureOut">
               <a:rPr lang="en-US" smtClean="0"/>
-              <a:t>8/29/2018</a:t>
+              <a:t>6/16/2021</a:t>
             </a:fld>
             <a:endParaRPr lang="en-US"/>
           </a:p>
@@ -1773,7 +1773,7 @@
     </p:spTree>
     <p:extLst>
       <p:ext uri="{BB962C8B-B14F-4D97-AF65-F5344CB8AC3E}">
-        <p14:creationId xmlns:p14="http://schemas.microsoft.com/office/powerpoint/2010/main" val="1746462744"/>
+        <p14:creationId xmlns:p14="http://schemas.microsoft.com/office/powerpoint/2010/main" val="1517067863"/>
       </p:ext>
     </p:extLst>
   </p:cSld>
@@ -2752,7 +2752,7 @@
     </p:spTree>
     <p:extLst>
       <p:ext uri="{BB962C8B-B14F-4D97-AF65-F5344CB8AC3E}">
-        <p14:creationId xmlns:p14="http://schemas.microsoft.com/office/powerpoint/2010/main" val="1517067863"/>
+        <p14:creationId xmlns:p14="http://schemas.microsoft.com/office/powerpoint/2010/main" val="1746462744"/>
       </p:ext>
     </p:extLst>
   </p:cSld>
@@ -4986,7 +4986,7 @@
           <a:p>
             <a:fld id="{EE9B84EE-31BC-44B9-A566-60A72A7CB1DD}" type="datetimeFigureOut">
               <a:rPr lang="en-US" smtClean="0"/>
-              <a:t>8/29/2018</a:t>
+              <a:t>6/16/2021</a:t>
             </a:fld>
             <a:endParaRPr lang="en-US"/>
           </a:p>
@@ -5154,7 +5154,7 @@
           <a:p>
             <a:fld id="{EE9B84EE-31BC-44B9-A566-60A72A7CB1DD}" type="datetimeFigureOut">
               <a:rPr lang="en-US" smtClean="0"/>
-              <a:t>8/29/2018</a:t>
+              <a:t>6/16/2021</a:t>
             </a:fld>
             <a:endParaRPr lang="en-US"/>
           </a:p>
@@ -5332,7 +5332,7 @@
           <a:p>
             <a:fld id="{EE9B84EE-31BC-44B9-A566-60A72A7CB1DD}" type="datetimeFigureOut">
               <a:rPr lang="en-US" smtClean="0"/>
-              <a:t>8/29/2018</a:t>
+              <a:t>6/16/2021</a:t>
             </a:fld>
             <a:endParaRPr lang="en-US"/>
           </a:p>
@@ -5478,7 +5478,7 @@
           <a:p>
             <a:fld id="{EE9B84EE-31BC-44B9-A566-60A72A7CB1DD}" type="datetimeFigureOut">
               <a:rPr lang="en-US" smtClean="0"/>
-              <a:t>8/29/2018</a:t>
+              <a:t>6/16/2021</a:t>
             </a:fld>
             <a:endParaRPr lang="en-US"/>
           </a:p>
@@ -5745,7 +5745,7 @@
           <a:p>
             <a:fld id="{EE9B84EE-31BC-44B9-A566-60A72A7CB1DD}" type="datetimeFigureOut">
               <a:rPr lang="en-US" smtClean="0"/>
-              <a:t>8/29/2018</a:t>
+              <a:t>6/16/2021</a:t>
             </a:fld>
             <a:endParaRPr lang="en-US"/>
           </a:p>
@@ -6030,7 +6030,7 @@
           <a:p>
             <a:fld id="{EE9B84EE-31BC-44B9-A566-60A72A7CB1DD}" type="datetimeFigureOut">
               <a:rPr lang="en-US" smtClean="0"/>
-              <a:t>8/29/2018</a:t>
+              <a:t>6/16/2021</a:t>
             </a:fld>
             <a:endParaRPr lang="en-US"/>
           </a:p>
@@ -6449,7 +6449,7 @@
           <a:p>
             <a:fld id="{EE9B84EE-31BC-44B9-A566-60A72A7CB1DD}" type="datetimeFigureOut">
               <a:rPr lang="en-US" smtClean="0"/>
-              <a:t>8/29/2018</a:t>
+              <a:t>6/16/2021</a:t>
             </a:fld>
             <a:endParaRPr lang="en-US"/>
           </a:p>
@@ -6566,7 +6566,7 @@
           <a:p>
             <a:fld id="{EE9B84EE-31BC-44B9-A566-60A72A7CB1DD}" type="datetimeFigureOut">
               <a:rPr lang="en-US" smtClean="0"/>
-              <a:t>8/29/2018</a:t>
+              <a:t>6/16/2021</a:t>
             </a:fld>
             <a:endParaRPr lang="en-US"/>
           </a:p>
@@ -6661,7 +6661,7 @@
           <a:p>
             <a:fld id="{EE9B84EE-31BC-44B9-A566-60A72A7CB1DD}" type="datetimeFigureOut">
               <a:rPr lang="en-US" smtClean="0"/>
-              <a:t>8/29/2018</a:t>
+              <a:t>6/16/2021</a:t>
             </a:fld>
             <a:endParaRPr lang="en-US"/>
           </a:p>
@@ -6936,7 +6936,7 @@
           <a:p>
             <a:fld id="{EE9B84EE-31BC-44B9-A566-60A72A7CB1DD}" type="datetimeFigureOut">
               <a:rPr lang="en-US" smtClean="0"/>
-              <a:t>8/29/2018</a:t>
+              <a:t>6/16/2021</a:t>
             </a:fld>
             <a:endParaRPr lang="en-US"/>
           </a:p>
@@ -7191,7 +7191,7 @@
           <a:p>
             <a:fld id="{EE9B84EE-31BC-44B9-A566-60A72A7CB1DD}" type="datetimeFigureOut">
               <a:rPr lang="en-US" smtClean="0"/>
-              <a:t>8/29/2018</a:t>
+              <a:t>6/16/2021</a:t>
             </a:fld>
             <a:endParaRPr lang="en-US"/>
           </a:p>
@@ -7459,7 +7459,7 @@
           <a:p>
             <a:fld id="{EE9B84EE-31BC-44B9-A566-60A72A7CB1DD}" type="datetimeFigureOut">
               <a:rPr lang="en-US" smtClean="0"/>
-              <a:t>8/29/2018</a:t>
+              <a:t>6/16/2021</a:t>
             </a:fld>
             <a:endParaRPr lang="en-US"/>
           </a:p>
@@ -9307,6 +9307,1467 @@
 </file>
 
 <file path=ppt/slides/slide2.xml><?xml version="1.0" encoding="utf-8"?>
+<p:sld xmlns:a="http://schemas.openxmlformats.org/drawingml/2006/main" xmlns:r="http://schemas.openxmlformats.org/officeDocument/2006/relationships" xmlns:p="http://schemas.openxmlformats.org/presentationml/2006/main" showMasterSp="0">
+  <p:cSld>
+    <p:spTree>
+      <p:nvGrpSpPr>
+        <p:cNvPr id="1" name=""/>
+        <p:cNvGrpSpPr/>
+        <p:nvPr/>
+      </p:nvGrpSpPr>
+      <p:grpSpPr>
+        <a:xfrm>
+          <a:off x="0" y="0"/>
+          <a:ext cx="0" cy="0"/>
+          <a:chOff x="0" y="0"/>
+          <a:chExt cx="0" cy="0"/>
+        </a:xfrm>
+      </p:grpSpPr>
+      <p:sp>
+        <p:nvSpPr>
+          <p:cNvPr id="3" name="Title 2"/>
+          <p:cNvSpPr>
+            <a:spLocks noGrp="1"/>
+          </p:cNvSpPr>
+          <p:nvPr>
+            <p:ph type="title"/>
+          </p:nvPr>
+        </p:nvSpPr>
+        <p:spPr/>
+        <p:txBody>
+          <a:bodyPr>
+            <a:normAutofit/>
+          </a:bodyPr>
+          <a:lstStyle/>
+          <a:p>
+            <a:r>
+              <a:rPr lang="en-US" sz="4500" dirty="0">
+                <a:solidFill>
+                  <a:srgbClr val="29ABE2"/>
+                </a:solidFill>
+                <a:latin typeface="Segoe UI" panose="020B0502040204020203" pitchFamily="34" charset="0"/>
+                <a:cs typeface="Segoe UI" panose="020B0502040204020203" pitchFamily="34" charset="0"/>
+              </a:rPr>
+              <a:t>Multicolumn</a:t>
+            </a:r>
+          </a:p>
+        </p:txBody>
+      </p:sp>
+      <p:sp>
+        <p:nvSpPr>
+          <p:cNvPr id="10" name="Rectangle 9"/>
+          <p:cNvSpPr/>
+          <p:nvPr/>
+        </p:nvSpPr>
+        <p:spPr>
+          <a:xfrm>
+            <a:off x="0" y="6101740"/>
+            <a:ext cx="9144000" cy="756260"/>
+          </a:xfrm>
+          <a:prstGeom prst="rect">
+            <a:avLst/>
+          </a:prstGeom>
+          <a:solidFill>
+            <a:srgbClr val="29ABE2"/>
+          </a:solidFill>
+          <a:ln>
+            <a:noFill/>
+          </a:ln>
+        </p:spPr>
+        <p:style>
+          <a:lnRef idx="2">
+            <a:schemeClr val="accent1">
+              <a:shade val="50000"/>
+            </a:schemeClr>
+          </a:lnRef>
+          <a:fillRef idx="1">
+            <a:schemeClr val="accent1"/>
+          </a:fillRef>
+          <a:effectRef idx="0">
+            <a:schemeClr val="accent1"/>
+          </a:effectRef>
+          <a:fontRef idx="minor">
+            <a:schemeClr val="lt1"/>
+          </a:fontRef>
+        </p:style>
+        <p:txBody>
+          <a:bodyPr rtlCol="0" anchor="ctr"/>
+          <a:lstStyle/>
+          <a:p>
+            <a:pPr algn="ctr"/>
+            <a:endParaRPr lang="en-US"/>
+          </a:p>
+        </p:txBody>
+      </p:sp>
+      <p:sp>
+        <p:nvSpPr>
+          <p:cNvPr id="5" name="TextBox 4">
+            <a:extLst>
+              <a:ext uri="{FF2B5EF4-FFF2-40B4-BE49-F238E27FC236}">
+                <a16:creationId xmlns:a16="http://schemas.microsoft.com/office/drawing/2014/main" id="{634921D9-9669-40D8-BD72-134752042457}"/>
+              </a:ext>
+            </a:extLst>
+          </p:cNvPr>
+          <p:cNvSpPr txBox="1"/>
+          <p:nvPr/>
+        </p:nvSpPr>
+        <p:spPr>
+          <a:xfrm>
+            <a:off x="1219200" y="1676397"/>
+            <a:ext cx="6705600" cy="3419856"/>
+          </a:xfrm>
+          <a:prstGeom prst="rect">
+            <a:avLst/>
+          </a:prstGeom>
+          <a:noFill/>
+        </p:spPr>
+        <p:txBody>
+          <a:bodyPr wrap="square" numCol="3" spcCol="365760" rtlCol="0">
+            <a:spAutoFit/>
+          </a:bodyPr>
+          <a:lstStyle/>
+          <a:p>
+            <a:pPr algn="l"/>
+            <a:r>
+              <a:rPr lang="en-US" sz="1800" dirty="0">
+                <a:solidFill>
+                  <a:srgbClr val="000000"/>
+                </a:solidFill>
+                <a:latin typeface="Calibri" panose="020F0502020204030204" pitchFamily="34" charset="0"/>
+                <a:cs typeface="Calibri" panose="020F0502020204030204" pitchFamily="34" charset="0"/>
+              </a:rPr>
+              <a:t>Adventure Works Cycles, the fictitious company on which the Adventure Works sample databases are based, is a large, multinational manufacturing company. The company manufactures and sells metal and composite bicycles to North American, European and Asian commercial markets.</a:t>
+            </a:r>
+          </a:p>
+          <a:p>
+            <a:pPr algn="l"/>
+            <a:r>
+              <a:rPr lang="en-US" sz="1800" dirty="0">
+                <a:solidFill>
+                  <a:srgbClr val="000000"/>
+                </a:solidFill>
+                <a:latin typeface="Calibri" panose="020F0502020204030204" pitchFamily="34" charset="0"/>
+                <a:cs typeface="Calibri" panose="020F0502020204030204" pitchFamily="34" charset="0"/>
+              </a:rPr>
+              <a:t>In 2000, Adventure Works Cycles bought a small manufacturing plant, Import adores Neptuno, located in Mexico. Import adores Neptuno manufactures several critical subcomponents for the Adventure Works Cycles product line.</a:t>
+            </a:r>
+          </a:p>
+        </p:txBody>
+      </p:sp>
+    </p:spTree>
+    <p:extLst>
+      <p:ext uri="{BB962C8B-B14F-4D97-AF65-F5344CB8AC3E}">
+        <p14:creationId xmlns:p14="http://schemas.microsoft.com/office/powerpoint/2010/main" val="2468449487"/>
+      </p:ext>
+    </p:extLst>
+  </p:cSld>
+  <p:clrMapOvr>
+    <a:masterClrMapping/>
+  </p:clrMapOvr>
+</p:sld>
+</file>
+
+<file path=ppt/slides/slide20.xml><?xml version="1.0" encoding="utf-8"?>
+<p:sld xmlns:a="http://schemas.openxmlformats.org/drawingml/2006/main" xmlns:r="http://schemas.openxmlformats.org/officeDocument/2006/relationships" xmlns:p="http://schemas.openxmlformats.org/presentationml/2006/main" showMasterSp="0">
+  <p:cSld>
+    <p:spTree>
+      <p:nvGrpSpPr>
+        <p:cNvPr id="1" name=""/>
+        <p:cNvGrpSpPr/>
+        <p:nvPr/>
+      </p:nvGrpSpPr>
+      <p:grpSpPr>
+        <a:xfrm>
+          <a:off x="0" y="0"/>
+          <a:ext cx="0" cy="0"/>
+          <a:chOff x="0" y="0"/>
+          <a:chExt cx="0" cy="0"/>
+        </a:xfrm>
+      </p:grpSpPr>
+      <p:sp>
+        <p:nvSpPr>
+          <p:cNvPr id="3" name="Title 2"/>
+          <p:cNvSpPr>
+            <a:spLocks noGrp="1"/>
+          </p:cNvSpPr>
+          <p:nvPr>
+            <p:ph type="title"/>
+          </p:nvPr>
+        </p:nvSpPr>
+        <p:spPr/>
+        <p:txBody>
+          <a:bodyPr>
+            <a:normAutofit/>
+          </a:bodyPr>
+          <a:lstStyle/>
+          <a:p>
+            <a:r>
+              <a:rPr lang="en-US" sz="4500" dirty="0">
+                <a:solidFill>
+                  <a:srgbClr val="29ABE2"/>
+                </a:solidFill>
+                <a:latin typeface="Segoe UI" panose="020B0502040204020203" pitchFamily="34" charset="0"/>
+                <a:cs typeface="Segoe UI" panose="020B0502040204020203" pitchFamily="34" charset="0"/>
+              </a:rPr>
+              <a:t>Time Picker</a:t>
+            </a:r>
+          </a:p>
+        </p:txBody>
+      </p:sp>
+      <p:pic>
+        <p:nvPicPr>
+          <p:cNvPr id="4" name="Picture 3"/>
+          <p:cNvPicPr>
+            <a:picLocks noChangeAspect="1"/>
+          </p:cNvPicPr>
+          <p:nvPr/>
+        </p:nvPicPr>
+        <p:blipFill>
+          <a:blip r:embed="rId3"/>
+          <a:stretch>
+            <a:fillRect/>
+          </a:stretch>
+        </p:blipFill>
+        <p:spPr>
+          <a:xfrm>
+            <a:off x="3429000" y="1752600"/>
+            <a:ext cx="2486079" cy="3444400"/>
+          </a:xfrm>
+          <a:prstGeom prst="rect">
+            <a:avLst/>
+          </a:prstGeom>
+        </p:spPr>
+      </p:pic>
+      <p:sp>
+        <p:nvSpPr>
+          <p:cNvPr id="6" name="Rectangle 5"/>
+          <p:cNvSpPr/>
+          <p:nvPr/>
+        </p:nvSpPr>
+        <p:spPr>
+          <a:xfrm>
+            <a:off x="0" y="6101740"/>
+            <a:ext cx="9144000" cy="756260"/>
+          </a:xfrm>
+          <a:prstGeom prst="rect">
+            <a:avLst/>
+          </a:prstGeom>
+          <a:solidFill>
+            <a:srgbClr val="29ABE2"/>
+          </a:solidFill>
+          <a:ln>
+            <a:noFill/>
+          </a:ln>
+        </p:spPr>
+        <p:style>
+          <a:lnRef idx="2">
+            <a:schemeClr val="accent1">
+              <a:shade val="50000"/>
+            </a:schemeClr>
+          </a:lnRef>
+          <a:fillRef idx="1">
+            <a:schemeClr val="accent1"/>
+          </a:fillRef>
+          <a:effectRef idx="0">
+            <a:schemeClr val="accent1"/>
+          </a:effectRef>
+          <a:fontRef idx="minor">
+            <a:schemeClr val="lt1"/>
+          </a:fontRef>
+        </p:style>
+        <p:txBody>
+          <a:bodyPr rtlCol="0" anchor="ctr"/>
+          <a:lstStyle/>
+          <a:p>
+            <a:pPr algn="ctr"/>
+            <a:endParaRPr lang="en-US"/>
+          </a:p>
+        </p:txBody>
+      </p:sp>
+    </p:spTree>
+    <p:extLst>
+      <p:ext uri="{BB962C8B-B14F-4D97-AF65-F5344CB8AC3E}">
+        <p14:creationId xmlns:p14="http://schemas.microsoft.com/office/powerpoint/2010/main" val="3945418359"/>
+      </p:ext>
+    </p:extLst>
+  </p:cSld>
+  <p:clrMapOvr>
+    <a:masterClrMapping/>
+  </p:clrMapOvr>
+</p:sld>
+</file>
+
+<file path=ppt/slides/slide21.xml><?xml version="1.0" encoding="utf-8"?>
+<p:sld xmlns:a="http://schemas.openxmlformats.org/drawingml/2006/main" xmlns:r="http://schemas.openxmlformats.org/officeDocument/2006/relationships" xmlns:p="http://schemas.openxmlformats.org/presentationml/2006/main" showMasterSp="0">
+  <p:cSld>
+    <p:spTree>
+      <p:nvGrpSpPr>
+        <p:cNvPr id="1" name=""/>
+        <p:cNvGrpSpPr/>
+        <p:nvPr/>
+      </p:nvGrpSpPr>
+      <p:grpSpPr>
+        <a:xfrm>
+          <a:off x="0" y="0"/>
+          <a:ext cx="0" cy="0"/>
+          <a:chOff x="0" y="0"/>
+          <a:chExt cx="0" cy="0"/>
+        </a:xfrm>
+      </p:grpSpPr>
+      <p:sp>
+        <p:nvSpPr>
+          <p:cNvPr id="3" name="Title 2"/>
+          <p:cNvSpPr>
+            <a:spLocks noGrp="1"/>
+          </p:cNvSpPr>
+          <p:nvPr>
+            <p:ph type="title"/>
+          </p:nvPr>
+        </p:nvSpPr>
+        <p:spPr/>
+        <p:txBody>
+          <a:bodyPr>
+            <a:normAutofit/>
+          </a:bodyPr>
+          <a:lstStyle/>
+          <a:p>
+            <a:r>
+              <a:rPr lang="en-US" sz="4500" dirty="0">
+                <a:solidFill>
+                  <a:srgbClr val="29ABE2"/>
+                </a:solidFill>
+                <a:latin typeface="Segoe UI" panose="020B0502040204020203" pitchFamily="34" charset="0"/>
+                <a:cs typeface="Segoe UI" panose="020B0502040204020203" pitchFamily="34" charset="0"/>
+              </a:rPr>
+              <a:t>Time Picker</a:t>
+            </a:r>
+          </a:p>
+        </p:txBody>
+      </p:sp>
+      <p:pic>
+        <p:nvPicPr>
+          <p:cNvPr id="2" name="Picture 1"/>
+          <p:cNvPicPr>
+            <a:picLocks noChangeAspect="1"/>
+          </p:cNvPicPr>
+          <p:nvPr/>
+        </p:nvPicPr>
+        <p:blipFill>
+          <a:blip r:embed="rId3"/>
+          <a:stretch>
+            <a:fillRect/>
+          </a:stretch>
+        </p:blipFill>
+        <p:spPr>
+          <a:xfrm>
+            <a:off x="2833687" y="1905000"/>
+            <a:ext cx="3476625" cy="3048000"/>
+          </a:xfrm>
+          <a:prstGeom prst="rect">
+            <a:avLst/>
+          </a:prstGeom>
+        </p:spPr>
+      </p:pic>
+      <p:sp>
+        <p:nvSpPr>
+          <p:cNvPr id="5" name="Rectangle 4"/>
+          <p:cNvSpPr/>
+          <p:nvPr/>
+        </p:nvSpPr>
+        <p:spPr>
+          <a:xfrm>
+            <a:off x="0" y="6101740"/>
+            <a:ext cx="9144000" cy="756260"/>
+          </a:xfrm>
+          <a:prstGeom prst="rect">
+            <a:avLst/>
+          </a:prstGeom>
+          <a:solidFill>
+            <a:srgbClr val="29ABE2"/>
+          </a:solidFill>
+          <a:ln>
+            <a:noFill/>
+          </a:ln>
+        </p:spPr>
+        <p:style>
+          <a:lnRef idx="2">
+            <a:schemeClr val="accent1">
+              <a:shade val="50000"/>
+            </a:schemeClr>
+          </a:lnRef>
+          <a:fillRef idx="1">
+            <a:schemeClr val="accent1"/>
+          </a:fillRef>
+          <a:effectRef idx="0">
+            <a:schemeClr val="accent1"/>
+          </a:effectRef>
+          <a:fontRef idx="minor">
+            <a:schemeClr val="lt1"/>
+          </a:fontRef>
+        </p:style>
+        <p:txBody>
+          <a:bodyPr rtlCol="0" anchor="ctr"/>
+          <a:lstStyle/>
+          <a:p>
+            <a:pPr algn="ctr"/>
+            <a:endParaRPr lang="en-US"/>
+          </a:p>
+        </p:txBody>
+      </p:sp>
+    </p:spTree>
+    <p:extLst>
+      <p:ext uri="{BB962C8B-B14F-4D97-AF65-F5344CB8AC3E}">
+        <p14:creationId xmlns:p14="http://schemas.microsoft.com/office/powerpoint/2010/main" val="3230332397"/>
+      </p:ext>
+    </p:extLst>
+  </p:cSld>
+  <p:clrMapOvr>
+    <a:masterClrMapping/>
+  </p:clrMapOvr>
+</p:sld>
+</file>
+
+<file path=ppt/slides/slide22.xml><?xml version="1.0" encoding="utf-8"?>
+<p:sld xmlns:a="http://schemas.openxmlformats.org/drawingml/2006/main" xmlns:r="http://schemas.openxmlformats.org/officeDocument/2006/relationships" xmlns:p="http://schemas.openxmlformats.org/presentationml/2006/main" showMasterSp="0">
+  <p:cSld>
+    <p:spTree>
+      <p:nvGrpSpPr>
+        <p:cNvPr id="1" name=""/>
+        <p:cNvGrpSpPr/>
+        <p:nvPr/>
+      </p:nvGrpSpPr>
+      <p:grpSpPr>
+        <a:xfrm>
+          <a:off x="0" y="0"/>
+          <a:ext cx="0" cy="0"/>
+          <a:chOff x="0" y="0"/>
+          <a:chExt cx="0" cy="0"/>
+        </a:xfrm>
+      </p:grpSpPr>
+      <p:sp>
+        <p:nvSpPr>
+          <p:cNvPr id="3" name="Title 2"/>
+          <p:cNvSpPr>
+            <a:spLocks noGrp="1"/>
+          </p:cNvSpPr>
+          <p:nvPr>
+            <p:ph type="title"/>
+          </p:nvPr>
+        </p:nvSpPr>
+        <p:spPr/>
+        <p:txBody>
+          <a:bodyPr>
+            <a:normAutofit/>
+          </a:bodyPr>
+          <a:lstStyle/>
+          <a:p>
+            <a:r>
+              <a:rPr lang="en-US" sz="4500" dirty="0">
+                <a:solidFill>
+                  <a:srgbClr val="29ABE2"/>
+                </a:solidFill>
+                <a:latin typeface="Segoe UI" panose="020B0502040204020203" pitchFamily="34" charset="0"/>
+                <a:cs typeface="Segoe UI" panose="020B0502040204020203" pitchFamily="34" charset="0"/>
+              </a:rPr>
+              <a:t>Date Time Picker</a:t>
+            </a:r>
+          </a:p>
+        </p:txBody>
+      </p:sp>
+      <p:pic>
+        <p:nvPicPr>
+          <p:cNvPr id="2" name="Picture 1"/>
+          <p:cNvPicPr>
+            <a:picLocks noChangeAspect="1"/>
+          </p:cNvPicPr>
+          <p:nvPr/>
+        </p:nvPicPr>
+        <p:blipFill>
+          <a:blip r:embed="rId3"/>
+          <a:stretch>
+            <a:fillRect/>
+          </a:stretch>
+        </p:blipFill>
+        <p:spPr>
+          <a:xfrm>
+            <a:off x="2833687" y="1905000"/>
+            <a:ext cx="3476625" cy="3048000"/>
+          </a:xfrm>
+          <a:prstGeom prst="rect">
+            <a:avLst/>
+          </a:prstGeom>
+        </p:spPr>
+      </p:pic>
+      <p:sp>
+        <p:nvSpPr>
+          <p:cNvPr id="5" name="Rectangle 4"/>
+          <p:cNvSpPr/>
+          <p:nvPr/>
+        </p:nvSpPr>
+        <p:spPr>
+          <a:xfrm>
+            <a:off x="0" y="6101740"/>
+            <a:ext cx="9144000" cy="756260"/>
+          </a:xfrm>
+          <a:prstGeom prst="rect">
+            <a:avLst/>
+          </a:prstGeom>
+          <a:solidFill>
+            <a:srgbClr val="29ABE2"/>
+          </a:solidFill>
+          <a:ln>
+            <a:noFill/>
+          </a:ln>
+        </p:spPr>
+        <p:style>
+          <a:lnRef idx="2">
+            <a:schemeClr val="accent1">
+              <a:shade val="50000"/>
+            </a:schemeClr>
+          </a:lnRef>
+          <a:fillRef idx="1">
+            <a:schemeClr val="accent1"/>
+          </a:fillRef>
+          <a:effectRef idx="0">
+            <a:schemeClr val="accent1"/>
+          </a:effectRef>
+          <a:fontRef idx="minor">
+            <a:schemeClr val="lt1"/>
+          </a:fontRef>
+        </p:style>
+        <p:txBody>
+          <a:bodyPr rtlCol="0" anchor="ctr"/>
+          <a:lstStyle/>
+          <a:p>
+            <a:pPr algn="ctr"/>
+            <a:endParaRPr lang="en-US"/>
+          </a:p>
+        </p:txBody>
+      </p:sp>
+    </p:spTree>
+    <p:extLst>
+      <p:ext uri="{BB962C8B-B14F-4D97-AF65-F5344CB8AC3E}">
+        <p14:creationId xmlns:p14="http://schemas.microsoft.com/office/powerpoint/2010/main" val="1469342308"/>
+      </p:ext>
+    </p:extLst>
+  </p:cSld>
+  <p:clrMapOvr>
+    <a:masterClrMapping/>
+  </p:clrMapOvr>
+</p:sld>
+</file>
+
+<file path=ppt/slides/slide23.xml><?xml version="1.0" encoding="utf-8"?>
+<p:sld xmlns:a="http://schemas.openxmlformats.org/drawingml/2006/main" xmlns:r="http://schemas.openxmlformats.org/officeDocument/2006/relationships" xmlns:p="http://schemas.openxmlformats.org/presentationml/2006/main" showMasterSp="0">
+  <p:cSld>
+    <p:spTree>
+      <p:nvGrpSpPr>
+        <p:cNvPr id="1" name=""/>
+        <p:cNvGrpSpPr/>
+        <p:nvPr/>
+      </p:nvGrpSpPr>
+      <p:grpSpPr>
+        <a:xfrm>
+          <a:off x="0" y="0"/>
+          <a:ext cx="0" cy="0"/>
+          <a:chOff x="0" y="0"/>
+          <a:chExt cx="0" cy="0"/>
+        </a:xfrm>
+      </p:grpSpPr>
+      <p:sp>
+        <p:nvSpPr>
+          <p:cNvPr id="3" name="Title 2"/>
+          <p:cNvSpPr>
+            <a:spLocks noGrp="1"/>
+          </p:cNvSpPr>
+          <p:nvPr>
+            <p:ph type="title"/>
+          </p:nvPr>
+        </p:nvSpPr>
+        <p:spPr/>
+        <p:txBody>
+          <a:bodyPr>
+            <a:normAutofit/>
+          </a:bodyPr>
+          <a:lstStyle/>
+          <a:p>
+            <a:r>
+              <a:rPr lang="en-US" sz="4500" dirty="0">
+                <a:solidFill>
+                  <a:srgbClr val="29ABE2"/>
+                </a:solidFill>
+                <a:latin typeface="Segoe UI" panose="020B0502040204020203" pitchFamily="34" charset="0"/>
+                <a:cs typeface="Segoe UI" panose="020B0502040204020203" pitchFamily="34" charset="0"/>
+              </a:rPr>
+              <a:t>Text Boxes</a:t>
+            </a:r>
+          </a:p>
+        </p:txBody>
+      </p:sp>
+      <p:pic>
+        <p:nvPicPr>
+          <p:cNvPr id="4" name="Picture 3"/>
+          <p:cNvPicPr>
+            <a:picLocks noChangeAspect="1"/>
+          </p:cNvPicPr>
+          <p:nvPr/>
+        </p:nvPicPr>
+        <p:blipFill>
+          <a:blip r:embed="rId3"/>
+          <a:stretch>
+            <a:fillRect/>
+          </a:stretch>
+        </p:blipFill>
+        <p:spPr>
+          <a:xfrm>
+            <a:off x="2646556" y="2286000"/>
+            <a:ext cx="3850888" cy="1873405"/>
+          </a:xfrm>
+          <a:prstGeom prst="rect">
+            <a:avLst/>
+          </a:prstGeom>
+        </p:spPr>
+      </p:pic>
+      <p:sp>
+        <p:nvSpPr>
+          <p:cNvPr id="6" name="Rectangle 5"/>
+          <p:cNvSpPr/>
+          <p:nvPr/>
+        </p:nvSpPr>
+        <p:spPr>
+          <a:xfrm>
+            <a:off x="0" y="6101740"/>
+            <a:ext cx="9144000" cy="756260"/>
+          </a:xfrm>
+          <a:prstGeom prst="rect">
+            <a:avLst/>
+          </a:prstGeom>
+          <a:solidFill>
+            <a:srgbClr val="29ABE2"/>
+          </a:solidFill>
+          <a:ln>
+            <a:noFill/>
+          </a:ln>
+        </p:spPr>
+        <p:style>
+          <a:lnRef idx="2">
+            <a:schemeClr val="accent1">
+              <a:shade val="50000"/>
+            </a:schemeClr>
+          </a:lnRef>
+          <a:fillRef idx="1">
+            <a:schemeClr val="accent1"/>
+          </a:fillRef>
+          <a:effectRef idx="0">
+            <a:schemeClr val="accent1"/>
+          </a:effectRef>
+          <a:fontRef idx="minor">
+            <a:schemeClr val="lt1"/>
+          </a:fontRef>
+        </p:style>
+        <p:txBody>
+          <a:bodyPr rtlCol="0" anchor="ctr"/>
+          <a:lstStyle/>
+          <a:p>
+            <a:pPr algn="ctr"/>
+            <a:endParaRPr lang="en-US"/>
+          </a:p>
+        </p:txBody>
+      </p:sp>
+    </p:spTree>
+    <p:extLst>
+      <p:ext uri="{BB962C8B-B14F-4D97-AF65-F5344CB8AC3E}">
+        <p14:creationId xmlns:p14="http://schemas.microsoft.com/office/powerpoint/2010/main" val="1433157358"/>
+      </p:ext>
+    </p:extLst>
+  </p:cSld>
+  <p:clrMapOvr>
+    <a:masterClrMapping/>
+  </p:clrMapOvr>
+</p:sld>
+</file>
+
+<file path=ppt/slides/slide24.xml><?xml version="1.0" encoding="utf-8"?>
+<p:sld xmlns:a="http://schemas.openxmlformats.org/drawingml/2006/main" xmlns:r="http://schemas.openxmlformats.org/officeDocument/2006/relationships" xmlns:p="http://schemas.openxmlformats.org/presentationml/2006/main" showMasterSp="0">
+  <p:cSld>
+    <p:spTree>
+      <p:nvGrpSpPr>
+        <p:cNvPr id="1" name=""/>
+        <p:cNvGrpSpPr/>
+        <p:nvPr/>
+      </p:nvGrpSpPr>
+      <p:grpSpPr>
+        <a:xfrm>
+          <a:off x="0" y="0"/>
+          <a:ext cx="0" cy="0"/>
+          <a:chOff x="0" y="0"/>
+          <a:chExt cx="0" cy="0"/>
+        </a:xfrm>
+      </p:grpSpPr>
+      <p:sp>
+        <p:nvSpPr>
+          <p:cNvPr id="3" name="Title 2"/>
+          <p:cNvSpPr>
+            <a:spLocks noGrp="1"/>
+          </p:cNvSpPr>
+          <p:nvPr>
+            <p:ph type="title"/>
+          </p:nvPr>
+        </p:nvSpPr>
+        <p:spPr/>
+        <p:txBody>
+          <a:bodyPr>
+            <a:normAutofit/>
+          </a:bodyPr>
+          <a:lstStyle/>
+          <a:p>
+            <a:r>
+              <a:rPr lang="en-US" sz="4500" dirty="0">
+                <a:solidFill>
+                  <a:srgbClr val="29ABE2"/>
+                </a:solidFill>
+                <a:latin typeface="Segoe UI" panose="020B0502040204020203" pitchFamily="34" charset="0"/>
+                <a:cs typeface="Segoe UI" panose="020B0502040204020203" pitchFamily="34" charset="0"/>
+              </a:rPr>
+              <a:t>Auto Complete</a:t>
+            </a:r>
+          </a:p>
+        </p:txBody>
+      </p:sp>
+      <p:pic>
+        <p:nvPicPr>
+          <p:cNvPr id="2" name="Picture 1"/>
+          <p:cNvPicPr>
+            <a:picLocks noChangeAspect="1"/>
+          </p:cNvPicPr>
+          <p:nvPr/>
+        </p:nvPicPr>
+        <p:blipFill>
+          <a:blip r:embed="rId3"/>
+          <a:stretch>
+            <a:fillRect/>
+          </a:stretch>
+        </p:blipFill>
+        <p:spPr>
+          <a:xfrm>
+            <a:off x="3120250" y="1981200"/>
+            <a:ext cx="2903499" cy="2546929"/>
+          </a:xfrm>
+          <a:prstGeom prst="rect">
+            <a:avLst/>
+          </a:prstGeom>
+        </p:spPr>
+      </p:pic>
+      <p:sp>
+        <p:nvSpPr>
+          <p:cNvPr id="5" name="Rectangle 4"/>
+          <p:cNvSpPr/>
+          <p:nvPr/>
+        </p:nvSpPr>
+        <p:spPr>
+          <a:xfrm>
+            <a:off x="0" y="6101740"/>
+            <a:ext cx="9144000" cy="756260"/>
+          </a:xfrm>
+          <a:prstGeom prst="rect">
+            <a:avLst/>
+          </a:prstGeom>
+          <a:solidFill>
+            <a:srgbClr val="29ABE2"/>
+          </a:solidFill>
+          <a:ln>
+            <a:noFill/>
+          </a:ln>
+        </p:spPr>
+        <p:style>
+          <a:lnRef idx="2">
+            <a:schemeClr val="accent1">
+              <a:shade val="50000"/>
+            </a:schemeClr>
+          </a:lnRef>
+          <a:fillRef idx="1">
+            <a:schemeClr val="accent1"/>
+          </a:fillRef>
+          <a:effectRef idx="0">
+            <a:schemeClr val="accent1"/>
+          </a:effectRef>
+          <a:fontRef idx="minor">
+            <a:schemeClr val="lt1"/>
+          </a:fontRef>
+        </p:style>
+        <p:txBody>
+          <a:bodyPr rtlCol="0" anchor="ctr"/>
+          <a:lstStyle/>
+          <a:p>
+            <a:pPr algn="ctr"/>
+            <a:endParaRPr lang="en-US"/>
+          </a:p>
+        </p:txBody>
+      </p:sp>
+    </p:spTree>
+    <p:extLst>
+      <p:ext uri="{BB962C8B-B14F-4D97-AF65-F5344CB8AC3E}">
+        <p14:creationId xmlns:p14="http://schemas.microsoft.com/office/powerpoint/2010/main" val="3483731522"/>
+      </p:ext>
+    </p:extLst>
+  </p:cSld>
+  <p:clrMapOvr>
+    <a:masterClrMapping/>
+  </p:clrMapOvr>
+</p:sld>
+</file>
+
+<file path=ppt/slides/slide25.xml><?xml version="1.0" encoding="utf-8"?>
+<p:sld xmlns:a="http://schemas.openxmlformats.org/drawingml/2006/main" xmlns:r="http://schemas.openxmlformats.org/officeDocument/2006/relationships" xmlns:p="http://schemas.openxmlformats.org/presentationml/2006/main" showMasterSp="0">
+  <p:cSld>
+    <p:spTree>
+      <p:nvGrpSpPr>
+        <p:cNvPr id="1" name=""/>
+        <p:cNvGrpSpPr/>
+        <p:nvPr/>
+      </p:nvGrpSpPr>
+      <p:grpSpPr>
+        <a:xfrm>
+          <a:off x="0" y="0"/>
+          <a:ext cx="0" cy="0"/>
+          <a:chOff x="0" y="0"/>
+          <a:chExt cx="0" cy="0"/>
+        </a:xfrm>
+      </p:grpSpPr>
+      <p:sp>
+        <p:nvSpPr>
+          <p:cNvPr id="3" name="Title 2"/>
+          <p:cNvSpPr>
+            <a:spLocks noGrp="1"/>
+          </p:cNvSpPr>
+          <p:nvPr>
+            <p:ph type="title"/>
+          </p:nvPr>
+        </p:nvSpPr>
+        <p:spPr/>
+        <p:txBody>
+          <a:bodyPr>
+            <a:normAutofit/>
+          </a:bodyPr>
+          <a:lstStyle/>
+          <a:p>
+            <a:r>
+              <a:rPr lang="en-US" sz="4500" dirty="0">
+                <a:solidFill>
+                  <a:srgbClr val="29ABE2"/>
+                </a:solidFill>
+                <a:latin typeface="Segoe UI" panose="020B0502040204020203" pitchFamily="34" charset="0"/>
+                <a:cs typeface="Segoe UI" panose="020B0502040204020203" pitchFamily="34" charset="0"/>
+              </a:rPr>
+              <a:t>Tree View</a:t>
+            </a:r>
+          </a:p>
+        </p:txBody>
+      </p:sp>
+      <p:pic>
+        <p:nvPicPr>
+          <p:cNvPr id="4" name="Picture 3"/>
+          <p:cNvPicPr>
+            <a:picLocks noChangeAspect="1"/>
+          </p:cNvPicPr>
+          <p:nvPr/>
+        </p:nvPicPr>
+        <p:blipFill>
+          <a:blip r:embed="rId3"/>
+          <a:stretch>
+            <a:fillRect/>
+          </a:stretch>
+        </p:blipFill>
+        <p:spPr>
+          <a:xfrm>
+            <a:off x="3429000" y="1524000"/>
+            <a:ext cx="2707772" cy="3438241"/>
+          </a:xfrm>
+          <a:prstGeom prst="rect">
+            <a:avLst/>
+          </a:prstGeom>
+        </p:spPr>
+      </p:pic>
+      <p:sp>
+        <p:nvSpPr>
+          <p:cNvPr id="6" name="Rectangle 5"/>
+          <p:cNvSpPr/>
+          <p:nvPr/>
+        </p:nvSpPr>
+        <p:spPr>
+          <a:xfrm>
+            <a:off x="0" y="6101740"/>
+            <a:ext cx="9144000" cy="756260"/>
+          </a:xfrm>
+          <a:prstGeom prst="rect">
+            <a:avLst/>
+          </a:prstGeom>
+          <a:solidFill>
+            <a:srgbClr val="29ABE2"/>
+          </a:solidFill>
+          <a:ln>
+            <a:noFill/>
+          </a:ln>
+        </p:spPr>
+        <p:style>
+          <a:lnRef idx="2">
+            <a:schemeClr val="accent1">
+              <a:shade val="50000"/>
+            </a:schemeClr>
+          </a:lnRef>
+          <a:fillRef idx="1">
+            <a:schemeClr val="accent1"/>
+          </a:fillRef>
+          <a:effectRef idx="0">
+            <a:schemeClr val="accent1"/>
+          </a:effectRef>
+          <a:fontRef idx="minor">
+            <a:schemeClr val="lt1"/>
+          </a:fontRef>
+        </p:style>
+        <p:txBody>
+          <a:bodyPr rtlCol="0" anchor="ctr"/>
+          <a:lstStyle/>
+          <a:p>
+            <a:pPr algn="ctr"/>
+            <a:endParaRPr lang="en-US"/>
+          </a:p>
+        </p:txBody>
+      </p:sp>
+    </p:spTree>
+    <p:extLst>
+      <p:ext uri="{BB962C8B-B14F-4D97-AF65-F5344CB8AC3E}">
+        <p14:creationId xmlns:p14="http://schemas.microsoft.com/office/powerpoint/2010/main" val="2172470868"/>
+      </p:ext>
+    </p:extLst>
+  </p:cSld>
+  <p:clrMapOvr>
+    <a:masterClrMapping/>
+  </p:clrMapOvr>
+</p:sld>
+</file>
+
+<file path=ppt/slides/slide26.xml><?xml version="1.0" encoding="utf-8"?>
+<p:sld xmlns:a="http://schemas.openxmlformats.org/drawingml/2006/main" xmlns:r="http://schemas.openxmlformats.org/officeDocument/2006/relationships" xmlns:p="http://schemas.openxmlformats.org/presentationml/2006/main" showMasterSp="0">
+  <p:cSld>
+    <p:spTree>
+      <p:nvGrpSpPr>
+        <p:cNvPr id="1" name=""/>
+        <p:cNvGrpSpPr/>
+        <p:nvPr/>
+      </p:nvGrpSpPr>
+      <p:grpSpPr>
+        <a:xfrm>
+          <a:off x="0" y="0"/>
+          <a:ext cx="0" cy="0"/>
+          <a:chOff x="0" y="0"/>
+          <a:chExt cx="0" cy="0"/>
+        </a:xfrm>
+      </p:grpSpPr>
+      <p:sp>
+        <p:nvSpPr>
+          <p:cNvPr id="3" name="Title 2"/>
+          <p:cNvSpPr>
+            <a:spLocks noGrp="1"/>
+          </p:cNvSpPr>
+          <p:nvPr>
+            <p:ph type="title"/>
+          </p:nvPr>
+        </p:nvSpPr>
+        <p:spPr/>
+        <p:txBody>
+          <a:bodyPr>
+            <a:normAutofit/>
+          </a:bodyPr>
+          <a:lstStyle/>
+          <a:p>
+            <a:r>
+              <a:rPr lang="en-US" sz="4500" dirty="0">
+                <a:solidFill>
+                  <a:srgbClr val="29ABE2"/>
+                </a:solidFill>
+                <a:latin typeface="Segoe UI" panose="020B0502040204020203" pitchFamily="34" charset="0"/>
+                <a:cs typeface="Segoe UI" panose="020B0502040204020203" pitchFamily="34" charset="0"/>
+              </a:rPr>
+              <a:t>Rich Text Box</a:t>
+            </a:r>
+          </a:p>
+        </p:txBody>
+      </p:sp>
+      <p:pic>
+        <p:nvPicPr>
+          <p:cNvPr id="2" name="Picture 1"/>
+          <p:cNvPicPr>
+            <a:picLocks noChangeAspect="1"/>
+          </p:cNvPicPr>
+          <p:nvPr/>
+        </p:nvPicPr>
+        <p:blipFill>
+          <a:blip r:embed="rId3"/>
+          <a:stretch>
+            <a:fillRect/>
+          </a:stretch>
+        </p:blipFill>
+        <p:spPr>
+          <a:xfrm>
+            <a:off x="1890712" y="2295525"/>
+            <a:ext cx="5362575" cy="2266950"/>
+          </a:xfrm>
+          <a:prstGeom prst="rect">
+            <a:avLst/>
+          </a:prstGeom>
+        </p:spPr>
+      </p:pic>
+      <p:sp>
+        <p:nvSpPr>
+          <p:cNvPr id="5" name="Rectangle 4"/>
+          <p:cNvSpPr/>
+          <p:nvPr/>
+        </p:nvSpPr>
+        <p:spPr>
+          <a:xfrm>
+            <a:off x="0" y="6101740"/>
+            <a:ext cx="9144000" cy="756260"/>
+          </a:xfrm>
+          <a:prstGeom prst="rect">
+            <a:avLst/>
+          </a:prstGeom>
+          <a:solidFill>
+            <a:srgbClr val="29ABE2"/>
+          </a:solidFill>
+          <a:ln>
+            <a:noFill/>
+          </a:ln>
+        </p:spPr>
+        <p:style>
+          <a:lnRef idx="2">
+            <a:schemeClr val="accent1">
+              <a:shade val="50000"/>
+            </a:schemeClr>
+          </a:lnRef>
+          <a:fillRef idx="1">
+            <a:schemeClr val="accent1"/>
+          </a:fillRef>
+          <a:effectRef idx="0">
+            <a:schemeClr val="accent1"/>
+          </a:effectRef>
+          <a:fontRef idx="minor">
+            <a:schemeClr val="lt1"/>
+          </a:fontRef>
+        </p:style>
+        <p:txBody>
+          <a:bodyPr rtlCol="0" anchor="ctr"/>
+          <a:lstStyle/>
+          <a:p>
+            <a:pPr algn="ctr"/>
+            <a:endParaRPr lang="en-US"/>
+          </a:p>
+        </p:txBody>
+      </p:sp>
+    </p:spTree>
+    <p:extLst>
+      <p:ext uri="{BB962C8B-B14F-4D97-AF65-F5344CB8AC3E}">
+        <p14:creationId xmlns:p14="http://schemas.microsoft.com/office/powerpoint/2010/main" val="479953541"/>
+      </p:ext>
+    </p:extLst>
+  </p:cSld>
+  <p:clrMapOvr>
+    <a:masterClrMapping/>
+  </p:clrMapOvr>
+</p:sld>
+</file>
+
+<file path=ppt/slides/slide27.xml><?xml version="1.0" encoding="utf-8"?>
+<p:sld xmlns:a="http://schemas.openxmlformats.org/drawingml/2006/main" xmlns:r="http://schemas.openxmlformats.org/officeDocument/2006/relationships" xmlns:p="http://schemas.openxmlformats.org/presentationml/2006/main" showMasterSp="0">
+  <p:cSld>
+    <p:spTree>
+      <p:nvGrpSpPr>
+        <p:cNvPr id="1" name=""/>
+        <p:cNvGrpSpPr/>
+        <p:nvPr/>
+      </p:nvGrpSpPr>
+      <p:grpSpPr>
+        <a:xfrm>
+          <a:off x="0" y="0"/>
+          <a:ext cx="0" cy="0"/>
+          <a:chOff x="0" y="0"/>
+          <a:chExt cx="0" cy="0"/>
+        </a:xfrm>
+      </p:grpSpPr>
+      <p:sp>
+        <p:nvSpPr>
+          <p:cNvPr id="3" name="Title 2"/>
+          <p:cNvSpPr>
+            <a:spLocks noGrp="1"/>
+          </p:cNvSpPr>
+          <p:nvPr>
+            <p:ph type="title"/>
+          </p:nvPr>
+        </p:nvSpPr>
+        <p:spPr/>
+        <p:txBody>
+          <a:bodyPr>
+            <a:normAutofit/>
+          </a:bodyPr>
+          <a:lstStyle/>
+          <a:p>
+            <a:r>
+              <a:rPr lang="en-US" sz="4500" dirty="0">
+                <a:solidFill>
+                  <a:srgbClr val="29ABE2"/>
+                </a:solidFill>
+                <a:latin typeface="Segoe UI" panose="020B0502040204020203" pitchFamily="34" charset="0"/>
+                <a:cs typeface="Segoe UI" panose="020B0502040204020203" pitchFamily="34" charset="0"/>
+              </a:rPr>
+              <a:t>Rotator</a:t>
+            </a:r>
+          </a:p>
+        </p:txBody>
+      </p:sp>
+      <p:pic>
+        <p:nvPicPr>
+          <p:cNvPr id="4" name="Picture 3"/>
+          <p:cNvPicPr>
+            <a:picLocks noChangeAspect="1"/>
+          </p:cNvPicPr>
+          <p:nvPr/>
+        </p:nvPicPr>
+        <p:blipFill>
+          <a:blip r:embed="rId3"/>
+          <a:stretch>
+            <a:fillRect/>
+          </a:stretch>
+        </p:blipFill>
+        <p:spPr>
+          <a:xfrm>
+            <a:off x="1552575" y="1981200"/>
+            <a:ext cx="6038850" cy="3067050"/>
+          </a:xfrm>
+          <a:prstGeom prst="rect">
+            <a:avLst/>
+          </a:prstGeom>
+        </p:spPr>
+      </p:pic>
+      <p:sp>
+        <p:nvSpPr>
+          <p:cNvPr id="6" name="Rectangle 5"/>
+          <p:cNvSpPr/>
+          <p:nvPr/>
+        </p:nvSpPr>
+        <p:spPr>
+          <a:xfrm>
+            <a:off x="0" y="6101740"/>
+            <a:ext cx="9144000" cy="756260"/>
+          </a:xfrm>
+          <a:prstGeom prst="rect">
+            <a:avLst/>
+          </a:prstGeom>
+          <a:solidFill>
+            <a:srgbClr val="29ABE2"/>
+          </a:solidFill>
+          <a:ln>
+            <a:noFill/>
+          </a:ln>
+        </p:spPr>
+        <p:style>
+          <a:lnRef idx="2">
+            <a:schemeClr val="accent1">
+              <a:shade val="50000"/>
+            </a:schemeClr>
+          </a:lnRef>
+          <a:fillRef idx="1">
+            <a:schemeClr val="accent1"/>
+          </a:fillRef>
+          <a:effectRef idx="0">
+            <a:schemeClr val="accent1"/>
+          </a:effectRef>
+          <a:fontRef idx="minor">
+            <a:schemeClr val="lt1"/>
+          </a:fontRef>
+        </p:style>
+        <p:txBody>
+          <a:bodyPr rtlCol="0" anchor="ctr"/>
+          <a:lstStyle/>
+          <a:p>
+            <a:pPr algn="ctr"/>
+            <a:endParaRPr lang="en-US"/>
+          </a:p>
+        </p:txBody>
+      </p:sp>
+    </p:spTree>
+    <p:extLst>
+      <p:ext uri="{BB962C8B-B14F-4D97-AF65-F5344CB8AC3E}">
+        <p14:creationId xmlns:p14="http://schemas.microsoft.com/office/powerpoint/2010/main" val="4062455546"/>
+      </p:ext>
+    </p:extLst>
+  </p:cSld>
+  <p:clrMapOvr>
+    <a:masterClrMapping/>
+  </p:clrMapOvr>
+</p:sld>
+</file>
+
+<file path=ppt/slides/slide28.xml><?xml version="1.0" encoding="utf-8"?>
+<p:sld xmlns:a="http://schemas.openxmlformats.org/drawingml/2006/main" xmlns:r="http://schemas.openxmlformats.org/officeDocument/2006/relationships" xmlns:p="http://schemas.openxmlformats.org/presentationml/2006/main" showMasterSp="0">
+  <p:cSld>
+    <p:spTree>
+      <p:nvGrpSpPr>
+        <p:cNvPr id="1" name=""/>
+        <p:cNvGrpSpPr/>
+        <p:nvPr/>
+      </p:nvGrpSpPr>
+      <p:grpSpPr>
+        <a:xfrm>
+          <a:off x="0" y="0"/>
+          <a:ext cx="0" cy="0"/>
+          <a:chOff x="0" y="0"/>
+          <a:chExt cx="0" cy="0"/>
+        </a:xfrm>
+      </p:grpSpPr>
+      <p:sp>
+        <p:nvSpPr>
+          <p:cNvPr id="3" name="Title 2"/>
+          <p:cNvSpPr>
+            <a:spLocks noGrp="1"/>
+          </p:cNvSpPr>
+          <p:nvPr>
+            <p:ph type="title"/>
+          </p:nvPr>
+        </p:nvSpPr>
+        <p:spPr/>
+        <p:txBody>
+          <a:bodyPr>
+            <a:normAutofit/>
+          </a:bodyPr>
+          <a:lstStyle/>
+          <a:p>
+            <a:r>
+              <a:rPr lang="en-US" sz="4500" dirty="0">
+                <a:solidFill>
+                  <a:srgbClr val="29ABE2"/>
+                </a:solidFill>
+                <a:latin typeface="Segoe UI" panose="020B0502040204020203" pitchFamily="34" charset="0"/>
+                <a:cs typeface="Segoe UI" panose="020B0502040204020203" pitchFamily="34" charset="0"/>
+              </a:rPr>
+              <a:t>Tabs</a:t>
+            </a:r>
+          </a:p>
+        </p:txBody>
+      </p:sp>
+      <p:pic>
+        <p:nvPicPr>
+          <p:cNvPr id="2" name="Picture 1"/>
+          <p:cNvPicPr>
+            <a:picLocks noChangeAspect="1"/>
+          </p:cNvPicPr>
+          <p:nvPr/>
+        </p:nvPicPr>
+        <p:blipFill>
+          <a:blip r:embed="rId3"/>
+          <a:stretch>
+            <a:fillRect/>
+          </a:stretch>
+        </p:blipFill>
+        <p:spPr>
+          <a:xfrm>
+            <a:off x="2143125" y="2271712"/>
+            <a:ext cx="5019675" cy="2314575"/>
+          </a:xfrm>
+          <a:prstGeom prst="rect">
+            <a:avLst/>
+          </a:prstGeom>
+        </p:spPr>
+      </p:pic>
+      <p:sp>
+        <p:nvSpPr>
+          <p:cNvPr id="5" name="Rectangle 4"/>
+          <p:cNvSpPr/>
+          <p:nvPr/>
+        </p:nvSpPr>
+        <p:spPr>
+          <a:xfrm>
+            <a:off x="0" y="6101740"/>
+            <a:ext cx="9144000" cy="756260"/>
+          </a:xfrm>
+          <a:prstGeom prst="rect">
+            <a:avLst/>
+          </a:prstGeom>
+          <a:solidFill>
+            <a:srgbClr val="29ABE2"/>
+          </a:solidFill>
+          <a:ln>
+            <a:noFill/>
+          </a:ln>
+        </p:spPr>
+        <p:style>
+          <a:lnRef idx="2">
+            <a:schemeClr val="accent1">
+              <a:shade val="50000"/>
+            </a:schemeClr>
+          </a:lnRef>
+          <a:fillRef idx="1">
+            <a:schemeClr val="accent1"/>
+          </a:fillRef>
+          <a:effectRef idx="0">
+            <a:schemeClr val="accent1"/>
+          </a:effectRef>
+          <a:fontRef idx="minor">
+            <a:schemeClr val="lt1"/>
+          </a:fontRef>
+        </p:style>
+        <p:txBody>
+          <a:bodyPr rtlCol="0" anchor="ctr"/>
+          <a:lstStyle/>
+          <a:p>
+            <a:pPr algn="ctr"/>
+            <a:endParaRPr lang="en-US"/>
+          </a:p>
+        </p:txBody>
+      </p:sp>
+    </p:spTree>
+    <p:extLst>
+      <p:ext uri="{BB962C8B-B14F-4D97-AF65-F5344CB8AC3E}">
+        <p14:creationId xmlns:p14="http://schemas.microsoft.com/office/powerpoint/2010/main" val="2709441527"/>
+      </p:ext>
+    </p:extLst>
+  </p:cSld>
+  <p:clrMapOvr>
+    <a:masterClrMapping/>
+  </p:clrMapOvr>
+</p:sld>
+</file>
+
+<file path=ppt/slides/slide29.xml><?xml version="1.0" encoding="utf-8"?>
+<p:sld xmlns:a="http://schemas.openxmlformats.org/drawingml/2006/main" xmlns:r="http://schemas.openxmlformats.org/officeDocument/2006/relationships" xmlns:p="http://schemas.openxmlformats.org/presentationml/2006/main" showMasterSp="0">
+  <p:cSld>
+    <p:spTree>
+      <p:nvGrpSpPr>
+        <p:cNvPr id="1" name=""/>
+        <p:cNvGrpSpPr/>
+        <p:nvPr/>
+      </p:nvGrpSpPr>
+      <p:grpSpPr>
+        <a:xfrm>
+          <a:off x="0" y="0"/>
+          <a:ext cx="0" cy="0"/>
+          <a:chOff x="0" y="0"/>
+          <a:chExt cx="0" cy="0"/>
+        </a:xfrm>
+      </p:grpSpPr>
+      <p:sp>
+        <p:nvSpPr>
+          <p:cNvPr id="3" name="Title 2"/>
+          <p:cNvSpPr>
+            <a:spLocks noGrp="1"/>
+          </p:cNvSpPr>
+          <p:nvPr>
+            <p:ph type="title"/>
+          </p:nvPr>
+        </p:nvSpPr>
+        <p:spPr/>
+        <p:txBody>
+          <a:bodyPr>
+            <a:normAutofit/>
+          </a:bodyPr>
+          <a:lstStyle/>
+          <a:p>
+            <a:r>
+              <a:rPr lang="en-US" sz="4500" dirty="0">
+                <a:solidFill>
+                  <a:srgbClr val="29ABE2"/>
+                </a:solidFill>
+                <a:latin typeface="Segoe UI" panose="020B0502040204020203" pitchFamily="34" charset="0"/>
+                <a:cs typeface="Segoe UI" panose="020B0502040204020203" pitchFamily="34" charset="0"/>
+              </a:rPr>
+              <a:t>Menu</a:t>
+            </a:r>
+          </a:p>
+        </p:txBody>
+      </p:sp>
+      <p:pic>
+        <p:nvPicPr>
+          <p:cNvPr id="4" name="Picture 3"/>
+          <p:cNvPicPr>
+            <a:picLocks noChangeAspect="1"/>
+          </p:cNvPicPr>
+          <p:nvPr/>
+        </p:nvPicPr>
+        <p:blipFill>
+          <a:blip r:embed="rId3"/>
+          <a:stretch>
+            <a:fillRect/>
+          </a:stretch>
+        </p:blipFill>
+        <p:spPr>
+          <a:xfrm>
+            <a:off x="1571625" y="2328862"/>
+            <a:ext cx="6000750" cy="2200275"/>
+          </a:xfrm>
+          <a:prstGeom prst="rect">
+            <a:avLst/>
+          </a:prstGeom>
+        </p:spPr>
+      </p:pic>
+      <p:sp>
+        <p:nvSpPr>
+          <p:cNvPr id="6" name="Rectangle 5"/>
+          <p:cNvSpPr/>
+          <p:nvPr/>
+        </p:nvSpPr>
+        <p:spPr>
+          <a:xfrm>
+            <a:off x="0" y="6101740"/>
+            <a:ext cx="9144000" cy="756260"/>
+          </a:xfrm>
+          <a:prstGeom prst="rect">
+            <a:avLst/>
+          </a:prstGeom>
+          <a:solidFill>
+            <a:srgbClr val="29ABE2"/>
+          </a:solidFill>
+          <a:ln>
+            <a:noFill/>
+          </a:ln>
+        </p:spPr>
+        <p:style>
+          <a:lnRef idx="2">
+            <a:schemeClr val="accent1">
+              <a:shade val="50000"/>
+            </a:schemeClr>
+          </a:lnRef>
+          <a:fillRef idx="1">
+            <a:schemeClr val="accent1"/>
+          </a:fillRef>
+          <a:effectRef idx="0">
+            <a:schemeClr val="accent1"/>
+          </a:effectRef>
+          <a:fontRef idx="minor">
+            <a:schemeClr val="lt1"/>
+          </a:fontRef>
+        </p:style>
+        <p:txBody>
+          <a:bodyPr rtlCol="0" anchor="ctr"/>
+          <a:lstStyle/>
+          <a:p>
+            <a:pPr algn="ctr"/>
+            <a:endParaRPr lang="en-US"/>
+          </a:p>
+        </p:txBody>
+      </p:sp>
+    </p:spTree>
+    <p:extLst>
+      <p:ext uri="{BB962C8B-B14F-4D97-AF65-F5344CB8AC3E}">
+        <p14:creationId xmlns:p14="http://schemas.microsoft.com/office/powerpoint/2010/main" val="333420122"/>
+      </p:ext>
+    </p:extLst>
+  </p:cSld>
+  <p:clrMapOvr>
+    <a:masterClrMapping/>
+  </p:clrMapOvr>
+</p:sld>
+</file>
+
+<file path=ppt/slides/slide3.xml><?xml version="1.0" encoding="utf-8"?>
 <p:sld xmlns:a="http://schemas.openxmlformats.org/drawingml/2006/main" xmlns:r="http://schemas.openxmlformats.org/officeDocument/2006/relationships" xmlns:p="http://schemas.openxmlformats.org/presentationml/2006/main">
   <p:cSld>
     <p:spTree>
@@ -9848,1500 +11309,6 @@
     <p:extLst>
       <p:ext uri="{BB962C8B-B14F-4D97-AF65-F5344CB8AC3E}">
         <p14:creationId xmlns:p14="http://schemas.microsoft.com/office/powerpoint/2010/main" val="614679939"/>
-      </p:ext>
-    </p:extLst>
-  </p:cSld>
-  <p:clrMapOvr>
-    <a:masterClrMapping/>
-  </p:clrMapOvr>
-</p:sld>
-</file>
-
-<file path=ppt/slides/slide20.xml><?xml version="1.0" encoding="utf-8"?>
-<p:sld xmlns:a="http://schemas.openxmlformats.org/drawingml/2006/main" xmlns:r="http://schemas.openxmlformats.org/officeDocument/2006/relationships" xmlns:p="http://schemas.openxmlformats.org/presentationml/2006/main" showMasterSp="0">
-  <p:cSld>
-    <p:spTree>
-      <p:nvGrpSpPr>
-        <p:cNvPr id="1" name=""/>
-        <p:cNvGrpSpPr/>
-        <p:nvPr/>
-      </p:nvGrpSpPr>
-      <p:grpSpPr>
-        <a:xfrm>
-          <a:off x="0" y="0"/>
-          <a:ext cx="0" cy="0"/>
-          <a:chOff x="0" y="0"/>
-          <a:chExt cx="0" cy="0"/>
-        </a:xfrm>
-      </p:grpSpPr>
-      <p:sp>
-        <p:nvSpPr>
-          <p:cNvPr id="3" name="Title 2"/>
-          <p:cNvSpPr>
-            <a:spLocks noGrp="1"/>
-          </p:cNvSpPr>
-          <p:nvPr>
-            <p:ph type="title"/>
-          </p:nvPr>
-        </p:nvSpPr>
-        <p:spPr/>
-        <p:txBody>
-          <a:bodyPr>
-            <a:normAutofit/>
-          </a:bodyPr>
-          <a:lstStyle/>
-          <a:p>
-            <a:r>
-              <a:rPr lang="en-US" sz="4500" dirty="0">
-                <a:solidFill>
-                  <a:srgbClr val="29ABE2"/>
-                </a:solidFill>
-                <a:latin typeface="Segoe UI" panose="020B0502040204020203" pitchFamily="34" charset="0"/>
-                <a:cs typeface="Segoe UI" panose="020B0502040204020203" pitchFamily="34" charset="0"/>
-              </a:rPr>
-              <a:t>Time Picker</a:t>
-            </a:r>
-          </a:p>
-        </p:txBody>
-      </p:sp>
-      <p:pic>
-        <p:nvPicPr>
-          <p:cNvPr id="4" name="Picture 3"/>
-          <p:cNvPicPr>
-            <a:picLocks noChangeAspect="1"/>
-          </p:cNvPicPr>
-          <p:nvPr/>
-        </p:nvPicPr>
-        <p:blipFill>
-          <a:blip r:embed="rId3"/>
-          <a:stretch>
-            <a:fillRect/>
-          </a:stretch>
-        </p:blipFill>
-        <p:spPr>
-          <a:xfrm>
-            <a:off x="3429000" y="1752600"/>
-            <a:ext cx="2486079" cy="3444400"/>
-          </a:xfrm>
-          <a:prstGeom prst="rect">
-            <a:avLst/>
-          </a:prstGeom>
-        </p:spPr>
-      </p:pic>
-      <p:sp>
-        <p:nvSpPr>
-          <p:cNvPr id="6" name="Rectangle 5"/>
-          <p:cNvSpPr/>
-          <p:nvPr/>
-        </p:nvSpPr>
-        <p:spPr>
-          <a:xfrm>
-            <a:off x="0" y="6101740"/>
-            <a:ext cx="9144000" cy="756260"/>
-          </a:xfrm>
-          <a:prstGeom prst="rect">
-            <a:avLst/>
-          </a:prstGeom>
-          <a:solidFill>
-            <a:srgbClr val="29ABE2"/>
-          </a:solidFill>
-          <a:ln>
-            <a:noFill/>
-          </a:ln>
-        </p:spPr>
-        <p:style>
-          <a:lnRef idx="2">
-            <a:schemeClr val="accent1">
-              <a:shade val="50000"/>
-            </a:schemeClr>
-          </a:lnRef>
-          <a:fillRef idx="1">
-            <a:schemeClr val="accent1"/>
-          </a:fillRef>
-          <a:effectRef idx="0">
-            <a:schemeClr val="accent1"/>
-          </a:effectRef>
-          <a:fontRef idx="minor">
-            <a:schemeClr val="lt1"/>
-          </a:fontRef>
-        </p:style>
-        <p:txBody>
-          <a:bodyPr rtlCol="0" anchor="ctr"/>
-          <a:lstStyle/>
-          <a:p>
-            <a:pPr algn="ctr"/>
-            <a:endParaRPr lang="en-US"/>
-          </a:p>
-        </p:txBody>
-      </p:sp>
-    </p:spTree>
-    <p:extLst>
-      <p:ext uri="{BB962C8B-B14F-4D97-AF65-F5344CB8AC3E}">
-        <p14:creationId xmlns:p14="http://schemas.microsoft.com/office/powerpoint/2010/main" val="3945418359"/>
-      </p:ext>
-    </p:extLst>
-  </p:cSld>
-  <p:clrMapOvr>
-    <a:masterClrMapping/>
-  </p:clrMapOvr>
-</p:sld>
-</file>
-
-<file path=ppt/slides/slide21.xml><?xml version="1.0" encoding="utf-8"?>
-<p:sld xmlns:a="http://schemas.openxmlformats.org/drawingml/2006/main" xmlns:r="http://schemas.openxmlformats.org/officeDocument/2006/relationships" xmlns:p="http://schemas.openxmlformats.org/presentationml/2006/main" showMasterSp="0">
-  <p:cSld>
-    <p:spTree>
-      <p:nvGrpSpPr>
-        <p:cNvPr id="1" name=""/>
-        <p:cNvGrpSpPr/>
-        <p:nvPr/>
-      </p:nvGrpSpPr>
-      <p:grpSpPr>
-        <a:xfrm>
-          <a:off x="0" y="0"/>
-          <a:ext cx="0" cy="0"/>
-          <a:chOff x="0" y="0"/>
-          <a:chExt cx="0" cy="0"/>
-        </a:xfrm>
-      </p:grpSpPr>
-      <p:sp>
-        <p:nvSpPr>
-          <p:cNvPr id="3" name="Title 2"/>
-          <p:cNvSpPr>
-            <a:spLocks noGrp="1"/>
-          </p:cNvSpPr>
-          <p:nvPr>
-            <p:ph type="title"/>
-          </p:nvPr>
-        </p:nvSpPr>
-        <p:spPr/>
-        <p:txBody>
-          <a:bodyPr>
-            <a:normAutofit/>
-          </a:bodyPr>
-          <a:lstStyle/>
-          <a:p>
-            <a:r>
-              <a:rPr lang="en-US" sz="4500" dirty="0">
-                <a:solidFill>
-                  <a:srgbClr val="29ABE2"/>
-                </a:solidFill>
-                <a:latin typeface="Segoe UI" panose="020B0502040204020203" pitchFamily="34" charset="0"/>
-                <a:cs typeface="Segoe UI" panose="020B0502040204020203" pitchFamily="34" charset="0"/>
-              </a:rPr>
-              <a:t>Time Picker</a:t>
-            </a:r>
-          </a:p>
-        </p:txBody>
-      </p:sp>
-      <p:pic>
-        <p:nvPicPr>
-          <p:cNvPr id="2" name="Picture 1"/>
-          <p:cNvPicPr>
-            <a:picLocks noChangeAspect="1"/>
-          </p:cNvPicPr>
-          <p:nvPr/>
-        </p:nvPicPr>
-        <p:blipFill>
-          <a:blip r:embed="rId3"/>
-          <a:stretch>
-            <a:fillRect/>
-          </a:stretch>
-        </p:blipFill>
-        <p:spPr>
-          <a:xfrm>
-            <a:off x="2833687" y="1905000"/>
-            <a:ext cx="3476625" cy="3048000"/>
-          </a:xfrm>
-          <a:prstGeom prst="rect">
-            <a:avLst/>
-          </a:prstGeom>
-        </p:spPr>
-      </p:pic>
-      <p:sp>
-        <p:nvSpPr>
-          <p:cNvPr id="5" name="Rectangle 4"/>
-          <p:cNvSpPr/>
-          <p:nvPr/>
-        </p:nvSpPr>
-        <p:spPr>
-          <a:xfrm>
-            <a:off x="0" y="6101740"/>
-            <a:ext cx="9144000" cy="756260"/>
-          </a:xfrm>
-          <a:prstGeom prst="rect">
-            <a:avLst/>
-          </a:prstGeom>
-          <a:solidFill>
-            <a:srgbClr val="29ABE2"/>
-          </a:solidFill>
-          <a:ln>
-            <a:noFill/>
-          </a:ln>
-        </p:spPr>
-        <p:style>
-          <a:lnRef idx="2">
-            <a:schemeClr val="accent1">
-              <a:shade val="50000"/>
-            </a:schemeClr>
-          </a:lnRef>
-          <a:fillRef idx="1">
-            <a:schemeClr val="accent1"/>
-          </a:fillRef>
-          <a:effectRef idx="0">
-            <a:schemeClr val="accent1"/>
-          </a:effectRef>
-          <a:fontRef idx="minor">
-            <a:schemeClr val="lt1"/>
-          </a:fontRef>
-        </p:style>
-        <p:txBody>
-          <a:bodyPr rtlCol="0" anchor="ctr"/>
-          <a:lstStyle/>
-          <a:p>
-            <a:pPr algn="ctr"/>
-            <a:endParaRPr lang="en-US"/>
-          </a:p>
-        </p:txBody>
-      </p:sp>
-    </p:spTree>
-    <p:extLst>
-      <p:ext uri="{BB962C8B-B14F-4D97-AF65-F5344CB8AC3E}">
-        <p14:creationId xmlns:p14="http://schemas.microsoft.com/office/powerpoint/2010/main" val="3230332397"/>
-      </p:ext>
-    </p:extLst>
-  </p:cSld>
-  <p:clrMapOvr>
-    <a:masterClrMapping/>
-  </p:clrMapOvr>
-</p:sld>
-</file>
-
-<file path=ppt/slides/slide22.xml><?xml version="1.0" encoding="utf-8"?>
-<p:sld xmlns:a="http://schemas.openxmlformats.org/drawingml/2006/main" xmlns:r="http://schemas.openxmlformats.org/officeDocument/2006/relationships" xmlns:p="http://schemas.openxmlformats.org/presentationml/2006/main" showMasterSp="0">
-  <p:cSld>
-    <p:spTree>
-      <p:nvGrpSpPr>
-        <p:cNvPr id="1" name=""/>
-        <p:cNvGrpSpPr/>
-        <p:nvPr/>
-      </p:nvGrpSpPr>
-      <p:grpSpPr>
-        <a:xfrm>
-          <a:off x="0" y="0"/>
-          <a:ext cx="0" cy="0"/>
-          <a:chOff x="0" y="0"/>
-          <a:chExt cx="0" cy="0"/>
-        </a:xfrm>
-      </p:grpSpPr>
-      <p:sp>
-        <p:nvSpPr>
-          <p:cNvPr id="3" name="Title 2"/>
-          <p:cNvSpPr>
-            <a:spLocks noGrp="1"/>
-          </p:cNvSpPr>
-          <p:nvPr>
-            <p:ph type="title"/>
-          </p:nvPr>
-        </p:nvSpPr>
-        <p:spPr/>
-        <p:txBody>
-          <a:bodyPr>
-            <a:normAutofit/>
-          </a:bodyPr>
-          <a:lstStyle/>
-          <a:p>
-            <a:r>
-              <a:rPr lang="en-US" sz="4500" dirty="0">
-                <a:solidFill>
-                  <a:srgbClr val="29ABE2"/>
-                </a:solidFill>
-                <a:latin typeface="Segoe UI" panose="020B0502040204020203" pitchFamily="34" charset="0"/>
-                <a:cs typeface="Segoe UI" panose="020B0502040204020203" pitchFamily="34" charset="0"/>
-              </a:rPr>
-              <a:t>Date Time Picker</a:t>
-            </a:r>
-          </a:p>
-        </p:txBody>
-      </p:sp>
-      <p:pic>
-        <p:nvPicPr>
-          <p:cNvPr id="2" name="Picture 1"/>
-          <p:cNvPicPr>
-            <a:picLocks noChangeAspect="1"/>
-          </p:cNvPicPr>
-          <p:nvPr/>
-        </p:nvPicPr>
-        <p:blipFill>
-          <a:blip r:embed="rId3"/>
-          <a:stretch>
-            <a:fillRect/>
-          </a:stretch>
-        </p:blipFill>
-        <p:spPr>
-          <a:xfrm>
-            <a:off x="2833687" y="1905000"/>
-            <a:ext cx="3476625" cy="3048000"/>
-          </a:xfrm>
-          <a:prstGeom prst="rect">
-            <a:avLst/>
-          </a:prstGeom>
-        </p:spPr>
-      </p:pic>
-      <p:sp>
-        <p:nvSpPr>
-          <p:cNvPr id="5" name="Rectangle 4"/>
-          <p:cNvSpPr/>
-          <p:nvPr/>
-        </p:nvSpPr>
-        <p:spPr>
-          <a:xfrm>
-            <a:off x="0" y="6101740"/>
-            <a:ext cx="9144000" cy="756260"/>
-          </a:xfrm>
-          <a:prstGeom prst="rect">
-            <a:avLst/>
-          </a:prstGeom>
-          <a:solidFill>
-            <a:srgbClr val="29ABE2"/>
-          </a:solidFill>
-          <a:ln>
-            <a:noFill/>
-          </a:ln>
-        </p:spPr>
-        <p:style>
-          <a:lnRef idx="2">
-            <a:schemeClr val="accent1">
-              <a:shade val="50000"/>
-            </a:schemeClr>
-          </a:lnRef>
-          <a:fillRef idx="1">
-            <a:schemeClr val="accent1"/>
-          </a:fillRef>
-          <a:effectRef idx="0">
-            <a:schemeClr val="accent1"/>
-          </a:effectRef>
-          <a:fontRef idx="minor">
-            <a:schemeClr val="lt1"/>
-          </a:fontRef>
-        </p:style>
-        <p:txBody>
-          <a:bodyPr rtlCol="0" anchor="ctr"/>
-          <a:lstStyle/>
-          <a:p>
-            <a:pPr algn="ctr"/>
-            <a:endParaRPr lang="en-US"/>
-          </a:p>
-        </p:txBody>
-      </p:sp>
-    </p:spTree>
-    <p:extLst>
-      <p:ext uri="{BB962C8B-B14F-4D97-AF65-F5344CB8AC3E}">
-        <p14:creationId xmlns:p14="http://schemas.microsoft.com/office/powerpoint/2010/main" val="1469342308"/>
-      </p:ext>
-    </p:extLst>
-  </p:cSld>
-  <p:clrMapOvr>
-    <a:masterClrMapping/>
-  </p:clrMapOvr>
-</p:sld>
-</file>
-
-<file path=ppt/slides/slide23.xml><?xml version="1.0" encoding="utf-8"?>
-<p:sld xmlns:a="http://schemas.openxmlformats.org/drawingml/2006/main" xmlns:r="http://schemas.openxmlformats.org/officeDocument/2006/relationships" xmlns:p="http://schemas.openxmlformats.org/presentationml/2006/main" showMasterSp="0">
-  <p:cSld>
-    <p:spTree>
-      <p:nvGrpSpPr>
-        <p:cNvPr id="1" name=""/>
-        <p:cNvGrpSpPr/>
-        <p:nvPr/>
-      </p:nvGrpSpPr>
-      <p:grpSpPr>
-        <a:xfrm>
-          <a:off x="0" y="0"/>
-          <a:ext cx="0" cy="0"/>
-          <a:chOff x="0" y="0"/>
-          <a:chExt cx="0" cy="0"/>
-        </a:xfrm>
-      </p:grpSpPr>
-      <p:sp>
-        <p:nvSpPr>
-          <p:cNvPr id="3" name="Title 2"/>
-          <p:cNvSpPr>
-            <a:spLocks noGrp="1"/>
-          </p:cNvSpPr>
-          <p:nvPr>
-            <p:ph type="title"/>
-          </p:nvPr>
-        </p:nvSpPr>
-        <p:spPr/>
-        <p:txBody>
-          <a:bodyPr>
-            <a:normAutofit/>
-          </a:bodyPr>
-          <a:lstStyle/>
-          <a:p>
-            <a:r>
-              <a:rPr lang="en-US" sz="4500" dirty="0">
-                <a:solidFill>
-                  <a:srgbClr val="29ABE2"/>
-                </a:solidFill>
-                <a:latin typeface="Segoe UI" panose="020B0502040204020203" pitchFamily="34" charset="0"/>
-                <a:cs typeface="Segoe UI" panose="020B0502040204020203" pitchFamily="34" charset="0"/>
-              </a:rPr>
-              <a:t>Text Boxes</a:t>
-            </a:r>
-          </a:p>
-        </p:txBody>
-      </p:sp>
-      <p:pic>
-        <p:nvPicPr>
-          <p:cNvPr id="4" name="Picture 3"/>
-          <p:cNvPicPr>
-            <a:picLocks noChangeAspect="1"/>
-          </p:cNvPicPr>
-          <p:nvPr/>
-        </p:nvPicPr>
-        <p:blipFill>
-          <a:blip r:embed="rId3"/>
-          <a:stretch>
-            <a:fillRect/>
-          </a:stretch>
-        </p:blipFill>
-        <p:spPr>
-          <a:xfrm>
-            <a:off x="2646556" y="2286000"/>
-            <a:ext cx="3850888" cy="1873405"/>
-          </a:xfrm>
-          <a:prstGeom prst="rect">
-            <a:avLst/>
-          </a:prstGeom>
-        </p:spPr>
-      </p:pic>
-      <p:sp>
-        <p:nvSpPr>
-          <p:cNvPr id="6" name="Rectangle 5"/>
-          <p:cNvSpPr/>
-          <p:nvPr/>
-        </p:nvSpPr>
-        <p:spPr>
-          <a:xfrm>
-            <a:off x="0" y="6101740"/>
-            <a:ext cx="9144000" cy="756260"/>
-          </a:xfrm>
-          <a:prstGeom prst="rect">
-            <a:avLst/>
-          </a:prstGeom>
-          <a:solidFill>
-            <a:srgbClr val="29ABE2"/>
-          </a:solidFill>
-          <a:ln>
-            <a:noFill/>
-          </a:ln>
-        </p:spPr>
-        <p:style>
-          <a:lnRef idx="2">
-            <a:schemeClr val="accent1">
-              <a:shade val="50000"/>
-            </a:schemeClr>
-          </a:lnRef>
-          <a:fillRef idx="1">
-            <a:schemeClr val="accent1"/>
-          </a:fillRef>
-          <a:effectRef idx="0">
-            <a:schemeClr val="accent1"/>
-          </a:effectRef>
-          <a:fontRef idx="minor">
-            <a:schemeClr val="lt1"/>
-          </a:fontRef>
-        </p:style>
-        <p:txBody>
-          <a:bodyPr rtlCol="0" anchor="ctr"/>
-          <a:lstStyle/>
-          <a:p>
-            <a:pPr algn="ctr"/>
-            <a:endParaRPr lang="en-US"/>
-          </a:p>
-        </p:txBody>
-      </p:sp>
-    </p:spTree>
-    <p:extLst>
-      <p:ext uri="{BB962C8B-B14F-4D97-AF65-F5344CB8AC3E}">
-        <p14:creationId xmlns:p14="http://schemas.microsoft.com/office/powerpoint/2010/main" val="1433157358"/>
-      </p:ext>
-    </p:extLst>
-  </p:cSld>
-  <p:clrMapOvr>
-    <a:masterClrMapping/>
-  </p:clrMapOvr>
-</p:sld>
-</file>
-
-<file path=ppt/slides/slide24.xml><?xml version="1.0" encoding="utf-8"?>
-<p:sld xmlns:a="http://schemas.openxmlformats.org/drawingml/2006/main" xmlns:r="http://schemas.openxmlformats.org/officeDocument/2006/relationships" xmlns:p="http://schemas.openxmlformats.org/presentationml/2006/main" showMasterSp="0">
-  <p:cSld>
-    <p:spTree>
-      <p:nvGrpSpPr>
-        <p:cNvPr id="1" name=""/>
-        <p:cNvGrpSpPr/>
-        <p:nvPr/>
-      </p:nvGrpSpPr>
-      <p:grpSpPr>
-        <a:xfrm>
-          <a:off x="0" y="0"/>
-          <a:ext cx="0" cy="0"/>
-          <a:chOff x="0" y="0"/>
-          <a:chExt cx="0" cy="0"/>
-        </a:xfrm>
-      </p:grpSpPr>
-      <p:sp>
-        <p:nvSpPr>
-          <p:cNvPr id="3" name="Title 2"/>
-          <p:cNvSpPr>
-            <a:spLocks noGrp="1"/>
-          </p:cNvSpPr>
-          <p:nvPr>
-            <p:ph type="title"/>
-          </p:nvPr>
-        </p:nvSpPr>
-        <p:spPr/>
-        <p:txBody>
-          <a:bodyPr>
-            <a:normAutofit/>
-          </a:bodyPr>
-          <a:lstStyle/>
-          <a:p>
-            <a:r>
-              <a:rPr lang="en-US" sz="4500" dirty="0">
-                <a:solidFill>
-                  <a:srgbClr val="29ABE2"/>
-                </a:solidFill>
-                <a:latin typeface="Segoe UI" panose="020B0502040204020203" pitchFamily="34" charset="0"/>
-                <a:cs typeface="Segoe UI" panose="020B0502040204020203" pitchFamily="34" charset="0"/>
-              </a:rPr>
-              <a:t>Auto Complete</a:t>
-            </a:r>
-          </a:p>
-        </p:txBody>
-      </p:sp>
-      <p:pic>
-        <p:nvPicPr>
-          <p:cNvPr id="2" name="Picture 1"/>
-          <p:cNvPicPr>
-            <a:picLocks noChangeAspect="1"/>
-          </p:cNvPicPr>
-          <p:nvPr/>
-        </p:nvPicPr>
-        <p:blipFill>
-          <a:blip r:embed="rId3"/>
-          <a:stretch>
-            <a:fillRect/>
-          </a:stretch>
-        </p:blipFill>
-        <p:spPr>
-          <a:xfrm>
-            <a:off x="3120250" y="1981200"/>
-            <a:ext cx="2903499" cy="2546929"/>
-          </a:xfrm>
-          <a:prstGeom prst="rect">
-            <a:avLst/>
-          </a:prstGeom>
-        </p:spPr>
-      </p:pic>
-      <p:sp>
-        <p:nvSpPr>
-          <p:cNvPr id="5" name="Rectangle 4"/>
-          <p:cNvSpPr/>
-          <p:nvPr/>
-        </p:nvSpPr>
-        <p:spPr>
-          <a:xfrm>
-            <a:off x="0" y="6101740"/>
-            <a:ext cx="9144000" cy="756260"/>
-          </a:xfrm>
-          <a:prstGeom prst="rect">
-            <a:avLst/>
-          </a:prstGeom>
-          <a:solidFill>
-            <a:srgbClr val="29ABE2"/>
-          </a:solidFill>
-          <a:ln>
-            <a:noFill/>
-          </a:ln>
-        </p:spPr>
-        <p:style>
-          <a:lnRef idx="2">
-            <a:schemeClr val="accent1">
-              <a:shade val="50000"/>
-            </a:schemeClr>
-          </a:lnRef>
-          <a:fillRef idx="1">
-            <a:schemeClr val="accent1"/>
-          </a:fillRef>
-          <a:effectRef idx="0">
-            <a:schemeClr val="accent1"/>
-          </a:effectRef>
-          <a:fontRef idx="minor">
-            <a:schemeClr val="lt1"/>
-          </a:fontRef>
-        </p:style>
-        <p:txBody>
-          <a:bodyPr rtlCol="0" anchor="ctr"/>
-          <a:lstStyle/>
-          <a:p>
-            <a:pPr algn="ctr"/>
-            <a:endParaRPr lang="en-US"/>
-          </a:p>
-        </p:txBody>
-      </p:sp>
-    </p:spTree>
-    <p:extLst>
-      <p:ext uri="{BB962C8B-B14F-4D97-AF65-F5344CB8AC3E}">
-        <p14:creationId xmlns:p14="http://schemas.microsoft.com/office/powerpoint/2010/main" val="3483731522"/>
-      </p:ext>
-    </p:extLst>
-  </p:cSld>
-  <p:clrMapOvr>
-    <a:masterClrMapping/>
-  </p:clrMapOvr>
-</p:sld>
-</file>
-
-<file path=ppt/slides/slide25.xml><?xml version="1.0" encoding="utf-8"?>
-<p:sld xmlns:a="http://schemas.openxmlformats.org/drawingml/2006/main" xmlns:r="http://schemas.openxmlformats.org/officeDocument/2006/relationships" xmlns:p="http://schemas.openxmlformats.org/presentationml/2006/main" showMasterSp="0">
-  <p:cSld>
-    <p:spTree>
-      <p:nvGrpSpPr>
-        <p:cNvPr id="1" name=""/>
-        <p:cNvGrpSpPr/>
-        <p:nvPr/>
-      </p:nvGrpSpPr>
-      <p:grpSpPr>
-        <a:xfrm>
-          <a:off x="0" y="0"/>
-          <a:ext cx="0" cy="0"/>
-          <a:chOff x="0" y="0"/>
-          <a:chExt cx="0" cy="0"/>
-        </a:xfrm>
-      </p:grpSpPr>
-      <p:sp>
-        <p:nvSpPr>
-          <p:cNvPr id="3" name="Title 2"/>
-          <p:cNvSpPr>
-            <a:spLocks noGrp="1"/>
-          </p:cNvSpPr>
-          <p:nvPr>
-            <p:ph type="title"/>
-          </p:nvPr>
-        </p:nvSpPr>
-        <p:spPr/>
-        <p:txBody>
-          <a:bodyPr>
-            <a:normAutofit/>
-          </a:bodyPr>
-          <a:lstStyle/>
-          <a:p>
-            <a:r>
-              <a:rPr lang="en-US" sz="4500" dirty="0">
-                <a:solidFill>
-                  <a:srgbClr val="29ABE2"/>
-                </a:solidFill>
-                <a:latin typeface="Segoe UI" panose="020B0502040204020203" pitchFamily="34" charset="0"/>
-                <a:cs typeface="Segoe UI" panose="020B0502040204020203" pitchFamily="34" charset="0"/>
-              </a:rPr>
-              <a:t>Tree View</a:t>
-            </a:r>
-          </a:p>
-        </p:txBody>
-      </p:sp>
-      <p:pic>
-        <p:nvPicPr>
-          <p:cNvPr id="4" name="Picture 3"/>
-          <p:cNvPicPr>
-            <a:picLocks noChangeAspect="1"/>
-          </p:cNvPicPr>
-          <p:nvPr/>
-        </p:nvPicPr>
-        <p:blipFill>
-          <a:blip r:embed="rId3"/>
-          <a:stretch>
-            <a:fillRect/>
-          </a:stretch>
-        </p:blipFill>
-        <p:spPr>
-          <a:xfrm>
-            <a:off x="3429000" y="1524000"/>
-            <a:ext cx="2707772" cy="3438241"/>
-          </a:xfrm>
-          <a:prstGeom prst="rect">
-            <a:avLst/>
-          </a:prstGeom>
-        </p:spPr>
-      </p:pic>
-      <p:sp>
-        <p:nvSpPr>
-          <p:cNvPr id="6" name="Rectangle 5"/>
-          <p:cNvSpPr/>
-          <p:nvPr/>
-        </p:nvSpPr>
-        <p:spPr>
-          <a:xfrm>
-            <a:off x="0" y="6101740"/>
-            <a:ext cx="9144000" cy="756260"/>
-          </a:xfrm>
-          <a:prstGeom prst="rect">
-            <a:avLst/>
-          </a:prstGeom>
-          <a:solidFill>
-            <a:srgbClr val="29ABE2"/>
-          </a:solidFill>
-          <a:ln>
-            <a:noFill/>
-          </a:ln>
-        </p:spPr>
-        <p:style>
-          <a:lnRef idx="2">
-            <a:schemeClr val="accent1">
-              <a:shade val="50000"/>
-            </a:schemeClr>
-          </a:lnRef>
-          <a:fillRef idx="1">
-            <a:schemeClr val="accent1"/>
-          </a:fillRef>
-          <a:effectRef idx="0">
-            <a:schemeClr val="accent1"/>
-          </a:effectRef>
-          <a:fontRef idx="minor">
-            <a:schemeClr val="lt1"/>
-          </a:fontRef>
-        </p:style>
-        <p:txBody>
-          <a:bodyPr rtlCol="0" anchor="ctr"/>
-          <a:lstStyle/>
-          <a:p>
-            <a:pPr algn="ctr"/>
-            <a:endParaRPr lang="en-US"/>
-          </a:p>
-        </p:txBody>
-      </p:sp>
-    </p:spTree>
-    <p:extLst>
-      <p:ext uri="{BB962C8B-B14F-4D97-AF65-F5344CB8AC3E}">
-        <p14:creationId xmlns:p14="http://schemas.microsoft.com/office/powerpoint/2010/main" val="2172470868"/>
-      </p:ext>
-    </p:extLst>
-  </p:cSld>
-  <p:clrMapOvr>
-    <a:masterClrMapping/>
-  </p:clrMapOvr>
-</p:sld>
-</file>
-
-<file path=ppt/slides/slide26.xml><?xml version="1.0" encoding="utf-8"?>
-<p:sld xmlns:a="http://schemas.openxmlformats.org/drawingml/2006/main" xmlns:r="http://schemas.openxmlformats.org/officeDocument/2006/relationships" xmlns:p="http://schemas.openxmlformats.org/presentationml/2006/main" showMasterSp="0">
-  <p:cSld>
-    <p:spTree>
-      <p:nvGrpSpPr>
-        <p:cNvPr id="1" name=""/>
-        <p:cNvGrpSpPr/>
-        <p:nvPr/>
-      </p:nvGrpSpPr>
-      <p:grpSpPr>
-        <a:xfrm>
-          <a:off x="0" y="0"/>
-          <a:ext cx="0" cy="0"/>
-          <a:chOff x="0" y="0"/>
-          <a:chExt cx="0" cy="0"/>
-        </a:xfrm>
-      </p:grpSpPr>
-      <p:sp>
-        <p:nvSpPr>
-          <p:cNvPr id="3" name="Title 2"/>
-          <p:cNvSpPr>
-            <a:spLocks noGrp="1"/>
-          </p:cNvSpPr>
-          <p:nvPr>
-            <p:ph type="title"/>
-          </p:nvPr>
-        </p:nvSpPr>
-        <p:spPr/>
-        <p:txBody>
-          <a:bodyPr>
-            <a:normAutofit/>
-          </a:bodyPr>
-          <a:lstStyle/>
-          <a:p>
-            <a:r>
-              <a:rPr lang="en-US" sz="4500" dirty="0">
-                <a:solidFill>
-                  <a:srgbClr val="29ABE2"/>
-                </a:solidFill>
-                <a:latin typeface="Segoe UI" panose="020B0502040204020203" pitchFamily="34" charset="0"/>
-                <a:cs typeface="Segoe UI" panose="020B0502040204020203" pitchFamily="34" charset="0"/>
-              </a:rPr>
-              <a:t>Rich Text Box</a:t>
-            </a:r>
-          </a:p>
-        </p:txBody>
-      </p:sp>
-      <p:pic>
-        <p:nvPicPr>
-          <p:cNvPr id="2" name="Picture 1"/>
-          <p:cNvPicPr>
-            <a:picLocks noChangeAspect="1"/>
-          </p:cNvPicPr>
-          <p:nvPr/>
-        </p:nvPicPr>
-        <p:blipFill>
-          <a:blip r:embed="rId3"/>
-          <a:stretch>
-            <a:fillRect/>
-          </a:stretch>
-        </p:blipFill>
-        <p:spPr>
-          <a:xfrm>
-            <a:off x="1890712" y="2295525"/>
-            <a:ext cx="5362575" cy="2266950"/>
-          </a:xfrm>
-          <a:prstGeom prst="rect">
-            <a:avLst/>
-          </a:prstGeom>
-        </p:spPr>
-      </p:pic>
-      <p:sp>
-        <p:nvSpPr>
-          <p:cNvPr id="5" name="Rectangle 4"/>
-          <p:cNvSpPr/>
-          <p:nvPr/>
-        </p:nvSpPr>
-        <p:spPr>
-          <a:xfrm>
-            <a:off x="0" y="6101740"/>
-            <a:ext cx="9144000" cy="756260"/>
-          </a:xfrm>
-          <a:prstGeom prst="rect">
-            <a:avLst/>
-          </a:prstGeom>
-          <a:solidFill>
-            <a:srgbClr val="29ABE2"/>
-          </a:solidFill>
-          <a:ln>
-            <a:noFill/>
-          </a:ln>
-        </p:spPr>
-        <p:style>
-          <a:lnRef idx="2">
-            <a:schemeClr val="accent1">
-              <a:shade val="50000"/>
-            </a:schemeClr>
-          </a:lnRef>
-          <a:fillRef idx="1">
-            <a:schemeClr val="accent1"/>
-          </a:fillRef>
-          <a:effectRef idx="0">
-            <a:schemeClr val="accent1"/>
-          </a:effectRef>
-          <a:fontRef idx="minor">
-            <a:schemeClr val="lt1"/>
-          </a:fontRef>
-        </p:style>
-        <p:txBody>
-          <a:bodyPr rtlCol="0" anchor="ctr"/>
-          <a:lstStyle/>
-          <a:p>
-            <a:pPr algn="ctr"/>
-            <a:endParaRPr lang="en-US"/>
-          </a:p>
-        </p:txBody>
-      </p:sp>
-    </p:spTree>
-    <p:extLst>
-      <p:ext uri="{BB962C8B-B14F-4D97-AF65-F5344CB8AC3E}">
-        <p14:creationId xmlns:p14="http://schemas.microsoft.com/office/powerpoint/2010/main" val="479953541"/>
-      </p:ext>
-    </p:extLst>
-  </p:cSld>
-  <p:clrMapOvr>
-    <a:masterClrMapping/>
-  </p:clrMapOvr>
-</p:sld>
-</file>
-
-<file path=ppt/slides/slide27.xml><?xml version="1.0" encoding="utf-8"?>
-<p:sld xmlns:a="http://schemas.openxmlformats.org/drawingml/2006/main" xmlns:r="http://schemas.openxmlformats.org/officeDocument/2006/relationships" xmlns:p="http://schemas.openxmlformats.org/presentationml/2006/main" showMasterSp="0">
-  <p:cSld>
-    <p:spTree>
-      <p:nvGrpSpPr>
-        <p:cNvPr id="1" name=""/>
-        <p:cNvGrpSpPr/>
-        <p:nvPr/>
-      </p:nvGrpSpPr>
-      <p:grpSpPr>
-        <a:xfrm>
-          <a:off x="0" y="0"/>
-          <a:ext cx="0" cy="0"/>
-          <a:chOff x="0" y="0"/>
-          <a:chExt cx="0" cy="0"/>
-        </a:xfrm>
-      </p:grpSpPr>
-      <p:sp>
-        <p:nvSpPr>
-          <p:cNvPr id="3" name="Title 2"/>
-          <p:cNvSpPr>
-            <a:spLocks noGrp="1"/>
-          </p:cNvSpPr>
-          <p:nvPr>
-            <p:ph type="title"/>
-          </p:nvPr>
-        </p:nvSpPr>
-        <p:spPr/>
-        <p:txBody>
-          <a:bodyPr>
-            <a:normAutofit/>
-          </a:bodyPr>
-          <a:lstStyle/>
-          <a:p>
-            <a:r>
-              <a:rPr lang="en-US" sz="4500" dirty="0">
-                <a:solidFill>
-                  <a:srgbClr val="29ABE2"/>
-                </a:solidFill>
-                <a:latin typeface="Segoe UI" panose="020B0502040204020203" pitchFamily="34" charset="0"/>
-                <a:cs typeface="Segoe UI" panose="020B0502040204020203" pitchFamily="34" charset="0"/>
-              </a:rPr>
-              <a:t>Rotator</a:t>
-            </a:r>
-          </a:p>
-        </p:txBody>
-      </p:sp>
-      <p:pic>
-        <p:nvPicPr>
-          <p:cNvPr id="4" name="Picture 3"/>
-          <p:cNvPicPr>
-            <a:picLocks noChangeAspect="1"/>
-          </p:cNvPicPr>
-          <p:nvPr/>
-        </p:nvPicPr>
-        <p:blipFill>
-          <a:blip r:embed="rId3"/>
-          <a:stretch>
-            <a:fillRect/>
-          </a:stretch>
-        </p:blipFill>
-        <p:spPr>
-          <a:xfrm>
-            <a:off x="1552575" y="1981200"/>
-            <a:ext cx="6038850" cy="3067050"/>
-          </a:xfrm>
-          <a:prstGeom prst="rect">
-            <a:avLst/>
-          </a:prstGeom>
-        </p:spPr>
-      </p:pic>
-      <p:sp>
-        <p:nvSpPr>
-          <p:cNvPr id="6" name="Rectangle 5"/>
-          <p:cNvSpPr/>
-          <p:nvPr/>
-        </p:nvSpPr>
-        <p:spPr>
-          <a:xfrm>
-            <a:off x="0" y="6101740"/>
-            <a:ext cx="9144000" cy="756260"/>
-          </a:xfrm>
-          <a:prstGeom prst="rect">
-            <a:avLst/>
-          </a:prstGeom>
-          <a:solidFill>
-            <a:srgbClr val="29ABE2"/>
-          </a:solidFill>
-          <a:ln>
-            <a:noFill/>
-          </a:ln>
-        </p:spPr>
-        <p:style>
-          <a:lnRef idx="2">
-            <a:schemeClr val="accent1">
-              <a:shade val="50000"/>
-            </a:schemeClr>
-          </a:lnRef>
-          <a:fillRef idx="1">
-            <a:schemeClr val="accent1"/>
-          </a:fillRef>
-          <a:effectRef idx="0">
-            <a:schemeClr val="accent1"/>
-          </a:effectRef>
-          <a:fontRef idx="minor">
-            <a:schemeClr val="lt1"/>
-          </a:fontRef>
-        </p:style>
-        <p:txBody>
-          <a:bodyPr rtlCol="0" anchor="ctr"/>
-          <a:lstStyle/>
-          <a:p>
-            <a:pPr algn="ctr"/>
-            <a:endParaRPr lang="en-US"/>
-          </a:p>
-        </p:txBody>
-      </p:sp>
-    </p:spTree>
-    <p:extLst>
-      <p:ext uri="{BB962C8B-B14F-4D97-AF65-F5344CB8AC3E}">
-        <p14:creationId xmlns:p14="http://schemas.microsoft.com/office/powerpoint/2010/main" val="4062455546"/>
-      </p:ext>
-    </p:extLst>
-  </p:cSld>
-  <p:clrMapOvr>
-    <a:masterClrMapping/>
-  </p:clrMapOvr>
-</p:sld>
-</file>
-
-<file path=ppt/slides/slide28.xml><?xml version="1.0" encoding="utf-8"?>
-<p:sld xmlns:a="http://schemas.openxmlformats.org/drawingml/2006/main" xmlns:r="http://schemas.openxmlformats.org/officeDocument/2006/relationships" xmlns:p="http://schemas.openxmlformats.org/presentationml/2006/main" showMasterSp="0">
-  <p:cSld>
-    <p:spTree>
-      <p:nvGrpSpPr>
-        <p:cNvPr id="1" name=""/>
-        <p:cNvGrpSpPr/>
-        <p:nvPr/>
-      </p:nvGrpSpPr>
-      <p:grpSpPr>
-        <a:xfrm>
-          <a:off x="0" y="0"/>
-          <a:ext cx="0" cy="0"/>
-          <a:chOff x="0" y="0"/>
-          <a:chExt cx="0" cy="0"/>
-        </a:xfrm>
-      </p:grpSpPr>
-      <p:sp>
-        <p:nvSpPr>
-          <p:cNvPr id="3" name="Title 2"/>
-          <p:cNvSpPr>
-            <a:spLocks noGrp="1"/>
-          </p:cNvSpPr>
-          <p:nvPr>
-            <p:ph type="title"/>
-          </p:nvPr>
-        </p:nvSpPr>
-        <p:spPr/>
-        <p:txBody>
-          <a:bodyPr>
-            <a:normAutofit/>
-          </a:bodyPr>
-          <a:lstStyle/>
-          <a:p>
-            <a:r>
-              <a:rPr lang="en-US" sz="4500" dirty="0">
-                <a:solidFill>
-                  <a:srgbClr val="29ABE2"/>
-                </a:solidFill>
-                <a:latin typeface="Segoe UI" panose="020B0502040204020203" pitchFamily="34" charset="0"/>
-                <a:cs typeface="Segoe UI" panose="020B0502040204020203" pitchFamily="34" charset="0"/>
-              </a:rPr>
-              <a:t>Tabs</a:t>
-            </a:r>
-          </a:p>
-        </p:txBody>
-      </p:sp>
-      <p:pic>
-        <p:nvPicPr>
-          <p:cNvPr id="2" name="Picture 1"/>
-          <p:cNvPicPr>
-            <a:picLocks noChangeAspect="1"/>
-          </p:cNvPicPr>
-          <p:nvPr/>
-        </p:nvPicPr>
-        <p:blipFill>
-          <a:blip r:embed="rId3"/>
-          <a:stretch>
-            <a:fillRect/>
-          </a:stretch>
-        </p:blipFill>
-        <p:spPr>
-          <a:xfrm>
-            <a:off x="2143125" y="2271712"/>
-            <a:ext cx="5019675" cy="2314575"/>
-          </a:xfrm>
-          <a:prstGeom prst="rect">
-            <a:avLst/>
-          </a:prstGeom>
-        </p:spPr>
-      </p:pic>
-      <p:sp>
-        <p:nvSpPr>
-          <p:cNvPr id="5" name="Rectangle 4"/>
-          <p:cNvSpPr/>
-          <p:nvPr/>
-        </p:nvSpPr>
-        <p:spPr>
-          <a:xfrm>
-            <a:off x="0" y="6101740"/>
-            <a:ext cx="9144000" cy="756260"/>
-          </a:xfrm>
-          <a:prstGeom prst="rect">
-            <a:avLst/>
-          </a:prstGeom>
-          <a:solidFill>
-            <a:srgbClr val="29ABE2"/>
-          </a:solidFill>
-          <a:ln>
-            <a:noFill/>
-          </a:ln>
-        </p:spPr>
-        <p:style>
-          <a:lnRef idx="2">
-            <a:schemeClr val="accent1">
-              <a:shade val="50000"/>
-            </a:schemeClr>
-          </a:lnRef>
-          <a:fillRef idx="1">
-            <a:schemeClr val="accent1"/>
-          </a:fillRef>
-          <a:effectRef idx="0">
-            <a:schemeClr val="accent1"/>
-          </a:effectRef>
-          <a:fontRef idx="minor">
-            <a:schemeClr val="lt1"/>
-          </a:fontRef>
-        </p:style>
-        <p:txBody>
-          <a:bodyPr rtlCol="0" anchor="ctr"/>
-          <a:lstStyle/>
-          <a:p>
-            <a:pPr algn="ctr"/>
-            <a:endParaRPr lang="en-US"/>
-          </a:p>
-        </p:txBody>
-      </p:sp>
-    </p:spTree>
-    <p:extLst>
-      <p:ext uri="{BB962C8B-B14F-4D97-AF65-F5344CB8AC3E}">
-        <p14:creationId xmlns:p14="http://schemas.microsoft.com/office/powerpoint/2010/main" val="2709441527"/>
-      </p:ext>
-    </p:extLst>
-  </p:cSld>
-  <p:clrMapOvr>
-    <a:masterClrMapping/>
-  </p:clrMapOvr>
-</p:sld>
-</file>
-
-<file path=ppt/slides/slide29.xml><?xml version="1.0" encoding="utf-8"?>
-<p:sld xmlns:a="http://schemas.openxmlformats.org/drawingml/2006/main" xmlns:r="http://schemas.openxmlformats.org/officeDocument/2006/relationships" xmlns:p="http://schemas.openxmlformats.org/presentationml/2006/main" showMasterSp="0">
-  <p:cSld>
-    <p:spTree>
-      <p:nvGrpSpPr>
-        <p:cNvPr id="1" name=""/>
-        <p:cNvGrpSpPr/>
-        <p:nvPr/>
-      </p:nvGrpSpPr>
-      <p:grpSpPr>
-        <a:xfrm>
-          <a:off x="0" y="0"/>
-          <a:ext cx="0" cy="0"/>
-          <a:chOff x="0" y="0"/>
-          <a:chExt cx="0" cy="0"/>
-        </a:xfrm>
-      </p:grpSpPr>
-      <p:sp>
-        <p:nvSpPr>
-          <p:cNvPr id="3" name="Title 2"/>
-          <p:cNvSpPr>
-            <a:spLocks noGrp="1"/>
-          </p:cNvSpPr>
-          <p:nvPr>
-            <p:ph type="title"/>
-          </p:nvPr>
-        </p:nvSpPr>
-        <p:spPr/>
-        <p:txBody>
-          <a:bodyPr>
-            <a:normAutofit/>
-          </a:bodyPr>
-          <a:lstStyle/>
-          <a:p>
-            <a:r>
-              <a:rPr lang="en-US" sz="4500" dirty="0">
-                <a:solidFill>
-                  <a:srgbClr val="29ABE2"/>
-                </a:solidFill>
-                <a:latin typeface="Segoe UI" panose="020B0502040204020203" pitchFamily="34" charset="0"/>
-                <a:cs typeface="Segoe UI" panose="020B0502040204020203" pitchFamily="34" charset="0"/>
-              </a:rPr>
-              <a:t>Menu</a:t>
-            </a:r>
-          </a:p>
-        </p:txBody>
-      </p:sp>
-      <p:pic>
-        <p:nvPicPr>
-          <p:cNvPr id="4" name="Picture 3"/>
-          <p:cNvPicPr>
-            <a:picLocks noChangeAspect="1"/>
-          </p:cNvPicPr>
-          <p:nvPr/>
-        </p:nvPicPr>
-        <p:blipFill>
-          <a:blip r:embed="rId3"/>
-          <a:stretch>
-            <a:fillRect/>
-          </a:stretch>
-        </p:blipFill>
-        <p:spPr>
-          <a:xfrm>
-            <a:off x="1571625" y="2328862"/>
-            <a:ext cx="6000750" cy="2200275"/>
-          </a:xfrm>
-          <a:prstGeom prst="rect">
-            <a:avLst/>
-          </a:prstGeom>
-        </p:spPr>
-      </p:pic>
-      <p:sp>
-        <p:nvSpPr>
-          <p:cNvPr id="6" name="Rectangle 5"/>
-          <p:cNvSpPr/>
-          <p:nvPr/>
-        </p:nvSpPr>
-        <p:spPr>
-          <a:xfrm>
-            <a:off x="0" y="6101740"/>
-            <a:ext cx="9144000" cy="756260"/>
-          </a:xfrm>
-          <a:prstGeom prst="rect">
-            <a:avLst/>
-          </a:prstGeom>
-          <a:solidFill>
-            <a:srgbClr val="29ABE2"/>
-          </a:solidFill>
-          <a:ln>
-            <a:noFill/>
-          </a:ln>
-        </p:spPr>
-        <p:style>
-          <a:lnRef idx="2">
-            <a:schemeClr val="accent1">
-              <a:shade val="50000"/>
-            </a:schemeClr>
-          </a:lnRef>
-          <a:fillRef idx="1">
-            <a:schemeClr val="accent1"/>
-          </a:fillRef>
-          <a:effectRef idx="0">
-            <a:schemeClr val="accent1"/>
-          </a:effectRef>
-          <a:fontRef idx="minor">
-            <a:schemeClr val="lt1"/>
-          </a:fontRef>
-        </p:style>
-        <p:txBody>
-          <a:bodyPr rtlCol="0" anchor="ctr"/>
-          <a:lstStyle/>
-          <a:p>
-            <a:pPr algn="ctr"/>
-            <a:endParaRPr lang="en-US"/>
-          </a:p>
-        </p:txBody>
-      </p:sp>
-    </p:spTree>
-    <p:extLst>
-      <p:ext uri="{BB962C8B-B14F-4D97-AF65-F5344CB8AC3E}">
-        <p14:creationId xmlns:p14="http://schemas.microsoft.com/office/powerpoint/2010/main" val="333420122"/>
-      </p:ext>
-    </p:extLst>
-  </p:cSld>
-  <p:clrMapOvr>
-    <a:masterClrMapping/>
-  </p:clrMapOvr>
-</p:sld>
-</file>
-
-<file path=ppt/slides/slide3.xml><?xml version="1.0" encoding="utf-8"?>
-<p:sld xmlns:a="http://schemas.openxmlformats.org/drawingml/2006/main" xmlns:r="http://schemas.openxmlformats.org/officeDocument/2006/relationships" xmlns:p="http://schemas.openxmlformats.org/presentationml/2006/main" showMasterSp="0">
-  <p:cSld>
-    <p:spTree>
-      <p:nvGrpSpPr>
-        <p:cNvPr id="1" name=""/>
-        <p:cNvGrpSpPr/>
-        <p:nvPr/>
-      </p:nvGrpSpPr>
-      <p:grpSpPr>
-        <a:xfrm>
-          <a:off x="0" y="0"/>
-          <a:ext cx="0" cy="0"/>
-          <a:chOff x="0" y="0"/>
-          <a:chExt cx="0" cy="0"/>
-        </a:xfrm>
-      </p:grpSpPr>
-      <p:sp>
-        <p:nvSpPr>
-          <p:cNvPr id="3" name="Title 2"/>
-          <p:cNvSpPr>
-            <a:spLocks noGrp="1"/>
-          </p:cNvSpPr>
-          <p:nvPr>
-            <p:ph type="title"/>
-          </p:nvPr>
-        </p:nvSpPr>
-        <p:spPr/>
-        <p:txBody>
-          <a:bodyPr>
-            <a:normAutofit/>
-          </a:bodyPr>
-          <a:lstStyle/>
-          <a:p>
-            <a:r>
-              <a:rPr lang="en-US" sz="4500" dirty="0">
-                <a:solidFill>
-                  <a:srgbClr val="29ABE2"/>
-                </a:solidFill>
-                <a:latin typeface="Segoe UI" panose="020B0502040204020203" pitchFamily="34" charset="0"/>
-                <a:cs typeface="Segoe UI" panose="020B0502040204020203" pitchFamily="34" charset="0"/>
-              </a:rPr>
-              <a:t>Grid</a:t>
-            </a:r>
-          </a:p>
-        </p:txBody>
-      </p:sp>
-      <p:grpSp>
-        <p:nvGrpSpPr>
-          <p:cNvPr id="8" name="Group 7"/>
-          <p:cNvGrpSpPr/>
-          <p:nvPr/>
-        </p:nvGrpSpPr>
-        <p:grpSpPr>
-          <a:xfrm>
-            <a:off x="1981200" y="1676400"/>
-            <a:ext cx="5638800" cy="3581400"/>
-            <a:chOff x="1981200" y="1676400"/>
-            <a:chExt cx="5638800" cy="3581400"/>
-          </a:xfrm>
-        </p:grpSpPr>
-        <p:pic>
-          <p:nvPicPr>
-            <p:cNvPr id="5" name="Picture 4"/>
-            <p:cNvPicPr>
-              <a:picLocks noChangeAspect="1"/>
-            </p:cNvPicPr>
-            <p:nvPr/>
-          </p:nvPicPr>
-          <p:blipFill>
-            <a:blip r:embed="rId3"/>
-            <a:stretch>
-              <a:fillRect/>
-            </a:stretch>
-          </p:blipFill>
-          <p:spPr>
-            <a:xfrm>
-              <a:off x="1981200" y="1752600"/>
-              <a:ext cx="5638800" cy="3371850"/>
-            </a:xfrm>
-            <a:prstGeom prst="rect">
-              <a:avLst/>
-            </a:prstGeom>
-          </p:spPr>
-        </p:pic>
-        <p:sp>
-          <p:nvSpPr>
-            <p:cNvPr id="2" name="Rectangle 1"/>
-            <p:cNvSpPr/>
-            <p:nvPr/>
-          </p:nvSpPr>
-          <p:spPr>
-            <a:xfrm>
-              <a:off x="7467600" y="1676400"/>
-              <a:ext cx="152400" cy="3581400"/>
-            </a:xfrm>
-            <a:prstGeom prst="rect">
-              <a:avLst/>
-            </a:prstGeom>
-            <a:solidFill>
-              <a:schemeClr val="bg1"/>
-            </a:solidFill>
-            <a:ln>
-              <a:noFill/>
-            </a:ln>
-          </p:spPr>
-          <p:style>
-            <a:lnRef idx="2">
-              <a:schemeClr val="accent1">
-                <a:shade val="50000"/>
-              </a:schemeClr>
-            </a:lnRef>
-            <a:fillRef idx="1">
-              <a:schemeClr val="accent1"/>
-            </a:fillRef>
-            <a:effectRef idx="0">
-              <a:schemeClr val="accent1"/>
-            </a:effectRef>
-            <a:fontRef idx="minor">
-              <a:schemeClr val="lt1"/>
-            </a:fontRef>
-          </p:style>
-          <p:txBody>
-            <a:bodyPr rtlCol="0" anchor="ctr"/>
-            <a:lstStyle/>
-            <a:p>
-              <a:pPr algn="ctr"/>
-              <a:r>
-                <a:rPr lang="en-US" dirty="0"/>
-                <a:t>v</a:t>
-              </a:r>
-            </a:p>
-          </p:txBody>
-        </p:sp>
-      </p:grpSp>
-      <p:sp>
-        <p:nvSpPr>
-          <p:cNvPr id="10" name="Rectangle 9"/>
-          <p:cNvSpPr/>
-          <p:nvPr/>
-        </p:nvSpPr>
-        <p:spPr>
-          <a:xfrm>
-            <a:off x="0" y="6101740"/>
-            <a:ext cx="9144000" cy="756260"/>
-          </a:xfrm>
-          <a:prstGeom prst="rect">
-            <a:avLst/>
-          </a:prstGeom>
-          <a:solidFill>
-            <a:srgbClr val="29ABE2"/>
-          </a:solidFill>
-          <a:ln>
-            <a:noFill/>
-          </a:ln>
-        </p:spPr>
-        <p:style>
-          <a:lnRef idx="2">
-            <a:schemeClr val="accent1">
-              <a:shade val="50000"/>
-            </a:schemeClr>
-          </a:lnRef>
-          <a:fillRef idx="1">
-            <a:schemeClr val="accent1"/>
-          </a:fillRef>
-          <a:effectRef idx="0">
-            <a:schemeClr val="accent1"/>
-          </a:effectRef>
-          <a:fontRef idx="minor">
-            <a:schemeClr val="lt1"/>
-          </a:fontRef>
-        </p:style>
-        <p:txBody>
-          <a:bodyPr rtlCol="0" anchor="ctr"/>
-          <a:lstStyle/>
-          <a:p>
-            <a:pPr algn="ctr"/>
-            <a:endParaRPr lang="en-US"/>
-          </a:p>
-        </p:txBody>
-      </p:sp>
-    </p:spTree>
-    <p:extLst>
-      <p:ext uri="{BB962C8B-B14F-4D97-AF65-F5344CB8AC3E}">
-        <p14:creationId xmlns:p14="http://schemas.microsoft.com/office/powerpoint/2010/main" val="2468449487"/>
       </p:ext>
     </p:extLst>
   </p:cSld>

--- a/App_Data/Presentation/Syncfusion Presentation.pptx
+++ b/App_Data/Presentation/Syncfusion Presentation.pptx
@@ -12,8 +12,8 @@
   </p:handoutMasterIdLst>
   <p:sldIdLst>
     <p:sldId id="256" r:id="rId2"/>
-    <p:sldId id="334" r:id="rId3"/>
-    <p:sldId id="325" r:id="rId4"/>
+    <p:sldId id="325" r:id="rId3"/>
+    <p:sldId id="334" r:id="rId4"/>
     <p:sldId id="335" r:id="rId5"/>
     <p:sldId id="336" r:id="rId6"/>
     <p:sldId id="337" r:id="rId7"/>
@@ -271,7 +271,7 @@
           <a:p>
             <a:fld id="{34059F6D-21EE-419B-9D71-8E29C43C11FD}" type="datetimeFigureOut">
               <a:rPr lang="en-US" smtClean="0"/>
-              <a:t>6/16/2021</a:t>
+              <a:t>4/2/2015</a:t>
             </a:fld>
             <a:endParaRPr lang="en-US"/>
           </a:p>
@@ -436,7 +436,7 @@
           <a:p>
             <a:fld id="{BC706472-74E6-4978-B5D4-A86FAE8938AA}" type="datetimeFigureOut">
               <a:rPr lang="en-US" smtClean="0"/>
-              <a:t>6/16/2021</a:t>
+              <a:t>4/2/2015</a:t>
             </a:fld>
             <a:endParaRPr lang="en-US"/>
           </a:p>
@@ -500,37 +500,38 @@
           <a:p>
             <a:pPr lvl="0"/>
             <a:r>
-              <a:rPr lang="en-US"/>
+              <a:rPr lang="en-US" smtClean="0"/>
               <a:t>Click to edit Master text styles</a:t>
             </a:r>
           </a:p>
           <a:p>
             <a:pPr lvl="1"/>
             <a:r>
-              <a:rPr lang="en-US"/>
+              <a:rPr lang="en-US" smtClean="0"/>
               <a:t>Second level</a:t>
             </a:r>
           </a:p>
           <a:p>
             <a:pPr lvl="2"/>
             <a:r>
-              <a:rPr lang="en-US"/>
+              <a:rPr lang="en-US" smtClean="0"/>
               <a:t>Third level</a:t>
             </a:r>
           </a:p>
           <a:p>
             <a:pPr lvl="3"/>
             <a:r>
-              <a:rPr lang="en-US"/>
+              <a:rPr lang="en-US" smtClean="0"/>
               <a:t>Fourth level</a:t>
             </a:r>
           </a:p>
           <a:p>
             <a:pPr lvl="4"/>
             <a:r>
-              <a:rPr lang="en-US"/>
+              <a:rPr lang="en-US" smtClean="0"/>
               <a:t>Fifth level</a:t>
             </a:r>
+            <a:endParaRPr lang="en-US"/>
           </a:p>
         </p:txBody>
       </p:sp>
@@ -853,7 +854,7 @@
           <a:bodyPr/>
           <a:lstStyle/>
           <a:p>
-            <a:endParaRPr lang="en-US" b="0" dirty="0"/>
+            <a:endParaRPr lang="en-US" b="0" dirty="0" smtClean="0"/>
           </a:p>
         </p:txBody>
       </p:sp>
@@ -942,7 +943,7 @@
           <a:bodyPr/>
           <a:lstStyle/>
           <a:p>
-            <a:endParaRPr lang="en-US" b="0" dirty="0"/>
+            <a:endParaRPr lang="en-US" b="0" dirty="0" smtClean="0"/>
           </a:p>
         </p:txBody>
       </p:sp>
@@ -1031,7 +1032,7 @@
           <a:bodyPr/>
           <a:lstStyle/>
           <a:p>
-            <a:endParaRPr lang="en-US" b="0" dirty="0"/>
+            <a:endParaRPr lang="en-US" b="0" dirty="0" smtClean="0"/>
           </a:p>
         </p:txBody>
       </p:sp>
@@ -1120,7 +1121,7 @@
           <a:bodyPr/>
           <a:lstStyle/>
           <a:p>
-            <a:endParaRPr lang="en-US" b="0" dirty="0"/>
+            <a:endParaRPr lang="en-US" b="0" dirty="0" smtClean="0"/>
           </a:p>
         </p:txBody>
       </p:sp>
@@ -1209,7 +1210,7 @@
           <a:bodyPr/>
           <a:lstStyle/>
           <a:p>
-            <a:endParaRPr lang="en-US" b="0" dirty="0"/>
+            <a:endParaRPr lang="en-US" b="0" dirty="0" smtClean="0"/>
           </a:p>
         </p:txBody>
       </p:sp>
@@ -1298,7 +1299,7 @@
           <a:bodyPr/>
           <a:lstStyle/>
           <a:p>
-            <a:endParaRPr lang="en-US" b="0" dirty="0"/>
+            <a:endParaRPr lang="en-US" b="0" dirty="0" smtClean="0"/>
           </a:p>
         </p:txBody>
       </p:sp>
@@ -1387,7 +1388,7 @@
           <a:bodyPr/>
           <a:lstStyle/>
           <a:p>
-            <a:endParaRPr lang="en-US" b="0" dirty="0"/>
+            <a:endParaRPr lang="en-US" b="0" dirty="0" smtClean="0"/>
           </a:p>
         </p:txBody>
       </p:sp>
@@ -1476,7 +1477,7 @@
           <a:bodyPr/>
           <a:lstStyle/>
           <a:p>
-            <a:endParaRPr lang="en-US" b="0" dirty="0"/>
+            <a:endParaRPr lang="en-US" b="0" dirty="0" smtClean="0"/>
           </a:p>
         </p:txBody>
       </p:sp>
@@ -1565,7 +1566,7 @@
           <a:bodyPr/>
           <a:lstStyle/>
           <a:p>
-            <a:endParaRPr lang="en-US" b="0" dirty="0"/>
+            <a:endParaRPr lang="en-US" b="0" dirty="0" smtClean="0"/>
           </a:p>
         </p:txBody>
       </p:sp>
@@ -1654,7 +1655,7 @@
           <a:bodyPr/>
           <a:lstStyle/>
           <a:p>
-            <a:endParaRPr lang="en-US" b="0" dirty="0"/>
+            <a:endParaRPr lang="en-US" b="0" dirty="0" smtClean="0"/>
           </a:p>
         </p:txBody>
       </p:sp>
@@ -1743,7 +1744,7 @@
           <a:bodyPr/>
           <a:lstStyle/>
           <a:p>
-            <a:endParaRPr lang="en-US" b="0" dirty="0"/>
+            <a:endParaRPr lang="en-US" b="0" dirty="0" smtClean="0"/>
           </a:p>
         </p:txBody>
       </p:sp>
@@ -1773,7 +1774,7 @@
     </p:spTree>
     <p:extLst>
       <p:ext uri="{BB962C8B-B14F-4D97-AF65-F5344CB8AC3E}">
-        <p14:creationId xmlns:p14="http://schemas.microsoft.com/office/powerpoint/2010/main" val="1517067863"/>
+        <p14:creationId xmlns:p14="http://schemas.microsoft.com/office/powerpoint/2010/main" val="2220151949"/>
       </p:ext>
     </p:extLst>
   </p:cSld>
@@ -1832,7 +1833,7 @@
           <a:bodyPr/>
           <a:lstStyle/>
           <a:p>
-            <a:endParaRPr lang="en-US" b="0" dirty="0"/>
+            <a:endParaRPr lang="en-US" b="0" dirty="0" smtClean="0"/>
           </a:p>
         </p:txBody>
       </p:sp>
@@ -1921,7 +1922,7 @@
           <a:bodyPr/>
           <a:lstStyle/>
           <a:p>
-            <a:endParaRPr lang="en-US" b="0" dirty="0"/>
+            <a:endParaRPr lang="en-US" b="0" dirty="0" smtClean="0"/>
           </a:p>
         </p:txBody>
       </p:sp>
@@ -2010,7 +2011,7 @@
           <a:bodyPr/>
           <a:lstStyle/>
           <a:p>
-            <a:endParaRPr lang="en-US" b="0" dirty="0"/>
+            <a:endParaRPr lang="en-US" b="0" dirty="0" smtClean="0"/>
           </a:p>
         </p:txBody>
       </p:sp>
@@ -2099,7 +2100,7 @@
           <a:bodyPr/>
           <a:lstStyle/>
           <a:p>
-            <a:endParaRPr lang="en-US" b="0" dirty="0"/>
+            <a:endParaRPr lang="en-US" b="0" dirty="0" smtClean="0"/>
           </a:p>
         </p:txBody>
       </p:sp>
@@ -2188,7 +2189,7 @@
           <a:bodyPr/>
           <a:lstStyle/>
           <a:p>
-            <a:endParaRPr lang="en-US" b="0" dirty="0"/>
+            <a:endParaRPr lang="en-US" b="0" dirty="0" smtClean="0"/>
           </a:p>
         </p:txBody>
       </p:sp>
@@ -2277,7 +2278,7 @@
           <a:bodyPr/>
           <a:lstStyle/>
           <a:p>
-            <a:endParaRPr lang="en-US" b="0" dirty="0"/>
+            <a:endParaRPr lang="en-US" b="0" dirty="0" smtClean="0"/>
           </a:p>
         </p:txBody>
       </p:sp>
@@ -2366,7 +2367,7 @@
           <a:bodyPr/>
           <a:lstStyle/>
           <a:p>
-            <a:endParaRPr lang="en-US" b="0" dirty="0"/>
+            <a:endParaRPr lang="en-US" b="0" dirty="0" smtClean="0"/>
           </a:p>
         </p:txBody>
       </p:sp>
@@ -2455,7 +2456,7 @@
           <a:bodyPr/>
           <a:lstStyle/>
           <a:p>
-            <a:endParaRPr lang="en-US" b="0" dirty="0"/>
+            <a:endParaRPr lang="en-US" b="0" dirty="0" smtClean="0"/>
           </a:p>
         </p:txBody>
       </p:sp>
@@ -2544,7 +2545,7 @@
           <a:bodyPr/>
           <a:lstStyle/>
           <a:p>
-            <a:endParaRPr lang="en-US" b="0" dirty="0"/>
+            <a:endParaRPr lang="en-US" b="0" dirty="0" smtClean="0"/>
           </a:p>
         </p:txBody>
       </p:sp>
@@ -2633,7 +2634,7 @@
           <a:bodyPr/>
           <a:lstStyle/>
           <a:p>
-            <a:endParaRPr lang="en-US" b="0" dirty="0"/>
+            <a:endParaRPr lang="en-US" b="0" dirty="0" smtClean="0"/>
           </a:p>
         </p:txBody>
       </p:sp>
@@ -2722,7 +2723,7 @@
           <a:bodyPr/>
           <a:lstStyle/>
           <a:p>
-            <a:endParaRPr lang="en-US" b="0" dirty="0"/>
+            <a:endParaRPr lang="en-US" b="0" dirty="0" smtClean="0"/>
           </a:p>
         </p:txBody>
       </p:sp>
@@ -2752,7 +2753,7 @@
     </p:spTree>
     <p:extLst>
       <p:ext uri="{BB962C8B-B14F-4D97-AF65-F5344CB8AC3E}">
-        <p14:creationId xmlns:p14="http://schemas.microsoft.com/office/powerpoint/2010/main" val="1746462744"/>
+        <p14:creationId xmlns:p14="http://schemas.microsoft.com/office/powerpoint/2010/main" val="1517067863"/>
       </p:ext>
     </p:extLst>
   </p:cSld>
@@ -2811,7 +2812,7 @@
           <a:bodyPr/>
           <a:lstStyle/>
           <a:p>
-            <a:endParaRPr lang="en-US" b="0" dirty="0"/>
+            <a:endParaRPr lang="en-US" b="0" dirty="0" smtClean="0"/>
           </a:p>
         </p:txBody>
       </p:sp>
@@ -2900,7 +2901,7 @@
           <a:bodyPr/>
           <a:lstStyle/>
           <a:p>
-            <a:endParaRPr lang="en-US" b="0" dirty="0"/>
+            <a:endParaRPr lang="en-US" b="0" dirty="0" smtClean="0"/>
           </a:p>
         </p:txBody>
       </p:sp>
@@ -2989,7 +2990,7 @@
           <a:bodyPr/>
           <a:lstStyle/>
           <a:p>
-            <a:endParaRPr lang="en-US" b="0" dirty="0"/>
+            <a:endParaRPr lang="en-US" b="0" dirty="0" smtClean="0"/>
           </a:p>
         </p:txBody>
       </p:sp>
@@ -3078,7 +3079,7 @@
           <a:bodyPr/>
           <a:lstStyle/>
           <a:p>
-            <a:endParaRPr lang="en-US" b="0" dirty="0"/>
+            <a:endParaRPr lang="en-US" b="0" dirty="0" smtClean="0"/>
           </a:p>
         </p:txBody>
       </p:sp>
@@ -3167,7 +3168,7 @@
           <a:bodyPr/>
           <a:lstStyle/>
           <a:p>
-            <a:endParaRPr lang="en-US" b="0" dirty="0"/>
+            <a:endParaRPr lang="en-US" b="0" dirty="0" smtClean="0"/>
           </a:p>
         </p:txBody>
       </p:sp>
@@ -3256,7 +3257,7 @@
           <a:bodyPr/>
           <a:lstStyle/>
           <a:p>
-            <a:endParaRPr lang="en-US" b="0" dirty="0"/>
+            <a:endParaRPr lang="en-US" b="0" dirty="0" smtClean="0"/>
           </a:p>
         </p:txBody>
       </p:sp>
@@ -3345,7 +3346,7 @@
           <a:bodyPr/>
           <a:lstStyle/>
           <a:p>
-            <a:endParaRPr lang="en-US" b="0" dirty="0"/>
+            <a:endParaRPr lang="en-US" b="0" dirty="0" smtClean="0"/>
           </a:p>
         </p:txBody>
       </p:sp>
@@ -3434,7 +3435,7 @@
           <a:bodyPr/>
           <a:lstStyle/>
           <a:p>
-            <a:endParaRPr lang="en-US" b="0" dirty="0"/>
+            <a:endParaRPr lang="en-US" b="0" dirty="0" smtClean="0"/>
           </a:p>
         </p:txBody>
       </p:sp>
@@ -3523,7 +3524,7 @@
           <a:bodyPr/>
           <a:lstStyle/>
           <a:p>
-            <a:endParaRPr lang="en-US" b="0" dirty="0"/>
+            <a:endParaRPr lang="en-US" b="0" dirty="0" smtClean="0"/>
           </a:p>
         </p:txBody>
       </p:sp>
@@ -3612,7 +3613,7 @@
           <a:bodyPr/>
           <a:lstStyle/>
           <a:p>
-            <a:endParaRPr lang="en-US" b="0" dirty="0"/>
+            <a:endParaRPr lang="en-US" b="0" dirty="0" smtClean="0"/>
           </a:p>
         </p:txBody>
       </p:sp>
@@ -3701,7 +3702,7 @@
           <a:bodyPr/>
           <a:lstStyle/>
           <a:p>
-            <a:endParaRPr lang="en-US" b="0" dirty="0"/>
+            <a:endParaRPr lang="en-US" b="0" dirty="0" smtClean="0"/>
           </a:p>
         </p:txBody>
       </p:sp>
@@ -3790,7 +3791,7 @@
           <a:bodyPr/>
           <a:lstStyle/>
           <a:p>
-            <a:endParaRPr lang="en-US" b="0" dirty="0"/>
+            <a:endParaRPr lang="en-US" b="0" dirty="0" smtClean="0"/>
           </a:p>
         </p:txBody>
       </p:sp>
@@ -3879,7 +3880,7 @@
           <a:bodyPr/>
           <a:lstStyle/>
           <a:p>
-            <a:endParaRPr lang="en-US" b="0" dirty="0"/>
+            <a:endParaRPr lang="en-US" b="0" dirty="0" smtClean="0"/>
           </a:p>
         </p:txBody>
       </p:sp>
@@ -3968,7 +3969,7 @@
           <a:bodyPr/>
           <a:lstStyle/>
           <a:p>
-            <a:endParaRPr lang="en-US" b="0" dirty="0"/>
+            <a:endParaRPr lang="en-US" b="0" dirty="0" smtClean="0"/>
           </a:p>
         </p:txBody>
       </p:sp>
@@ -4057,7 +4058,7 @@
           <a:bodyPr/>
           <a:lstStyle/>
           <a:p>
-            <a:endParaRPr lang="en-US" b="0" dirty="0"/>
+            <a:endParaRPr lang="en-US" b="0" dirty="0" smtClean="0"/>
           </a:p>
         </p:txBody>
       </p:sp>
@@ -4146,7 +4147,7 @@
           <a:bodyPr/>
           <a:lstStyle/>
           <a:p>
-            <a:endParaRPr lang="en-US" b="0" dirty="0"/>
+            <a:endParaRPr lang="en-US" b="0" dirty="0" smtClean="0"/>
           </a:p>
         </p:txBody>
       </p:sp>
@@ -4235,7 +4236,7 @@
           <a:bodyPr/>
           <a:lstStyle/>
           <a:p>
-            <a:endParaRPr lang="en-US" b="0" dirty="0"/>
+            <a:endParaRPr lang="en-US" b="0" dirty="0" smtClean="0"/>
           </a:p>
         </p:txBody>
       </p:sp>
@@ -4324,7 +4325,7 @@
           <a:bodyPr/>
           <a:lstStyle/>
           <a:p>
-            <a:endParaRPr lang="en-US" b="0" dirty="0"/>
+            <a:endParaRPr lang="en-US" b="0" dirty="0" smtClean="0"/>
           </a:p>
         </p:txBody>
       </p:sp>
@@ -4413,7 +4414,7 @@
           <a:bodyPr/>
           <a:lstStyle/>
           <a:p>
-            <a:endParaRPr lang="en-US" b="0" dirty="0"/>
+            <a:endParaRPr lang="en-US" b="0" dirty="0" smtClean="0"/>
           </a:p>
         </p:txBody>
       </p:sp>
@@ -4502,7 +4503,7 @@
           <a:bodyPr/>
           <a:lstStyle/>
           <a:p>
-            <a:endParaRPr lang="en-US" b="0" dirty="0"/>
+            <a:endParaRPr lang="en-US" b="0" dirty="0" smtClean="0"/>
           </a:p>
         </p:txBody>
       </p:sp>
@@ -4591,7 +4592,7 @@
           <a:bodyPr/>
           <a:lstStyle/>
           <a:p>
-            <a:endParaRPr lang="en-US" b="0" dirty="0"/>
+            <a:endParaRPr lang="en-US" b="0" dirty="0" smtClean="0"/>
           </a:p>
         </p:txBody>
       </p:sp>
@@ -4680,7 +4681,7 @@
           <a:bodyPr/>
           <a:lstStyle/>
           <a:p>
-            <a:endParaRPr lang="en-US" b="0" dirty="0"/>
+            <a:endParaRPr lang="en-US" b="0" dirty="0" smtClean="0"/>
           </a:p>
         </p:txBody>
       </p:sp>
@@ -4769,7 +4770,7 @@
           <a:bodyPr/>
           <a:lstStyle/>
           <a:p>
-            <a:endParaRPr lang="en-US" b="0" dirty="0"/>
+            <a:endParaRPr lang="en-US" b="0" dirty="0" smtClean="0"/>
           </a:p>
         </p:txBody>
       </p:sp>
@@ -4986,7 +4987,7 @@
           <a:p>
             <a:fld id="{EE9B84EE-31BC-44B9-A566-60A72A7CB1DD}" type="datetimeFigureOut">
               <a:rPr lang="en-US" smtClean="0"/>
-              <a:t>6/16/2021</a:t>
+              <a:t>4/2/2015</a:t>
             </a:fld>
             <a:endParaRPr lang="en-US"/>
           </a:p>
@@ -5080,9 +5081,10 @@
           <a:lstStyle/>
           <a:p>
             <a:r>
-              <a:rPr lang="en-US"/>
+              <a:rPr lang="en-US" smtClean="0"/>
               <a:t>Click to edit Master title style</a:t>
             </a:r>
+            <a:endParaRPr lang="en-US"/>
           </a:p>
         </p:txBody>
       </p:sp>
@@ -5103,37 +5105,38 @@
           <a:p>
             <a:pPr lvl="0"/>
             <a:r>
-              <a:rPr lang="en-US"/>
+              <a:rPr lang="en-US" smtClean="0"/>
               <a:t>Click to edit Master text styles</a:t>
             </a:r>
           </a:p>
           <a:p>
             <a:pPr lvl="1"/>
             <a:r>
-              <a:rPr lang="en-US"/>
+              <a:rPr lang="en-US" smtClean="0"/>
               <a:t>Second level</a:t>
             </a:r>
           </a:p>
           <a:p>
             <a:pPr lvl="2"/>
             <a:r>
-              <a:rPr lang="en-US"/>
+              <a:rPr lang="en-US" smtClean="0"/>
               <a:t>Third level</a:t>
             </a:r>
           </a:p>
           <a:p>
             <a:pPr lvl="3"/>
             <a:r>
-              <a:rPr lang="en-US"/>
+              <a:rPr lang="en-US" smtClean="0"/>
               <a:t>Fourth level</a:t>
             </a:r>
           </a:p>
           <a:p>
             <a:pPr lvl="4"/>
             <a:r>
-              <a:rPr lang="en-US"/>
+              <a:rPr lang="en-US" smtClean="0"/>
               <a:t>Fifth level</a:t>
             </a:r>
+            <a:endParaRPr lang="en-US"/>
           </a:p>
         </p:txBody>
       </p:sp>
@@ -5154,7 +5157,7 @@
           <a:p>
             <a:fld id="{EE9B84EE-31BC-44B9-A566-60A72A7CB1DD}" type="datetimeFigureOut">
               <a:rPr lang="en-US" smtClean="0"/>
-              <a:t>6/16/2021</a:t>
+              <a:t>4/2/2015</a:t>
             </a:fld>
             <a:endParaRPr lang="en-US"/>
           </a:p>
@@ -5253,9 +5256,10 @@
           <a:lstStyle/>
           <a:p>
             <a:r>
-              <a:rPr lang="en-US"/>
+              <a:rPr lang="en-US" smtClean="0"/>
               <a:t>Click to edit Master title style</a:t>
             </a:r>
+            <a:endParaRPr lang="en-US"/>
           </a:p>
         </p:txBody>
       </p:sp>
@@ -5281,37 +5285,38 @@
           <a:p>
             <a:pPr lvl="0"/>
             <a:r>
-              <a:rPr lang="en-US"/>
+              <a:rPr lang="en-US" smtClean="0"/>
               <a:t>Click to edit Master text styles</a:t>
             </a:r>
           </a:p>
           <a:p>
             <a:pPr lvl="1"/>
             <a:r>
-              <a:rPr lang="en-US"/>
+              <a:rPr lang="en-US" smtClean="0"/>
               <a:t>Second level</a:t>
             </a:r>
           </a:p>
           <a:p>
             <a:pPr lvl="2"/>
             <a:r>
-              <a:rPr lang="en-US"/>
+              <a:rPr lang="en-US" smtClean="0"/>
               <a:t>Third level</a:t>
             </a:r>
           </a:p>
           <a:p>
             <a:pPr lvl="3"/>
             <a:r>
-              <a:rPr lang="en-US"/>
+              <a:rPr lang="en-US" smtClean="0"/>
               <a:t>Fourth level</a:t>
             </a:r>
           </a:p>
           <a:p>
             <a:pPr lvl="4"/>
             <a:r>
-              <a:rPr lang="en-US"/>
+              <a:rPr lang="en-US" smtClean="0"/>
               <a:t>Fifth level</a:t>
             </a:r>
+            <a:endParaRPr lang="en-US"/>
           </a:p>
         </p:txBody>
       </p:sp>
@@ -5332,7 +5337,7 @@
           <a:p>
             <a:fld id="{EE9B84EE-31BC-44B9-A566-60A72A7CB1DD}" type="datetimeFigureOut">
               <a:rPr lang="en-US" smtClean="0"/>
-              <a:t>6/16/2021</a:t>
+              <a:t>4/2/2015</a:t>
             </a:fld>
             <a:endParaRPr lang="en-US"/>
           </a:p>
@@ -5427,37 +5432,38 @@
           <a:p>
             <a:pPr lvl="0"/>
             <a:r>
-              <a:rPr lang="en-US"/>
+              <a:rPr lang="en-US" smtClean="0"/>
               <a:t>Click to edit Master text styles</a:t>
             </a:r>
           </a:p>
           <a:p>
             <a:pPr lvl="1"/>
             <a:r>
-              <a:rPr lang="en-US"/>
+              <a:rPr lang="en-US" smtClean="0"/>
               <a:t>Second level</a:t>
             </a:r>
           </a:p>
           <a:p>
             <a:pPr lvl="2"/>
             <a:r>
-              <a:rPr lang="en-US"/>
+              <a:rPr lang="en-US" smtClean="0"/>
               <a:t>Third level</a:t>
             </a:r>
           </a:p>
           <a:p>
             <a:pPr lvl="3"/>
             <a:r>
-              <a:rPr lang="en-US"/>
+              <a:rPr lang="en-US" smtClean="0"/>
               <a:t>Fourth level</a:t>
             </a:r>
           </a:p>
           <a:p>
             <a:pPr lvl="4"/>
             <a:r>
-              <a:rPr lang="en-US"/>
+              <a:rPr lang="en-US" smtClean="0"/>
               <a:t>Fifth level</a:t>
             </a:r>
+            <a:endParaRPr lang="en-US"/>
           </a:p>
         </p:txBody>
       </p:sp>
@@ -5478,7 +5484,7 @@
           <a:p>
             <a:fld id="{EE9B84EE-31BC-44B9-A566-60A72A7CB1DD}" type="datetimeFigureOut">
               <a:rPr lang="en-US" smtClean="0"/>
-              <a:t>6/16/2021</a:t>
+              <a:t>4/2/2015</a:t>
             </a:fld>
             <a:endParaRPr lang="en-US"/>
           </a:p>
@@ -5542,9 +5548,10 @@
           <a:lstStyle/>
           <a:p>
             <a:r>
-              <a:rPr lang="en-US"/>
+              <a:rPr lang="en-US" smtClean="0"/>
               <a:t>Click to edit Master title style</a:t>
             </a:r>
+            <a:endParaRPr lang="en-US"/>
           </a:p>
         </p:txBody>
       </p:sp>
@@ -5603,9 +5610,10 @@
           </a:lstStyle>
           <a:p>
             <a:r>
-              <a:rPr lang="en-US"/>
+              <a:rPr lang="en-US" smtClean="0"/>
               <a:t>Click to edit Master title style</a:t>
             </a:r>
+            <a:endParaRPr lang="en-US"/>
           </a:p>
         </p:txBody>
       </p:sp>
@@ -5722,7 +5730,7 @@
           <a:p>
             <a:pPr lvl="0"/>
             <a:r>
-              <a:rPr lang="en-US"/>
+              <a:rPr lang="en-US" smtClean="0"/>
               <a:t>Click to edit Master text styles</a:t>
             </a:r>
           </a:p>
@@ -5745,7 +5753,7 @@
           <a:p>
             <a:fld id="{EE9B84EE-31BC-44B9-A566-60A72A7CB1DD}" type="datetimeFigureOut">
               <a:rPr lang="en-US" smtClean="0"/>
-              <a:t>6/16/2021</a:t>
+              <a:t>4/2/2015</a:t>
             </a:fld>
             <a:endParaRPr lang="en-US"/>
           </a:p>
@@ -5839,9 +5847,10 @@
           <a:lstStyle/>
           <a:p>
             <a:r>
-              <a:rPr lang="en-US"/>
+              <a:rPr lang="en-US" smtClean="0"/>
               <a:t>Click to edit Master title style</a:t>
             </a:r>
+            <a:endParaRPr lang="en-US"/>
           </a:p>
         </p:txBody>
       </p:sp>
@@ -5895,37 +5904,38 @@
           <a:p>
             <a:pPr lvl="0"/>
             <a:r>
-              <a:rPr lang="en-US"/>
+              <a:rPr lang="en-US" smtClean="0"/>
               <a:t>Click to edit Master text styles</a:t>
             </a:r>
           </a:p>
           <a:p>
             <a:pPr lvl="1"/>
             <a:r>
-              <a:rPr lang="en-US"/>
+              <a:rPr lang="en-US" smtClean="0"/>
               <a:t>Second level</a:t>
             </a:r>
           </a:p>
           <a:p>
             <a:pPr lvl="2"/>
             <a:r>
-              <a:rPr lang="en-US"/>
+              <a:rPr lang="en-US" smtClean="0"/>
               <a:t>Third level</a:t>
             </a:r>
           </a:p>
           <a:p>
             <a:pPr lvl="3"/>
             <a:r>
-              <a:rPr lang="en-US"/>
+              <a:rPr lang="en-US" smtClean="0"/>
               <a:t>Fourth level</a:t>
             </a:r>
           </a:p>
           <a:p>
             <a:pPr lvl="4"/>
             <a:r>
-              <a:rPr lang="en-US"/>
+              <a:rPr lang="en-US" smtClean="0"/>
               <a:t>Fifth level</a:t>
             </a:r>
+            <a:endParaRPr lang="en-US"/>
           </a:p>
         </p:txBody>
       </p:sp>
@@ -5979,37 +5989,38 @@
           <a:p>
             <a:pPr lvl="0"/>
             <a:r>
-              <a:rPr lang="en-US"/>
+              <a:rPr lang="en-US" smtClean="0"/>
               <a:t>Click to edit Master text styles</a:t>
             </a:r>
           </a:p>
           <a:p>
             <a:pPr lvl="1"/>
             <a:r>
-              <a:rPr lang="en-US"/>
+              <a:rPr lang="en-US" smtClean="0"/>
               <a:t>Second level</a:t>
             </a:r>
           </a:p>
           <a:p>
             <a:pPr lvl="2"/>
             <a:r>
-              <a:rPr lang="en-US"/>
+              <a:rPr lang="en-US" smtClean="0"/>
               <a:t>Third level</a:t>
             </a:r>
           </a:p>
           <a:p>
             <a:pPr lvl="3"/>
             <a:r>
-              <a:rPr lang="en-US"/>
+              <a:rPr lang="en-US" smtClean="0"/>
               <a:t>Fourth level</a:t>
             </a:r>
           </a:p>
           <a:p>
             <a:pPr lvl="4"/>
             <a:r>
-              <a:rPr lang="en-US"/>
+              <a:rPr lang="en-US" smtClean="0"/>
               <a:t>Fifth level</a:t>
             </a:r>
+            <a:endParaRPr lang="en-US"/>
           </a:p>
         </p:txBody>
       </p:sp>
@@ -6030,7 +6041,7 @@
           <a:p>
             <a:fld id="{EE9B84EE-31BC-44B9-A566-60A72A7CB1DD}" type="datetimeFigureOut">
               <a:rPr lang="en-US" smtClean="0"/>
-              <a:t>6/16/2021</a:t>
+              <a:t>4/2/2015</a:t>
             </a:fld>
             <a:endParaRPr lang="en-US"/>
           </a:p>
@@ -6128,9 +6139,10 @@
           </a:lstStyle>
           <a:p>
             <a:r>
-              <a:rPr lang="en-US"/>
+              <a:rPr lang="en-US" smtClean="0"/>
               <a:t>Click to edit Master title style</a:t>
             </a:r>
+            <a:endParaRPr lang="en-US"/>
           </a:p>
         </p:txBody>
       </p:sp>
@@ -6193,7 +6205,7 @@
           <a:p>
             <a:pPr lvl="0"/>
             <a:r>
-              <a:rPr lang="en-US"/>
+              <a:rPr lang="en-US" smtClean="0"/>
               <a:t>Click to edit Master text styles</a:t>
             </a:r>
           </a:p>
@@ -6249,37 +6261,38 @@
           <a:p>
             <a:pPr lvl="0"/>
             <a:r>
-              <a:rPr lang="en-US"/>
+              <a:rPr lang="en-US" smtClean="0"/>
               <a:t>Click to edit Master text styles</a:t>
             </a:r>
           </a:p>
           <a:p>
             <a:pPr lvl="1"/>
             <a:r>
-              <a:rPr lang="en-US"/>
+              <a:rPr lang="en-US" smtClean="0"/>
               <a:t>Second level</a:t>
             </a:r>
           </a:p>
           <a:p>
             <a:pPr lvl="2"/>
             <a:r>
-              <a:rPr lang="en-US"/>
+              <a:rPr lang="en-US" smtClean="0"/>
               <a:t>Third level</a:t>
             </a:r>
           </a:p>
           <a:p>
             <a:pPr lvl="3"/>
             <a:r>
-              <a:rPr lang="en-US"/>
+              <a:rPr lang="en-US" smtClean="0"/>
               <a:t>Fourth level</a:t>
             </a:r>
           </a:p>
           <a:p>
             <a:pPr lvl="4"/>
             <a:r>
-              <a:rPr lang="en-US"/>
+              <a:rPr lang="en-US" smtClean="0"/>
               <a:t>Fifth level</a:t>
             </a:r>
+            <a:endParaRPr lang="en-US"/>
           </a:p>
         </p:txBody>
       </p:sp>
@@ -6342,7 +6355,7 @@
           <a:p>
             <a:pPr lvl="0"/>
             <a:r>
-              <a:rPr lang="en-US"/>
+              <a:rPr lang="en-US" smtClean="0"/>
               <a:t>Click to edit Master text styles</a:t>
             </a:r>
           </a:p>
@@ -6398,37 +6411,38 @@
           <a:p>
             <a:pPr lvl="0"/>
             <a:r>
-              <a:rPr lang="en-US"/>
+              <a:rPr lang="en-US" smtClean="0"/>
               <a:t>Click to edit Master text styles</a:t>
             </a:r>
           </a:p>
           <a:p>
             <a:pPr lvl="1"/>
             <a:r>
-              <a:rPr lang="en-US"/>
+              <a:rPr lang="en-US" smtClean="0"/>
               <a:t>Second level</a:t>
             </a:r>
           </a:p>
           <a:p>
             <a:pPr lvl="2"/>
             <a:r>
-              <a:rPr lang="en-US"/>
+              <a:rPr lang="en-US" smtClean="0"/>
               <a:t>Third level</a:t>
             </a:r>
           </a:p>
           <a:p>
             <a:pPr lvl="3"/>
             <a:r>
-              <a:rPr lang="en-US"/>
+              <a:rPr lang="en-US" smtClean="0"/>
               <a:t>Fourth level</a:t>
             </a:r>
           </a:p>
           <a:p>
             <a:pPr lvl="4"/>
             <a:r>
-              <a:rPr lang="en-US"/>
+              <a:rPr lang="en-US" smtClean="0"/>
               <a:t>Fifth level</a:t>
             </a:r>
+            <a:endParaRPr lang="en-US"/>
           </a:p>
         </p:txBody>
       </p:sp>
@@ -6449,7 +6463,7 @@
           <a:p>
             <a:fld id="{EE9B84EE-31BC-44B9-A566-60A72A7CB1DD}" type="datetimeFigureOut">
               <a:rPr lang="en-US" smtClean="0"/>
-              <a:t>6/16/2021</a:t>
+              <a:t>4/2/2015</a:t>
             </a:fld>
             <a:endParaRPr lang="en-US"/>
           </a:p>
@@ -6543,9 +6557,10 @@
           <a:lstStyle/>
           <a:p>
             <a:r>
-              <a:rPr lang="en-US"/>
+              <a:rPr lang="en-US" smtClean="0"/>
               <a:t>Click to edit Master title style</a:t>
             </a:r>
+            <a:endParaRPr lang="en-US"/>
           </a:p>
         </p:txBody>
       </p:sp>
@@ -6566,7 +6581,7 @@
           <a:p>
             <a:fld id="{EE9B84EE-31BC-44B9-A566-60A72A7CB1DD}" type="datetimeFigureOut">
               <a:rPr lang="en-US" smtClean="0"/>
-              <a:t>6/16/2021</a:t>
+              <a:t>4/2/2015</a:t>
             </a:fld>
             <a:endParaRPr lang="en-US"/>
           </a:p>
@@ -6661,7 +6676,7 @@
           <a:p>
             <a:fld id="{EE9B84EE-31BC-44B9-A566-60A72A7CB1DD}" type="datetimeFigureOut">
               <a:rPr lang="en-US" smtClean="0"/>
-              <a:t>6/16/2021</a:t>
+              <a:t>4/2/2015</a:t>
             </a:fld>
             <a:endParaRPr lang="en-US"/>
           </a:p>
@@ -6764,9 +6779,10 @@
           </a:lstStyle>
           <a:p>
             <a:r>
-              <a:rPr lang="en-US"/>
+              <a:rPr lang="en-US" smtClean="0"/>
               <a:t>Click to edit Master title style</a:t>
             </a:r>
+            <a:endParaRPr lang="en-US"/>
           </a:p>
         </p:txBody>
       </p:sp>
@@ -6820,37 +6836,38 @@
           <a:p>
             <a:pPr lvl="0"/>
             <a:r>
-              <a:rPr lang="en-US"/>
+              <a:rPr lang="en-US" smtClean="0"/>
               <a:t>Click to edit Master text styles</a:t>
             </a:r>
           </a:p>
           <a:p>
             <a:pPr lvl="1"/>
             <a:r>
-              <a:rPr lang="en-US"/>
+              <a:rPr lang="en-US" smtClean="0"/>
               <a:t>Second level</a:t>
             </a:r>
           </a:p>
           <a:p>
             <a:pPr lvl="2"/>
             <a:r>
-              <a:rPr lang="en-US"/>
+              <a:rPr lang="en-US" smtClean="0"/>
               <a:t>Third level</a:t>
             </a:r>
           </a:p>
           <a:p>
             <a:pPr lvl="3"/>
             <a:r>
-              <a:rPr lang="en-US"/>
+              <a:rPr lang="en-US" smtClean="0"/>
               <a:t>Fourth level</a:t>
             </a:r>
           </a:p>
           <a:p>
             <a:pPr lvl="4"/>
             <a:r>
-              <a:rPr lang="en-US"/>
+              <a:rPr lang="en-US" smtClean="0"/>
               <a:t>Fifth level</a:t>
             </a:r>
+            <a:endParaRPr lang="en-US"/>
           </a:p>
         </p:txBody>
       </p:sp>
@@ -6913,7 +6930,7 @@
           <a:p>
             <a:pPr lvl="0"/>
             <a:r>
-              <a:rPr lang="en-US"/>
+              <a:rPr lang="en-US" smtClean="0"/>
               <a:t>Click to edit Master text styles</a:t>
             </a:r>
           </a:p>
@@ -6936,7 +6953,7 @@
           <a:p>
             <a:fld id="{EE9B84EE-31BC-44B9-A566-60A72A7CB1DD}" type="datetimeFigureOut">
               <a:rPr lang="en-US" smtClean="0"/>
-              <a:t>6/16/2021</a:t>
+              <a:t>4/2/2015</a:t>
             </a:fld>
             <a:endParaRPr lang="en-US"/>
           </a:p>
@@ -7039,9 +7056,10 @@
           </a:lstStyle>
           <a:p>
             <a:r>
-              <a:rPr lang="en-US"/>
+              <a:rPr lang="en-US" smtClean="0"/>
               <a:t>Click to edit Master title style</a:t>
             </a:r>
+            <a:endParaRPr lang="en-US"/>
           </a:p>
         </p:txBody>
       </p:sp>
@@ -7103,9 +7121,10 @@
           </a:lstStyle>
           <a:p>
             <a:r>
-              <a:rPr lang="en-US"/>
+              <a:rPr lang="en-US" smtClean="0"/>
               <a:t>Click icon to add picture</a:t>
             </a:r>
+            <a:endParaRPr lang="en-US"/>
           </a:p>
         </p:txBody>
       </p:sp>
@@ -7168,7 +7187,7 @@
           <a:p>
             <a:pPr lvl="0"/>
             <a:r>
-              <a:rPr lang="en-US"/>
+              <a:rPr lang="en-US" smtClean="0"/>
               <a:t>Click to edit Master text styles</a:t>
             </a:r>
           </a:p>
@@ -7191,7 +7210,7 @@
           <a:p>
             <a:fld id="{EE9B84EE-31BC-44B9-A566-60A72A7CB1DD}" type="datetimeFigureOut">
               <a:rPr lang="en-US" smtClean="0"/>
-              <a:t>6/16/2021</a:t>
+              <a:t>4/2/2015</a:t>
             </a:fld>
             <a:endParaRPr lang="en-US"/>
           </a:p>
@@ -7390,37 +7409,38 @@
           <a:p>
             <a:pPr lvl="0"/>
             <a:r>
-              <a:rPr lang="en-US"/>
+              <a:rPr lang="en-US" smtClean="0"/>
               <a:t>Click to edit Master text styles</a:t>
             </a:r>
           </a:p>
           <a:p>
             <a:pPr lvl="1"/>
             <a:r>
-              <a:rPr lang="en-US"/>
+              <a:rPr lang="en-US" smtClean="0"/>
               <a:t>Second level</a:t>
             </a:r>
           </a:p>
           <a:p>
             <a:pPr lvl="2"/>
             <a:r>
-              <a:rPr lang="en-US"/>
+              <a:rPr lang="en-US" smtClean="0"/>
               <a:t>Third level</a:t>
             </a:r>
           </a:p>
           <a:p>
             <a:pPr lvl="3"/>
             <a:r>
-              <a:rPr lang="en-US"/>
+              <a:rPr lang="en-US" smtClean="0"/>
               <a:t>Fourth level</a:t>
             </a:r>
           </a:p>
           <a:p>
             <a:pPr lvl="4"/>
             <a:r>
-              <a:rPr lang="en-US"/>
+              <a:rPr lang="en-US" smtClean="0"/>
               <a:t>Fifth level</a:t>
             </a:r>
+            <a:endParaRPr lang="en-US"/>
           </a:p>
         </p:txBody>
       </p:sp>
@@ -7459,7 +7479,7 @@
           <a:p>
             <a:fld id="{EE9B84EE-31BC-44B9-A566-60A72A7CB1DD}" type="datetimeFigureOut">
               <a:rPr lang="en-US" smtClean="0"/>
-              <a:t>6/16/2021</a:t>
+              <a:t>4/2/2015</a:t>
             </a:fld>
             <a:endParaRPr lang="en-US"/>
           </a:p>
@@ -7836,78 +7856,43 @@
       </p:grpSpPr>
       <p:sp>
         <p:nvSpPr>
-          <p:cNvPr id="9" name="Rectangle 8"/>
-          <p:cNvSpPr/>
-          <p:nvPr/>
+          <p:cNvPr id="3" name="Subtitle 2"/>
+          <p:cNvSpPr>
+            <a:spLocks noGrp="1"/>
+          </p:cNvSpPr>
+          <p:nvPr>
+            <p:ph type="subTitle" idx="1"/>
+          </p:nvPr>
         </p:nvSpPr>
         <p:spPr>
           <a:xfrm>
-            <a:off x="0" y="6101740"/>
-            <a:ext cx="9144000" cy="756260"/>
-          </a:xfrm>
-          <a:prstGeom prst="rect">
-            <a:avLst/>
-          </a:prstGeom>
-          <a:solidFill>
-            <a:srgbClr val="29ABE2"/>
-          </a:solidFill>
-          <a:ln>
-            <a:noFill/>
-          </a:ln>
+            <a:off x="1409700" y="3250376"/>
+            <a:ext cx="6324600" cy="1752600"/>
+          </a:xfrm>
         </p:spPr>
-        <p:style>
-          <a:lnRef idx="2">
-            <a:schemeClr val="accent1">
-              <a:shade val="50000"/>
-            </a:schemeClr>
-          </a:lnRef>
-          <a:fillRef idx="1">
-            <a:schemeClr val="accent1"/>
-          </a:fillRef>
-          <a:effectRef idx="0">
-            <a:schemeClr val="accent1"/>
-          </a:effectRef>
-          <a:fontRef idx="minor">
-            <a:schemeClr val="lt1"/>
-          </a:fontRef>
-        </p:style>
-        <p:txBody>
-          <a:bodyPr rtlCol="0" anchor="ctr"/>
-          <a:lstStyle/>
-          <a:p>
-            <a:pPr algn="ctr"/>
-            <a:endParaRPr lang="en-US"/>
-          </a:p>
-        </p:txBody>
-      </p:sp>
-      <p:sp>
-        <p:nvSpPr>
-          <p:cNvPr id="2" name="Title 1">
-            <a:extLst>
-              <a:ext uri="{FF2B5EF4-FFF2-40B4-BE49-F238E27FC236}">
-                <a16:creationId xmlns:a16="http://schemas.microsoft.com/office/drawing/2014/main" id="{06784475-7F21-4068-9246-8B45B4FC8BAE}"/>
-              </a:ext>
-            </a:extLst>
-          </p:cNvPr>
-          <p:cNvSpPr>
-            <a:spLocks noGrp="1"/>
-          </p:cNvSpPr>
-          <p:nvPr>
-            <p:ph type="ctrTitle"/>
-          </p:nvPr>
-        </p:nvSpPr>
-        <p:spPr>
-          <a:xfrm>
-            <a:off x="685800" y="914400"/>
-            <a:ext cx="7772400" cy="1470025"/>
-          </a:xfrm>
-        </p:spPr>
-        <p:txBody>
-          <a:bodyPr/>
-          <a:lstStyle/>
+        <p:txBody>
+          <a:bodyPr>
+            <a:normAutofit/>
+          </a:bodyPr>
+          <a:lstStyle/>
+          <a:p>
+            <a:endParaRPr lang="en-US" sz="2400" dirty="0">
+              <a:solidFill>
+                <a:srgbClr val="000000"/>
+              </a:solidFill>
+            </a:endParaRPr>
+          </a:p>
           <a:p>
             <a:r>
-              <a:rPr lang="en-US" dirty="0">
+              <a:rPr lang="en-US" sz="2400" dirty="0">
+                <a:solidFill>
+                  <a:srgbClr val="000000"/>
+                </a:solidFill>
+              </a:rPr>
+              <a:t> </a:t>
+            </a:r>
+            <a:r>
+              <a:rPr lang="en-US" dirty="0" smtClean="0">
                 <a:solidFill>
                   <a:schemeClr val="bg1">
                     <a:lumMod val="50000"/>
@@ -7916,10 +7901,10 @@
                 <a:latin typeface="Segoe UI" panose="020B0502040204020203" pitchFamily="34" charset="0"/>
                 <a:cs typeface="Segoe UI" panose="020B0502040204020203" pitchFamily="34" charset="0"/>
               </a:rPr>
-              <a:t>Support Analysis</a:t>
+              <a:t>JavaScript </a:t>
             </a:r>
-            <a:br>
-              <a:rPr lang="en-US" dirty="0">
+            <a:r>
+              <a:rPr lang="en-US" dirty="0" smtClean="0">
                 <a:solidFill>
                   <a:schemeClr val="bg1">
                     <a:lumMod val="50000"/>
@@ -7928,27 +7913,30 @@
                 <a:latin typeface="Segoe UI" panose="020B0502040204020203" pitchFamily="34" charset="0"/>
                 <a:cs typeface="Segoe UI" panose="020B0502040204020203" pitchFamily="34" charset="0"/>
               </a:rPr>
-            </a:br>
-            <a:endParaRPr lang="en-US" dirty="0"/>
+              <a:t>Components</a:t>
+            </a:r>
+            <a:endParaRPr lang="en-US" dirty="0" smtClean="0">
+              <a:solidFill>
+                <a:schemeClr val="bg1">
+                  <a:lumMod val="50000"/>
+                </a:schemeClr>
+              </a:solidFill>
+              <a:latin typeface="Segoe UI" panose="020B0502040204020203" pitchFamily="34" charset="0"/>
+              <a:cs typeface="Segoe UI" panose="020B0502040204020203" pitchFamily="34" charset="0"/>
+            </a:endParaRPr>
           </a:p>
         </p:txBody>
       </p:sp>
       <p:pic>
         <p:nvPicPr>
-          <p:cNvPr id="7" name="Picture 6" descr="A person looking towards the camera&#10;&#10;Description generated with high confidence">
-            <a:extLst>
-              <a:ext uri="{FF2B5EF4-FFF2-40B4-BE49-F238E27FC236}">
-                <a16:creationId xmlns:a16="http://schemas.microsoft.com/office/drawing/2014/main" id="{1F2B9E00-38B7-4881-9203-EAB1414BA34A}"/>
-              </a:ext>
-            </a:extLst>
-          </p:cNvPr>
+          <p:cNvPr id="8" name="Picture 7"/>
           <p:cNvPicPr>
             <a:picLocks noChangeAspect="1"/>
           </p:cNvPicPr>
           <p:nvPr/>
         </p:nvPicPr>
         <p:blipFill>
-          <a:blip r:embed="rId3">
+          <a:blip r:embed="rId3" cstate="print">
             <a:extLst>
               <a:ext uri="{28A0092B-C50C-407E-A947-70E740481C1C}">
                 <a14:useLocalDpi xmlns:a14="http://schemas.microsoft.com/office/drawing/2010/main" val="0"/>
@@ -7961,14 +7949,105 @@
         </p:blipFill>
         <p:spPr>
           <a:xfrm>
-            <a:off x="1752600" y="2133600"/>
-            <a:ext cx="6000750" cy="3333750"/>
+            <a:off x="731520" y="1127683"/>
+            <a:ext cx="7680960" cy="1663125"/>
           </a:xfrm>
           <a:prstGeom prst="rect">
             <a:avLst/>
           </a:prstGeom>
         </p:spPr>
       </p:pic>
+      <p:grpSp>
+        <p:nvGrpSpPr>
+          <p:cNvPr id="12" name="Group 11"/>
+          <p:cNvGrpSpPr/>
+          <p:nvPr/>
+        </p:nvGrpSpPr>
+        <p:grpSpPr>
+          <a:xfrm>
+            <a:off x="0" y="6101740"/>
+            <a:ext cx="9264993" cy="756260"/>
+            <a:chOff x="0" y="6101740"/>
+            <a:chExt cx="9264993" cy="756260"/>
+          </a:xfrm>
+        </p:grpSpPr>
+        <p:sp>
+          <p:nvSpPr>
+            <p:cNvPr id="9" name="Rectangle 8"/>
+            <p:cNvSpPr/>
+            <p:nvPr/>
+          </p:nvSpPr>
+          <p:spPr>
+            <a:xfrm>
+              <a:off x="0" y="6101740"/>
+              <a:ext cx="9144000" cy="756260"/>
+            </a:xfrm>
+            <a:prstGeom prst="rect">
+              <a:avLst/>
+            </a:prstGeom>
+            <a:solidFill>
+              <a:srgbClr val="29ABE2"/>
+            </a:solidFill>
+            <a:ln>
+              <a:noFill/>
+            </a:ln>
+          </p:spPr>
+          <p:style>
+            <a:lnRef idx="2">
+              <a:schemeClr val="accent1">
+                <a:shade val="50000"/>
+              </a:schemeClr>
+            </a:lnRef>
+            <a:fillRef idx="1">
+              <a:schemeClr val="accent1"/>
+            </a:fillRef>
+            <a:effectRef idx="0">
+              <a:schemeClr val="accent1"/>
+            </a:effectRef>
+            <a:fontRef idx="minor">
+              <a:schemeClr val="lt1"/>
+            </a:fontRef>
+          </p:style>
+          <p:txBody>
+            <a:bodyPr rtlCol="0" anchor="ctr"/>
+            <a:lstStyle/>
+            <a:p>
+              <a:pPr algn="ctr"/>
+              <a:endParaRPr lang="en-US"/>
+            </a:p>
+          </p:txBody>
+        </p:sp>
+        <p:pic>
+          <p:nvPicPr>
+            <p:cNvPr id="10" name="Picture 9"/>
+            <p:cNvPicPr>
+              <a:picLocks noChangeAspect="1"/>
+            </p:cNvPicPr>
+            <p:nvPr/>
+          </p:nvPicPr>
+          <p:blipFill>
+            <a:blip r:embed="rId4" cstate="print">
+              <a:extLst>
+                <a:ext uri="{28A0092B-C50C-407E-A947-70E740481C1C}">
+                  <a14:useLocalDpi xmlns:a14="http://schemas.microsoft.com/office/drawing/2010/main" val="0"/>
+                </a:ext>
+              </a:extLst>
+            </a:blip>
+            <a:stretch>
+              <a:fillRect/>
+            </a:stretch>
+          </p:blipFill>
+          <p:spPr>
+            <a:xfrm>
+              <a:off x="6705600" y="6101740"/>
+              <a:ext cx="2559393" cy="756260"/>
+            </a:xfrm>
+            <a:prstGeom prst="rect">
+              <a:avLst/>
+            </a:prstGeom>
+          </p:spPr>
+        </p:pic>
+      </p:grpSp>
     </p:spTree>
     <p:extLst>
       <p:ext uri="{BB962C8B-B14F-4D97-AF65-F5344CB8AC3E}">
@@ -7979,6 +8058,13 @@
   <p:clrMapOvr>
     <a:masterClrMapping/>
   </p:clrMapOvr>
+  <p:timing>
+    <p:tnLst>
+      <p:par>
+        <p:cTn id="1" dur="indefinite" restart="never" nodeType="tmRoot"/>
+      </p:par>
+    </p:tnLst>
+  </p:timing>
 </p:sld>
 </file>
 
@@ -8017,7 +8103,7 @@
           <a:lstStyle/>
           <a:p>
             <a:r>
-              <a:rPr lang="en-US" sz="4500" dirty="0">
+              <a:rPr lang="en-US" sz="4500" dirty="0" smtClean="0">
                 <a:solidFill>
                   <a:srgbClr val="29ABE2"/>
                 </a:solidFill>
@@ -8027,7 +8113,7 @@
               <a:t>Diagram </a:t>
             </a:r>
             <a:r>
-              <a:rPr lang="en-US" sz="4500" dirty="0" err="1">
+              <a:rPr lang="en-US" sz="4500" dirty="0" err="1" smtClean="0">
                 <a:solidFill>
                   <a:srgbClr val="29ABE2"/>
                 </a:solidFill>
@@ -8070,52 +8156,97 @@
           </a:prstGeom>
         </p:spPr>
       </p:pic>
-      <p:sp>
-        <p:nvSpPr>
-          <p:cNvPr id="9" name="Rectangle 8"/>
-          <p:cNvSpPr/>
+      <p:grpSp>
+        <p:nvGrpSpPr>
+          <p:cNvPr id="8" name="Group 7"/>
+          <p:cNvGrpSpPr/>
           <p:nvPr/>
-        </p:nvSpPr>
-        <p:spPr>
+        </p:nvGrpSpPr>
+        <p:grpSpPr>
           <a:xfrm>
             <a:off x="0" y="6101740"/>
-            <a:ext cx="9144000" cy="756260"/>
-          </a:xfrm>
-          <a:prstGeom prst="rect">
-            <a:avLst/>
-          </a:prstGeom>
-          <a:solidFill>
-            <a:srgbClr val="29ABE2"/>
-          </a:solidFill>
-          <a:ln>
-            <a:noFill/>
-          </a:ln>
-        </p:spPr>
-        <p:style>
-          <a:lnRef idx="2">
-            <a:schemeClr val="accent1">
-              <a:shade val="50000"/>
-            </a:schemeClr>
-          </a:lnRef>
-          <a:fillRef idx="1">
-            <a:schemeClr val="accent1"/>
-          </a:fillRef>
-          <a:effectRef idx="0">
-            <a:schemeClr val="accent1"/>
-          </a:effectRef>
-          <a:fontRef idx="minor">
-            <a:schemeClr val="lt1"/>
-          </a:fontRef>
-        </p:style>
-        <p:txBody>
-          <a:bodyPr rtlCol="0" anchor="ctr"/>
-          <a:lstStyle/>
-          <a:p>
-            <a:pPr algn="ctr"/>
-            <a:endParaRPr lang="en-US"/>
-          </a:p>
-        </p:txBody>
-      </p:sp>
+            <a:ext cx="9264993" cy="756260"/>
+            <a:chOff x="0" y="6101740"/>
+            <a:chExt cx="9264993" cy="756260"/>
+          </a:xfrm>
+        </p:grpSpPr>
+        <p:sp>
+          <p:nvSpPr>
+            <p:cNvPr id="9" name="Rectangle 8"/>
+            <p:cNvSpPr/>
+            <p:nvPr/>
+          </p:nvSpPr>
+          <p:spPr>
+            <a:xfrm>
+              <a:off x="0" y="6101740"/>
+              <a:ext cx="9144000" cy="756260"/>
+            </a:xfrm>
+            <a:prstGeom prst="rect">
+              <a:avLst/>
+            </a:prstGeom>
+            <a:solidFill>
+              <a:srgbClr val="29ABE2"/>
+            </a:solidFill>
+            <a:ln>
+              <a:noFill/>
+            </a:ln>
+          </p:spPr>
+          <p:style>
+            <a:lnRef idx="2">
+              <a:schemeClr val="accent1">
+                <a:shade val="50000"/>
+              </a:schemeClr>
+            </a:lnRef>
+            <a:fillRef idx="1">
+              <a:schemeClr val="accent1"/>
+            </a:fillRef>
+            <a:effectRef idx="0">
+              <a:schemeClr val="accent1"/>
+            </a:effectRef>
+            <a:fontRef idx="minor">
+              <a:schemeClr val="lt1"/>
+            </a:fontRef>
+          </p:style>
+          <p:txBody>
+            <a:bodyPr rtlCol="0" anchor="ctr"/>
+            <a:lstStyle/>
+            <a:p>
+              <a:pPr algn="ctr"/>
+              <a:endParaRPr lang="en-US"/>
+            </a:p>
+          </p:txBody>
+        </p:sp>
+        <p:pic>
+          <p:nvPicPr>
+            <p:cNvPr id="10" name="Picture 9"/>
+            <p:cNvPicPr>
+              <a:picLocks noChangeAspect="1"/>
+            </p:cNvPicPr>
+            <p:nvPr/>
+          </p:nvPicPr>
+          <p:blipFill>
+            <a:blip r:embed="rId4" cstate="print">
+              <a:extLst>
+                <a:ext uri="{28A0092B-C50C-407E-A947-70E740481C1C}">
+                  <a14:useLocalDpi xmlns:a14="http://schemas.microsoft.com/office/drawing/2010/main" val="0"/>
+                </a:ext>
+              </a:extLst>
+            </a:blip>
+            <a:stretch>
+              <a:fillRect/>
+            </a:stretch>
+          </p:blipFill>
+          <p:spPr>
+            <a:xfrm>
+              <a:off x="6705600" y="6101740"/>
+              <a:ext cx="2559393" cy="756260"/>
+            </a:xfrm>
+            <a:prstGeom prst="rect">
+              <a:avLst/>
+            </a:prstGeom>
+          </p:spPr>
+        </p:pic>
+      </p:grpSp>
     </p:spTree>
     <p:extLst>
       <p:ext uri="{BB962C8B-B14F-4D97-AF65-F5344CB8AC3E}">
@@ -8126,6 +8257,13 @@
   <p:clrMapOvr>
     <a:masterClrMapping/>
   </p:clrMapOvr>
+  <p:timing>
+    <p:tnLst>
+      <p:par>
+        <p:cTn id="1" dur="indefinite" restart="never" nodeType="tmRoot"/>
+      </p:par>
+    </p:tnLst>
+  </p:timing>
 </p:sld>
 </file>
 
@@ -8164,7 +8302,7 @@
           <a:lstStyle/>
           <a:p>
             <a:r>
-              <a:rPr lang="en-US" sz="4500" dirty="0">
+              <a:rPr lang="en-US" sz="4500" dirty="0" smtClean="0">
                 <a:solidFill>
                   <a:srgbClr val="29ABE2"/>
                 </a:solidFill>
@@ -8173,6 +8311,13 @@
               </a:rPr>
               <a:t>Gantt</a:t>
             </a:r>
+            <a:endParaRPr lang="en-US" sz="4500" dirty="0">
+              <a:solidFill>
+                <a:srgbClr val="29ABE2"/>
+              </a:solidFill>
+              <a:latin typeface="Segoe UI" panose="020B0502040204020203" pitchFamily="34" charset="0"/>
+              <a:cs typeface="Segoe UI" panose="020B0502040204020203" pitchFamily="34" charset="0"/>
+            </a:endParaRPr>
           </a:p>
         </p:txBody>
       </p:sp>
@@ -8200,52 +8345,97 @@
           </a:prstGeom>
         </p:spPr>
       </p:pic>
-      <p:sp>
-        <p:nvSpPr>
-          <p:cNvPr id="8" name="Rectangle 7"/>
-          <p:cNvSpPr/>
+      <p:grpSp>
+        <p:nvGrpSpPr>
+          <p:cNvPr id="7" name="Group 6"/>
+          <p:cNvGrpSpPr/>
           <p:nvPr/>
-        </p:nvSpPr>
-        <p:spPr>
+        </p:nvGrpSpPr>
+        <p:grpSpPr>
           <a:xfrm>
             <a:off x="0" y="6101740"/>
-            <a:ext cx="9144000" cy="756260"/>
-          </a:xfrm>
-          <a:prstGeom prst="rect">
-            <a:avLst/>
-          </a:prstGeom>
-          <a:solidFill>
-            <a:srgbClr val="29ABE2"/>
-          </a:solidFill>
-          <a:ln>
-            <a:noFill/>
-          </a:ln>
-        </p:spPr>
-        <p:style>
-          <a:lnRef idx="2">
-            <a:schemeClr val="accent1">
-              <a:shade val="50000"/>
-            </a:schemeClr>
-          </a:lnRef>
-          <a:fillRef idx="1">
-            <a:schemeClr val="accent1"/>
-          </a:fillRef>
-          <a:effectRef idx="0">
-            <a:schemeClr val="accent1"/>
-          </a:effectRef>
-          <a:fontRef idx="minor">
-            <a:schemeClr val="lt1"/>
-          </a:fontRef>
-        </p:style>
-        <p:txBody>
-          <a:bodyPr rtlCol="0" anchor="ctr"/>
-          <a:lstStyle/>
-          <a:p>
-            <a:pPr algn="ctr"/>
-            <a:endParaRPr lang="en-US"/>
-          </a:p>
-        </p:txBody>
-      </p:sp>
+            <a:ext cx="9264993" cy="756260"/>
+            <a:chOff x="0" y="6101740"/>
+            <a:chExt cx="9264993" cy="756260"/>
+          </a:xfrm>
+        </p:grpSpPr>
+        <p:sp>
+          <p:nvSpPr>
+            <p:cNvPr id="8" name="Rectangle 7"/>
+            <p:cNvSpPr/>
+            <p:nvPr/>
+          </p:nvSpPr>
+          <p:spPr>
+            <a:xfrm>
+              <a:off x="0" y="6101740"/>
+              <a:ext cx="9144000" cy="756260"/>
+            </a:xfrm>
+            <a:prstGeom prst="rect">
+              <a:avLst/>
+            </a:prstGeom>
+            <a:solidFill>
+              <a:srgbClr val="29ABE2"/>
+            </a:solidFill>
+            <a:ln>
+              <a:noFill/>
+            </a:ln>
+          </p:spPr>
+          <p:style>
+            <a:lnRef idx="2">
+              <a:schemeClr val="accent1">
+                <a:shade val="50000"/>
+              </a:schemeClr>
+            </a:lnRef>
+            <a:fillRef idx="1">
+              <a:schemeClr val="accent1"/>
+            </a:fillRef>
+            <a:effectRef idx="0">
+              <a:schemeClr val="accent1"/>
+            </a:effectRef>
+            <a:fontRef idx="minor">
+              <a:schemeClr val="lt1"/>
+            </a:fontRef>
+          </p:style>
+          <p:txBody>
+            <a:bodyPr rtlCol="0" anchor="ctr"/>
+            <a:lstStyle/>
+            <a:p>
+              <a:pPr algn="ctr"/>
+              <a:endParaRPr lang="en-US"/>
+            </a:p>
+          </p:txBody>
+        </p:sp>
+        <p:pic>
+          <p:nvPicPr>
+            <p:cNvPr id="9" name="Picture 8"/>
+            <p:cNvPicPr>
+              <a:picLocks noChangeAspect="1"/>
+            </p:cNvPicPr>
+            <p:nvPr/>
+          </p:nvPicPr>
+          <p:blipFill>
+            <a:blip r:embed="rId4" cstate="print">
+              <a:extLst>
+                <a:ext uri="{28A0092B-C50C-407E-A947-70E740481C1C}">
+                  <a14:useLocalDpi xmlns:a14="http://schemas.microsoft.com/office/drawing/2010/main" val="0"/>
+                </a:ext>
+              </a:extLst>
+            </a:blip>
+            <a:stretch>
+              <a:fillRect/>
+            </a:stretch>
+          </p:blipFill>
+          <p:spPr>
+            <a:xfrm>
+              <a:off x="6705600" y="6101740"/>
+              <a:ext cx="2559393" cy="756260"/>
+            </a:xfrm>
+            <a:prstGeom prst="rect">
+              <a:avLst/>
+            </a:prstGeom>
+          </p:spPr>
+        </p:pic>
+      </p:grpSp>
     </p:spTree>
     <p:extLst>
       <p:ext uri="{BB962C8B-B14F-4D97-AF65-F5344CB8AC3E}">
@@ -8256,6 +8446,13 @@
   <p:clrMapOvr>
     <a:masterClrMapping/>
   </p:clrMapOvr>
+  <p:timing>
+    <p:tnLst>
+      <p:par>
+        <p:cTn id="1" dur="indefinite" restart="never" nodeType="tmRoot"/>
+      </p:par>
+    </p:tnLst>
+  </p:timing>
 </p:sld>
 </file>
 
@@ -8294,7 +8491,7 @@
           <a:lstStyle/>
           <a:p>
             <a:r>
-              <a:rPr lang="en-US" sz="4500" dirty="0">
+              <a:rPr lang="en-US" sz="4500" dirty="0" smtClean="0">
                 <a:solidFill>
                   <a:srgbClr val="29ABE2"/>
                 </a:solidFill>
@@ -8303,6 +8500,13 @@
               </a:rPr>
               <a:t>Schedule</a:t>
             </a:r>
+            <a:endParaRPr lang="en-US" sz="4500" dirty="0">
+              <a:solidFill>
+                <a:srgbClr val="29ABE2"/>
+              </a:solidFill>
+              <a:latin typeface="Segoe UI" panose="020B0502040204020203" pitchFamily="34" charset="0"/>
+              <a:cs typeface="Segoe UI" panose="020B0502040204020203" pitchFamily="34" charset="0"/>
+            </a:endParaRPr>
           </a:p>
         </p:txBody>
       </p:sp>
@@ -8330,52 +8534,97 @@
           </a:prstGeom>
         </p:spPr>
       </p:pic>
-      <p:sp>
-        <p:nvSpPr>
-          <p:cNvPr id="6" name="Rectangle 5"/>
-          <p:cNvSpPr/>
+      <p:grpSp>
+        <p:nvGrpSpPr>
+          <p:cNvPr id="5" name="Group 4"/>
+          <p:cNvGrpSpPr/>
           <p:nvPr/>
-        </p:nvSpPr>
-        <p:spPr>
+        </p:nvGrpSpPr>
+        <p:grpSpPr>
           <a:xfrm>
             <a:off x="0" y="6101740"/>
-            <a:ext cx="9144000" cy="756260"/>
-          </a:xfrm>
-          <a:prstGeom prst="rect">
-            <a:avLst/>
-          </a:prstGeom>
-          <a:solidFill>
-            <a:srgbClr val="29ABE2"/>
-          </a:solidFill>
-          <a:ln>
-            <a:noFill/>
-          </a:ln>
-        </p:spPr>
-        <p:style>
-          <a:lnRef idx="2">
-            <a:schemeClr val="accent1">
-              <a:shade val="50000"/>
-            </a:schemeClr>
-          </a:lnRef>
-          <a:fillRef idx="1">
-            <a:schemeClr val="accent1"/>
-          </a:fillRef>
-          <a:effectRef idx="0">
-            <a:schemeClr val="accent1"/>
-          </a:effectRef>
-          <a:fontRef idx="minor">
-            <a:schemeClr val="lt1"/>
-          </a:fontRef>
-        </p:style>
-        <p:txBody>
-          <a:bodyPr rtlCol="0" anchor="ctr"/>
-          <a:lstStyle/>
-          <a:p>
-            <a:pPr algn="ctr"/>
-            <a:endParaRPr lang="en-US"/>
-          </a:p>
-        </p:txBody>
-      </p:sp>
+            <a:ext cx="9264993" cy="756260"/>
+            <a:chOff x="0" y="6101740"/>
+            <a:chExt cx="9264993" cy="756260"/>
+          </a:xfrm>
+        </p:grpSpPr>
+        <p:sp>
+          <p:nvSpPr>
+            <p:cNvPr id="6" name="Rectangle 5"/>
+            <p:cNvSpPr/>
+            <p:nvPr/>
+          </p:nvSpPr>
+          <p:spPr>
+            <a:xfrm>
+              <a:off x="0" y="6101740"/>
+              <a:ext cx="9144000" cy="756260"/>
+            </a:xfrm>
+            <a:prstGeom prst="rect">
+              <a:avLst/>
+            </a:prstGeom>
+            <a:solidFill>
+              <a:srgbClr val="29ABE2"/>
+            </a:solidFill>
+            <a:ln>
+              <a:noFill/>
+            </a:ln>
+          </p:spPr>
+          <p:style>
+            <a:lnRef idx="2">
+              <a:schemeClr val="accent1">
+                <a:shade val="50000"/>
+              </a:schemeClr>
+            </a:lnRef>
+            <a:fillRef idx="1">
+              <a:schemeClr val="accent1"/>
+            </a:fillRef>
+            <a:effectRef idx="0">
+              <a:schemeClr val="accent1"/>
+            </a:effectRef>
+            <a:fontRef idx="minor">
+              <a:schemeClr val="lt1"/>
+            </a:fontRef>
+          </p:style>
+          <p:txBody>
+            <a:bodyPr rtlCol="0" anchor="ctr"/>
+            <a:lstStyle/>
+            <a:p>
+              <a:pPr algn="ctr"/>
+              <a:endParaRPr lang="en-US"/>
+            </a:p>
+          </p:txBody>
+        </p:sp>
+        <p:pic>
+          <p:nvPicPr>
+            <p:cNvPr id="7" name="Picture 6"/>
+            <p:cNvPicPr>
+              <a:picLocks noChangeAspect="1"/>
+            </p:cNvPicPr>
+            <p:nvPr/>
+          </p:nvPicPr>
+          <p:blipFill>
+            <a:blip r:embed="rId4" cstate="print">
+              <a:extLst>
+                <a:ext uri="{28A0092B-C50C-407E-A947-70E740481C1C}">
+                  <a14:useLocalDpi xmlns:a14="http://schemas.microsoft.com/office/drawing/2010/main" val="0"/>
+                </a:ext>
+              </a:extLst>
+            </a:blip>
+            <a:stretch>
+              <a:fillRect/>
+            </a:stretch>
+          </p:blipFill>
+          <p:spPr>
+            <a:xfrm>
+              <a:off x="6705600" y="6101740"/>
+              <a:ext cx="2559393" cy="756260"/>
+            </a:xfrm>
+            <a:prstGeom prst="rect">
+              <a:avLst/>
+            </a:prstGeom>
+          </p:spPr>
+        </p:pic>
+      </p:grpSp>
     </p:spTree>
     <p:extLst>
       <p:ext uri="{BB962C8B-B14F-4D97-AF65-F5344CB8AC3E}">
@@ -8386,6 +8635,13 @@
   <p:clrMapOvr>
     <a:masterClrMapping/>
   </p:clrMapOvr>
+  <p:timing>
+    <p:tnLst>
+      <p:par>
+        <p:cTn id="1" dur="indefinite" restart="never" nodeType="tmRoot"/>
+      </p:par>
+    </p:tnLst>
+  </p:timing>
 </p:sld>
 </file>
 
@@ -8424,7 +8680,7 @@
           <a:lstStyle/>
           <a:p>
             <a:r>
-              <a:rPr lang="en-US" sz="4500" dirty="0">
+              <a:rPr lang="en-US" sz="4500" dirty="0" smtClean="0">
                 <a:solidFill>
                   <a:srgbClr val="29ABE2"/>
                 </a:solidFill>
@@ -8433,6 +8689,13 @@
               </a:rPr>
               <a:t>Bullet Graph</a:t>
             </a:r>
+            <a:endParaRPr lang="en-US" sz="4500" dirty="0">
+              <a:solidFill>
+                <a:srgbClr val="29ABE2"/>
+              </a:solidFill>
+              <a:latin typeface="Segoe UI" panose="020B0502040204020203" pitchFamily="34" charset="0"/>
+              <a:cs typeface="Segoe UI" panose="020B0502040204020203" pitchFamily="34" charset="0"/>
+            </a:endParaRPr>
           </a:p>
         </p:txBody>
       </p:sp>
@@ -8460,52 +8723,97 @@
           </a:prstGeom>
         </p:spPr>
       </p:pic>
-      <p:sp>
-        <p:nvSpPr>
-          <p:cNvPr id="6" name="Rectangle 5"/>
-          <p:cNvSpPr/>
+      <p:grpSp>
+        <p:nvGrpSpPr>
+          <p:cNvPr id="5" name="Group 4"/>
+          <p:cNvGrpSpPr/>
           <p:nvPr/>
-        </p:nvSpPr>
-        <p:spPr>
+        </p:nvGrpSpPr>
+        <p:grpSpPr>
           <a:xfrm>
             <a:off x="0" y="6101740"/>
-            <a:ext cx="9144000" cy="756260"/>
-          </a:xfrm>
-          <a:prstGeom prst="rect">
-            <a:avLst/>
-          </a:prstGeom>
-          <a:solidFill>
-            <a:srgbClr val="29ABE2"/>
-          </a:solidFill>
-          <a:ln>
-            <a:noFill/>
-          </a:ln>
-        </p:spPr>
-        <p:style>
-          <a:lnRef idx="2">
-            <a:schemeClr val="accent1">
-              <a:shade val="50000"/>
-            </a:schemeClr>
-          </a:lnRef>
-          <a:fillRef idx="1">
-            <a:schemeClr val="accent1"/>
-          </a:fillRef>
-          <a:effectRef idx="0">
-            <a:schemeClr val="accent1"/>
-          </a:effectRef>
-          <a:fontRef idx="minor">
-            <a:schemeClr val="lt1"/>
-          </a:fontRef>
-        </p:style>
-        <p:txBody>
-          <a:bodyPr rtlCol="0" anchor="ctr"/>
-          <a:lstStyle/>
-          <a:p>
-            <a:pPr algn="ctr"/>
-            <a:endParaRPr lang="en-US"/>
-          </a:p>
-        </p:txBody>
-      </p:sp>
+            <a:ext cx="9264993" cy="756260"/>
+            <a:chOff x="0" y="6101740"/>
+            <a:chExt cx="9264993" cy="756260"/>
+          </a:xfrm>
+        </p:grpSpPr>
+        <p:sp>
+          <p:nvSpPr>
+            <p:cNvPr id="6" name="Rectangle 5"/>
+            <p:cNvSpPr/>
+            <p:nvPr/>
+          </p:nvSpPr>
+          <p:spPr>
+            <a:xfrm>
+              <a:off x="0" y="6101740"/>
+              <a:ext cx="9144000" cy="756260"/>
+            </a:xfrm>
+            <a:prstGeom prst="rect">
+              <a:avLst/>
+            </a:prstGeom>
+            <a:solidFill>
+              <a:srgbClr val="29ABE2"/>
+            </a:solidFill>
+            <a:ln>
+              <a:noFill/>
+            </a:ln>
+          </p:spPr>
+          <p:style>
+            <a:lnRef idx="2">
+              <a:schemeClr val="accent1">
+                <a:shade val="50000"/>
+              </a:schemeClr>
+            </a:lnRef>
+            <a:fillRef idx="1">
+              <a:schemeClr val="accent1"/>
+            </a:fillRef>
+            <a:effectRef idx="0">
+              <a:schemeClr val="accent1"/>
+            </a:effectRef>
+            <a:fontRef idx="minor">
+              <a:schemeClr val="lt1"/>
+            </a:fontRef>
+          </p:style>
+          <p:txBody>
+            <a:bodyPr rtlCol="0" anchor="ctr"/>
+            <a:lstStyle/>
+            <a:p>
+              <a:pPr algn="ctr"/>
+              <a:endParaRPr lang="en-US"/>
+            </a:p>
+          </p:txBody>
+        </p:sp>
+        <p:pic>
+          <p:nvPicPr>
+            <p:cNvPr id="7" name="Picture 6"/>
+            <p:cNvPicPr>
+              <a:picLocks noChangeAspect="1"/>
+            </p:cNvPicPr>
+            <p:nvPr/>
+          </p:nvPicPr>
+          <p:blipFill>
+            <a:blip r:embed="rId4" cstate="print">
+              <a:extLst>
+                <a:ext uri="{28A0092B-C50C-407E-A947-70E740481C1C}">
+                  <a14:useLocalDpi xmlns:a14="http://schemas.microsoft.com/office/drawing/2010/main" val="0"/>
+                </a:ext>
+              </a:extLst>
+            </a:blip>
+            <a:stretch>
+              <a:fillRect/>
+            </a:stretch>
+          </p:blipFill>
+          <p:spPr>
+            <a:xfrm>
+              <a:off x="6705600" y="6101740"/>
+              <a:ext cx="2559393" cy="756260"/>
+            </a:xfrm>
+            <a:prstGeom prst="rect">
+              <a:avLst/>
+            </a:prstGeom>
+          </p:spPr>
+        </p:pic>
+      </p:grpSp>
     </p:spTree>
     <p:extLst>
       <p:ext uri="{BB962C8B-B14F-4D97-AF65-F5344CB8AC3E}">
@@ -8516,6 +8824,13 @@
   <p:clrMapOvr>
     <a:masterClrMapping/>
   </p:clrMapOvr>
+  <p:timing>
+    <p:tnLst>
+      <p:par>
+        <p:cTn id="1" dur="indefinite" restart="never" nodeType="tmRoot"/>
+      </p:par>
+    </p:tnLst>
+  </p:timing>
 </p:sld>
 </file>
 
@@ -8554,7 +8869,7 @@
           <a:lstStyle/>
           <a:p>
             <a:r>
-              <a:rPr lang="en-US" sz="4500" dirty="0">
+              <a:rPr lang="en-US" sz="4500" dirty="0" smtClean="0">
                 <a:solidFill>
                   <a:srgbClr val="29ABE2"/>
                 </a:solidFill>
@@ -8563,6 +8878,13 @@
               </a:rPr>
               <a:t>Bullet Graph</a:t>
             </a:r>
+            <a:endParaRPr lang="en-US" sz="4500" dirty="0">
+              <a:solidFill>
+                <a:srgbClr val="29ABE2"/>
+              </a:solidFill>
+              <a:latin typeface="Segoe UI" panose="020B0502040204020203" pitchFamily="34" charset="0"/>
+              <a:cs typeface="Segoe UI" panose="020B0502040204020203" pitchFamily="34" charset="0"/>
+            </a:endParaRPr>
           </a:p>
         </p:txBody>
       </p:sp>
@@ -8590,52 +8912,97 @@
           </a:prstGeom>
         </p:spPr>
       </p:pic>
-      <p:sp>
-        <p:nvSpPr>
-          <p:cNvPr id="6" name="Rectangle 5"/>
-          <p:cNvSpPr/>
+      <p:grpSp>
+        <p:nvGrpSpPr>
+          <p:cNvPr id="4" name="Group 3"/>
+          <p:cNvGrpSpPr/>
           <p:nvPr/>
-        </p:nvSpPr>
-        <p:spPr>
+        </p:nvGrpSpPr>
+        <p:grpSpPr>
           <a:xfrm>
             <a:off x="0" y="6101740"/>
-            <a:ext cx="9144000" cy="756260"/>
-          </a:xfrm>
-          <a:prstGeom prst="rect">
-            <a:avLst/>
-          </a:prstGeom>
-          <a:solidFill>
-            <a:srgbClr val="29ABE2"/>
-          </a:solidFill>
-          <a:ln>
-            <a:noFill/>
-          </a:ln>
-        </p:spPr>
-        <p:style>
-          <a:lnRef idx="2">
-            <a:schemeClr val="accent1">
-              <a:shade val="50000"/>
-            </a:schemeClr>
-          </a:lnRef>
-          <a:fillRef idx="1">
-            <a:schemeClr val="accent1"/>
-          </a:fillRef>
-          <a:effectRef idx="0">
-            <a:schemeClr val="accent1"/>
-          </a:effectRef>
-          <a:fontRef idx="minor">
-            <a:schemeClr val="lt1"/>
-          </a:fontRef>
-        </p:style>
-        <p:txBody>
-          <a:bodyPr rtlCol="0" anchor="ctr"/>
-          <a:lstStyle/>
-          <a:p>
-            <a:pPr algn="ctr"/>
-            <a:endParaRPr lang="en-US"/>
-          </a:p>
-        </p:txBody>
-      </p:sp>
+            <a:ext cx="9264993" cy="756260"/>
+            <a:chOff x="0" y="6101740"/>
+            <a:chExt cx="9264993" cy="756260"/>
+          </a:xfrm>
+        </p:grpSpPr>
+        <p:sp>
+          <p:nvSpPr>
+            <p:cNvPr id="6" name="Rectangle 5"/>
+            <p:cNvSpPr/>
+            <p:nvPr/>
+          </p:nvSpPr>
+          <p:spPr>
+            <a:xfrm>
+              <a:off x="0" y="6101740"/>
+              <a:ext cx="9144000" cy="756260"/>
+            </a:xfrm>
+            <a:prstGeom prst="rect">
+              <a:avLst/>
+            </a:prstGeom>
+            <a:solidFill>
+              <a:srgbClr val="29ABE2"/>
+            </a:solidFill>
+            <a:ln>
+              <a:noFill/>
+            </a:ln>
+          </p:spPr>
+          <p:style>
+            <a:lnRef idx="2">
+              <a:schemeClr val="accent1">
+                <a:shade val="50000"/>
+              </a:schemeClr>
+            </a:lnRef>
+            <a:fillRef idx="1">
+              <a:schemeClr val="accent1"/>
+            </a:fillRef>
+            <a:effectRef idx="0">
+              <a:schemeClr val="accent1"/>
+            </a:effectRef>
+            <a:fontRef idx="minor">
+              <a:schemeClr val="lt1"/>
+            </a:fontRef>
+          </p:style>
+          <p:txBody>
+            <a:bodyPr rtlCol="0" anchor="ctr"/>
+            <a:lstStyle/>
+            <a:p>
+              <a:pPr algn="ctr"/>
+              <a:endParaRPr lang="en-US"/>
+            </a:p>
+          </p:txBody>
+        </p:sp>
+        <p:pic>
+          <p:nvPicPr>
+            <p:cNvPr id="7" name="Picture 6"/>
+            <p:cNvPicPr>
+              <a:picLocks noChangeAspect="1"/>
+            </p:cNvPicPr>
+            <p:nvPr/>
+          </p:nvPicPr>
+          <p:blipFill>
+            <a:blip r:embed="rId4" cstate="print">
+              <a:extLst>
+                <a:ext uri="{28A0092B-C50C-407E-A947-70E740481C1C}">
+                  <a14:useLocalDpi xmlns:a14="http://schemas.microsoft.com/office/drawing/2010/main" val="0"/>
+                </a:ext>
+              </a:extLst>
+            </a:blip>
+            <a:stretch>
+              <a:fillRect/>
+            </a:stretch>
+          </p:blipFill>
+          <p:spPr>
+            <a:xfrm>
+              <a:off x="6705600" y="6101740"/>
+              <a:ext cx="2559393" cy="756260"/>
+            </a:xfrm>
+            <a:prstGeom prst="rect">
+              <a:avLst/>
+            </a:prstGeom>
+          </p:spPr>
+        </p:pic>
+      </p:grpSp>
     </p:spTree>
     <p:extLst>
       <p:ext uri="{BB962C8B-B14F-4D97-AF65-F5344CB8AC3E}">
@@ -8646,6 +9013,13 @@
   <p:clrMapOvr>
     <a:masterClrMapping/>
   </p:clrMapOvr>
+  <p:timing>
+    <p:tnLst>
+      <p:par>
+        <p:cTn id="1" dur="indefinite" restart="never" nodeType="tmRoot"/>
+      </p:par>
+    </p:tnLst>
+  </p:timing>
 </p:sld>
 </file>
 
@@ -8684,7 +9058,7 @@
           <a:lstStyle/>
           <a:p>
             <a:r>
-              <a:rPr lang="en-US" sz="4500" dirty="0">
+              <a:rPr lang="en-US" sz="4500" dirty="0" smtClean="0">
                 <a:solidFill>
                   <a:srgbClr val="29ABE2"/>
                 </a:solidFill>
@@ -8693,6 +9067,13 @@
               </a:rPr>
               <a:t>Linear Gauge</a:t>
             </a:r>
+            <a:endParaRPr lang="en-US" sz="4500" dirty="0">
+              <a:solidFill>
+                <a:srgbClr val="29ABE2"/>
+              </a:solidFill>
+              <a:latin typeface="Segoe UI" panose="020B0502040204020203" pitchFamily="34" charset="0"/>
+              <a:cs typeface="Segoe UI" panose="020B0502040204020203" pitchFamily="34" charset="0"/>
+            </a:endParaRPr>
           </a:p>
         </p:txBody>
       </p:sp>
@@ -8720,52 +9101,97 @@
           </a:prstGeom>
         </p:spPr>
       </p:pic>
-      <p:sp>
-        <p:nvSpPr>
-          <p:cNvPr id="5" name="Rectangle 4"/>
-          <p:cNvSpPr/>
+      <p:grpSp>
+        <p:nvGrpSpPr>
+          <p:cNvPr id="4" name="Group 3"/>
+          <p:cNvGrpSpPr/>
           <p:nvPr/>
-        </p:nvSpPr>
-        <p:spPr>
+        </p:nvGrpSpPr>
+        <p:grpSpPr>
           <a:xfrm>
             <a:off x="0" y="6101740"/>
-            <a:ext cx="9144000" cy="756260"/>
-          </a:xfrm>
-          <a:prstGeom prst="rect">
-            <a:avLst/>
-          </a:prstGeom>
-          <a:solidFill>
-            <a:srgbClr val="29ABE2"/>
-          </a:solidFill>
-          <a:ln>
-            <a:noFill/>
-          </a:ln>
-        </p:spPr>
-        <p:style>
-          <a:lnRef idx="2">
-            <a:schemeClr val="accent1">
-              <a:shade val="50000"/>
-            </a:schemeClr>
-          </a:lnRef>
-          <a:fillRef idx="1">
-            <a:schemeClr val="accent1"/>
-          </a:fillRef>
-          <a:effectRef idx="0">
-            <a:schemeClr val="accent1"/>
-          </a:effectRef>
-          <a:fontRef idx="minor">
-            <a:schemeClr val="lt1"/>
-          </a:fontRef>
-        </p:style>
-        <p:txBody>
-          <a:bodyPr rtlCol="0" anchor="ctr"/>
-          <a:lstStyle/>
-          <a:p>
-            <a:pPr algn="ctr"/>
-            <a:endParaRPr lang="en-US"/>
-          </a:p>
-        </p:txBody>
-      </p:sp>
+            <a:ext cx="9264993" cy="756260"/>
+            <a:chOff x="0" y="6101740"/>
+            <a:chExt cx="9264993" cy="756260"/>
+          </a:xfrm>
+        </p:grpSpPr>
+        <p:sp>
+          <p:nvSpPr>
+            <p:cNvPr id="5" name="Rectangle 4"/>
+            <p:cNvSpPr/>
+            <p:nvPr/>
+          </p:nvSpPr>
+          <p:spPr>
+            <a:xfrm>
+              <a:off x="0" y="6101740"/>
+              <a:ext cx="9144000" cy="756260"/>
+            </a:xfrm>
+            <a:prstGeom prst="rect">
+              <a:avLst/>
+            </a:prstGeom>
+            <a:solidFill>
+              <a:srgbClr val="29ABE2"/>
+            </a:solidFill>
+            <a:ln>
+              <a:noFill/>
+            </a:ln>
+          </p:spPr>
+          <p:style>
+            <a:lnRef idx="2">
+              <a:schemeClr val="accent1">
+                <a:shade val="50000"/>
+              </a:schemeClr>
+            </a:lnRef>
+            <a:fillRef idx="1">
+              <a:schemeClr val="accent1"/>
+            </a:fillRef>
+            <a:effectRef idx="0">
+              <a:schemeClr val="accent1"/>
+            </a:effectRef>
+            <a:fontRef idx="minor">
+              <a:schemeClr val="lt1"/>
+            </a:fontRef>
+          </p:style>
+          <p:txBody>
+            <a:bodyPr rtlCol="0" anchor="ctr"/>
+            <a:lstStyle/>
+            <a:p>
+              <a:pPr algn="ctr"/>
+              <a:endParaRPr lang="en-US"/>
+            </a:p>
+          </p:txBody>
+        </p:sp>
+        <p:pic>
+          <p:nvPicPr>
+            <p:cNvPr id="6" name="Picture 5"/>
+            <p:cNvPicPr>
+              <a:picLocks noChangeAspect="1"/>
+            </p:cNvPicPr>
+            <p:nvPr/>
+          </p:nvPicPr>
+          <p:blipFill>
+            <a:blip r:embed="rId4" cstate="print">
+              <a:extLst>
+                <a:ext uri="{28A0092B-C50C-407E-A947-70E740481C1C}">
+                  <a14:useLocalDpi xmlns:a14="http://schemas.microsoft.com/office/drawing/2010/main" val="0"/>
+                </a:ext>
+              </a:extLst>
+            </a:blip>
+            <a:stretch>
+              <a:fillRect/>
+            </a:stretch>
+          </p:blipFill>
+          <p:spPr>
+            <a:xfrm>
+              <a:off x="6705600" y="6101740"/>
+              <a:ext cx="2559393" cy="756260"/>
+            </a:xfrm>
+            <a:prstGeom prst="rect">
+              <a:avLst/>
+            </a:prstGeom>
+          </p:spPr>
+        </p:pic>
+      </p:grpSp>
     </p:spTree>
     <p:extLst>
       <p:ext uri="{BB962C8B-B14F-4D97-AF65-F5344CB8AC3E}">
@@ -8776,6 +9202,13 @@
   <p:clrMapOvr>
     <a:masterClrMapping/>
   </p:clrMapOvr>
+  <p:timing>
+    <p:tnLst>
+      <p:par>
+        <p:cTn id="1" dur="indefinite" restart="never" nodeType="tmRoot"/>
+      </p:par>
+    </p:tnLst>
+  </p:timing>
 </p:sld>
 </file>
 
@@ -8814,7 +9247,7 @@
           <a:lstStyle/>
           <a:p>
             <a:r>
-              <a:rPr lang="en-US" sz="4500" dirty="0">
+              <a:rPr lang="en-US" sz="4500" dirty="0" smtClean="0">
                 <a:solidFill>
                   <a:srgbClr val="29ABE2"/>
                 </a:solidFill>
@@ -8823,6 +9256,13 @@
               </a:rPr>
               <a:t>Linear Gauge</a:t>
             </a:r>
+            <a:endParaRPr lang="en-US" sz="4500" dirty="0">
+              <a:solidFill>
+                <a:srgbClr val="29ABE2"/>
+              </a:solidFill>
+              <a:latin typeface="Segoe UI" panose="020B0502040204020203" pitchFamily="34" charset="0"/>
+              <a:cs typeface="Segoe UI" panose="020B0502040204020203" pitchFamily="34" charset="0"/>
+            </a:endParaRPr>
           </a:p>
         </p:txBody>
       </p:sp>
@@ -8850,52 +9290,97 @@
           </a:prstGeom>
         </p:spPr>
       </p:pic>
-      <p:sp>
-        <p:nvSpPr>
-          <p:cNvPr id="6" name="Rectangle 5"/>
-          <p:cNvSpPr/>
+      <p:grpSp>
+        <p:nvGrpSpPr>
+          <p:cNvPr id="5" name="Group 4"/>
+          <p:cNvGrpSpPr/>
           <p:nvPr/>
-        </p:nvSpPr>
-        <p:spPr>
+        </p:nvGrpSpPr>
+        <p:grpSpPr>
           <a:xfrm>
             <a:off x="0" y="6101740"/>
-            <a:ext cx="9144000" cy="756260"/>
-          </a:xfrm>
-          <a:prstGeom prst="rect">
-            <a:avLst/>
-          </a:prstGeom>
-          <a:solidFill>
-            <a:srgbClr val="29ABE2"/>
-          </a:solidFill>
-          <a:ln>
-            <a:noFill/>
-          </a:ln>
-        </p:spPr>
-        <p:style>
-          <a:lnRef idx="2">
-            <a:schemeClr val="accent1">
-              <a:shade val="50000"/>
-            </a:schemeClr>
-          </a:lnRef>
-          <a:fillRef idx="1">
-            <a:schemeClr val="accent1"/>
-          </a:fillRef>
-          <a:effectRef idx="0">
-            <a:schemeClr val="accent1"/>
-          </a:effectRef>
-          <a:fontRef idx="minor">
-            <a:schemeClr val="lt1"/>
-          </a:fontRef>
-        </p:style>
-        <p:txBody>
-          <a:bodyPr rtlCol="0" anchor="ctr"/>
-          <a:lstStyle/>
-          <a:p>
-            <a:pPr algn="ctr"/>
-            <a:endParaRPr lang="en-US"/>
-          </a:p>
-        </p:txBody>
-      </p:sp>
+            <a:ext cx="9264993" cy="756260"/>
+            <a:chOff x="0" y="6101740"/>
+            <a:chExt cx="9264993" cy="756260"/>
+          </a:xfrm>
+        </p:grpSpPr>
+        <p:sp>
+          <p:nvSpPr>
+            <p:cNvPr id="6" name="Rectangle 5"/>
+            <p:cNvSpPr/>
+            <p:nvPr/>
+          </p:nvSpPr>
+          <p:spPr>
+            <a:xfrm>
+              <a:off x="0" y="6101740"/>
+              <a:ext cx="9144000" cy="756260"/>
+            </a:xfrm>
+            <a:prstGeom prst="rect">
+              <a:avLst/>
+            </a:prstGeom>
+            <a:solidFill>
+              <a:srgbClr val="29ABE2"/>
+            </a:solidFill>
+            <a:ln>
+              <a:noFill/>
+            </a:ln>
+          </p:spPr>
+          <p:style>
+            <a:lnRef idx="2">
+              <a:schemeClr val="accent1">
+                <a:shade val="50000"/>
+              </a:schemeClr>
+            </a:lnRef>
+            <a:fillRef idx="1">
+              <a:schemeClr val="accent1"/>
+            </a:fillRef>
+            <a:effectRef idx="0">
+              <a:schemeClr val="accent1"/>
+            </a:effectRef>
+            <a:fontRef idx="minor">
+              <a:schemeClr val="lt1"/>
+            </a:fontRef>
+          </p:style>
+          <p:txBody>
+            <a:bodyPr rtlCol="0" anchor="ctr"/>
+            <a:lstStyle/>
+            <a:p>
+              <a:pPr algn="ctr"/>
+              <a:endParaRPr lang="en-US"/>
+            </a:p>
+          </p:txBody>
+        </p:sp>
+        <p:pic>
+          <p:nvPicPr>
+            <p:cNvPr id="7" name="Picture 6"/>
+            <p:cNvPicPr>
+              <a:picLocks noChangeAspect="1"/>
+            </p:cNvPicPr>
+            <p:nvPr/>
+          </p:nvPicPr>
+          <p:blipFill>
+            <a:blip r:embed="rId4" cstate="print">
+              <a:extLst>
+                <a:ext uri="{28A0092B-C50C-407E-A947-70E740481C1C}">
+                  <a14:useLocalDpi xmlns:a14="http://schemas.microsoft.com/office/drawing/2010/main" val="0"/>
+                </a:ext>
+              </a:extLst>
+            </a:blip>
+            <a:stretch>
+              <a:fillRect/>
+            </a:stretch>
+          </p:blipFill>
+          <p:spPr>
+            <a:xfrm>
+              <a:off x="6705600" y="6101740"/>
+              <a:ext cx="2559393" cy="756260"/>
+            </a:xfrm>
+            <a:prstGeom prst="rect">
+              <a:avLst/>
+            </a:prstGeom>
+          </p:spPr>
+        </p:pic>
+      </p:grpSp>
     </p:spTree>
     <p:extLst>
       <p:ext uri="{BB962C8B-B14F-4D97-AF65-F5344CB8AC3E}">
@@ -8906,6 +9391,13 @@
   <p:clrMapOvr>
     <a:masterClrMapping/>
   </p:clrMapOvr>
+  <p:timing>
+    <p:tnLst>
+      <p:par>
+        <p:cTn id="1" dur="indefinite" restart="never" nodeType="tmRoot"/>
+      </p:par>
+    </p:tnLst>
+  </p:timing>
 </p:sld>
 </file>
 
@@ -8944,7 +9436,7 @@
           <a:lstStyle/>
           <a:p>
             <a:r>
-              <a:rPr lang="en-US" sz="4500" dirty="0">
+              <a:rPr lang="en-US" sz="4500" dirty="0" smtClean="0">
                 <a:solidFill>
                   <a:srgbClr val="29ABE2"/>
                 </a:solidFill>
@@ -8953,6 +9445,13 @@
               </a:rPr>
               <a:t>Maps</a:t>
             </a:r>
+            <a:endParaRPr lang="en-US" sz="4500" dirty="0">
+              <a:solidFill>
+                <a:srgbClr val="29ABE2"/>
+              </a:solidFill>
+              <a:latin typeface="Segoe UI" panose="020B0502040204020203" pitchFamily="34" charset="0"/>
+              <a:cs typeface="Segoe UI" panose="020B0502040204020203" pitchFamily="34" charset="0"/>
+            </a:endParaRPr>
           </a:p>
         </p:txBody>
       </p:sp>
@@ -8980,52 +9479,97 @@
           </a:prstGeom>
         </p:spPr>
       </p:pic>
-      <p:sp>
-        <p:nvSpPr>
-          <p:cNvPr id="5" name="Rectangle 4"/>
-          <p:cNvSpPr/>
+      <p:grpSp>
+        <p:nvGrpSpPr>
+          <p:cNvPr id="4" name="Group 3"/>
+          <p:cNvGrpSpPr/>
           <p:nvPr/>
-        </p:nvSpPr>
-        <p:spPr>
+        </p:nvGrpSpPr>
+        <p:grpSpPr>
           <a:xfrm>
             <a:off x="0" y="6101740"/>
-            <a:ext cx="9144000" cy="756260"/>
-          </a:xfrm>
-          <a:prstGeom prst="rect">
-            <a:avLst/>
-          </a:prstGeom>
-          <a:solidFill>
-            <a:srgbClr val="29ABE2"/>
-          </a:solidFill>
-          <a:ln>
-            <a:noFill/>
-          </a:ln>
-        </p:spPr>
-        <p:style>
-          <a:lnRef idx="2">
-            <a:schemeClr val="accent1">
-              <a:shade val="50000"/>
-            </a:schemeClr>
-          </a:lnRef>
-          <a:fillRef idx="1">
-            <a:schemeClr val="accent1"/>
-          </a:fillRef>
-          <a:effectRef idx="0">
-            <a:schemeClr val="accent1"/>
-          </a:effectRef>
-          <a:fontRef idx="minor">
-            <a:schemeClr val="lt1"/>
-          </a:fontRef>
-        </p:style>
-        <p:txBody>
-          <a:bodyPr rtlCol="0" anchor="ctr"/>
-          <a:lstStyle/>
-          <a:p>
-            <a:pPr algn="ctr"/>
-            <a:endParaRPr lang="en-US"/>
-          </a:p>
-        </p:txBody>
-      </p:sp>
+            <a:ext cx="9264993" cy="756260"/>
+            <a:chOff x="0" y="6101740"/>
+            <a:chExt cx="9264993" cy="756260"/>
+          </a:xfrm>
+        </p:grpSpPr>
+        <p:sp>
+          <p:nvSpPr>
+            <p:cNvPr id="5" name="Rectangle 4"/>
+            <p:cNvSpPr/>
+            <p:nvPr/>
+          </p:nvSpPr>
+          <p:spPr>
+            <a:xfrm>
+              <a:off x="0" y="6101740"/>
+              <a:ext cx="9144000" cy="756260"/>
+            </a:xfrm>
+            <a:prstGeom prst="rect">
+              <a:avLst/>
+            </a:prstGeom>
+            <a:solidFill>
+              <a:srgbClr val="29ABE2"/>
+            </a:solidFill>
+            <a:ln>
+              <a:noFill/>
+            </a:ln>
+          </p:spPr>
+          <p:style>
+            <a:lnRef idx="2">
+              <a:schemeClr val="accent1">
+                <a:shade val="50000"/>
+              </a:schemeClr>
+            </a:lnRef>
+            <a:fillRef idx="1">
+              <a:schemeClr val="accent1"/>
+            </a:fillRef>
+            <a:effectRef idx="0">
+              <a:schemeClr val="accent1"/>
+            </a:effectRef>
+            <a:fontRef idx="minor">
+              <a:schemeClr val="lt1"/>
+            </a:fontRef>
+          </p:style>
+          <p:txBody>
+            <a:bodyPr rtlCol="0" anchor="ctr"/>
+            <a:lstStyle/>
+            <a:p>
+              <a:pPr algn="ctr"/>
+              <a:endParaRPr lang="en-US"/>
+            </a:p>
+          </p:txBody>
+        </p:sp>
+        <p:pic>
+          <p:nvPicPr>
+            <p:cNvPr id="6" name="Picture 5"/>
+            <p:cNvPicPr>
+              <a:picLocks noChangeAspect="1"/>
+            </p:cNvPicPr>
+            <p:nvPr/>
+          </p:nvPicPr>
+          <p:blipFill>
+            <a:blip r:embed="rId4" cstate="print">
+              <a:extLst>
+                <a:ext uri="{28A0092B-C50C-407E-A947-70E740481C1C}">
+                  <a14:useLocalDpi xmlns:a14="http://schemas.microsoft.com/office/drawing/2010/main" val="0"/>
+                </a:ext>
+              </a:extLst>
+            </a:blip>
+            <a:stretch>
+              <a:fillRect/>
+            </a:stretch>
+          </p:blipFill>
+          <p:spPr>
+            <a:xfrm>
+              <a:off x="6705600" y="6101740"/>
+              <a:ext cx="2559393" cy="756260"/>
+            </a:xfrm>
+            <a:prstGeom prst="rect">
+              <a:avLst/>
+            </a:prstGeom>
+          </p:spPr>
+        </p:pic>
+      </p:grpSp>
     </p:spTree>
     <p:extLst>
       <p:ext uri="{BB962C8B-B14F-4D97-AF65-F5344CB8AC3E}">
@@ -9036,6 +9580,13 @@
   <p:clrMapOvr>
     <a:masterClrMapping/>
   </p:clrMapOvr>
+  <p:timing>
+    <p:tnLst>
+      <p:par>
+        <p:cTn id="1" dur="indefinite" restart="never" nodeType="tmRoot"/>
+      </p:par>
+    </p:tnLst>
+  </p:timing>
 </p:sld>
 </file>
 
@@ -9074,7 +9625,7 @@
           <a:lstStyle/>
           <a:p>
             <a:r>
-              <a:rPr lang="en-US" sz="4500" dirty="0" err="1">
+              <a:rPr lang="en-US" sz="4500" dirty="0" err="1" smtClean="0">
                 <a:solidFill>
                   <a:srgbClr val="29ABE2"/>
                 </a:solidFill>
@@ -9117,52 +9668,97 @@
           </a:prstGeom>
         </p:spPr>
       </p:pic>
-      <p:sp>
-        <p:nvSpPr>
-          <p:cNvPr id="6" name="Rectangle 5"/>
-          <p:cNvSpPr/>
+      <p:grpSp>
+        <p:nvGrpSpPr>
+          <p:cNvPr id="5" name="Group 4"/>
+          <p:cNvGrpSpPr/>
           <p:nvPr/>
-        </p:nvSpPr>
-        <p:spPr>
+        </p:nvGrpSpPr>
+        <p:grpSpPr>
           <a:xfrm>
             <a:off x="0" y="6101740"/>
-            <a:ext cx="9144000" cy="756260"/>
-          </a:xfrm>
-          <a:prstGeom prst="rect">
-            <a:avLst/>
-          </a:prstGeom>
-          <a:solidFill>
-            <a:srgbClr val="29ABE2"/>
-          </a:solidFill>
-          <a:ln>
-            <a:noFill/>
-          </a:ln>
-        </p:spPr>
-        <p:style>
-          <a:lnRef idx="2">
-            <a:schemeClr val="accent1">
-              <a:shade val="50000"/>
-            </a:schemeClr>
-          </a:lnRef>
-          <a:fillRef idx="1">
-            <a:schemeClr val="accent1"/>
-          </a:fillRef>
-          <a:effectRef idx="0">
-            <a:schemeClr val="accent1"/>
-          </a:effectRef>
-          <a:fontRef idx="minor">
-            <a:schemeClr val="lt1"/>
-          </a:fontRef>
-        </p:style>
-        <p:txBody>
-          <a:bodyPr rtlCol="0" anchor="ctr"/>
-          <a:lstStyle/>
-          <a:p>
-            <a:pPr algn="ctr"/>
-            <a:endParaRPr lang="en-US"/>
-          </a:p>
-        </p:txBody>
-      </p:sp>
+            <a:ext cx="9264993" cy="756260"/>
+            <a:chOff x="0" y="6101740"/>
+            <a:chExt cx="9264993" cy="756260"/>
+          </a:xfrm>
+        </p:grpSpPr>
+        <p:sp>
+          <p:nvSpPr>
+            <p:cNvPr id="6" name="Rectangle 5"/>
+            <p:cNvSpPr/>
+            <p:nvPr/>
+          </p:nvSpPr>
+          <p:spPr>
+            <a:xfrm>
+              <a:off x="0" y="6101740"/>
+              <a:ext cx="9144000" cy="756260"/>
+            </a:xfrm>
+            <a:prstGeom prst="rect">
+              <a:avLst/>
+            </a:prstGeom>
+            <a:solidFill>
+              <a:srgbClr val="29ABE2"/>
+            </a:solidFill>
+            <a:ln>
+              <a:noFill/>
+            </a:ln>
+          </p:spPr>
+          <p:style>
+            <a:lnRef idx="2">
+              <a:schemeClr val="accent1">
+                <a:shade val="50000"/>
+              </a:schemeClr>
+            </a:lnRef>
+            <a:fillRef idx="1">
+              <a:schemeClr val="accent1"/>
+            </a:fillRef>
+            <a:effectRef idx="0">
+              <a:schemeClr val="accent1"/>
+            </a:effectRef>
+            <a:fontRef idx="minor">
+              <a:schemeClr val="lt1"/>
+            </a:fontRef>
+          </p:style>
+          <p:txBody>
+            <a:bodyPr rtlCol="0" anchor="ctr"/>
+            <a:lstStyle/>
+            <a:p>
+              <a:pPr algn="ctr"/>
+              <a:endParaRPr lang="en-US"/>
+            </a:p>
+          </p:txBody>
+        </p:sp>
+        <p:pic>
+          <p:nvPicPr>
+            <p:cNvPr id="7" name="Picture 6"/>
+            <p:cNvPicPr>
+              <a:picLocks noChangeAspect="1"/>
+            </p:cNvPicPr>
+            <p:nvPr/>
+          </p:nvPicPr>
+          <p:blipFill>
+            <a:blip r:embed="rId4" cstate="print">
+              <a:extLst>
+                <a:ext uri="{28A0092B-C50C-407E-A947-70E740481C1C}">
+                  <a14:useLocalDpi xmlns:a14="http://schemas.microsoft.com/office/drawing/2010/main" val="0"/>
+                </a:ext>
+              </a:extLst>
+            </a:blip>
+            <a:stretch>
+              <a:fillRect/>
+            </a:stretch>
+          </p:blipFill>
+          <p:spPr>
+            <a:xfrm>
+              <a:off x="6705600" y="6101740"/>
+              <a:ext cx="2559393" cy="756260"/>
+            </a:xfrm>
+            <a:prstGeom prst="rect">
+              <a:avLst/>
+            </a:prstGeom>
+          </p:spPr>
+        </p:pic>
+      </p:grpSp>
     </p:spTree>
     <p:extLst>
       <p:ext uri="{BB962C8B-B14F-4D97-AF65-F5344CB8AC3E}">
@@ -9173,6 +9769,13 @@
   <p:clrMapOvr>
     <a:masterClrMapping/>
   </p:clrMapOvr>
+  <p:timing>
+    <p:tnLst>
+      <p:par>
+        <p:cTn id="1" dur="indefinite" restart="never" nodeType="tmRoot"/>
+      </p:par>
+    </p:tnLst>
+  </p:timing>
 </p:sld>
 </file>
 
@@ -9211,7 +9814,7 @@
           <a:lstStyle/>
           <a:p>
             <a:r>
-              <a:rPr lang="en-US" sz="4500" dirty="0">
+              <a:rPr lang="en-US" sz="4500" dirty="0" smtClean="0">
                 <a:solidFill>
                   <a:srgbClr val="29ABE2"/>
                 </a:solidFill>
@@ -9220,6 +9823,13 @@
               </a:rPr>
               <a:t>Date Picker</a:t>
             </a:r>
+            <a:endParaRPr lang="en-US" sz="4500" dirty="0">
+              <a:solidFill>
+                <a:srgbClr val="29ABE2"/>
+              </a:solidFill>
+              <a:latin typeface="Segoe UI" panose="020B0502040204020203" pitchFamily="34" charset="0"/>
+              <a:cs typeface="Segoe UI" panose="020B0502040204020203" pitchFamily="34" charset="0"/>
+            </a:endParaRPr>
           </a:p>
         </p:txBody>
       </p:sp>
@@ -9247,52 +9857,97 @@
           </a:prstGeom>
         </p:spPr>
       </p:pic>
-      <p:sp>
-        <p:nvSpPr>
-          <p:cNvPr id="5" name="Rectangle 4"/>
-          <p:cNvSpPr/>
+      <p:grpSp>
+        <p:nvGrpSpPr>
+          <p:cNvPr id="4" name="Group 3"/>
+          <p:cNvGrpSpPr/>
           <p:nvPr/>
-        </p:nvSpPr>
-        <p:spPr>
+        </p:nvGrpSpPr>
+        <p:grpSpPr>
           <a:xfrm>
             <a:off x="0" y="6101740"/>
-            <a:ext cx="9144000" cy="756260"/>
-          </a:xfrm>
-          <a:prstGeom prst="rect">
-            <a:avLst/>
-          </a:prstGeom>
-          <a:solidFill>
-            <a:srgbClr val="29ABE2"/>
-          </a:solidFill>
-          <a:ln>
-            <a:noFill/>
-          </a:ln>
-        </p:spPr>
-        <p:style>
-          <a:lnRef idx="2">
-            <a:schemeClr val="accent1">
-              <a:shade val="50000"/>
-            </a:schemeClr>
-          </a:lnRef>
-          <a:fillRef idx="1">
-            <a:schemeClr val="accent1"/>
-          </a:fillRef>
-          <a:effectRef idx="0">
-            <a:schemeClr val="accent1"/>
-          </a:effectRef>
-          <a:fontRef idx="minor">
-            <a:schemeClr val="lt1"/>
-          </a:fontRef>
-        </p:style>
-        <p:txBody>
-          <a:bodyPr rtlCol="0" anchor="ctr"/>
-          <a:lstStyle/>
-          <a:p>
-            <a:pPr algn="ctr"/>
-            <a:endParaRPr lang="en-US"/>
-          </a:p>
-        </p:txBody>
-      </p:sp>
+            <a:ext cx="9264993" cy="756260"/>
+            <a:chOff x="0" y="6101740"/>
+            <a:chExt cx="9264993" cy="756260"/>
+          </a:xfrm>
+        </p:grpSpPr>
+        <p:sp>
+          <p:nvSpPr>
+            <p:cNvPr id="5" name="Rectangle 4"/>
+            <p:cNvSpPr/>
+            <p:nvPr/>
+          </p:nvSpPr>
+          <p:spPr>
+            <a:xfrm>
+              <a:off x="0" y="6101740"/>
+              <a:ext cx="9144000" cy="756260"/>
+            </a:xfrm>
+            <a:prstGeom prst="rect">
+              <a:avLst/>
+            </a:prstGeom>
+            <a:solidFill>
+              <a:srgbClr val="29ABE2"/>
+            </a:solidFill>
+            <a:ln>
+              <a:noFill/>
+            </a:ln>
+          </p:spPr>
+          <p:style>
+            <a:lnRef idx="2">
+              <a:schemeClr val="accent1">
+                <a:shade val="50000"/>
+              </a:schemeClr>
+            </a:lnRef>
+            <a:fillRef idx="1">
+              <a:schemeClr val="accent1"/>
+            </a:fillRef>
+            <a:effectRef idx="0">
+              <a:schemeClr val="accent1"/>
+            </a:effectRef>
+            <a:fontRef idx="minor">
+              <a:schemeClr val="lt1"/>
+            </a:fontRef>
+          </p:style>
+          <p:txBody>
+            <a:bodyPr rtlCol="0" anchor="ctr"/>
+            <a:lstStyle/>
+            <a:p>
+              <a:pPr algn="ctr"/>
+              <a:endParaRPr lang="en-US"/>
+            </a:p>
+          </p:txBody>
+        </p:sp>
+        <p:pic>
+          <p:nvPicPr>
+            <p:cNvPr id="6" name="Picture 5"/>
+            <p:cNvPicPr>
+              <a:picLocks noChangeAspect="1"/>
+            </p:cNvPicPr>
+            <p:nvPr/>
+          </p:nvPicPr>
+          <p:blipFill>
+            <a:blip r:embed="rId4" cstate="print">
+              <a:extLst>
+                <a:ext uri="{28A0092B-C50C-407E-A947-70E740481C1C}">
+                  <a14:useLocalDpi xmlns:a14="http://schemas.microsoft.com/office/drawing/2010/main" val="0"/>
+                </a:ext>
+              </a:extLst>
+            </a:blip>
+            <a:stretch>
+              <a:fillRect/>
+            </a:stretch>
+          </p:blipFill>
+          <p:spPr>
+            <a:xfrm>
+              <a:off x="6705600" y="6101740"/>
+              <a:ext cx="2559393" cy="756260"/>
+            </a:xfrm>
+            <a:prstGeom prst="rect">
+              <a:avLst/>
+            </a:prstGeom>
+          </p:spPr>
+        </p:pic>
+      </p:grpSp>
     </p:spTree>
     <p:extLst>
       <p:ext uri="{BB962C8B-B14F-4D97-AF65-F5344CB8AC3E}">
@@ -9303,12 +9958,27 @@
   <p:clrMapOvr>
     <a:masterClrMapping/>
   </p:clrMapOvr>
+  <p:timing>
+    <p:tnLst>
+      <p:par>
+        <p:cTn id="1" dur="indefinite" restart="never" nodeType="tmRoot"/>
+      </p:par>
+    </p:tnLst>
+  </p:timing>
 </p:sld>
 </file>
 
 <file path=ppt/slides/slide2.xml><?xml version="1.0" encoding="utf-8"?>
 <p:sld xmlns:a="http://schemas.openxmlformats.org/drawingml/2006/main" xmlns:r="http://schemas.openxmlformats.org/officeDocument/2006/relationships" xmlns:p="http://schemas.openxmlformats.org/presentationml/2006/main" showMasterSp="0">
   <p:cSld>
+    <p:bg>
+      <p:bgPr>
+        <a:solidFill>
+          <a:schemeClr val="bg1"/>
+        </a:solidFill>
+        <a:effectLst/>
+      </p:bgPr>
+    </p:bg>
     <p:spTree>
       <p:nvGrpSpPr>
         <p:cNvPr id="1" name=""/>
@@ -9333,7 +10003,12 @@
             <p:ph type="title"/>
           </p:nvPr>
         </p:nvSpPr>
-        <p:spPr/>
+        <p:spPr>
+          <a:xfrm>
+            <a:off x="457200" y="135300"/>
+            <a:ext cx="8229600" cy="1143000"/>
+          </a:xfrm>
+        </p:spPr>
         <p:txBody>
           <a:bodyPr>
             <a:normAutofit/>
@@ -9341,129 +10016,272 @@
           <a:lstStyle/>
           <a:p>
             <a:r>
-              <a:rPr lang="en-US" sz="4500" dirty="0">
+              <a:rPr lang="en-US" sz="4500" dirty="0" smtClean="0">
                 <a:solidFill>
-                  <a:srgbClr val="29ABE2"/>
+                  <a:srgbClr val="00B0F0"/>
                 </a:solidFill>
                 <a:latin typeface="Segoe UI" panose="020B0502040204020203" pitchFamily="34" charset="0"/>
                 <a:cs typeface="Segoe UI" panose="020B0502040204020203" pitchFamily="34" charset="0"/>
               </a:rPr>
-              <a:t>Multicolumn</a:t>
+              <a:t>Summary</a:t>
             </a:r>
-          </a:p>
-        </p:txBody>
-      </p:sp>
-      <p:sp>
-        <p:nvSpPr>
-          <p:cNvPr id="10" name="Rectangle 9"/>
-          <p:cNvSpPr/>
+            <a:endParaRPr lang="en-US" sz="4500" dirty="0">
+              <a:solidFill>
+                <a:srgbClr val="00B0F0"/>
+              </a:solidFill>
+              <a:latin typeface="Segoe UI" panose="020B0502040204020203" pitchFamily="34" charset="0"/>
+              <a:cs typeface="Segoe UI" panose="020B0502040204020203" pitchFamily="34" charset="0"/>
+            </a:endParaRPr>
+          </a:p>
+        </p:txBody>
+      </p:sp>
+      <p:sp>
+        <p:nvSpPr>
+          <p:cNvPr id="2" name="Content Placeholder 1"/>
+          <p:cNvSpPr>
+            <a:spLocks noGrp="1"/>
+          </p:cNvSpPr>
+          <p:nvPr>
+            <p:ph idx="1"/>
+          </p:nvPr>
+        </p:nvSpPr>
+        <p:spPr>
+          <a:xfrm>
+            <a:off x="457200" y="1570037"/>
+            <a:ext cx="8229600" cy="4525963"/>
+          </a:xfrm>
+        </p:spPr>
+        <p:txBody>
+          <a:bodyPr>
+            <a:normAutofit/>
+          </a:bodyPr>
+          <a:lstStyle/>
+          <a:p>
+            <a:r>
+              <a:rPr lang="en-US" sz="3000" dirty="0" smtClean="0">
+                <a:solidFill>
+                  <a:schemeClr val="bg1">
+                    <a:lumMod val="50000"/>
+                  </a:schemeClr>
+                </a:solidFill>
+              </a:rPr>
+              <a:t>80+ </a:t>
+            </a:r>
+            <a:r>
+              <a:rPr lang="en-US" sz="3000" dirty="0" smtClean="0">
+                <a:solidFill>
+                  <a:schemeClr val="bg1">
+                    <a:lumMod val="50000"/>
+                  </a:schemeClr>
+                </a:solidFill>
+              </a:rPr>
+              <a:t>widgets</a:t>
+            </a:r>
+          </a:p>
+          <a:p>
+            <a:r>
+              <a:rPr lang="en-US" sz="3000" dirty="0" smtClean="0">
+                <a:solidFill>
+                  <a:schemeClr val="bg1">
+                    <a:lumMod val="50000"/>
+                  </a:schemeClr>
+                </a:solidFill>
+              </a:rPr>
+              <a:t>Support for Angular/</a:t>
+            </a:r>
+            <a:r>
+              <a:rPr lang="en-US" sz="3000" dirty="0" err="1" smtClean="0">
+                <a:solidFill>
+                  <a:schemeClr val="bg1">
+                    <a:lumMod val="50000"/>
+                  </a:schemeClr>
+                </a:solidFill>
+              </a:rPr>
+              <a:t>KnockOut</a:t>
+            </a:r>
+            <a:endParaRPr lang="en-US" sz="3000" dirty="0" smtClean="0">
+              <a:solidFill>
+                <a:schemeClr val="bg1">
+                  <a:lumMod val="50000"/>
+                </a:schemeClr>
+              </a:solidFill>
+            </a:endParaRPr>
+          </a:p>
+          <a:p>
+            <a:r>
+              <a:rPr lang="en-US" sz="3000" dirty="0" smtClean="0">
+                <a:solidFill>
+                  <a:schemeClr val="bg1">
+                    <a:lumMod val="50000"/>
+                  </a:schemeClr>
+                </a:solidFill>
+              </a:rPr>
+              <a:t>jQuery based</a:t>
+            </a:r>
+          </a:p>
+          <a:p>
+            <a:r>
+              <a:rPr lang="en-US" sz="3000" dirty="0" smtClean="0">
+                <a:solidFill>
+                  <a:schemeClr val="bg1">
+                    <a:lumMod val="50000"/>
+                  </a:schemeClr>
+                </a:solidFill>
+              </a:rPr>
+              <a:t>Built in and customizable themes</a:t>
+            </a:r>
+          </a:p>
+          <a:p>
+            <a:r>
+              <a:rPr lang="en-US" sz="3000" dirty="0" smtClean="0">
+                <a:solidFill>
+                  <a:schemeClr val="bg1">
+                    <a:lumMod val="50000"/>
+                  </a:schemeClr>
+                </a:solidFill>
+              </a:rPr>
+              <a:t>Enterprise support</a:t>
+            </a:r>
+          </a:p>
+          <a:p>
+            <a:r>
+              <a:rPr lang="en-US" sz="3000" dirty="0">
+                <a:solidFill>
+                  <a:schemeClr val="bg1">
+                    <a:lumMod val="50000"/>
+                  </a:schemeClr>
+                </a:solidFill>
+              </a:rPr>
+              <a:t>Demo available at </a:t>
+            </a:r>
+            <a:r>
+              <a:rPr lang="en-US" sz="3000" dirty="0">
+                <a:solidFill>
+                  <a:schemeClr val="bg1">
+                    <a:lumMod val="50000"/>
+                  </a:schemeClr>
+                </a:solidFill>
+              </a:rPr>
+              <a:t>http://js.syncfusion.com/demos/web/</a:t>
+            </a:r>
+            <a:endParaRPr lang="en-US" sz="3000" dirty="0">
+              <a:solidFill>
+                <a:schemeClr val="bg1">
+                  <a:lumMod val="50000"/>
+                </a:schemeClr>
+              </a:solidFill>
+            </a:endParaRPr>
+          </a:p>
+        </p:txBody>
+      </p:sp>
+      <p:grpSp>
+        <p:nvGrpSpPr>
+          <p:cNvPr id="7" name="Group 6"/>
+          <p:cNvGrpSpPr/>
           <p:nvPr/>
-        </p:nvSpPr>
-        <p:spPr>
+        </p:nvGrpSpPr>
+        <p:grpSpPr>
           <a:xfrm>
             <a:off x="0" y="6101740"/>
-            <a:ext cx="9144000" cy="756260"/>
-          </a:xfrm>
-          <a:prstGeom prst="rect">
-            <a:avLst/>
-          </a:prstGeom>
-          <a:solidFill>
-            <a:srgbClr val="29ABE2"/>
-          </a:solidFill>
-          <a:ln>
-            <a:noFill/>
-          </a:ln>
-        </p:spPr>
-        <p:style>
-          <a:lnRef idx="2">
-            <a:schemeClr val="accent1">
-              <a:shade val="50000"/>
-            </a:schemeClr>
-          </a:lnRef>
-          <a:fillRef idx="1">
-            <a:schemeClr val="accent1"/>
-          </a:fillRef>
-          <a:effectRef idx="0">
-            <a:schemeClr val="accent1"/>
-          </a:effectRef>
-          <a:fontRef idx="minor">
-            <a:schemeClr val="lt1"/>
-          </a:fontRef>
-        </p:style>
-        <p:txBody>
-          <a:bodyPr rtlCol="0" anchor="ctr"/>
-          <a:lstStyle/>
-          <a:p>
-            <a:pPr algn="ctr"/>
-            <a:endParaRPr lang="en-US"/>
-          </a:p>
-        </p:txBody>
-      </p:sp>
-      <p:sp>
-        <p:nvSpPr>
-          <p:cNvPr id="5" name="TextBox 4">
-            <a:extLst>
-              <a:ext uri="{FF2B5EF4-FFF2-40B4-BE49-F238E27FC236}">
-                <a16:creationId xmlns:a16="http://schemas.microsoft.com/office/drawing/2014/main" id="{634921D9-9669-40D8-BD72-134752042457}"/>
-              </a:ext>
-            </a:extLst>
-          </p:cNvPr>
-          <p:cNvSpPr txBox="1"/>
-          <p:nvPr/>
-        </p:nvSpPr>
-        <p:spPr>
-          <a:xfrm>
-            <a:off x="1219200" y="1676397"/>
-            <a:ext cx="6705600" cy="3419856"/>
-          </a:xfrm>
-          <a:prstGeom prst="rect">
-            <a:avLst/>
-          </a:prstGeom>
-          <a:noFill/>
-        </p:spPr>
-        <p:txBody>
-          <a:bodyPr wrap="square" numCol="3" spcCol="365760" rtlCol="0">
-            <a:spAutoFit/>
-          </a:bodyPr>
-          <a:lstStyle/>
-          <a:p>
-            <a:pPr algn="l"/>
-            <a:r>
-              <a:rPr lang="en-US" sz="1800" dirty="0">
-                <a:solidFill>
-                  <a:srgbClr val="000000"/>
-                </a:solidFill>
-                <a:latin typeface="Calibri" panose="020F0502020204030204" pitchFamily="34" charset="0"/>
-                <a:cs typeface="Calibri" panose="020F0502020204030204" pitchFamily="34" charset="0"/>
-              </a:rPr>
-              <a:t>Adventure Works Cycles, the fictitious company on which the Adventure Works sample databases are based, is a large, multinational manufacturing company. The company manufactures and sells metal and composite bicycles to North American, European and Asian commercial markets.</a:t>
-            </a:r>
-          </a:p>
-          <a:p>
-            <a:pPr algn="l"/>
-            <a:r>
-              <a:rPr lang="en-US" sz="1800" dirty="0">
-                <a:solidFill>
-                  <a:srgbClr val="000000"/>
-                </a:solidFill>
-                <a:latin typeface="Calibri" panose="020F0502020204030204" pitchFamily="34" charset="0"/>
-                <a:cs typeface="Calibri" panose="020F0502020204030204" pitchFamily="34" charset="0"/>
-              </a:rPr>
-              <a:t>In 2000, Adventure Works Cycles bought a small manufacturing plant, Import adores Neptuno, located in Mexico. Import adores Neptuno manufactures several critical subcomponents for the Adventure Works Cycles product line.</a:t>
-            </a:r>
-          </a:p>
-        </p:txBody>
-      </p:sp>
+            <a:ext cx="9264993" cy="756260"/>
+            <a:chOff x="0" y="6101740"/>
+            <a:chExt cx="9264993" cy="756260"/>
+          </a:xfrm>
+        </p:grpSpPr>
+        <p:sp>
+          <p:nvSpPr>
+            <p:cNvPr id="8" name="Rectangle 7"/>
+            <p:cNvSpPr/>
+            <p:nvPr/>
+          </p:nvSpPr>
+          <p:spPr>
+            <a:xfrm>
+              <a:off x="0" y="6101740"/>
+              <a:ext cx="9144000" cy="756260"/>
+            </a:xfrm>
+            <a:prstGeom prst="rect">
+              <a:avLst/>
+            </a:prstGeom>
+            <a:solidFill>
+              <a:srgbClr val="29ABE2"/>
+            </a:solidFill>
+            <a:ln>
+              <a:noFill/>
+            </a:ln>
+          </p:spPr>
+          <p:style>
+            <a:lnRef idx="2">
+              <a:schemeClr val="accent1">
+                <a:shade val="50000"/>
+              </a:schemeClr>
+            </a:lnRef>
+            <a:fillRef idx="1">
+              <a:schemeClr val="accent1"/>
+            </a:fillRef>
+            <a:effectRef idx="0">
+              <a:schemeClr val="accent1"/>
+            </a:effectRef>
+            <a:fontRef idx="minor">
+              <a:schemeClr val="lt1"/>
+            </a:fontRef>
+          </p:style>
+          <p:txBody>
+            <a:bodyPr rtlCol="0" anchor="ctr"/>
+            <a:lstStyle/>
+            <a:p>
+              <a:pPr algn="ctr"/>
+              <a:endParaRPr lang="en-US"/>
+            </a:p>
+          </p:txBody>
+        </p:sp>
+        <p:pic>
+          <p:nvPicPr>
+            <p:cNvPr id="9" name="Picture 8"/>
+            <p:cNvPicPr>
+              <a:picLocks noChangeAspect="1"/>
+            </p:cNvPicPr>
+            <p:nvPr/>
+          </p:nvPicPr>
+          <p:blipFill>
+            <a:blip r:embed="rId3" cstate="print">
+              <a:extLst>
+                <a:ext uri="{28A0092B-C50C-407E-A947-70E740481C1C}">
+                  <a14:useLocalDpi xmlns:a14="http://schemas.microsoft.com/office/drawing/2010/main" val="0"/>
+                </a:ext>
+              </a:extLst>
+            </a:blip>
+            <a:stretch>
+              <a:fillRect/>
+            </a:stretch>
+          </p:blipFill>
+          <p:spPr>
+            <a:xfrm>
+              <a:off x="6705600" y="6101740"/>
+              <a:ext cx="2559393" cy="756260"/>
+            </a:xfrm>
+            <a:prstGeom prst="rect">
+              <a:avLst/>
+            </a:prstGeom>
+          </p:spPr>
+        </p:pic>
+      </p:grpSp>
     </p:spTree>
     <p:extLst>
       <p:ext uri="{BB962C8B-B14F-4D97-AF65-F5344CB8AC3E}">
-        <p14:creationId xmlns:p14="http://schemas.microsoft.com/office/powerpoint/2010/main" val="2468449487"/>
+        <p14:creationId xmlns:p14="http://schemas.microsoft.com/office/powerpoint/2010/main" val="614679939"/>
       </p:ext>
     </p:extLst>
   </p:cSld>
   <p:clrMapOvr>
     <a:masterClrMapping/>
   </p:clrMapOvr>
+  <p:timing>
+    <p:tnLst>
+      <p:par>
+        <p:cTn id="1" dur="indefinite" restart="never" nodeType="tmRoot"/>
+      </p:par>
+    </p:tnLst>
+  </p:timing>
 </p:sld>
 </file>
 
@@ -9502,7 +10320,7 @@
           <a:lstStyle/>
           <a:p>
             <a:r>
-              <a:rPr lang="en-US" sz="4500" dirty="0">
+              <a:rPr lang="en-US" sz="4500" dirty="0" smtClean="0">
                 <a:solidFill>
                   <a:srgbClr val="29ABE2"/>
                 </a:solidFill>
@@ -9511,6 +10329,13 @@
               </a:rPr>
               <a:t>Time Picker</a:t>
             </a:r>
+            <a:endParaRPr lang="en-US" sz="4500" dirty="0">
+              <a:solidFill>
+                <a:srgbClr val="29ABE2"/>
+              </a:solidFill>
+              <a:latin typeface="Segoe UI" panose="020B0502040204020203" pitchFamily="34" charset="0"/>
+              <a:cs typeface="Segoe UI" panose="020B0502040204020203" pitchFamily="34" charset="0"/>
+            </a:endParaRPr>
           </a:p>
         </p:txBody>
       </p:sp>
@@ -9538,52 +10363,97 @@
           </a:prstGeom>
         </p:spPr>
       </p:pic>
-      <p:sp>
-        <p:nvSpPr>
-          <p:cNvPr id="6" name="Rectangle 5"/>
-          <p:cNvSpPr/>
+      <p:grpSp>
+        <p:nvGrpSpPr>
+          <p:cNvPr id="5" name="Group 4"/>
+          <p:cNvGrpSpPr/>
           <p:nvPr/>
-        </p:nvSpPr>
-        <p:spPr>
+        </p:nvGrpSpPr>
+        <p:grpSpPr>
           <a:xfrm>
             <a:off x="0" y="6101740"/>
-            <a:ext cx="9144000" cy="756260"/>
-          </a:xfrm>
-          <a:prstGeom prst="rect">
-            <a:avLst/>
-          </a:prstGeom>
-          <a:solidFill>
-            <a:srgbClr val="29ABE2"/>
-          </a:solidFill>
-          <a:ln>
-            <a:noFill/>
-          </a:ln>
-        </p:spPr>
-        <p:style>
-          <a:lnRef idx="2">
-            <a:schemeClr val="accent1">
-              <a:shade val="50000"/>
-            </a:schemeClr>
-          </a:lnRef>
-          <a:fillRef idx="1">
-            <a:schemeClr val="accent1"/>
-          </a:fillRef>
-          <a:effectRef idx="0">
-            <a:schemeClr val="accent1"/>
-          </a:effectRef>
-          <a:fontRef idx="minor">
-            <a:schemeClr val="lt1"/>
-          </a:fontRef>
-        </p:style>
-        <p:txBody>
-          <a:bodyPr rtlCol="0" anchor="ctr"/>
-          <a:lstStyle/>
-          <a:p>
-            <a:pPr algn="ctr"/>
-            <a:endParaRPr lang="en-US"/>
-          </a:p>
-        </p:txBody>
-      </p:sp>
+            <a:ext cx="9264993" cy="756260"/>
+            <a:chOff x="0" y="6101740"/>
+            <a:chExt cx="9264993" cy="756260"/>
+          </a:xfrm>
+        </p:grpSpPr>
+        <p:sp>
+          <p:nvSpPr>
+            <p:cNvPr id="6" name="Rectangle 5"/>
+            <p:cNvSpPr/>
+            <p:nvPr/>
+          </p:nvSpPr>
+          <p:spPr>
+            <a:xfrm>
+              <a:off x="0" y="6101740"/>
+              <a:ext cx="9144000" cy="756260"/>
+            </a:xfrm>
+            <a:prstGeom prst="rect">
+              <a:avLst/>
+            </a:prstGeom>
+            <a:solidFill>
+              <a:srgbClr val="29ABE2"/>
+            </a:solidFill>
+            <a:ln>
+              <a:noFill/>
+            </a:ln>
+          </p:spPr>
+          <p:style>
+            <a:lnRef idx="2">
+              <a:schemeClr val="accent1">
+                <a:shade val="50000"/>
+              </a:schemeClr>
+            </a:lnRef>
+            <a:fillRef idx="1">
+              <a:schemeClr val="accent1"/>
+            </a:fillRef>
+            <a:effectRef idx="0">
+              <a:schemeClr val="accent1"/>
+            </a:effectRef>
+            <a:fontRef idx="minor">
+              <a:schemeClr val="lt1"/>
+            </a:fontRef>
+          </p:style>
+          <p:txBody>
+            <a:bodyPr rtlCol="0" anchor="ctr"/>
+            <a:lstStyle/>
+            <a:p>
+              <a:pPr algn="ctr"/>
+              <a:endParaRPr lang="en-US"/>
+            </a:p>
+          </p:txBody>
+        </p:sp>
+        <p:pic>
+          <p:nvPicPr>
+            <p:cNvPr id="7" name="Picture 6"/>
+            <p:cNvPicPr>
+              <a:picLocks noChangeAspect="1"/>
+            </p:cNvPicPr>
+            <p:nvPr/>
+          </p:nvPicPr>
+          <p:blipFill>
+            <a:blip r:embed="rId4" cstate="print">
+              <a:extLst>
+                <a:ext uri="{28A0092B-C50C-407E-A947-70E740481C1C}">
+                  <a14:useLocalDpi xmlns:a14="http://schemas.microsoft.com/office/drawing/2010/main" val="0"/>
+                </a:ext>
+              </a:extLst>
+            </a:blip>
+            <a:stretch>
+              <a:fillRect/>
+            </a:stretch>
+          </p:blipFill>
+          <p:spPr>
+            <a:xfrm>
+              <a:off x="6705600" y="6101740"/>
+              <a:ext cx="2559393" cy="756260"/>
+            </a:xfrm>
+            <a:prstGeom prst="rect">
+              <a:avLst/>
+            </a:prstGeom>
+          </p:spPr>
+        </p:pic>
+      </p:grpSp>
     </p:spTree>
     <p:extLst>
       <p:ext uri="{BB962C8B-B14F-4D97-AF65-F5344CB8AC3E}">
@@ -9594,6 +10464,13 @@
   <p:clrMapOvr>
     <a:masterClrMapping/>
   </p:clrMapOvr>
+  <p:timing>
+    <p:tnLst>
+      <p:par>
+        <p:cTn id="1" dur="indefinite" restart="never" nodeType="tmRoot"/>
+      </p:par>
+    </p:tnLst>
+  </p:timing>
 </p:sld>
 </file>
 
@@ -9632,7 +10509,7 @@
           <a:lstStyle/>
           <a:p>
             <a:r>
-              <a:rPr lang="en-US" sz="4500" dirty="0">
+              <a:rPr lang="en-US" sz="4500" dirty="0" smtClean="0">
                 <a:solidFill>
                   <a:srgbClr val="29ABE2"/>
                 </a:solidFill>
@@ -9641,6 +10518,13 @@
               </a:rPr>
               <a:t>Time Picker</a:t>
             </a:r>
+            <a:endParaRPr lang="en-US" sz="4500" dirty="0">
+              <a:solidFill>
+                <a:srgbClr val="29ABE2"/>
+              </a:solidFill>
+              <a:latin typeface="Segoe UI" panose="020B0502040204020203" pitchFamily="34" charset="0"/>
+              <a:cs typeface="Segoe UI" panose="020B0502040204020203" pitchFamily="34" charset="0"/>
+            </a:endParaRPr>
           </a:p>
         </p:txBody>
       </p:sp>
@@ -9668,52 +10552,97 @@
           </a:prstGeom>
         </p:spPr>
       </p:pic>
-      <p:sp>
-        <p:nvSpPr>
-          <p:cNvPr id="5" name="Rectangle 4"/>
-          <p:cNvSpPr/>
+      <p:grpSp>
+        <p:nvGrpSpPr>
+          <p:cNvPr id="4" name="Group 3"/>
+          <p:cNvGrpSpPr/>
           <p:nvPr/>
-        </p:nvSpPr>
-        <p:spPr>
+        </p:nvGrpSpPr>
+        <p:grpSpPr>
           <a:xfrm>
             <a:off x="0" y="6101740"/>
-            <a:ext cx="9144000" cy="756260"/>
-          </a:xfrm>
-          <a:prstGeom prst="rect">
-            <a:avLst/>
-          </a:prstGeom>
-          <a:solidFill>
-            <a:srgbClr val="29ABE2"/>
-          </a:solidFill>
-          <a:ln>
-            <a:noFill/>
-          </a:ln>
-        </p:spPr>
-        <p:style>
-          <a:lnRef idx="2">
-            <a:schemeClr val="accent1">
-              <a:shade val="50000"/>
-            </a:schemeClr>
-          </a:lnRef>
-          <a:fillRef idx="1">
-            <a:schemeClr val="accent1"/>
-          </a:fillRef>
-          <a:effectRef idx="0">
-            <a:schemeClr val="accent1"/>
-          </a:effectRef>
-          <a:fontRef idx="minor">
-            <a:schemeClr val="lt1"/>
-          </a:fontRef>
-        </p:style>
-        <p:txBody>
-          <a:bodyPr rtlCol="0" anchor="ctr"/>
-          <a:lstStyle/>
-          <a:p>
-            <a:pPr algn="ctr"/>
-            <a:endParaRPr lang="en-US"/>
-          </a:p>
-        </p:txBody>
-      </p:sp>
+            <a:ext cx="9264993" cy="756260"/>
+            <a:chOff x="0" y="6101740"/>
+            <a:chExt cx="9264993" cy="756260"/>
+          </a:xfrm>
+        </p:grpSpPr>
+        <p:sp>
+          <p:nvSpPr>
+            <p:cNvPr id="5" name="Rectangle 4"/>
+            <p:cNvSpPr/>
+            <p:nvPr/>
+          </p:nvSpPr>
+          <p:spPr>
+            <a:xfrm>
+              <a:off x="0" y="6101740"/>
+              <a:ext cx="9144000" cy="756260"/>
+            </a:xfrm>
+            <a:prstGeom prst="rect">
+              <a:avLst/>
+            </a:prstGeom>
+            <a:solidFill>
+              <a:srgbClr val="29ABE2"/>
+            </a:solidFill>
+            <a:ln>
+              <a:noFill/>
+            </a:ln>
+          </p:spPr>
+          <p:style>
+            <a:lnRef idx="2">
+              <a:schemeClr val="accent1">
+                <a:shade val="50000"/>
+              </a:schemeClr>
+            </a:lnRef>
+            <a:fillRef idx="1">
+              <a:schemeClr val="accent1"/>
+            </a:fillRef>
+            <a:effectRef idx="0">
+              <a:schemeClr val="accent1"/>
+            </a:effectRef>
+            <a:fontRef idx="minor">
+              <a:schemeClr val="lt1"/>
+            </a:fontRef>
+          </p:style>
+          <p:txBody>
+            <a:bodyPr rtlCol="0" anchor="ctr"/>
+            <a:lstStyle/>
+            <a:p>
+              <a:pPr algn="ctr"/>
+              <a:endParaRPr lang="en-US"/>
+            </a:p>
+          </p:txBody>
+        </p:sp>
+        <p:pic>
+          <p:nvPicPr>
+            <p:cNvPr id="6" name="Picture 5"/>
+            <p:cNvPicPr>
+              <a:picLocks noChangeAspect="1"/>
+            </p:cNvPicPr>
+            <p:nvPr/>
+          </p:nvPicPr>
+          <p:blipFill>
+            <a:blip r:embed="rId4" cstate="print">
+              <a:extLst>
+                <a:ext uri="{28A0092B-C50C-407E-A947-70E740481C1C}">
+                  <a14:useLocalDpi xmlns:a14="http://schemas.microsoft.com/office/drawing/2010/main" val="0"/>
+                </a:ext>
+              </a:extLst>
+            </a:blip>
+            <a:stretch>
+              <a:fillRect/>
+            </a:stretch>
+          </p:blipFill>
+          <p:spPr>
+            <a:xfrm>
+              <a:off x="6705600" y="6101740"/>
+              <a:ext cx="2559393" cy="756260"/>
+            </a:xfrm>
+            <a:prstGeom prst="rect">
+              <a:avLst/>
+            </a:prstGeom>
+          </p:spPr>
+        </p:pic>
+      </p:grpSp>
     </p:spTree>
     <p:extLst>
       <p:ext uri="{BB962C8B-B14F-4D97-AF65-F5344CB8AC3E}">
@@ -9724,6 +10653,13 @@
   <p:clrMapOvr>
     <a:masterClrMapping/>
   </p:clrMapOvr>
+  <p:timing>
+    <p:tnLst>
+      <p:par>
+        <p:cTn id="1" dur="indefinite" restart="never" nodeType="tmRoot"/>
+      </p:par>
+    </p:tnLst>
+  </p:timing>
 </p:sld>
 </file>
 
@@ -9762,7 +10698,7 @@
           <a:lstStyle/>
           <a:p>
             <a:r>
-              <a:rPr lang="en-US" sz="4500" dirty="0">
+              <a:rPr lang="en-US" sz="4500" dirty="0" smtClean="0">
                 <a:solidFill>
                   <a:srgbClr val="29ABE2"/>
                 </a:solidFill>
@@ -9771,6 +10707,13 @@
               </a:rPr>
               <a:t>Date Time Picker</a:t>
             </a:r>
+            <a:endParaRPr lang="en-US" sz="4500" dirty="0">
+              <a:solidFill>
+                <a:srgbClr val="29ABE2"/>
+              </a:solidFill>
+              <a:latin typeface="Segoe UI" panose="020B0502040204020203" pitchFamily="34" charset="0"/>
+              <a:cs typeface="Segoe UI" panose="020B0502040204020203" pitchFamily="34" charset="0"/>
+            </a:endParaRPr>
           </a:p>
         </p:txBody>
       </p:sp>
@@ -9798,52 +10741,97 @@
           </a:prstGeom>
         </p:spPr>
       </p:pic>
-      <p:sp>
-        <p:nvSpPr>
-          <p:cNvPr id="5" name="Rectangle 4"/>
-          <p:cNvSpPr/>
+      <p:grpSp>
+        <p:nvGrpSpPr>
+          <p:cNvPr id="4" name="Group 3"/>
+          <p:cNvGrpSpPr/>
           <p:nvPr/>
-        </p:nvSpPr>
-        <p:spPr>
+        </p:nvGrpSpPr>
+        <p:grpSpPr>
           <a:xfrm>
             <a:off x="0" y="6101740"/>
-            <a:ext cx="9144000" cy="756260"/>
-          </a:xfrm>
-          <a:prstGeom prst="rect">
-            <a:avLst/>
-          </a:prstGeom>
-          <a:solidFill>
-            <a:srgbClr val="29ABE2"/>
-          </a:solidFill>
-          <a:ln>
-            <a:noFill/>
-          </a:ln>
-        </p:spPr>
-        <p:style>
-          <a:lnRef idx="2">
-            <a:schemeClr val="accent1">
-              <a:shade val="50000"/>
-            </a:schemeClr>
-          </a:lnRef>
-          <a:fillRef idx="1">
-            <a:schemeClr val="accent1"/>
-          </a:fillRef>
-          <a:effectRef idx="0">
-            <a:schemeClr val="accent1"/>
-          </a:effectRef>
-          <a:fontRef idx="minor">
-            <a:schemeClr val="lt1"/>
-          </a:fontRef>
-        </p:style>
-        <p:txBody>
-          <a:bodyPr rtlCol="0" anchor="ctr"/>
-          <a:lstStyle/>
-          <a:p>
-            <a:pPr algn="ctr"/>
-            <a:endParaRPr lang="en-US"/>
-          </a:p>
-        </p:txBody>
-      </p:sp>
+            <a:ext cx="9264993" cy="756260"/>
+            <a:chOff x="0" y="6101740"/>
+            <a:chExt cx="9264993" cy="756260"/>
+          </a:xfrm>
+        </p:grpSpPr>
+        <p:sp>
+          <p:nvSpPr>
+            <p:cNvPr id="5" name="Rectangle 4"/>
+            <p:cNvSpPr/>
+            <p:nvPr/>
+          </p:nvSpPr>
+          <p:spPr>
+            <a:xfrm>
+              <a:off x="0" y="6101740"/>
+              <a:ext cx="9144000" cy="756260"/>
+            </a:xfrm>
+            <a:prstGeom prst="rect">
+              <a:avLst/>
+            </a:prstGeom>
+            <a:solidFill>
+              <a:srgbClr val="29ABE2"/>
+            </a:solidFill>
+            <a:ln>
+              <a:noFill/>
+            </a:ln>
+          </p:spPr>
+          <p:style>
+            <a:lnRef idx="2">
+              <a:schemeClr val="accent1">
+                <a:shade val="50000"/>
+              </a:schemeClr>
+            </a:lnRef>
+            <a:fillRef idx="1">
+              <a:schemeClr val="accent1"/>
+            </a:fillRef>
+            <a:effectRef idx="0">
+              <a:schemeClr val="accent1"/>
+            </a:effectRef>
+            <a:fontRef idx="minor">
+              <a:schemeClr val="lt1"/>
+            </a:fontRef>
+          </p:style>
+          <p:txBody>
+            <a:bodyPr rtlCol="0" anchor="ctr"/>
+            <a:lstStyle/>
+            <a:p>
+              <a:pPr algn="ctr"/>
+              <a:endParaRPr lang="en-US"/>
+            </a:p>
+          </p:txBody>
+        </p:sp>
+        <p:pic>
+          <p:nvPicPr>
+            <p:cNvPr id="6" name="Picture 5"/>
+            <p:cNvPicPr>
+              <a:picLocks noChangeAspect="1"/>
+            </p:cNvPicPr>
+            <p:nvPr/>
+          </p:nvPicPr>
+          <p:blipFill>
+            <a:blip r:embed="rId4" cstate="print">
+              <a:extLst>
+                <a:ext uri="{28A0092B-C50C-407E-A947-70E740481C1C}">
+                  <a14:useLocalDpi xmlns:a14="http://schemas.microsoft.com/office/drawing/2010/main" val="0"/>
+                </a:ext>
+              </a:extLst>
+            </a:blip>
+            <a:stretch>
+              <a:fillRect/>
+            </a:stretch>
+          </p:blipFill>
+          <p:spPr>
+            <a:xfrm>
+              <a:off x="6705600" y="6101740"/>
+              <a:ext cx="2559393" cy="756260"/>
+            </a:xfrm>
+            <a:prstGeom prst="rect">
+              <a:avLst/>
+            </a:prstGeom>
+          </p:spPr>
+        </p:pic>
+      </p:grpSp>
     </p:spTree>
     <p:extLst>
       <p:ext uri="{BB962C8B-B14F-4D97-AF65-F5344CB8AC3E}">
@@ -9854,6 +10842,13 @@
   <p:clrMapOvr>
     <a:masterClrMapping/>
   </p:clrMapOvr>
+  <p:timing>
+    <p:tnLst>
+      <p:par>
+        <p:cTn id="1" dur="indefinite" restart="never" nodeType="tmRoot"/>
+      </p:par>
+    </p:tnLst>
+  </p:timing>
 </p:sld>
 </file>
 
@@ -9892,7 +10887,7 @@
           <a:lstStyle/>
           <a:p>
             <a:r>
-              <a:rPr lang="en-US" sz="4500" dirty="0">
+              <a:rPr lang="en-US" sz="4500" dirty="0" smtClean="0">
                 <a:solidFill>
                   <a:srgbClr val="29ABE2"/>
                 </a:solidFill>
@@ -9901,6 +10896,13 @@
               </a:rPr>
               <a:t>Text Boxes</a:t>
             </a:r>
+            <a:endParaRPr lang="en-US" sz="4500" dirty="0">
+              <a:solidFill>
+                <a:srgbClr val="29ABE2"/>
+              </a:solidFill>
+              <a:latin typeface="Segoe UI" panose="020B0502040204020203" pitchFamily="34" charset="0"/>
+              <a:cs typeface="Segoe UI" panose="020B0502040204020203" pitchFamily="34" charset="0"/>
+            </a:endParaRPr>
           </a:p>
         </p:txBody>
       </p:sp>
@@ -9928,52 +10930,97 @@
           </a:prstGeom>
         </p:spPr>
       </p:pic>
-      <p:sp>
-        <p:nvSpPr>
-          <p:cNvPr id="6" name="Rectangle 5"/>
-          <p:cNvSpPr/>
+      <p:grpSp>
+        <p:nvGrpSpPr>
+          <p:cNvPr id="5" name="Group 4"/>
+          <p:cNvGrpSpPr/>
           <p:nvPr/>
-        </p:nvSpPr>
-        <p:spPr>
+        </p:nvGrpSpPr>
+        <p:grpSpPr>
           <a:xfrm>
             <a:off x="0" y="6101740"/>
-            <a:ext cx="9144000" cy="756260"/>
-          </a:xfrm>
-          <a:prstGeom prst="rect">
-            <a:avLst/>
-          </a:prstGeom>
-          <a:solidFill>
-            <a:srgbClr val="29ABE2"/>
-          </a:solidFill>
-          <a:ln>
-            <a:noFill/>
-          </a:ln>
-        </p:spPr>
-        <p:style>
-          <a:lnRef idx="2">
-            <a:schemeClr val="accent1">
-              <a:shade val="50000"/>
-            </a:schemeClr>
-          </a:lnRef>
-          <a:fillRef idx="1">
-            <a:schemeClr val="accent1"/>
-          </a:fillRef>
-          <a:effectRef idx="0">
-            <a:schemeClr val="accent1"/>
-          </a:effectRef>
-          <a:fontRef idx="minor">
-            <a:schemeClr val="lt1"/>
-          </a:fontRef>
-        </p:style>
-        <p:txBody>
-          <a:bodyPr rtlCol="0" anchor="ctr"/>
-          <a:lstStyle/>
-          <a:p>
-            <a:pPr algn="ctr"/>
-            <a:endParaRPr lang="en-US"/>
-          </a:p>
-        </p:txBody>
-      </p:sp>
+            <a:ext cx="9264993" cy="756260"/>
+            <a:chOff x="0" y="6101740"/>
+            <a:chExt cx="9264993" cy="756260"/>
+          </a:xfrm>
+        </p:grpSpPr>
+        <p:sp>
+          <p:nvSpPr>
+            <p:cNvPr id="6" name="Rectangle 5"/>
+            <p:cNvSpPr/>
+            <p:nvPr/>
+          </p:nvSpPr>
+          <p:spPr>
+            <a:xfrm>
+              <a:off x="0" y="6101740"/>
+              <a:ext cx="9144000" cy="756260"/>
+            </a:xfrm>
+            <a:prstGeom prst="rect">
+              <a:avLst/>
+            </a:prstGeom>
+            <a:solidFill>
+              <a:srgbClr val="29ABE2"/>
+            </a:solidFill>
+            <a:ln>
+              <a:noFill/>
+            </a:ln>
+          </p:spPr>
+          <p:style>
+            <a:lnRef idx="2">
+              <a:schemeClr val="accent1">
+                <a:shade val="50000"/>
+              </a:schemeClr>
+            </a:lnRef>
+            <a:fillRef idx="1">
+              <a:schemeClr val="accent1"/>
+            </a:fillRef>
+            <a:effectRef idx="0">
+              <a:schemeClr val="accent1"/>
+            </a:effectRef>
+            <a:fontRef idx="minor">
+              <a:schemeClr val="lt1"/>
+            </a:fontRef>
+          </p:style>
+          <p:txBody>
+            <a:bodyPr rtlCol="0" anchor="ctr"/>
+            <a:lstStyle/>
+            <a:p>
+              <a:pPr algn="ctr"/>
+              <a:endParaRPr lang="en-US"/>
+            </a:p>
+          </p:txBody>
+        </p:sp>
+        <p:pic>
+          <p:nvPicPr>
+            <p:cNvPr id="7" name="Picture 6"/>
+            <p:cNvPicPr>
+              <a:picLocks noChangeAspect="1"/>
+            </p:cNvPicPr>
+            <p:nvPr/>
+          </p:nvPicPr>
+          <p:blipFill>
+            <a:blip r:embed="rId4" cstate="print">
+              <a:extLst>
+                <a:ext uri="{28A0092B-C50C-407E-A947-70E740481C1C}">
+                  <a14:useLocalDpi xmlns:a14="http://schemas.microsoft.com/office/drawing/2010/main" val="0"/>
+                </a:ext>
+              </a:extLst>
+            </a:blip>
+            <a:stretch>
+              <a:fillRect/>
+            </a:stretch>
+          </p:blipFill>
+          <p:spPr>
+            <a:xfrm>
+              <a:off x="6705600" y="6101740"/>
+              <a:ext cx="2559393" cy="756260"/>
+            </a:xfrm>
+            <a:prstGeom prst="rect">
+              <a:avLst/>
+            </a:prstGeom>
+          </p:spPr>
+        </p:pic>
+      </p:grpSp>
     </p:spTree>
     <p:extLst>
       <p:ext uri="{BB962C8B-B14F-4D97-AF65-F5344CB8AC3E}">
@@ -9984,6 +11031,13 @@
   <p:clrMapOvr>
     <a:masterClrMapping/>
   </p:clrMapOvr>
+  <p:timing>
+    <p:tnLst>
+      <p:par>
+        <p:cTn id="1" dur="indefinite" restart="never" nodeType="tmRoot"/>
+      </p:par>
+    </p:tnLst>
+  </p:timing>
 </p:sld>
 </file>
 
@@ -10022,7 +11076,7 @@
           <a:lstStyle/>
           <a:p>
             <a:r>
-              <a:rPr lang="en-US" sz="4500" dirty="0">
+              <a:rPr lang="en-US" sz="4500" dirty="0" smtClean="0">
                 <a:solidFill>
                   <a:srgbClr val="29ABE2"/>
                 </a:solidFill>
@@ -10031,6 +11085,13 @@
               </a:rPr>
               <a:t>Auto Complete</a:t>
             </a:r>
+            <a:endParaRPr lang="en-US" sz="4500" dirty="0">
+              <a:solidFill>
+                <a:srgbClr val="29ABE2"/>
+              </a:solidFill>
+              <a:latin typeface="Segoe UI" panose="020B0502040204020203" pitchFamily="34" charset="0"/>
+              <a:cs typeface="Segoe UI" panose="020B0502040204020203" pitchFamily="34" charset="0"/>
+            </a:endParaRPr>
           </a:p>
         </p:txBody>
       </p:sp>
@@ -10058,52 +11119,97 @@
           </a:prstGeom>
         </p:spPr>
       </p:pic>
-      <p:sp>
-        <p:nvSpPr>
-          <p:cNvPr id="5" name="Rectangle 4"/>
-          <p:cNvSpPr/>
+      <p:grpSp>
+        <p:nvGrpSpPr>
+          <p:cNvPr id="4" name="Group 3"/>
+          <p:cNvGrpSpPr/>
           <p:nvPr/>
-        </p:nvSpPr>
-        <p:spPr>
+        </p:nvGrpSpPr>
+        <p:grpSpPr>
           <a:xfrm>
             <a:off x="0" y="6101740"/>
-            <a:ext cx="9144000" cy="756260"/>
-          </a:xfrm>
-          <a:prstGeom prst="rect">
-            <a:avLst/>
-          </a:prstGeom>
-          <a:solidFill>
-            <a:srgbClr val="29ABE2"/>
-          </a:solidFill>
-          <a:ln>
-            <a:noFill/>
-          </a:ln>
-        </p:spPr>
-        <p:style>
-          <a:lnRef idx="2">
-            <a:schemeClr val="accent1">
-              <a:shade val="50000"/>
-            </a:schemeClr>
-          </a:lnRef>
-          <a:fillRef idx="1">
-            <a:schemeClr val="accent1"/>
-          </a:fillRef>
-          <a:effectRef idx="0">
-            <a:schemeClr val="accent1"/>
-          </a:effectRef>
-          <a:fontRef idx="minor">
-            <a:schemeClr val="lt1"/>
-          </a:fontRef>
-        </p:style>
-        <p:txBody>
-          <a:bodyPr rtlCol="0" anchor="ctr"/>
-          <a:lstStyle/>
-          <a:p>
-            <a:pPr algn="ctr"/>
-            <a:endParaRPr lang="en-US"/>
-          </a:p>
-        </p:txBody>
-      </p:sp>
+            <a:ext cx="9264993" cy="756260"/>
+            <a:chOff x="0" y="6101740"/>
+            <a:chExt cx="9264993" cy="756260"/>
+          </a:xfrm>
+        </p:grpSpPr>
+        <p:sp>
+          <p:nvSpPr>
+            <p:cNvPr id="5" name="Rectangle 4"/>
+            <p:cNvSpPr/>
+            <p:nvPr/>
+          </p:nvSpPr>
+          <p:spPr>
+            <a:xfrm>
+              <a:off x="0" y="6101740"/>
+              <a:ext cx="9144000" cy="756260"/>
+            </a:xfrm>
+            <a:prstGeom prst="rect">
+              <a:avLst/>
+            </a:prstGeom>
+            <a:solidFill>
+              <a:srgbClr val="29ABE2"/>
+            </a:solidFill>
+            <a:ln>
+              <a:noFill/>
+            </a:ln>
+          </p:spPr>
+          <p:style>
+            <a:lnRef idx="2">
+              <a:schemeClr val="accent1">
+                <a:shade val="50000"/>
+              </a:schemeClr>
+            </a:lnRef>
+            <a:fillRef idx="1">
+              <a:schemeClr val="accent1"/>
+            </a:fillRef>
+            <a:effectRef idx="0">
+              <a:schemeClr val="accent1"/>
+            </a:effectRef>
+            <a:fontRef idx="minor">
+              <a:schemeClr val="lt1"/>
+            </a:fontRef>
+          </p:style>
+          <p:txBody>
+            <a:bodyPr rtlCol="0" anchor="ctr"/>
+            <a:lstStyle/>
+            <a:p>
+              <a:pPr algn="ctr"/>
+              <a:endParaRPr lang="en-US"/>
+            </a:p>
+          </p:txBody>
+        </p:sp>
+        <p:pic>
+          <p:nvPicPr>
+            <p:cNvPr id="6" name="Picture 5"/>
+            <p:cNvPicPr>
+              <a:picLocks noChangeAspect="1"/>
+            </p:cNvPicPr>
+            <p:nvPr/>
+          </p:nvPicPr>
+          <p:blipFill>
+            <a:blip r:embed="rId4" cstate="print">
+              <a:extLst>
+                <a:ext uri="{28A0092B-C50C-407E-A947-70E740481C1C}">
+                  <a14:useLocalDpi xmlns:a14="http://schemas.microsoft.com/office/drawing/2010/main" val="0"/>
+                </a:ext>
+              </a:extLst>
+            </a:blip>
+            <a:stretch>
+              <a:fillRect/>
+            </a:stretch>
+          </p:blipFill>
+          <p:spPr>
+            <a:xfrm>
+              <a:off x="6705600" y="6101740"/>
+              <a:ext cx="2559393" cy="756260"/>
+            </a:xfrm>
+            <a:prstGeom prst="rect">
+              <a:avLst/>
+            </a:prstGeom>
+          </p:spPr>
+        </p:pic>
+      </p:grpSp>
     </p:spTree>
     <p:extLst>
       <p:ext uri="{BB962C8B-B14F-4D97-AF65-F5344CB8AC3E}">
@@ -10114,6 +11220,13 @@
   <p:clrMapOvr>
     <a:masterClrMapping/>
   </p:clrMapOvr>
+  <p:timing>
+    <p:tnLst>
+      <p:par>
+        <p:cTn id="1" dur="indefinite" restart="never" nodeType="tmRoot"/>
+      </p:par>
+    </p:tnLst>
+  </p:timing>
 </p:sld>
 </file>
 
@@ -10152,7 +11265,7 @@
           <a:lstStyle/>
           <a:p>
             <a:r>
-              <a:rPr lang="en-US" sz="4500" dirty="0">
+              <a:rPr lang="en-US" sz="4500" dirty="0" smtClean="0">
                 <a:solidFill>
                   <a:srgbClr val="29ABE2"/>
                 </a:solidFill>
@@ -10161,6 +11274,13 @@
               </a:rPr>
               <a:t>Tree View</a:t>
             </a:r>
+            <a:endParaRPr lang="en-US" sz="4500" dirty="0">
+              <a:solidFill>
+                <a:srgbClr val="29ABE2"/>
+              </a:solidFill>
+              <a:latin typeface="Segoe UI" panose="020B0502040204020203" pitchFamily="34" charset="0"/>
+              <a:cs typeface="Segoe UI" panose="020B0502040204020203" pitchFamily="34" charset="0"/>
+            </a:endParaRPr>
           </a:p>
         </p:txBody>
       </p:sp>
@@ -10188,52 +11308,97 @@
           </a:prstGeom>
         </p:spPr>
       </p:pic>
-      <p:sp>
-        <p:nvSpPr>
-          <p:cNvPr id="6" name="Rectangle 5"/>
-          <p:cNvSpPr/>
+      <p:grpSp>
+        <p:nvGrpSpPr>
+          <p:cNvPr id="5" name="Group 4"/>
+          <p:cNvGrpSpPr/>
           <p:nvPr/>
-        </p:nvSpPr>
-        <p:spPr>
+        </p:nvGrpSpPr>
+        <p:grpSpPr>
           <a:xfrm>
             <a:off x="0" y="6101740"/>
-            <a:ext cx="9144000" cy="756260"/>
-          </a:xfrm>
-          <a:prstGeom prst="rect">
-            <a:avLst/>
-          </a:prstGeom>
-          <a:solidFill>
-            <a:srgbClr val="29ABE2"/>
-          </a:solidFill>
-          <a:ln>
-            <a:noFill/>
-          </a:ln>
-        </p:spPr>
-        <p:style>
-          <a:lnRef idx="2">
-            <a:schemeClr val="accent1">
-              <a:shade val="50000"/>
-            </a:schemeClr>
-          </a:lnRef>
-          <a:fillRef idx="1">
-            <a:schemeClr val="accent1"/>
-          </a:fillRef>
-          <a:effectRef idx="0">
-            <a:schemeClr val="accent1"/>
-          </a:effectRef>
-          <a:fontRef idx="minor">
-            <a:schemeClr val="lt1"/>
-          </a:fontRef>
-        </p:style>
-        <p:txBody>
-          <a:bodyPr rtlCol="0" anchor="ctr"/>
-          <a:lstStyle/>
-          <a:p>
-            <a:pPr algn="ctr"/>
-            <a:endParaRPr lang="en-US"/>
-          </a:p>
-        </p:txBody>
-      </p:sp>
+            <a:ext cx="9264993" cy="756260"/>
+            <a:chOff x="0" y="6101740"/>
+            <a:chExt cx="9264993" cy="756260"/>
+          </a:xfrm>
+        </p:grpSpPr>
+        <p:sp>
+          <p:nvSpPr>
+            <p:cNvPr id="6" name="Rectangle 5"/>
+            <p:cNvSpPr/>
+            <p:nvPr/>
+          </p:nvSpPr>
+          <p:spPr>
+            <a:xfrm>
+              <a:off x="0" y="6101740"/>
+              <a:ext cx="9144000" cy="756260"/>
+            </a:xfrm>
+            <a:prstGeom prst="rect">
+              <a:avLst/>
+            </a:prstGeom>
+            <a:solidFill>
+              <a:srgbClr val="29ABE2"/>
+            </a:solidFill>
+            <a:ln>
+              <a:noFill/>
+            </a:ln>
+          </p:spPr>
+          <p:style>
+            <a:lnRef idx="2">
+              <a:schemeClr val="accent1">
+                <a:shade val="50000"/>
+              </a:schemeClr>
+            </a:lnRef>
+            <a:fillRef idx="1">
+              <a:schemeClr val="accent1"/>
+            </a:fillRef>
+            <a:effectRef idx="0">
+              <a:schemeClr val="accent1"/>
+            </a:effectRef>
+            <a:fontRef idx="minor">
+              <a:schemeClr val="lt1"/>
+            </a:fontRef>
+          </p:style>
+          <p:txBody>
+            <a:bodyPr rtlCol="0" anchor="ctr"/>
+            <a:lstStyle/>
+            <a:p>
+              <a:pPr algn="ctr"/>
+              <a:endParaRPr lang="en-US"/>
+            </a:p>
+          </p:txBody>
+        </p:sp>
+        <p:pic>
+          <p:nvPicPr>
+            <p:cNvPr id="7" name="Picture 6"/>
+            <p:cNvPicPr>
+              <a:picLocks noChangeAspect="1"/>
+            </p:cNvPicPr>
+            <p:nvPr/>
+          </p:nvPicPr>
+          <p:blipFill>
+            <a:blip r:embed="rId4" cstate="print">
+              <a:extLst>
+                <a:ext uri="{28A0092B-C50C-407E-A947-70E740481C1C}">
+                  <a14:useLocalDpi xmlns:a14="http://schemas.microsoft.com/office/drawing/2010/main" val="0"/>
+                </a:ext>
+              </a:extLst>
+            </a:blip>
+            <a:stretch>
+              <a:fillRect/>
+            </a:stretch>
+          </p:blipFill>
+          <p:spPr>
+            <a:xfrm>
+              <a:off x="6705600" y="6101740"/>
+              <a:ext cx="2559393" cy="756260"/>
+            </a:xfrm>
+            <a:prstGeom prst="rect">
+              <a:avLst/>
+            </a:prstGeom>
+          </p:spPr>
+        </p:pic>
+      </p:grpSp>
     </p:spTree>
     <p:extLst>
       <p:ext uri="{BB962C8B-B14F-4D97-AF65-F5344CB8AC3E}">
@@ -10244,6 +11409,13 @@
   <p:clrMapOvr>
     <a:masterClrMapping/>
   </p:clrMapOvr>
+  <p:timing>
+    <p:tnLst>
+      <p:par>
+        <p:cTn id="1" dur="indefinite" restart="never" nodeType="tmRoot"/>
+      </p:par>
+    </p:tnLst>
+  </p:timing>
 </p:sld>
 </file>
 
@@ -10282,7 +11454,7 @@
           <a:lstStyle/>
           <a:p>
             <a:r>
-              <a:rPr lang="en-US" sz="4500" dirty="0">
+              <a:rPr lang="en-US" sz="4500" dirty="0" smtClean="0">
                 <a:solidFill>
                   <a:srgbClr val="29ABE2"/>
                 </a:solidFill>
@@ -10291,6 +11463,13 @@
               </a:rPr>
               <a:t>Rich Text Box</a:t>
             </a:r>
+            <a:endParaRPr lang="en-US" sz="4500" dirty="0">
+              <a:solidFill>
+                <a:srgbClr val="29ABE2"/>
+              </a:solidFill>
+              <a:latin typeface="Segoe UI" panose="020B0502040204020203" pitchFamily="34" charset="0"/>
+              <a:cs typeface="Segoe UI" panose="020B0502040204020203" pitchFamily="34" charset="0"/>
+            </a:endParaRPr>
           </a:p>
         </p:txBody>
       </p:sp>
@@ -10318,52 +11497,97 @@
           </a:prstGeom>
         </p:spPr>
       </p:pic>
-      <p:sp>
-        <p:nvSpPr>
-          <p:cNvPr id="5" name="Rectangle 4"/>
-          <p:cNvSpPr/>
+      <p:grpSp>
+        <p:nvGrpSpPr>
+          <p:cNvPr id="4" name="Group 3"/>
+          <p:cNvGrpSpPr/>
           <p:nvPr/>
-        </p:nvSpPr>
-        <p:spPr>
+        </p:nvGrpSpPr>
+        <p:grpSpPr>
           <a:xfrm>
             <a:off x="0" y="6101740"/>
-            <a:ext cx="9144000" cy="756260"/>
-          </a:xfrm>
-          <a:prstGeom prst="rect">
-            <a:avLst/>
-          </a:prstGeom>
-          <a:solidFill>
-            <a:srgbClr val="29ABE2"/>
-          </a:solidFill>
-          <a:ln>
-            <a:noFill/>
-          </a:ln>
-        </p:spPr>
-        <p:style>
-          <a:lnRef idx="2">
-            <a:schemeClr val="accent1">
-              <a:shade val="50000"/>
-            </a:schemeClr>
-          </a:lnRef>
-          <a:fillRef idx="1">
-            <a:schemeClr val="accent1"/>
-          </a:fillRef>
-          <a:effectRef idx="0">
-            <a:schemeClr val="accent1"/>
-          </a:effectRef>
-          <a:fontRef idx="minor">
-            <a:schemeClr val="lt1"/>
-          </a:fontRef>
-        </p:style>
-        <p:txBody>
-          <a:bodyPr rtlCol="0" anchor="ctr"/>
-          <a:lstStyle/>
-          <a:p>
-            <a:pPr algn="ctr"/>
-            <a:endParaRPr lang="en-US"/>
-          </a:p>
-        </p:txBody>
-      </p:sp>
+            <a:ext cx="9264993" cy="756260"/>
+            <a:chOff x="0" y="6101740"/>
+            <a:chExt cx="9264993" cy="756260"/>
+          </a:xfrm>
+        </p:grpSpPr>
+        <p:sp>
+          <p:nvSpPr>
+            <p:cNvPr id="5" name="Rectangle 4"/>
+            <p:cNvSpPr/>
+            <p:nvPr/>
+          </p:nvSpPr>
+          <p:spPr>
+            <a:xfrm>
+              <a:off x="0" y="6101740"/>
+              <a:ext cx="9144000" cy="756260"/>
+            </a:xfrm>
+            <a:prstGeom prst="rect">
+              <a:avLst/>
+            </a:prstGeom>
+            <a:solidFill>
+              <a:srgbClr val="29ABE2"/>
+            </a:solidFill>
+            <a:ln>
+              <a:noFill/>
+            </a:ln>
+          </p:spPr>
+          <p:style>
+            <a:lnRef idx="2">
+              <a:schemeClr val="accent1">
+                <a:shade val="50000"/>
+              </a:schemeClr>
+            </a:lnRef>
+            <a:fillRef idx="1">
+              <a:schemeClr val="accent1"/>
+            </a:fillRef>
+            <a:effectRef idx="0">
+              <a:schemeClr val="accent1"/>
+            </a:effectRef>
+            <a:fontRef idx="minor">
+              <a:schemeClr val="lt1"/>
+            </a:fontRef>
+          </p:style>
+          <p:txBody>
+            <a:bodyPr rtlCol="0" anchor="ctr"/>
+            <a:lstStyle/>
+            <a:p>
+              <a:pPr algn="ctr"/>
+              <a:endParaRPr lang="en-US"/>
+            </a:p>
+          </p:txBody>
+        </p:sp>
+        <p:pic>
+          <p:nvPicPr>
+            <p:cNvPr id="6" name="Picture 5"/>
+            <p:cNvPicPr>
+              <a:picLocks noChangeAspect="1"/>
+            </p:cNvPicPr>
+            <p:nvPr/>
+          </p:nvPicPr>
+          <p:blipFill>
+            <a:blip r:embed="rId4" cstate="print">
+              <a:extLst>
+                <a:ext uri="{28A0092B-C50C-407E-A947-70E740481C1C}">
+                  <a14:useLocalDpi xmlns:a14="http://schemas.microsoft.com/office/drawing/2010/main" val="0"/>
+                </a:ext>
+              </a:extLst>
+            </a:blip>
+            <a:stretch>
+              <a:fillRect/>
+            </a:stretch>
+          </p:blipFill>
+          <p:spPr>
+            <a:xfrm>
+              <a:off x="6705600" y="6101740"/>
+              <a:ext cx="2559393" cy="756260"/>
+            </a:xfrm>
+            <a:prstGeom prst="rect">
+              <a:avLst/>
+            </a:prstGeom>
+          </p:spPr>
+        </p:pic>
+      </p:grpSp>
     </p:spTree>
     <p:extLst>
       <p:ext uri="{BB962C8B-B14F-4D97-AF65-F5344CB8AC3E}">
@@ -10374,6 +11598,13 @@
   <p:clrMapOvr>
     <a:masterClrMapping/>
   </p:clrMapOvr>
+  <p:timing>
+    <p:tnLst>
+      <p:par>
+        <p:cTn id="1" dur="indefinite" restart="never" nodeType="tmRoot"/>
+      </p:par>
+    </p:tnLst>
+  </p:timing>
 </p:sld>
 </file>
 
@@ -10412,7 +11643,7 @@
           <a:lstStyle/>
           <a:p>
             <a:r>
-              <a:rPr lang="en-US" sz="4500" dirty="0">
+              <a:rPr lang="en-US" sz="4500" dirty="0" smtClean="0">
                 <a:solidFill>
                   <a:srgbClr val="29ABE2"/>
                 </a:solidFill>
@@ -10421,6 +11652,13 @@
               </a:rPr>
               <a:t>Rotator</a:t>
             </a:r>
+            <a:endParaRPr lang="en-US" sz="4500" dirty="0">
+              <a:solidFill>
+                <a:srgbClr val="29ABE2"/>
+              </a:solidFill>
+              <a:latin typeface="Segoe UI" panose="020B0502040204020203" pitchFamily="34" charset="0"/>
+              <a:cs typeface="Segoe UI" panose="020B0502040204020203" pitchFamily="34" charset="0"/>
+            </a:endParaRPr>
           </a:p>
         </p:txBody>
       </p:sp>
@@ -10448,52 +11686,97 @@
           </a:prstGeom>
         </p:spPr>
       </p:pic>
-      <p:sp>
-        <p:nvSpPr>
-          <p:cNvPr id="6" name="Rectangle 5"/>
-          <p:cNvSpPr/>
+      <p:grpSp>
+        <p:nvGrpSpPr>
+          <p:cNvPr id="5" name="Group 4"/>
+          <p:cNvGrpSpPr/>
           <p:nvPr/>
-        </p:nvSpPr>
-        <p:spPr>
+        </p:nvGrpSpPr>
+        <p:grpSpPr>
           <a:xfrm>
             <a:off x="0" y="6101740"/>
-            <a:ext cx="9144000" cy="756260"/>
-          </a:xfrm>
-          <a:prstGeom prst="rect">
-            <a:avLst/>
-          </a:prstGeom>
-          <a:solidFill>
-            <a:srgbClr val="29ABE2"/>
-          </a:solidFill>
-          <a:ln>
-            <a:noFill/>
-          </a:ln>
-        </p:spPr>
-        <p:style>
-          <a:lnRef idx="2">
-            <a:schemeClr val="accent1">
-              <a:shade val="50000"/>
-            </a:schemeClr>
-          </a:lnRef>
-          <a:fillRef idx="1">
-            <a:schemeClr val="accent1"/>
-          </a:fillRef>
-          <a:effectRef idx="0">
-            <a:schemeClr val="accent1"/>
-          </a:effectRef>
-          <a:fontRef idx="minor">
-            <a:schemeClr val="lt1"/>
-          </a:fontRef>
-        </p:style>
-        <p:txBody>
-          <a:bodyPr rtlCol="0" anchor="ctr"/>
-          <a:lstStyle/>
-          <a:p>
-            <a:pPr algn="ctr"/>
-            <a:endParaRPr lang="en-US"/>
-          </a:p>
-        </p:txBody>
-      </p:sp>
+            <a:ext cx="9264993" cy="756260"/>
+            <a:chOff x="0" y="6101740"/>
+            <a:chExt cx="9264993" cy="756260"/>
+          </a:xfrm>
+        </p:grpSpPr>
+        <p:sp>
+          <p:nvSpPr>
+            <p:cNvPr id="6" name="Rectangle 5"/>
+            <p:cNvSpPr/>
+            <p:nvPr/>
+          </p:nvSpPr>
+          <p:spPr>
+            <a:xfrm>
+              <a:off x="0" y="6101740"/>
+              <a:ext cx="9144000" cy="756260"/>
+            </a:xfrm>
+            <a:prstGeom prst="rect">
+              <a:avLst/>
+            </a:prstGeom>
+            <a:solidFill>
+              <a:srgbClr val="29ABE2"/>
+            </a:solidFill>
+            <a:ln>
+              <a:noFill/>
+            </a:ln>
+          </p:spPr>
+          <p:style>
+            <a:lnRef idx="2">
+              <a:schemeClr val="accent1">
+                <a:shade val="50000"/>
+              </a:schemeClr>
+            </a:lnRef>
+            <a:fillRef idx="1">
+              <a:schemeClr val="accent1"/>
+            </a:fillRef>
+            <a:effectRef idx="0">
+              <a:schemeClr val="accent1"/>
+            </a:effectRef>
+            <a:fontRef idx="minor">
+              <a:schemeClr val="lt1"/>
+            </a:fontRef>
+          </p:style>
+          <p:txBody>
+            <a:bodyPr rtlCol="0" anchor="ctr"/>
+            <a:lstStyle/>
+            <a:p>
+              <a:pPr algn="ctr"/>
+              <a:endParaRPr lang="en-US"/>
+            </a:p>
+          </p:txBody>
+        </p:sp>
+        <p:pic>
+          <p:nvPicPr>
+            <p:cNvPr id="7" name="Picture 6"/>
+            <p:cNvPicPr>
+              <a:picLocks noChangeAspect="1"/>
+            </p:cNvPicPr>
+            <p:nvPr/>
+          </p:nvPicPr>
+          <p:blipFill>
+            <a:blip r:embed="rId4" cstate="print">
+              <a:extLst>
+                <a:ext uri="{28A0092B-C50C-407E-A947-70E740481C1C}">
+                  <a14:useLocalDpi xmlns:a14="http://schemas.microsoft.com/office/drawing/2010/main" val="0"/>
+                </a:ext>
+              </a:extLst>
+            </a:blip>
+            <a:stretch>
+              <a:fillRect/>
+            </a:stretch>
+          </p:blipFill>
+          <p:spPr>
+            <a:xfrm>
+              <a:off x="6705600" y="6101740"/>
+              <a:ext cx="2559393" cy="756260"/>
+            </a:xfrm>
+            <a:prstGeom prst="rect">
+              <a:avLst/>
+            </a:prstGeom>
+          </p:spPr>
+        </p:pic>
+      </p:grpSp>
     </p:spTree>
     <p:extLst>
       <p:ext uri="{BB962C8B-B14F-4D97-AF65-F5344CB8AC3E}">
@@ -10504,6 +11787,13 @@
   <p:clrMapOvr>
     <a:masterClrMapping/>
   </p:clrMapOvr>
+  <p:timing>
+    <p:tnLst>
+      <p:par>
+        <p:cTn id="1" dur="indefinite" restart="never" nodeType="tmRoot"/>
+      </p:par>
+    </p:tnLst>
+  </p:timing>
 </p:sld>
 </file>
 
@@ -10542,7 +11832,7 @@
           <a:lstStyle/>
           <a:p>
             <a:r>
-              <a:rPr lang="en-US" sz="4500" dirty="0">
+              <a:rPr lang="en-US" sz="4500" dirty="0" smtClean="0">
                 <a:solidFill>
                   <a:srgbClr val="29ABE2"/>
                 </a:solidFill>
@@ -10551,6 +11841,13 @@
               </a:rPr>
               <a:t>Tabs</a:t>
             </a:r>
+            <a:endParaRPr lang="en-US" sz="4500" dirty="0">
+              <a:solidFill>
+                <a:srgbClr val="29ABE2"/>
+              </a:solidFill>
+              <a:latin typeface="Segoe UI" panose="020B0502040204020203" pitchFamily="34" charset="0"/>
+              <a:cs typeface="Segoe UI" panose="020B0502040204020203" pitchFamily="34" charset="0"/>
+            </a:endParaRPr>
           </a:p>
         </p:txBody>
       </p:sp>
@@ -10578,52 +11875,97 @@
           </a:prstGeom>
         </p:spPr>
       </p:pic>
-      <p:sp>
-        <p:nvSpPr>
-          <p:cNvPr id="5" name="Rectangle 4"/>
-          <p:cNvSpPr/>
+      <p:grpSp>
+        <p:nvGrpSpPr>
+          <p:cNvPr id="4" name="Group 3"/>
+          <p:cNvGrpSpPr/>
           <p:nvPr/>
-        </p:nvSpPr>
-        <p:spPr>
+        </p:nvGrpSpPr>
+        <p:grpSpPr>
           <a:xfrm>
             <a:off x="0" y="6101740"/>
-            <a:ext cx="9144000" cy="756260"/>
-          </a:xfrm>
-          <a:prstGeom prst="rect">
-            <a:avLst/>
-          </a:prstGeom>
-          <a:solidFill>
-            <a:srgbClr val="29ABE2"/>
-          </a:solidFill>
-          <a:ln>
-            <a:noFill/>
-          </a:ln>
-        </p:spPr>
-        <p:style>
-          <a:lnRef idx="2">
-            <a:schemeClr val="accent1">
-              <a:shade val="50000"/>
-            </a:schemeClr>
-          </a:lnRef>
-          <a:fillRef idx="1">
-            <a:schemeClr val="accent1"/>
-          </a:fillRef>
-          <a:effectRef idx="0">
-            <a:schemeClr val="accent1"/>
-          </a:effectRef>
-          <a:fontRef idx="minor">
-            <a:schemeClr val="lt1"/>
-          </a:fontRef>
-        </p:style>
-        <p:txBody>
-          <a:bodyPr rtlCol="0" anchor="ctr"/>
-          <a:lstStyle/>
-          <a:p>
-            <a:pPr algn="ctr"/>
-            <a:endParaRPr lang="en-US"/>
-          </a:p>
-        </p:txBody>
-      </p:sp>
+            <a:ext cx="9264993" cy="756260"/>
+            <a:chOff x="0" y="6101740"/>
+            <a:chExt cx="9264993" cy="756260"/>
+          </a:xfrm>
+        </p:grpSpPr>
+        <p:sp>
+          <p:nvSpPr>
+            <p:cNvPr id="5" name="Rectangle 4"/>
+            <p:cNvSpPr/>
+            <p:nvPr/>
+          </p:nvSpPr>
+          <p:spPr>
+            <a:xfrm>
+              <a:off x="0" y="6101740"/>
+              <a:ext cx="9144000" cy="756260"/>
+            </a:xfrm>
+            <a:prstGeom prst="rect">
+              <a:avLst/>
+            </a:prstGeom>
+            <a:solidFill>
+              <a:srgbClr val="29ABE2"/>
+            </a:solidFill>
+            <a:ln>
+              <a:noFill/>
+            </a:ln>
+          </p:spPr>
+          <p:style>
+            <a:lnRef idx="2">
+              <a:schemeClr val="accent1">
+                <a:shade val="50000"/>
+              </a:schemeClr>
+            </a:lnRef>
+            <a:fillRef idx="1">
+              <a:schemeClr val="accent1"/>
+            </a:fillRef>
+            <a:effectRef idx="0">
+              <a:schemeClr val="accent1"/>
+            </a:effectRef>
+            <a:fontRef idx="minor">
+              <a:schemeClr val="lt1"/>
+            </a:fontRef>
+          </p:style>
+          <p:txBody>
+            <a:bodyPr rtlCol="0" anchor="ctr"/>
+            <a:lstStyle/>
+            <a:p>
+              <a:pPr algn="ctr"/>
+              <a:endParaRPr lang="en-US"/>
+            </a:p>
+          </p:txBody>
+        </p:sp>
+        <p:pic>
+          <p:nvPicPr>
+            <p:cNvPr id="6" name="Picture 5"/>
+            <p:cNvPicPr>
+              <a:picLocks noChangeAspect="1"/>
+            </p:cNvPicPr>
+            <p:nvPr/>
+          </p:nvPicPr>
+          <p:blipFill>
+            <a:blip r:embed="rId4" cstate="print">
+              <a:extLst>
+                <a:ext uri="{28A0092B-C50C-407E-A947-70E740481C1C}">
+                  <a14:useLocalDpi xmlns:a14="http://schemas.microsoft.com/office/drawing/2010/main" val="0"/>
+                </a:ext>
+              </a:extLst>
+            </a:blip>
+            <a:stretch>
+              <a:fillRect/>
+            </a:stretch>
+          </p:blipFill>
+          <p:spPr>
+            <a:xfrm>
+              <a:off x="6705600" y="6101740"/>
+              <a:ext cx="2559393" cy="756260"/>
+            </a:xfrm>
+            <a:prstGeom prst="rect">
+              <a:avLst/>
+            </a:prstGeom>
+          </p:spPr>
+        </p:pic>
+      </p:grpSp>
     </p:spTree>
     <p:extLst>
       <p:ext uri="{BB962C8B-B14F-4D97-AF65-F5344CB8AC3E}">
@@ -10634,6 +11976,13 @@
   <p:clrMapOvr>
     <a:masterClrMapping/>
   </p:clrMapOvr>
+  <p:timing>
+    <p:tnLst>
+      <p:par>
+        <p:cTn id="1" dur="indefinite" restart="never" nodeType="tmRoot"/>
+      </p:par>
+    </p:tnLst>
+  </p:timing>
 </p:sld>
 </file>
 
@@ -10672,7 +12021,7 @@
           <a:lstStyle/>
           <a:p>
             <a:r>
-              <a:rPr lang="en-US" sz="4500" dirty="0">
+              <a:rPr lang="en-US" sz="4500" dirty="0" smtClean="0">
                 <a:solidFill>
                   <a:srgbClr val="29ABE2"/>
                 </a:solidFill>
@@ -10681,6 +12030,13 @@
               </a:rPr>
               <a:t>Menu</a:t>
             </a:r>
+            <a:endParaRPr lang="en-US" sz="4500" dirty="0">
+              <a:solidFill>
+                <a:srgbClr val="29ABE2"/>
+              </a:solidFill>
+              <a:latin typeface="Segoe UI" panose="020B0502040204020203" pitchFamily="34" charset="0"/>
+              <a:cs typeface="Segoe UI" panose="020B0502040204020203" pitchFamily="34" charset="0"/>
+            </a:endParaRPr>
           </a:p>
         </p:txBody>
       </p:sp>
@@ -10708,52 +12064,97 @@
           </a:prstGeom>
         </p:spPr>
       </p:pic>
-      <p:sp>
-        <p:nvSpPr>
-          <p:cNvPr id="6" name="Rectangle 5"/>
-          <p:cNvSpPr/>
+      <p:grpSp>
+        <p:nvGrpSpPr>
+          <p:cNvPr id="5" name="Group 4"/>
+          <p:cNvGrpSpPr/>
           <p:nvPr/>
-        </p:nvSpPr>
-        <p:spPr>
+        </p:nvGrpSpPr>
+        <p:grpSpPr>
           <a:xfrm>
             <a:off x="0" y="6101740"/>
-            <a:ext cx="9144000" cy="756260"/>
-          </a:xfrm>
-          <a:prstGeom prst="rect">
-            <a:avLst/>
-          </a:prstGeom>
-          <a:solidFill>
-            <a:srgbClr val="29ABE2"/>
-          </a:solidFill>
-          <a:ln>
-            <a:noFill/>
-          </a:ln>
-        </p:spPr>
-        <p:style>
-          <a:lnRef idx="2">
-            <a:schemeClr val="accent1">
-              <a:shade val="50000"/>
-            </a:schemeClr>
-          </a:lnRef>
-          <a:fillRef idx="1">
-            <a:schemeClr val="accent1"/>
-          </a:fillRef>
-          <a:effectRef idx="0">
-            <a:schemeClr val="accent1"/>
-          </a:effectRef>
-          <a:fontRef idx="minor">
-            <a:schemeClr val="lt1"/>
-          </a:fontRef>
-        </p:style>
-        <p:txBody>
-          <a:bodyPr rtlCol="0" anchor="ctr"/>
-          <a:lstStyle/>
-          <a:p>
-            <a:pPr algn="ctr"/>
-            <a:endParaRPr lang="en-US"/>
-          </a:p>
-        </p:txBody>
-      </p:sp>
+            <a:ext cx="9264993" cy="756260"/>
+            <a:chOff x="0" y="6101740"/>
+            <a:chExt cx="9264993" cy="756260"/>
+          </a:xfrm>
+        </p:grpSpPr>
+        <p:sp>
+          <p:nvSpPr>
+            <p:cNvPr id="6" name="Rectangle 5"/>
+            <p:cNvSpPr/>
+            <p:nvPr/>
+          </p:nvSpPr>
+          <p:spPr>
+            <a:xfrm>
+              <a:off x="0" y="6101740"/>
+              <a:ext cx="9144000" cy="756260"/>
+            </a:xfrm>
+            <a:prstGeom prst="rect">
+              <a:avLst/>
+            </a:prstGeom>
+            <a:solidFill>
+              <a:srgbClr val="29ABE2"/>
+            </a:solidFill>
+            <a:ln>
+              <a:noFill/>
+            </a:ln>
+          </p:spPr>
+          <p:style>
+            <a:lnRef idx="2">
+              <a:schemeClr val="accent1">
+                <a:shade val="50000"/>
+              </a:schemeClr>
+            </a:lnRef>
+            <a:fillRef idx="1">
+              <a:schemeClr val="accent1"/>
+            </a:fillRef>
+            <a:effectRef idx="0">
+              <a:schemeClr val="accent1"/>
+            </a:effectRef>
+            <a:fontRef idx="minor">
+              <a:schemeClr val="lt1"/>
+            </a:fontRef>
+          </p:style>
+          <p:txBody>
+            <a:bodyPr rtlCol="0" anchor="ctr"/>
+            <a:lstStyle/>
+            <a:p>
+              <a:pPr algn="ctr"/>
+              <a:endParaRPr lang="en-US"/>
+            </a:p>
+          </p:txBody>
+        </p:sp>
+        <p:pic>
+          <p:nvPicPr>
+            <p:cNvPr id="7" name="Picture 6"/>
+            <p:cNvPicPr>
+              <a:picLocks noChangeAspect="1"/>
+            </p:cNvPicPr>
+            <p:nvPr/>
+          </p:nvPicPr>
+          <p:blipFill>
+            <a:blip r:embed="rId4" cstate="print">
+              <a:extLst>
+                <a:ext uri="{28A0092B-C50C-407E-A947-70E740481C1C}">
+                  <a14:useLocalDpi xmlns:a14="http://schemas.microsoft.com/office/drawing/2010/main" val="0"/>
+                </a:ext>
+              </a:extLst>
+            </a:blip>
+            <a:stretch>
+              <a:fillRect/>
+            </a:stretch>
+          </p:blipFill>
+          <p:spPr>
+            <a:xfrm>
+              <a:off x="6705600" y="6101740"/>
+              <a:ext cx="2559393" cy="756260"/>
+            </a:xfrm>
+            <a:prstGeom prst="rect">
+              <a:avLst/>
+            </a:prstGeom>
+          </p:spPr>
+        </p:pic>
+      </p:grpSp>
     </p:spTree>
     <p:extLst>
       <p:ext uri="{BB962C8B-B14F-4D97-AF65-F5344CB8AC3E}">
@@ -10764,11 +12165,18 @@
   <p:clrMapOvr>
     <a:masterClrMapping/>
   </p:clrMapOvr>
+  <p:timing>
+    <p:tnLst>
+      <p:par>
+        <p:cTn id="1" dur="indefinite" restart="never" nodeType="tmRoot"/>
+      </p:par>
+    </p:tnLst>
+  </p:timing>
 </p:sld>
 </file>
 
 <file path=ppt/slides/slide3.xml><?xml version="1.0" encoding="utf-8"?>
-<p:sld xmlns:a="http://schemas.openxmlformats.org/drawingml/2006/main" xmlns:r="http://schemas.openxmlformats.org/officeDocument/2006/relationships" xmlns:p="http://schemas.openxmlformats.org/presentationml/2006/main">
+<p:sld xmlns:a="http://schemas.openxmlformats.org/drawingml/2006/main" xmlns:r="http://schemas.openxmlformats.org/officeDocument/2006/relationships" xmlns:p="http://schemas.openxmlformats.org/presentationml/2006/main" showMasterSp="0">
   <p:cSld>
     <p:spTree>
       <p:nvGrpSpPr>
@@ -10786,535 +12194,238 @@
       </p:grpSpPr>
       <p:sp>
         <p:nvSpPr>
-          <p:cNvPr id="18" name="Content Placeholder 1">
-            <a:extLst>
-              <a:ext uri="{FF2B5EF4-FFF2-40B4-BE49-F238E27FC236}">
-                <a16:creationId xmlns:a16="http://schemas.microsoft.com/office/drawing/2014/main" id="{315D9A67-0301-4CBE-9FC9-0D3C1DF9ECA5}"/>
-              </a:ext>
-            </a:extLst>
-          </p:cNvPr>
-          <p:cNvSpPr>
-            <a:spLocks noGrp="1"/>
-          </p:cNvSpPr>
-          <p:nvPr>
-            <p:ph idx="1"/>
-          </p:nvPr>
-        </p:nvSpPr>
-        <p:spPr>
-          <a:xfrm>
-            <a:off x="304800" y="4495800"/>
-            <a:ext cx="8229600" cy="1371600"/>
-          </a:xfrm>
-        </p:spPr>
+          <p:cNvPr id="3" name="Title 2"/>
+          <p:cNvSpPr>
+            <a:spLocks noGrp="1"/>
+          </p:cNvSpPr>
+          <p:nvPr>
+            <p:ph type="title"/>
+          </p:nvPr>
+        </p:nvSpPr>
+        <p:spPr/>
         <p:txBody>
           <a:bodyPr>
-            <a:noAutofit/>
+            <a:normAutofit/>
           </a:bodyPr>
           <a:lstStyle/>
           <a:p>
-            <a:pPr algn="l"/>
             <a:r>
-              <a:rPr lang="he-IL" sz="2500" dirty="0">
+              <a:rPr lang="en-US" sz="4500" dirty="0" smtClean="0">
                 <a:solidFill>
-                  <a:schemeClr val="bg1">
-                    <a:lumMod val="50000"/>
-                  </a:schemeClr>
-                </a:solidFill>
-              </a:rPr>
-              <a:t>עיצובים מובנים וניתנים להתאמה אישית</a:t>
-            </a:r>
-          </a:p>
-          <a:p>
-            <a:pPr algn="l"/>
-            <a:r>
-              <a:rPr lang="he-IL" sz="2500" dirty="0">
-                <a:solidFill>
-                  <a:schemeClr val="bg1">
-                    <a:lumMod val="50000"/>
-                  </a:schemeClr>
-                </a:solidFill>
-              </a:rPr>
-              <a:t>הדגמה זמינה ב </a:t>
-            </a:r>
-            <a:endParaRPr lang="en-US" sz="2500" dirty="0">
-              <a:solidFill>
-                <a:schemeClr val="bg1">
-                  <a:lumMod val="50000"/>
-                </a:schemeClr>
-              </a:solidFill>
-            </a:endParaRPr>
-          </a:p>
-          <a:p>
-            <a:pPr marL="0" indent="0" algn="l">
-              <a:buNone/>
-            </a:pPr>
-            <a:r>
-              <a:rPr lang="en-US" sz="2500" dirty="0">
-                <a:solidFill>
-                  <a:schemeClr val="bg1">
-                    <a:lumMod val="50000"/>
-                  </a:schemeClr>
-                </a:solidFill>
-              </a:rPr>
-              <a:t>     http://js.syncfusion.com/demos/web/</a:t>
-            </a:r>
-          </a:p>
-        </p:txBody>
-      </p:sp>
-      <p:sp>
-        <p:nvSpPr>
-          <p:cNvPr id="20" name="Rectangle 19">
-            <a:extLst>
-              <a:ext uri="{FF2B5EF4-FFF2-40B4-BE49-F238E27FC236}">
-                <a16:creationId xmlns:a16="http://schemas.microsoft.com/office/drawing/2014/main" id="{E2969757-AE62-4185-B596-D381D74D23E4}"/>
-              </a:ext>
-            </a:extLst>
-          </p:cNvPr>
-          <p:cNvSpPr/>
-          <p:nvPr/>
-        </p:nvSpPr>
-        <p:spPr>
-          <a:xfrm>
-            <a:off x="0" y="6101740"/>
-            <a:ext cx="9144000" cy="756260"/>
-          </a:xfrm>
-          <a:prstGeom prst="rect">
-            <a:avLst/>
-          </a:prstGeom>
-          <a:solidFill>
-            <a:srgbClr val="29ABE2"/>
-          </a:solidFill>
-          <a:ln>
-            <a:noFill/>
-          </a:ln>
-        </p:spPr>
-        <p:style>
-          <a:lnRef idx="2">
-            <a:schemeClr val="accent1">
-              <a:shade val="50000"/>
-            </a:schemeClr>
-          </a:lnRef>
-          <a:fillRef idx="1">
-            <a:schemeClr val="accent1"/>
-          </a:fillRef>
-          <a:effectRef idx="0">
-            <a:schemeClr val="accent1"/>
-          </a:effectRef>
-          <a:fontRef idx="minor">
-            <a:schemeClr val="lt1"/>
-          </a:fontRef>
-        </p:style>
-        <p:txBody>
-          <a:bodyPr rtlCol="0" anchor="ctr"/>
-          <a:lstStyle/>
-          <a:p>
-            <a:pPr algn="ctr"/>
-            <a:endParaRPr lang="en-US"/>
-          </a:p>
-        </p:txBody>
-      </p:sp>
-      <p:sp>
-        <p:nvSpPr>
-          <p:cNvPr id="22" name="Title 2">
-            <a:extLst>
-              <a:ext uri="{FF2B5EF4-FFF2-40B4-BE49-F238E27FC236}">
-                <a16:creationId xmlns:a16="http://schemas.microsoft.com/office/drawing/2014/main" id="{E00FF871-59BC-4775-A772-774B70CC3C66}"/>
-              </a:ext>
-            </a:extLst>
-          </p:cNvPr>
-          <p:cNvSpPr txBox="1">
-            <a:spLocks/>
-          </p:cNvSpPr>
-          <p:nvPr/>
-        </p:nvSpPr>
-        <p:spPr>
-          <a:xfrm>
-            <a:off x="304800" y="76200"/>
-            <a:ext cx="8229600" cy="792583"/>
-          </a:xfrm>
-          <a:prstGeom prst="rect">
-            <a:avLst/>
-          </a:prstGeom>
-        </p:spPr>
-        <p:txBody>
-          <a:bodyPr vert="horz" lIns="91440" tIns="45720" rIns="91440" bIns="45720" rtlCol="0" anchor="ctr">
-            <a:normAutofit fontScale="92500"/>
-          </a:bodyPr>
-          <a:lstStyle>
-            <a:lvl1pPr algn="ctr" defTabSz="914400" rtl="0" eaLnBrk="1" latinLnBrk="0" hangingPunct="1">
-              <a:spcBef>
-                <a:spcPct val="0"/>
-              </a:spcBef>
-              <a:buNone/>
-              <a:defRPr sz="4400" kern="1200" baseline="0">
-                <a:solidFill>
-                  <a:schemeClr val="tx1"/>
-                </a:solidFill>
-                <a:latin typeface="+mj-lt"/>
-                <a:ea typeface="+mj-ea"/>
-                <a:cs typeface="+mj-cs"/>
-              </a:defRPr>
-            </a:lvl1pPr>
-          </a:lstStyle>
-          <a:p>
-            <a:pPr rtl="1"/>
-            <a:r>
-              <a:rPr lang="en-US" sz="4000" dirty="0">
-                <a:solidFill>
-                  <a:srgbClr val="00B0F0"/>
+                  <a:srgbClr val="29ABE2"/>
                 </a:solidFill>
                 <a:latin typeface="Segoe UI" panose="020B0502040204020203" pitchFamily="34" charset="0"/>
                 <a:cs typeface="Segoe UI" panose="020B0502040204020203" pitchFamily="34" charset="0"/>
               </a:rPr>
-              <a:t>RTL (right to left) conversion support</a:t>
+              <a:t>Grid</a:t>
             </a:r>
-          </a:p>
-        </p:txBody>
-      </p:sp>
-      <p:sp>
-        <p:nvSpPr>
-          <p:cNvPr id="6" name="TextBox 5">
-            <a:extLst>
-              <a:ext uri="{FF2B5EF4-FFF2-40B4-BE49-F238E27FC236}">
-                <a16:creationId xmlns:a16="http://schemas.microsoft.com/office/drawing/2014/main" id="{FC128F00-D349-4129-8BF5-6083F67E8D4D}"/>
-              </a:ext>
-            </a:extLst>
-          </p:cNvPr>
-          <p:cNvSpPr txBox="1"/>
+            <a:endParaRPr lang="en-US" sz="4500" dirty="0">
+              <a:solidFill>
+                <a:srgbClr val="29ABE2"/>
+              </a:solidFill>
+              <a:latin typeface="Segoe UI" panose="020B0502040204020203" pitchFamily="34" charset="0"/>
+              <a:cs typeface="Segoe UI" panose="020B0502040204020203" pitchFamily="34" charset="0"/>
+            </a:endParaRPr>
+          </a:p>
+        </p:txBody>
+      </p:sp>
+      <p:grpSp>
+        <p:nvGrpSpPr>
+          <p:cNvPr id="8" name="Group 7"/>
+          <p:cNvGrpSpPr/>
           <p:nvPr/>
-        </p:nvSpPr>
-        <p:spPr>
-          <a:xfrm>
-            <a:off x="381000" y="1752600"/>
-            <a:ext cx="7620000" cy="861774"/>
-          </a:xfrm>
-          <a:prstGeom prst="rect">
-            <a:avLst/>
-          </a:prstGeom>
-          <a:noFill/>
-        </p:spPr>
-        <p:txBody>
-          <a:bodyPr wrap="square" rtlCol="0">
-            <a:spAutoFit/>
-          </a:bodyPr>
-          <a:lstStyle/>
-          <a:p>
-            <a:pPr marL="457200" indent="-457200" algn="r" rtl="1">
-              <a:buFont typeface="Arial" panose="020B0604020202020204" pitchFamily="34" charset="0"/>
-              <a:buChar char="•"/>
-            </a:pPr>
-            <a:r>
-              <a:rPr lang="he-IL" sz="2500" dirty="0">
-                <a:solidFill>
-                  <a:schemeClr val="bg1">
-                    <a:lumMod val="50000"/>
-                  </a:schemeClr>
-                </a:solidFill>
-              </a:rPr>
-              <a:t>יישומונים</a:t>
-            </a:r>
-            <a:r>
-              <a:rPr lang="en-US" sz="2500" dirty="0">
-                <a:solidFill>
-                  <a:schemeClr val="bg1">
-                    <a:lumMod val="50000"/>
-                  </a:schemeClr>
-                </a:solidFill>
-              </a:rPr>
-              <a:t> 80 </a:t>
-            </a:r>
-            <a:r>
-              <a:rPr lang="he-IL" sz="2500" dirty="0">
-                <a:solidFill>
-                  <a:schemeClr val="bg1">
-                    <a:lumMod val="50000"/>
-                  </a:schemeClr>
-                </a:solidFill>
-              </a:rPr>
-              <a:t>ועוד</a:t>
-            </a:r>
-            <a:endParaRPr lang="en-US" sz="2500" dirty="0">
-              <a:solidFill>
-                <a:schemeClr val="bg1">
-                  <a:lumMod val="50000"/>
-                </a:schemeClr>
-              </a:solidFill>
-            </a:endParaRPr>
-          </a:p>
-          <a:p>
-            <a:pPr marL="457200" indent="-457200" algn="r" rtl="1">
-              <a:buFont typeface="Arial" panose="020B0604020202020204" pitchFamily="34" charset="0"/>
-              <a:buChar char="•"/>
-            </a:pPr>
-            <a:r>
-              <a:rPr lang="ar-AE" sz="2500" dirty="0">
-                <a:solidFill>
-                  <a:schemeClr val="bg1">
-                    <a:lumMod val="50000"/>
-                  </a:schemeClr>
-                </a:solidFill>
-              </a:rPr>
-              <a:t>دعم الزاوي على أساس</a:t>
-            </a:r>
-            <a:endParaRPr lang="he-IL" sz="2500" dirty="0">
-              <a:solidFill>
-                <a:schemeClr val="bg1">
-                  <a:lumMod val="50000"/>
-                </a:schemeClr>
-              </a:solidFill>
-            </a:endParaRPr>
-          </a:p>
-        </p:txBody>
-      </p:sp>
-      <p:sp>
-        <p:nvSpPr>
-          <p:cNvPr id="14" name="Title 2">
-            <a:extLst>
-              <a:ext uri="{FF2B5EF4-FFF2-40B4-BE49-F238E27FC236}">
-                <a16:creationId xmlns:a16="http://schemas.microsoft.com/office/drawing/2014/main" id="{981C15B0-F2F7-4DC3-AE15-86277C2FBC19}"/>
-              </a:ext>
-            </a:extLst>
-          </p:cNvPr>
-          <p:cNvSpPr txBox="1">
-            <a:spLocks/>
-          </p:cNvSpPr>
+        </p:nvGrpSpPr>
+        <p:grpSpPr>
+          <a:xfrm>
+            <a:off x="1981200" y="1676400"/>
+            <a:ext cx="5638800" cy="3581400"/>
+            <a:chOff x="1981200" y="1676400"/>
+            <a:chExt cx="5638800" cy="3581400"/>
+          </a:xfrm>
+        </p:grpSpPr>
+        <p:pic>
+          <p:nvPicPr>
+            <p:cNvPr id="5" name="Picture 4"/>
+            <p:cNvPicPr>
+              <a:picLocks noChangeAspect="1"/>
+            </p:cNvPicPr>
+            <p:nvPr/>
+          </p:nvPicPr>
+          <p:blipFill>
+            <a:blip r:embed="rId3"/>
+            <a:stretch>
+              <a:fillRect/>
+            </a:stretch>
+          </p:blipFill>
+          <p:spPr>
+            <a:xfrm>
+              <a:off x="1981200" y="1752600"/>
+              <a:ext cx="5638800" cy="3371850"/>
+            </a:xfrm>
+            <a:prstGeom prst="rect">
+              <a:avLst/>
+            </a:prstGeom>
+          </p:spPr>
+        </p:pic>
+        <p:sp>
+          <p:nvSpPr>
+            <p:cNvPr id="2" name="Rectangle 1"/>
+            <p:cNvSpPr/>
+            <p:nvPr/>
+          </p:nvSpPr>
+          <p:spPr>
+            <a:xfrm>
+              <a:off x="7467600" y="1676400"/>
+              <a:ext cx="152400" cy="3581400"/>
+            </a:xfrm>
+            <a:prstGeom prst="rect">
+              <a:avLst/>
+            </a:prstGeom>
+            <a:solidFill>
+              <a:schemeClr val="bg1"/>
+            </a:solidFill>
+            <a:ln>
+              <a:noFill/>
+            </a:ln>
+          </p:spPr>
+          <p:style>
+            <a:lnRef idx="2">
+              <a:schemeClr val="accent1">
+                <a:shade val="50000"/>
+              </a:schemeClr>
+            </a:lnRef>
+            <a:fillRef idx="1">
+              <a:schemeClr val="accent1"/>
+            </a:fillRef>
+            <a:effectRef idx="0">
+              <a:schemeClr val="accent1"/>
+            </a:effectRef>
+            <a:fontRef idx="minor">
+              <a:schemeClr val="lt1"/>
+            </a:fontRef>
+          </p:style>
+          <p:txBody>
+            <a:bodyPr rtlCol="0" anchor="ctr"/>
+            <a:lstStyle/>
+            <a:p>
+              <a:pPr algn="ctr"/>
+              <a:r>
+                <a:rPr lang="en-US" dirty="0" smtClean="0"/>
+                <a:t>v</a:t>
+              </a:r>
+              <a:endParaRPr lang="en-US" dirty="0"/>
+            </a:p>
+          </p:txBody>
+        </p:sp>
+      </p:grpSp>
+      <p:grpSp>
+        <p:nvGrpSpPr>
+          <p:cNvPr id="9" name="Group 8"/>
+          <p:cNvGrpSpPr/>
           <p:nvPr/>
-        </p:nvSpPr>
-        <p:spPr>
-          <a:xfrm>
-            <a:off x="304800" y="914400"/>
-            <a:ext cx="8229600" cy="792583"/>
-          </a:xfrm>
-          <a:prstGeom prst="rect">
-            <a:avLst/>
-          </a:prstGeom>
-        </p:spPr>
-        <p:txBody>
-          <a:bodyPr vert="horz" lIns="91440" tIns="45720" rIns="91440" bIns="45720" rtlCol="0" anchor="ctr">
-            <a:normAutofit/>
-          </a:bodyPr>
-          <a:lstStyle>
-            <a:lvl1pPr algn="ctr" defTabSz="914400" rtl="0" eaLnBrk="1" latinLnBrk="0" hangingPunct="1">
-              <a:spcBef>
-                <a:spcPct val="0"/>
-              </a:spcBef>
-              <a:buNone/>
-              <a:defRPr sz="4400" kern="1200" baseline="0">
-                <a:solidFill>
-                  <a:schemeClr val="tx1"/>
-                </a:solidFill>
-                <a:latin typeface="+mj-lt"/>
-                <a:ea typeface="+mj-ea"/>
-                <a:cs typeface="+mj-cs"/>
-              </a:defRPr>
-            </a:lvl1pPr>
-          </a:lstStyle>
-          <a:p>
-            <a:pPr algn="l" rtl="1"/>
-            <a:r>
-              <a:rPr lang="en-US" sz="2800" dirty="0">
-                <a:solidFill>
-                  <a:srgbClr val="00B0F0"/>
-                </a:solidFill>
-                <a:latin typeface="Segoe UI" panose="020B0502040204020203" pitchFamily="34" charset="0"/>
-                <a:cs typeface="Segoe UI" panose="020B0502040204020203" pitchFamily="34" charset="0"/>
-              </a:rPr>
-              <a:t>RTL (right to left) text</a:t>
-            </a:r>
-          </a:p>
-        </p:txBody>
-      </p:sp>
-      <p:sp>
-        <p:nvSpPr>
-          <p:cNvPr id="8" name="TextBox 7">
-            <a:extLst>
-              <a:ext uri="{FF2B5EF4-FFF2-40B4-BE49-F238E27FC236}">
-                <a16:creationId xmlns:a16="http://schemas.microsoft.com/office/drawing/2014/main" id="{9441F8AC-BBFA-4EED-8B08-E18696CCDEF4}"/>
-              </a:ext>
-            </a:extLst>
-          </p:cNvPr>
-          <p:cNvSpPr txBox="1"/>
-          <p:nvPr/>
-        </p:nvSpPr>
-        <p:spPr>
-          <a:xfrm>
-            <a:off x="76200" y="3124200"/>
-            <a:ext cx="7911655" cy="477054"/>
-          </a:xfrm>
-          <a:prstGeom prst="rect">
-            <a:avLst/>
-          </a:prstGeom>
-          <a:noFill/>
-        </p:spPr>
-        <p:txBody>
-          <a:bodyPr wrap="square" rtlCol="0">
-            <a:spAutoFit/>
-          </a:bodyPr>
-          <a:lstStyle/>
-          <a:p>
-            <a:pPr marL="342900" indent="-342900" algn="r" rtl="1">
-              <a:buFont typeface="Arial" panose="020B0604020202020204" pitchFamily="34" charset="0"/>
-              <a:buChar char="•"/>
-            </a:pPr>
-            <a:r>
-              <a:rPr lang="he-IL" sz="2500" dirty="0">
-                <a:solidFill>
-                  <a:schemeClr val="bg1">
-                    <a:lumMod val="50000"/>
-                  </a:schemeClr>
-                </a:solidFill>
-              </a:rPr>
-              <a:t>עיצובים מובנים</a:t>
-            </a:r>
-            <a:r>
-              <a:rPr lang="en-US" sz="2500" b="1" dirty="0">
-                <a:solidFill>
-                  <a:schemeClr val="bg1">
-                    <a:lumMod val="50000"/>
-                  </a:schemeClr>
-                </a:solidFill>
-              </a:rPr>
-              <a:t> bidirectional </a:t>
-            </a:r>
-            <a:r>
-              <a:rPr lang="he-IL" sz="2500" dirty="0">
-                <a:solidFill>
-                  <a:schemeClr val="bg1">
-                    <a:lumMod val="50000"/>
-                  </a:schemeClr>
-                </a:solidFill>
-              </a:rPr>
-              <a:t>אישית</a:t>
-            </a:r>
-          </a:p>
-        </p:txBody>
-      </p:sp>
-      <p:sp>
-        <p:nvSpPr>
-          <p:cNvPr id="16" name="Title 2">
-            <a:extLst>
-              <a:ext uri="{FF2B5EF4-FFF2-40B4-BE49-F238E27FC236}">
-                <a16:creationId xmlns:a16="http://schemas.microsoft.com/office/drawing/2014/main" id="{78D0FA54-5486-4F45-B5E5-F021A83F8583}"/>
-              </a:ext>
-            </a:extLst>
-          </p:cNvPr>
-          <p:cNvSpPr txBox="1">
-            <a:spLocks/>
-          </p:cNvSpPr>
-          <p:nvPr/>
-        </p:nvSpPr>
-        <p:spPr>
-          <a:xfrm>
-            <a:off x="304800" y="2438400"/>
-            <a:ext cx="8229600" cy="792583"/>
-          </a:xfrm>
-          <a:prstGeom prst="rect">
-            <a:avLst/>
-          </a:prstGeom>
-        </p:spPr>
-        <p:txBody>
-          <a:bodyPr vert="horz" lIns="91440" tIns="45720" rIns="91440" bIns="45720" rtlCol="0" anchor="ctr">
-            <a:normAutofit/>
-          </a:bodyPr>
-          <a:lstStyle>
-            <a:lvl1pPr algn="ctr" defTabSz="914400" rtl="0" eaLnBrk="1" latinLnBrk="0" hangingPunct="1">
-              <a:spcBef>
-                <a:spcPct val="0"/>
-              </a:spcBef>
-              <a:buNone/>
-              <a:defRPr sz="4400" kern="1200" baseline="0">
-                <a:solidFill>
-                  <a:schemeClr val="tx1"/>
-                </a:solidFill>
-                <a:latin typeface="+mj-lt"/>
-                <a:ea typeface="+mj-ea"/>
-                <a:cs typeface="+mj-cs"/>
-              </a:defRPr>
-            </a:lvl1pPr>
-          </a:lstStyle>
-          <a:p>
-            <a:pPr algn="l" rtl="1"/>
-            <a:r>
-              <a:rPr lang="en-US" sz="2800" dirty="0">
-                <a:solidFill>
-                  <a:srgbClr val="00B0F0"/>
-                </a:solidFill>
-                <a:latin typeface="Segoe UI" panose="020B0502040204020203" pitchFamily="34" charset="0"/>
-                <a:cs typeface="Segoe UI" panose="020B0502040204020203" pitchFamily="34" charset="0"/>
-              </a:rPr>
-              <a:t>Bidirectional text</a:t>
-            </a:r>
-          </a:p>
-        </p:txBody>
-      </p:sp>
-      <p:sp>
-        <p:nvSpPr>
-          <p:cNvPr id="23" name="Title 2">
-            <a:extLst>
-              <a:ext uri="{FF2B5EF4-FFF2-40B4-BE49-F238E27FC236}">
-                <a16:creationId xmlns:a16="http://schemas.microsoft.com/office/drawing/2014/main" id="{8FA3D1A8-022A-40A9-88DF-E964F9F353EB}"/>
-              </a:ext>
-            </a:extLst>
-          </p:cNvPr>
-          <p:cNvSpPr txBox="1">
-            <a:spLocks/>
-          </p:cNvSpPr>
-          <p:nvPr/>
-        </p:nvSpPr>
-        <p:spPr>
-          <a:xfrm>
-            <a:off x="304800" y="3581400"/>
-            <a:ext cx="8229600" cy="792583"/>
-          </a:xfrm>
-          <a:prstGeom prst="rect">
-            <a:avLst/>
-          </a:prstGeom>
-        </p:spPr>
-        <p:txBody>
-          <a:bodyPr vert="horz" lIns="91440" tIns="45720" rIns="91440" bIns="45720" rtlCol="0" anchor="ctr">
-            <a:normAutofit/>
-          </a:bodyPr>
-          <a:lstStyle>
-            <a:lvl1pPr algn="ctr" defTabSz="914400" rtl="0" eaLnBrk="1" latinLnBrk="0" hangingPunct="1">
-              <a:spcBef>
-                <a:spcPct val="0"/>
-              </a:spcBef>
-              <a:buNone/>
-              <a:defRPr sz="4400" kern="1200" baseline="0">
-                <a:solidFill>
-                  <a:schemeClr val="tx1"/>
-                </a:solidFill>
-                <a:latin typeface="+mj-lt"/>
-                <a:ea typeface="+mj-ea"/>
-                <a:cs typeface="+mj-cs"/>
-              </a:defRPr>
-            </a:lvl1pPr>
-          </a:lstStyle>
-          <a:p>
-            <a:pPr algn="l" rtl="1"/>
-            <a:r>
-              <a:rPr lang="en-US" sz="2800" dirty="0">
-                <a:solidFill>
-                  <a:srgbClr val="00B0F0"/>
-                </a:solidFill>
-                <a:latin typeface="Segoe UI" panose="020B0502040204020203" pitchFamily="34" charset="0"/>
-                <a:cs typeface="Segoe UI" panose="020B0502040204020203" pitchFamily="34" charset="0"/>
-              </a:rPr>
-              <a:t>Hebrew text with Left to Right</a:t>
-            </a:r>
-          </a:p>
-        </p:txBody>
-      </p:sp>
+        </p:nvGrpSpPr>
+        <p:grpSpPr>
+          <a:xfrm>
+            <a:off x="0" y="6101740"/>
+            <a:ext cx="9264993" cy="756260"/>
+            <a:chOff x="0" y="6101740"/>
+            <a:chExt cx="9264993" cy="756260"/>
+          </a:xfrm>
+        </p:grpSpPr>
+        <p:sp>
+          <p:nvSpPr>
+            <p:cNvPr id="10" name="Rectangle 9"/>
+            <p:cNvSpPr/>
+            <p:nvPr/>
+          </p:nvSpPr>
+          <p:spPr>
+            <a:xfrm>
+              <a:off x="0" y="6101740"/>
+              <a:ext cx="9144000" cy="756260"/>
+            </a:xfrm>
+            <a:prstGeom prst="rect">
+              <a:avLst/>
+            </a:prstGeom>
+            <a:solidFill>
+              <a:srgbClr val="29ABE2"/>
+            </a:solidFill>
+            <a:ln>
+              <a:noFill/>
+            </a:ln>
+          </p:spPr>
+          <p:style>
+            <a:lnRef idx="2">
+              <a:schemeClr val="accent1">
+                <a:shade val="50000"/>
+              </a:schemeClr>
+            </a:lnRef>
+            <a:fillRef idx="1">
+              <a:schemeClr val="accent1"/>
+            </a:fillRef>
+            <a:effectRef idx="0">
+              <a:schemeClr val="accent1"/>
+            </a:effectRef>
+            <a:fontRef idx="minor">
+              <a:schemeClr val="lt1"/>
+            </a:fontRef>
+          </p:style>
+          <p:txBody>
+            <a:bodyPr rtlCol="0" anchor="ctr"/>
+            <a:lstStyle/>
+            <a:p>
+              <a:pPr algn="ctr"/>
+              <a:endParaRPr lang="en-US"/>
+            </a:p>
+          </p:txBody>
+        </p:sp>
+        <p:pic>
+          <p:nvPicPr>
+            <p:cNvPr id="11" name="Picture 10"/>
+            <p:cNvPicPr>
+              <a:picLocks noChangeAspect="1"/>
+            </p:cNvPicPr>
+            <p:nvPr/>
+          </p:nvPicPr>
+          <p:blipFill>
+            <a:blip r:embed="rId4" cstate="print">
+              <a:extLst>
+                <a:ext uri="{28A0092B-C50C-407E-A947-70E740481C1C}">
+                  <a14:useLocalDpi xmlns:a14="http://schemas.microsoft.com/office/drawing/2010/main" val="0"/>
+                </a:ext>
+              </a:extLst>
+            </a:blip>
+            <a:stretch>
+              <a:fillRect/>
+            </a:stretch>
+          </p:blipFill>
+          <p:spPr>
+            <a:xfrm>
+              <a:off x="6705600" y="6101740"/>
+              <a:ext cx="2559393" cy="756260"/>
+            </a:xfrm>
+            <a:prstGeom prst="rect">
+              <a:avLst/>
+            </a:prstGeom>
+          </p:spPr>
+        </p:pic>
+      </p:grpSp>
     </p:spTree>
     <p:extLst>
       <p:ext uri="{BB962C8B-B14F-4D97-AF65-F5344CB8AC3E}">
-        <p14:creationId xmlns:p14="http://schemas.microsoft.com/office/powerpoint/2010/main" val="614679939"/>
+        <p14:creationId xmlns:p14="http://schemas.microsoft.com/office/powerpoint/2010/main" val="2468449487"/>
       </p:ext>
     </p:extLst>
   </p:cSld>
   <p:clrMapOvr>
     <a:masterClrMapping/>
   </p:clrMapOvr>
+  <p:timing>
+    <p:tnLst>
+      <p:par>
+        <p:cTn id="1" dur="indefinite" restart="never" nodeType="tmRoot"/>
+      </p:par>
+    </p:tnLst>
+  </p:timing>
 </p:sld>
 </file>
 
@@ -11353,7 +12464,7 @@
           <a:lstStyle/>
           <a:p>
             <a:r>
-              <a:rPr lang="en-US" sz="4500" dirty="0" err="1">
+              <a:rPr lang="en-US" sz="4500" dirty="0" err="1" smtClean="0">
                 <a:solidFill>
                   <a:srgbClr val="29ABE2"/>
                 </a:solidFill>
@@ -11363,7 +12474,7 @@
               <a:t>Olap</a:t>
             </a:r>
             <a:r>
-              <a:rPr lang="en-US" sz="4500" dirty="0">
+              <a:rPr lang="en-US" sz="4500" dirty="0" smtClean="0">
                 <a:solidFill>
                   <a:srgbClr val="29ABE2"/>
                 </a:solidFill>
@@ -11372,6 +12483,13 @@
               </a:rPr>
               <a:t> Grid</a:t>
             </a:r>
+            <a:endParaRPr lang="en-US" sz="4500" dirty="0">
+              <a:solidFill>
+                <a:srgbClr val="29ABE2"/>
+              </a:solidFill>
+              <a:latin typeface="Segoe UI" panose="020B0502040204020203" pitchFamily="34" charset="0"/>
+              <a:cs typeface="Segoe UI" panose="020B0502040204020203" pitchFamily="34" charset="0"/>
+            </a:endParaRPr>
           </a:p>
         </p:txBody>
       </p:sp>
@@ -11399,52 +12517,97 @@
           </a:prstGeom>
         </p:spPr>
       </p:pic>
-      <p:sp>
-        <p:nvSpPr>
-          <p:cNvPr id="5" name="Rectangle 4"/>
-          <p:cNvSpPr/>
+      <p:grpSp>
+        <p:nvGrpSpPr>
+          <p:cNvPr id="4" name="Group 3"/>
+          <p:cNvGrpSpPr/>
           <p:nvPr/>
-        </p:nvSpPr>
-        <p:spPr>
+        </p:nvGrpSpPr>
+        <p:grpSpPr>
           <a:xfrm>
             <a:off x="0" y="6101740"/>
-            <a:ext cx="9144000" cy="756260"/>
-          </a:xfrm>
-          <a:prstGeom prst="rect">
-            <a:avLst/>
-          </a:prstGeom>
-          <a:solidFill>
-            <a:srgbClr val="29ABE2"/>
-          </a:solidFill>
-          <a:ln>
-            <a:noFill/>
-          </a:ln>
-        </p:spPr>
-        <p:style>
-          <a:lnRef idx="2">
-            <a:schemeClr val="accent1">
-              <a:shade val="50000"/>
-            </a:schemeClr>
-          </a:lnRef>
-          <a:fillRef idx="1">
-            <a:schemeClr val="accent1"/>
-          </a:fillRef>
-          <a:effectRef idx="0">
-            <a:schemeClr val="accent1"/>
-          </a:effectRef>
-          <a:fontRef idx="minor">
-            <a:schemeClr val="lt1"/>
-          </a:fontRef>
-        </p:style>
-        <p:txBody>
-          <a:bodyPr rtlCol="0" anchor="ctr"/>
-          <a:lstStyle/>
-          <a:p>
-            <a:pPr algn="ctr"/>
-            <a:endParaRPr lang="en-US"/>
-          </a:p>
-        </p:txBody>
-      </p:sp>
+            <a:ext cx="9264993" cy="756260"/>
+            <a:chOff x="0" y="6101740"/>
+            <a:chExt cx="9264993" cy="756260"/>
+          </a:xfrm>
+        </p:grpSpPr>
+        <p:sp>
+          <p:nvSpPr>
+            <p:cNvPr id="5" name="Rectangle 4"/>
+            <p:cNvSpPr/>
+            <p:nvPr/>
+          </p:nvSpPr>
+          <p:spPr>
+            <a:xfrm>
+              <a:off x="0" y="6101740"/>
+              <a:ext cx="9144000" cy="756260"/>
+            </a:xfrm>
+            <a:prstGeom prst="rect">
+              <a:avLst/>
+            </a:prstGeom>
+            <a:solidFill>
+              <a:srgbClr val="29ABE2"/>
+            </a:solidFill>
+            <a:ln>
+              <a:noFill/>
+            </a:ln>
+          </p:spPr>
+          <p:style>
+            <a:lnRef idx="2">
+              <a:schemeClr val="accent1">
+                <a:shade val="50000"/>
+              </a:schemeClr>
+            </a:lnRef>
+            <a:fillRef idx="1">
+              <a:schemeClr val="accent1"/>
+            </a:fillRef>
+            <a:effectRef idx="0">
+              <a:schemeClr val="accent1"/>
+            </a:effectRef>
+            <a:fontRef idx="minor">
+              <a:schemeClr val="lt1"/>
+            </a:fontRef>
+          </p:style>
+          <p:txBody>
+            <a:bodyPr rtlCol="0" anchor="ctr"/>
+            <a:lstStyle/>
+            <a:p>
+              <a:pPr algn="ctr"/>
+              <a:endParaRPr lang="en-US"/>
+            </a:p>
+          </p:txBody>
+        </p:sp>
+        <p:pic>
+          <p:nvPicPr>
+            <p:cNvPr id="6" name="Picture 5"/>
+            <p:cNvPicPr>
+              <a:picLocks noChangeAspect="1"/>
+            </p:cNvPicPr>
+            <p:nvPr/>
+          </p:nvPicPr>
+          <p:blipFill>
+            <a:blip r:embed="rId4" cstate="print">
+              <a:extLst>
+                <a:ext uri="{28A0092B-C50C-407E-A947-70E740481C1C}">
+                  <a14:useLocalDpi xmlns:a14="http://schemas.microsoft.com/office/drawing/2010/main" val="0"/>
+                </a:ext>
+              </a:extLst>
+            </a:blip>
+            <a:stretch>
+              <a:fillRect/>
+            </a:stretch>
+          </p:blipFill>
+          <p:spPr>
+            <a:xfrm>
+              <a:off x="6705600" y="6101740"/>
+              <a:ext cx="2559393" cy="756260"/>
+            </a:xfrm>
+            <a:prstGeom prst="rect">
+              <a:avLst/>
+            </a:prstGeom>
+          </p:spPr>
+        </p:pic>
+      </p:grpSp>
     </p:spTree>
     <p:extLst>
       <p:ext uri="{BB962C8B-B14F-4D97-AF65-F5344CB8AC3E}">
@@ -11455,6 +12618,13 @@
   <p:clrMapOvr>
     <a:masterClrMapping/>
   </p:clrMapOvr>
+  <p:timing>
+    <p:tnLst>
+      <p:par>
+        <p:cTn id="1" dur="indefinite" restart="never" nodeType="tmRoot"/>
+      </p:par>
+    </p:tnLst>
+  </p:timing>
 </p:sld>
 </file>
 
@@ -11493,7 +12663,7 @@
           <a:lstStyle/>
           <a:p>
             <a:r>
-              <a:rPr lang="en-US" sz="4500" dirty="0" err="1">
+              <a:rPr lang="en-US" sz="4500" dirty="0" err="1" smtClean="0">
                 <a:solidFill>
                   <a:srgbClr val="29ABE2"/>
                 </a:solidFill>
@@ -11503,7 +12673,7 @@
               <a:t>Olap</a:t>
             </a:r>
             <a:r>
-              <a:rPr lang="en-US" sz="4500" dirty="0">
+              <a:rPr lang="en-US" sz="4500" dirty="0" smtClean="0">
                 <a:solidFill>
                   <a:srgbClr val="29ABE2"/>
                 </a:solidFill>
@@ -11512,6 +12682,13 @@
               </a:rPr>
               <a:t> Chart</a:t>
             </a:r>
+            <a:endParaRPr lang="en-US" sz="4500" dirty="0">
+              <a:solidFill>
+                <a:srgbClr val="29ABE2"/>
+              </a:solidFill>
+              <a:latin typeface="Segoe UI" panose="020B0502040204020203" pitchFamily="34" charset="0"/>
+              <a:cs typeface="Segoe UI" panose="020B0502040204020203" pitchFamily="34" charset="0"/>
+            </a:endParaRPr>
           </a:p>
         </p:txBody>
       </p:sp>
@@ -11539,52 +12716,97 @@
           </a:prstGeom>
         </p:spPr>
       </p:pic>
-      <p:sp>
-        <p:nvSpPr>
-          <p:cNvPr id="6" name="Rectangle 5"/>
-          <p:cNvSpPr/>
+      <p:grpSp>
+        <p:nvGrpSpPr>
+          <p:cNvPr id="5" name="Group 4"/>
+          <p:cNvGrpSpPr/>
           <p:nvPr/>
-        </p:nvSpPr>
-        <p:spPr>
+        </p:nvGrpSpPr>
+        <p:grpSpPr>
           <a:xfrm>
             <a:off x="0" y="6101740"/>
-            <a:ext cx="9144000" cy="756260"/>
-          </a:xfrm>
-          <a:prstGeom prst="rect">
-            <a:avLst/>
-          </a:prstGeom>
-          <a:solidFill>
-            <a:srgbClr val="29ABE2"/>
-          </a:solidFill>
-          <a:ln>
-            <a:noFill/>
-          </a:ln>
-        </p:spPr>
-        <p:style>
-          <a:lnRef idx="2">
-            <a:schemeClr val="accent1">
-              <a:shade val="50000"/>
-            </a:schemeClr>
-          </a:lnRef>
-          <a:fillRef idx="1">
-            <a:schemeClr val="accent1"/>
-          </a:fillRef>
-          <a:effectRef idx="0">
-            <a:schemeClr val="accent1"/>
-          </a:effectRef>
-          <a:fontRef idx="minor">
-            <a:schemeClr val="lt1"/>
-          </a:fontRef>
-        </p:style>
-        <p:txBody>
-          <a:bodyPr rtlCol="0" anchor="ctr"/>
-          <a:lstStyle/>
-          <a:p>
-            <a:pPr algn="ctr"/>
-            <a:endParaRPr lang="en-US"/>
-          </a:p>
-        </p:txBody>
-      </p:sp>
+            <a:ext cx="9264993" cy="756260"/>
+            <a:chOff x="0" y="6101740"/>
+            <a:chExt cx="9264993" cy="756260"/>
+          </a:xfrm>
+        </p:grpSpPr>
+        <p:sp>
+          <p:nvSpPr>
+            <p:cNvPr id="6" name="Rectangle 5"/>
+            <p:cNvSpPr/>
+            <p:nvPr/>
+          </p:nvSpPr>
+          <p:spPr>
+            <a:xfrm>
+              <a:off x="0" y="6101740"/>
+              <a:ext cx="9144000" cy="756260"/>
+            </a:xfrm>
+            <a:prstGeom prst="rect">
+              <a:avLst/>
+            </a:prstGeom>
+            <a:solidFill>
+              <a:srgbClr val="29ABE2"/>
+            </a:solidFill>
+            <a:ln>
+              <a:noFill/>
+            </a:ln>
+          </p:spPr>
+          <p:style>
+            <a:lnRef idx="2">
+              <a:schemeClr val="accent1">
+                <a:shade val="50000"/>
+              </a:schemeClr>
+            </a:lnRef>
+            <a:fillRef idx="1">
+              <a:schemeClr val="accent1"/>
+            </a:fillRef>
+            <a:effectRef idx="0">
+              <a:schemeClr val="accent1"/>
+            </a:effectRef>
+            <a:fontRef idx="minor">
+              <a:schemeClr val="lt1"/>
+            </a:fontRef>
+          </p:style>
+          <p:txBody>
+            <a:bodyPr rtlCol="0" anchor="ctr"/>
+            <a:lstStyle/>
+            <a:p>
+              <a:pPr algn="ctr"/>
+              <a:endParaRPr lang="en-US"/>
+            </a:p>
+          </p:txBody>
+        </p:sp>
+        <p:pic>
+          <p:nvPicPr>
+            <p:cNvPr id="7" name="Picture 6"/>
+            <p:cNvPicPr>
+              <a:picLocks noChangeAspect="1"/>
+            </p:cNvPicPr>
+            <p:nvPr/>
+          </p:nvPicPr>
+          <p:blipFill>
+            <a:blip r:embed="rId4" cstate="print">
+              <a:extLst>
+                <a:ext uri="{28A0092B-C50C-407E-A947-70E740481C1C}">
+                  <a14:useLocalDpi xmlns:a14="http://schemas.microsoft.com/office/drawing/2010/main" val="0"/>
+                </a:ext>
+              </a:extLst>
+            </a:blip>
+            <a:stretch>
+              <a:fillRect/>
+            </a:stretch>
+          </p:blipFill>
+          <p:spPr>
+            <a:xfrm>
+              <a:off x="6705600" y="6101740"/>
+              <a:ext cx="2559393" cy="756260"/>
+            </a:xfrm>
+            <a:prstGeom prst="rect">
+              <a:avLst/>
+            </a:prstGeom>
+          </p:spPr>
+        </p:pic>
+      </p:grpSp>
     </p:spTree>
     <p:extLst>
       <p:ext uri="{BB962C8B-B14F-4D97-AF65-F5344CB8AC3E}">
@@ -11595,6 +12817,13 @@
   <p:clrMapOvr>
     <a:masterClrMapping/>
   </p:clrMapOvr>
+  <p:timing>
+    <p:tnLst>
+      <p:par>
+        <p:cTn id="1" dur="indefinite" restart="never" nodeType="tmRoot"/>
+      </p:par>
+    </p:tnLst>
+  </p:timing>
 </p:sld>
 </file>
 
@@ -11633,7 +12862,7 @@
           <a:lstStyle/>
           <a:p>
             <a:r>
-              <a:rPr lang="en-US" sz="4500" dirty="0" err="1">
+              <a:rPr lang="en-US" sz="4500" dirty="0" err="1" smtClean="0">
                 <a:solidFill>
                   <a:srgbClr val="29ABE2"/>
                 </a:solidFill>
@@ -11643,7 +12872,7 @@
               <a:t>Olap</a:t>
             </a:r>
             <a:r>
-              <a:rPr lang="en-US" sz="4500" dirty="0">
+              <a:rPr lang="en-US" sz="4500" dirty="0" smtClean="0">
                 <a:solidFill>
                   <a:srgbClr val="29ABE2"/>
                 </a:solidFill>
@@ -11652,6 +12881,13 @@
               </a:rPr>
               <a:t> Client</a:t>
             </a:r>
+            <a:endParaRPr lang="en-US" sz="4500" dirty="0">
+              <a:solidFill>
+                <a:srgbClr val="29ABE2"/>
+              </a:solidFill>
+              <a:latin typeface="Segoe UI" panose="020B0502040204020203" pitchFamily="34" charset="0"/>
+              <a:cs typeface="Segoe UI" panose="020B0502040204020203" pitchFamily="34" charset="0"/>
+            </a:endParaRPr>
           </a:p>
         </p:txBody>
       </p:sp>
@@ -11841,6 +13077,13 @@
   <p:clrMapOvr>
     <a:masterClrMapping/>
   </p:clrMapOvr>
+  <p:timing>
+    <p:tnLst>
+      <p:par>
+        <p:cTn id="1" dur="indefinite" restart="never" nodeType="tmRoot"/>
+      </p:par>
+    </p:tnLst>
+  </p:timing>
 </p:sld>
 </file>
 
@@ -11879,7 +13122,7 @@
           <a:lstStyle/>
           <a:p>
             <a:r>
-              <a:rPr lang="en-US" sz="4500" dirty="0" err="1">
+              <a:rPr lang="en-US" sz="4500" dirty="0" err="1" smtClean="0">
                 <a:solidFill>
                   <a:srgbClr val="29ABE2"/>
                 </a:solidFill>
@@ -11889,7 +13132,7 @@
               <a:t>Olap</a:t>
             </a:r>
             <a:r>
-              <a:rPr lang="en-US" sz="4500" dirty="0">
+              <a:rPr lang="en-US" sz="4500" dirty="0" smtClean="0">
                 <a:solidFill>
                   <a:srgbClr val="29ABE2"/>
                 </a:solidFill>
@@ -11898,6 +13141,13 @@
               </a:rPr>
               <a:t> Gauge</a:t>
             </a:r>
+            <a:endParaRPr lang="en-US" sz="4500" dirty="0">
+              <a:solidFill>
+                <a:srgbClr val="29ABE2"/>
+              </a:solidFill>
+              <a:latin typeface="Segoe UI" panose="020B0502040204020203" pitchFamily="34" charset="0"/>
+              <a:cs typeface="Segoe UI" panose="020B0502040204020203" pitchFamily="34" charset="0"/>
+            </a:endParaRPr>
           </a:p>
         </p:txBody>
       </p:sp>
@@ -11925,52 +13175,97 @@
           </a:prstGeom>
         </p:spPr>
       </p:pic>
-      <p:sp>
-        <p:nvSpPr>
-          <p:cNvPr id="6" name="Rectangle 5"/>
-          <p:cNvSpPr/>
+      <p:grpSp>
+        <p:nvGrpSpPr>
+          <p:cNvPr id="5" name="Group 4"/>
+          <p:cNvGrpSpPr/>
           <p:nvPr/>
-        </p:nvSpPr>
-        <p:spPr>
+        </p:nvGrpSpPr>
+        <p:grpSpPr>
           <a:xfrm>
             <a:off x="0" y="6101740"/>
-            <a:ext cx="9144000" cy="756260"/>
-          </a:xfrm>
-          <a:prstGeom prst="rect">
-            <a:avLst/>
-          </a:prstGeom>
-          <a:solidFill>
-            <a:srgbClr val="29ABE2"/>
-          </a:solidFill>
-          <a:ln>
-            <a:noFill/>
-          </a:ln>
-        </p:spPr>
-        <p:style>
-          <a:lnRef idx="2">
-            <a:schemeClr val="accent1">
-              <a:shade val="50000"/>
-            </a:schemeClr>
-          </a:lnRef>
-          <a:fillRef idx="1">
-            <a:schemeClr val="accent1"/>
-          </a:fillRef>
-          <a:effectRef idx="0">
-            <a:schemeClr val="accent1"/>
-          </a:effectRef>
-          <a:fontRef idx="minor">
-            <a:schemeClr val="lt1"/>
-          </a:fontRef>
-        </p:style>
-        <p:txBody>
-          <a:bodyPr rtlCol="0" anchor="ctr"/>
-          <a:lstStyle/>
-          <a:p>
-            <a:pPr algn="ctr"/>
-            <a:endParaRPr lang="en-US"/>
-          </a:p>
-        </p:txBody>
-      </p:sp>
+            <a:ext cx="9264993" cy="756260"/>
+            <a:chOff x="0" y="6101740"/>
+            <a:chExt cx="9264993" cy="756260"/>
+          </a:xfrm>
+        </p:grpSpPr>
+        <p:sp>
+          <p:nvSpPr>
+            <p:cNvPr id="6" name="Rectangle 5"/>
+            <p:cNvSpPr/>
+            <p:nvPr/>
+          </p:nvSpPr>
+          <p:spPr>
+            <a:xfrm>
+              <a:off x="0" y="6101740"/>
+              <a:ext cx="9144000" cy="756260"/>
+            </a:xfrm>
+            <a:prstGeom prst="rect">
+              <a:avLst/>
+            </a:prstGeom>
+            <a:solidFill>
+              <a:srgbClr val="29ABE2"/>
+            </a:solidFill>
+            <a:ln>
+              <a:noFill/>
+            </a:ln>
+          </p:spPr>
+          <p:style>
+            <a:lnRef idx="2">
+              <a:schemeClr val="accent1">
+                <a:shade val="50000"/>
+              </a:schemeClr>
+            </a:lnRef>
+            <a:fillRef idx="1">
+              <a:schemeClr val="accent1"/>
+            </a:fillRef>
+            <a:effectRef idx="0">
+              <a:schemeClr val="accent1"/>
+            </a:effectRef>
+            <a:fontRef idx="minor">
+              <a:schemeClr val="lt1"/>
+            </a:fontRef>
+          </p:style>
+          <p:txBody>
+            <a:bodyPr rtlCol="0" anchor="ctr"/>
+            <a:lstStyle/>
+            <a:p>
+              <a:pPr algn="ctr"/>
+              <a:endParaRPr lang="en-US"/>
+            </a:p>
+          </p:txBody>
+        </p:sp>
+        <p:pic>
+          <p:nvPicPr>
+            <p:cNvPr id="7" name="Picture 6"/>
+            <p:cNvPicPr>
+              <a:picLocks noChangeAspect="1"/>
+            </p:cNvPicPr>
+            <p:nvPr/>
+          </p:nvPicPr>
+          <p:blipFill>
+            <a:blip r:embed="rId4" cstate="print">
+              <a:extLst>
+                <a:ext uri="{28A0092B-C50C-407E-A947-70E740481C1C}">
+                  <a14:useLocalDpi xmlns:a14="http://schemas.microsoft.com/office/drawing/2010/main" val="0"/>
+                </a:ext>
+              </a:extLst>
+            </a:blip>
+            <a:stretch>
+              <a:fillRect/>
+            </a:stretch>
+          </p:blipFill>
+          <p:spPr>
+            <a:xfrm>
+              <a:off x="6705600" y="6101740"/>
+              <a:ext cx="2559393" cy="756260"/>
+            </a:xfrm>
+            <a:prstGeom prst="rect">
+              <a:avLst/>
+            </a:prstGeom>
+          </p:spPr>
+        </p:pic>
+      </p:grpSp>
     </p:spTree>
     <p:extLst>
       <p:ext uri="{BB962C8B-B14F-4D97-AF65-F5344CB8AC3E}">
@@ -11981,6 +13276,13 @@
   <p:clrMapOvr>
     <a:masterClrMapping/>
   </p:clrMapOvr>
+  <p:timing>
+    <p:tnLst>
+      <p:par>
+        <p:cTn id="1" dur="indefinite" restart="never" nodeType="tmRoot"/>
+      </p:par>
+    </p:tnLst>
+  </p:timing>
 </p:sld>
 </file>
 
@@ -12019,7 +13321,7 @@
           <a:lstStyle/>
           <a:p>
             <a:r>
-              <a:rPr lang="en-US" sz="4500" dirty="0">
+              <a:rPr lang="en-US" sz="4500" dirty="0" smtClean="0">
                 <a:solidFill>
                   <a:srgbClr val="29ABE2"/>
                 </a:solidFill>
@@ -12028,6 +13330,13 @@
               </a:rPr>
               <a:t>Accordion</a:t>
             </a:r>
+            <a:endParaRPr lang="en-US" sz="4500" dirty="0">
+              <a:solidFill>
+                <a:srgbClr val="29ABE2"/>
+              </a:solidFill>
+              <a:latin typeface="Segoe UI" panose="020B0502040204020203" pitchFamily="34" charset="0"/>
+              <a:cs typeface="Segoe UI" panose="020B0502040204020203" pitchFamily="34" charset="0"/>
+            </a:endParaRPr>
           </a:p>
         </p:txBody>
       </p:sp>
@@ -12055,52 +13364,97 @@
           </a:prstGeom>
         </p:spPr>
       </p:pic>
-      <p:sp>
-        <p:nvSpPr>
-          <p:cNvPr id="5" name="Rectangle 4"/>
-          <p:cNvSpPr/>
+      <p:grpSp>
+        <p:nvGrpSpPr>
+          <p:cNvPr id="4" name="Group 3"/>
+          <p:cNvGrpSpPr/>
           <p:nvPr/>
-        </p:nvSpPr>
-        <p:spPr>
+        </p:nvGrpSpPr>
+        <p:grpSpPr>
           <a:xfrm>
             <a:off x="0" y="6101740"/>
-            <a:ext cx="9144000" cy="756260"/>
-          </a:xfrm>
-          <a:prstGeom prst="rect">
-            <a:avLst/>
-          </a:prstGeom>
-          <a:solidFill>
-            <a:srgbClr val="29ABE2"/>
-          </a:solidFill>
-          <a:ln>
-            <a:noFill/>
-          </a:ln>
-        </p:spPr>
-        <p:style>
-          <a:lnRef idx="2">
-            <a:schemeClr val="accent1">
-              <a:shade val="50000"/>
-            </a:schemeClr>
-          </a:lnRef>
-          <a:fillRef idx="1">
-            <a:schemeClr val="accent1"/>
-          </a:fillRef>
-          <a:effectRef idx="0">
-            <a:schemeClr val="accent1"/>
-          </a:effectRef>
-          <a:fontRef idx="minor">
-            <a:schemeClr val="lt1"/>
-          </a:fontRef>
-        </p:style>
-        <p:txBody>
-          <a:bodyPr rtlCol="0" anchor="ctr"/>
-          <a:lstStyle/>
-          <a:p>
-            <a:pPr algn="ctr"/>
-            <a:endParaRPr lang="en-US"/>
-          </a:p>
-        </p:txBody>
-      </p:sp>
+            <a:ext cx="9264993" cy="756260"/>
+            <a:chOff x="0" y="6101740"/>
+            <a:chExt cx="9264993" cy="756260"/>
+          </a:xfrm>
+        </p:grpSpPr>
+        <p:sp>
+          <p:nvSpPr>
+            <p:cNvPr id="5" name="Rectangle 4"/>
+            <p:cNvSpPr/>
+            <p:nvPr/>
+          </p:nvSpPr>
+          <p:spPr>
+            <a:xfrm>
+              <a:off x="0" y="6101740"/>
+              <a:ext cx="9144000" cy="756260"/>
+            </a:xfrm>
+            <a:prstGeom prst="rect">
+              <a:avLst/>
+            </a:prstGeom>
+            <a:solidFill>
+              <a:srgbClr val="29ABE2"/>
+            </a:solidFill>
+            <a:ln>
+              <a:noFill/>
+            </a:ln>
+          </p:spPr>
+          <p:style>
+            <a:lnRef idx="2">
+              <a:schemeClr val="accent1">
+                <a:shade val="50000"/>
+              </a:schemeClr>
+            </a:lnRef>
+            <a:fillRef idx="1">
+              <a:schemeClr val="accent1"/>
+            </a:fillRef>
+            <a:effectRef idx="0">
+              <a:schemeClr val="accent1"/>
+            </a:effectRef>
+            <a:fontRef idx="minor">
+              <a:schemeClr val="lt1"/>
+            </a:fontRef>
+          </p:style>
+          <p:txBody>
+            <a:bodyPr rtlCol="0" anchor="ctr"/>
+            <a:lstStyle/>
+            <a:p>
+              <a:pPr algn="ctr"/>
+              <a:endParaRPr lang="en-US"/>
+            </a:p>
+          </p:txBody>
+        </p:sp>
+        <p:pic>
+          <p:nvPicPr>
+            <p:cNvPr id="6" name="Picture 5"/>
+            <p:cNvPicPr>
+              <a:picLocks noChangeAspect="1"/>
+            </p:cNvPicPr>
+            <p:nvPr/>
+          </p:nvPicPr>
+          <p:blipFill>
+            <a:blip r:embed="rId4" cstate="print">
+              <a:extLst>
+                <a:ext uri="{28A0092B-C50C-407E-A947-70E740481C1C}">
+                  <a14:useLocalDpi xmlns:a14="http://schemas.microsoft.com/office/drawing/2010/main" val="0"/>
+                </a:ext>
+              </a:extLst>
+            </a:blip>
+            <a:stretch>
+              <a:fillRect/>
+            </a:stretch>
+          </p:blipFill>
+          <p:spPr>
+            <a:xfrm>
+              <a:off x="6705600" y="6101740"/>
+              <a:ext cx="2559393" cy="756260"/>
+            </a:xfrm>
+            <a:prstGeom prst="rect">
+              <a:avLst/>
+            </a:prstGeom>
+          </p:spPr>
+        </p:pic>
+      </p:grpSp>
     </p:spTree>
     <p:extLst>
       <p:ext uri="{BB962C8B-B14F-4D97-AF65-F5344CB8AC3E}">
@@ -12111,6 +13465,13 @@
   <p:clrMapOvr>
     <a:masterClrMapping/>
   </p:clrMapOvr>
+  <p:timing>
+    <p:tnLst>
+      <p:par>
+        <p:cTn id="1" dur="indefinite" restart="never" nodeType="tmRoot"/>
+      </p:par>
+    </p:tnLst>
+  </p:timing>
 </p:sld>
 </file>
 
@@ -12149,7 +13510,7 @@
           <a:lstStyle/>
           <a:p>
             <a:r>
-              <a:rPr lang="en-US" sz="4500" dirty="0">
+              <a:rPr lang="en-US" sz="4500" dirty="0" smtClean="0">
                 <a:solidFill>
                   <a:srgbClr val="29ABE2"/>
                 </a:solidFill>
@@ -12158,6 +13519,13 @@
               </a:rPr>
               <a:t>Progress Bar</a:t>
             </a:r>
+            <a:endParaRPr lang="en-US" sz="4500" dirty="0">
+              <a:solidFill>
+                <a:srgbClr val="29ABE2"/>
+              </a:solidFill>
+              <a:latin typeface="Segoe UI" panose="020B0502040204020203" pitchFamily="34" charset="0"/>
+              <a:cs typeface="Segoe UI" panose="020B0502040204020203" pitchFamily="34" charset="0"/>
+            </a:endParaRPr>
           </a:p>
         </p:txBody>
       </p:sp>
@@ -12286,6 +13654,13 @@
   <p:clrMapOvr>
     <a:masterClrMapping/>
   </p:clrMapOvr>
+  <p:timing>
+    <p:tnLst>
+      <p:par>
+        <p:cTn id="1" dur="indefinite" restart="never" nodeType="tmRoot"/>
+      </p:par>
+    </p:tnLst>
+  </p:timing>
 </p:sld>
 </file>
 
@@ -12324,7 +13699,7 @@
           <a:lstStyle/>
           <a:p>
             <a:r>
-              <a:rPr lang="en-US" sz="4500" dirty="0">
+              <a:rPr lang="en-US" sz="4500" dirty="0" smtClean="0">
                 <a:solidFill>
                   <a:srgbClr val="29ABE2"/>
                 </a:solidFill>
@@ -12333,6 +13708,13 @@
               </a:rPr>
               <a:t>Rating</a:t>
             </a:r>
+            <a:endParaRPr lang="en-US" sz="4500" dirty="0">
+              <a:solidFill>
+                <a:srgbClr val="29ABE2"/>
+              </a:solidFill>
+              <a:latin typeface="Segoe UI" panose="020B0502040204020203" pitchFamily="34" charset="0"/>
+              <a:cs typeface="Segoe UI" panose="020B0502040204020203" pitchFamily="34" charset="0"/>
+            </a:endParaRPr>
           </a:p>
         </p:txBody>
       </p:sp>
@@ -12360,52 +13742,97 @@
           </a:prstGeom>
         </p:spPr>
       </p:pic>
-      <p:sp>
-        <p:nvSpPr>
-          <p:cNvPr id="5" name="Rectangle 4"/>
-          <p:cNvSpPr/>
+      <p:grpSp>
+        <p:nvGrpSpPr>
+          <p:cNvPr id="4" name="Group 3"/>
+          <p:cNvGrpSpPr/>
           <p:nvPr/>
-        </p:nvSpPr>
-        <p:spPr>
+        </p:nvGrpSpPr>
+        <p:grpSpPr>
           <a:xfrm>
             <a:off x="0" y="6101740"/>
-            <a:ext cx="9144000" cy="756260"/>
-          </a:xfrm>
-          <a:prstGeom prst="rect">
-            <a:avLst/>
-          </a:prstGeom>
-          <a:solidFill>
-            <a:srgbClr val="29ABE2"/>
-          </a:solidFill>
-          <a:ln>
-            <a:noFill/>
-          </a:ln>
-        </p:spPr>
-        <p:style>
-          <a:lnRef idx="2">
-            <a:schemeClr val="accent1">
-              <a:shade val="50000"/>
-            </a:schemeClr>
-          </a:lnRef>
-          <a:fillRef idx="1">
-            <a:schemeClr val="accent1"/>
-          </a:fillRef>
-          <a:effectRef idx="0">
-            <a:schemeClr val="accent1"/>
-          </a:effectRef>
-          <a:fontRef idx="minor">
-            <a:schemeClr val="lt1"/>
-          </a:fontRef>
-        </p:style>
-        <p:txBody>
-          <a:bodyPr rtlCol="0" anchor="ctr"/>
-          <a:lstStyle/>
-          <a:p>
-            <a:pPr algn="ctr"/>
-            <a:endParaRPr lang="en-US"/>
-          </a:p>
-        </p:txBody>
-      </p:sp>
+            <a:ext cx="9264993" cy="756260"/>
+            <a:chOff x="0" y="6101740"/>
+            <a:chExt cx="9264993" cy="756260"/>
+          </a:xfrm>
+        </p:grpSpPr>
+        <p:sp>
+          <p:nvSpPr>
+            <p:cNvPr id="5" name="Rectangle 4"/>
+            <p:cNvSpPr/>
+            <p:nvPr/>
+          </p:nvSpPr>
+          <p:spPr>
+            <a:xfrm>
+              <a:off x="0" y="6101740"/>
+              <a:ext cx="9144000" cy="756260"/>
+            </a:xfrm>
+            <a:prstGeom prst="rect">
+              <a:avLst/>
+            </a:prstGeom>
+            <a:solidFill>
+              <a:srgbClr val="29ABE2"/>
+            </a:solidFill>
+            <a:ln>
+              <a:noFill/>
+            </a:ln>
+          </p:spPr>
+          <p:style>
+            <a:lnRef idx="2">
+              <a:schemeClr val="accent1">
+                <a:shade val="50000"/>
+              </a:schemeClr>
+            </a:lnRef>
+            <a:fillRef idx="1">
+              <a:schemeClr val="accent1"/>
+            </a:fillRef>
+            <a:effectRef idx="0">
+              <a:schemeClr val="accent1"/>
+            </a:effectRef>
+            <a:fontRef idx="minor">
+              <a:schemeClr val="lt1"/>
+            </a:fontRef>
+          </p:style>
+          <p:txBody>
+            <a:bodyPr rtlCol="0" anchor="ctr"/>
+            <a:lstStyle/>
+            <a:p>
+              <a:pPr algn="ctr"/>
+              <a:endParaRPr lang="en-US"/>
+            </a:p>
+          </p:txBody>
+        </p:sp>
+        <p:pic>
+          <p:nvPicPr>
+            <p:cNvPr id="6" name="Picture 5"/>
+            <p:cNvPicPr>
+              <a:picLocks noChangeAspect="1"/>
+            </p:cNvPicPr>
+            <p:nvPr/>
+          </p:nvPicPr>
+          <p:blipFill>
+            <a:blip r:embed="rId4" cstate="print">
+              <a:extLst>
+                <a:ext uri="{28A0092B-C50C-407E-A947-70E740481C1C}">
+                  <a14:useLocalDpi xmlns:a14="http://schemas.microsoft.com/office/drawing/2010/main" val="0"/>
+                </a:ext>
+              </a:extLst>
+            </a:blip>
+            <a:stretch>
+              <a:fillRect/>
+            </a:stretch>
+          </p:blipFill>
+          <p:spPr>
+            <a:xfrm>
+              <a:off x="6705600" y="6101740"/>
+              <a:ext cx="2559393" cy="756260"/>
+            </a:xfrm>
+            <a:prstGeom prst="rect">
+              <a:avLst/>
+            </a:prstGeom>
+          </p:spPr>
+        </p:pic>
+      </p:grpSp>
     </p:spTree>
     <p:extLst>
       <p:ext uri="{BB962C8B-B14F-4D97-AF65-F5344CB8AC3E}">
@@ -12416,6 +13843,13 @@
   <p:clrMapOvr>
     <a:masterClrMapping/>
   </p:clrMapOvr>
+  <p:timing>
+    <p:tnLst>
+      <p:par>
+        <p:cTn id="1" dur="indefinite" restart="never" nodeType="tmRoot"/>
+      </p:par>
+    </p:tnLst>
+  </p:timing>
 </p:sld>
 </file>
 
@@ -12454,7 +13888,7 @@
           <a:lstStyle/>
           <a:p>
             <a:r>
-              <a:rPr lang="en-US" sz="4500" dirty="0">
+              <a:rPr lang="en-US" sz="4500" dirty="0" smtClean="0">
                 <a:solidFill>
                   <a:srgbClr val="29ABE2"/>
                 </a:solidFill>
@@ -12464,7 +13898,7 @@
               <a:t>Drop </a:t>
             </a:r>
             <a:r>
-              <a:rPr lang="en-US" sz="4500" dirty="0" err="1">
+              <a:rPr lang="en-US" sz="4500" dirty="0" err="1" smtClean="0">
                 <a:solidFill>
                   <a:srgbClr val="29ABE2"/>
                 </a:solidFill>
@@ -12507,52 +13941,97 @@
           </a:prstGeom>
         </p:spPr>
       </p:pic>
-      <p:sp>
-        <p:nvSpPr>
-          <p:cNvPr id="6" name="Rectangle 5"/>
-          <p:cNvSpPr/>
+      <p:grpSp>
+        <p:nvGrpSpPr>
+          <p:cNvPr id="5" name="Group 4"/>
+          <p:cNvGrpSpPr/>
           <p:nvPr/>
-        </p:nvSpPr>
-        <p:spPr>
+        </p:nvGrpSpPr>
+        <p:grpSpPr>
           <a:xfrm>
             <a:off x="0" y="6101740"/>
-            <a:ext cx="9144000" cy="756260"/>
-          </a:xfrm>
-          <a:prstGeom prst="rect">
-            <a:avLst/>
-          </a:prstGeom>
-          <a:solidFill>
-            <a:srgbClr val="29ABE2"/>
-          </a:solidFill>
-          <a:ln>
-            <a:noFill/>
-          </a:ln>
-        </p:spPr>
-        <p:style>
-          <a:lnRef idx="2">
-            <a:schemeClr val="accent1">
-              <a:shade val="50000"/>
-            </a:schemeClr>
-          </a:lnRef>
-          <a:fillRef idx="1">
-            <a:schemeClr val="accent1"/>
-          </a:fillRef>
-          <a:effectRef idx="0">
-            <a:schemeClr val="accent1"/>
-          </a:effectRef>
-          <a:fontRef idx="minor">
-            <a:schemeClr val="lt1"/>
-          </a:fontRef>
-        </p:style>
-        <p:txBody>
-          <a:bodyPr rtlCol="0" anchor="ctr"/>
-          <a:lstStyle/>
-          <a:p>
-            <a:pPr algn="ctr"/>
-            <a:endParaRPr lang="en-US"/>
-          </a:p>
-        </p:txBody>
-      </p:sp>
+            <a:ext cx="9264993" cy="756260"/>
+            <a:chOff x="0" y="6101740"/>
+            <a:chExt cx="9264993" cy="756260"/>
+          </a:xfrm>
+        </p:grpSpPr>
+        <p:sp>
+          <p:nvSpPr>
+            <p:cNvPr id="6" name="Rectangle 5"/>
+            <p:cNvSpPr/>
+            <p:nvPr/>
+          </p:nvSpPr>
+          <p:spPr>
+            <a:xfrm>
+              <a:off x="0" y="6101740"/>
+              <a:ext cx="9144000" cy="756260"/>
+            </a:xfrm>
+            <a:prstGeom prst="rect">
+              <a:avLst/>
+            </a:prstGeom>
+            <a:solidFill>
+              <a:srgbClr val="29ABE2"/>
+            </a:solidFill>
+            <a:ln>
+              <a:noFill/>
+            </a:ln>
+          </p:spPr>
+          <p:style>
+            <a:lnRef idx="2">
+              <a:schemeClr val="accent1">
+                <a:shade val="50000"/>
+              </a:schemeClr>
+            </a:lnRef>
+            <a:fillRef idx="1">
+              <a:schemeClr val="accent1"/>
+            </a:fillRef>
+            <a:effectRef idx="0">
+              <a:schemeClr val="accent1"/>
+            </a:effectRef>
+            <a:fontRef idx="minor">
+              <a:schemeClr val="lt1"/>
+            </a:fontRef>
+          </p:style>
+          <p:txBody>
+            <a:bodyPr rtlCol="0" anchor="ctr"/>
+            <a:lstStyle/>
+            <a:p>
+              <a:pPr algn="ctr"/>
+              <a:endParaRPr lang="en-US"/>
+            </a:p>
+          </p:txBody>
+        </p:sp>
+        <p:pic>
+          <p:nvPicPr>
+            <p:cNvPr id="7" name="Picture 6"/>
+            <p:cNvPicPr>
+              <a:picLocks noChangeAspect="1"/>
+            </p:cNvPicPr>
+            <p:nvPr/>
+          </p:nvPicPr>
+          <p:blipFill>
+            <a:blip r:embed="rId4" cstate="print">
+              <a:extLst>
+                <a:ext uri="{28A0092B-C50C-407E-A947-70E740481C1C}">
+                  <a14:useLocalDpi xmlns:a14="http://schemas.microsoft.com/office/drawing/2010/main" val="0"/>
+                </a:ext>
+              </a:extLst>
+            </a:blip>
+            <a:stretch>
+              <a:fillRect/>
+            </a:stretch>
+          </p:blipFill>
+          <p:spPr>
+            <a:xfrm>
+              <a:off x="6705600" y="6101740"/>
+              <a:ext cx="2559393" cy="756260"/>
+            </a:xfrm>
+            <a:prstGeom prst="rect">
+              <a:avLst/>
+            </a:prstGeom>
+          </p:spPr>
+        </p:pic>
+      </p:grpSp>
     </p:spTree>
     <p:extLst>
       <p:ext uri="{BB962C8B-B14F-4D97-AF65-F5344CB8AC3E}">
@@ -12563,6 +14042,13 @@
   <p:clrMapOvr>
     <a:masterClrMapping/>
   </p:clrMapOvr>
+  <p:timing>
+    <p:tnLst>
+      <p:par>
+        <p:cTn id="1" dur="indefinite" restart="never" nodeType="tmRoot"/>
+      </p:par>
+    </p:tnLst>
+  </p:timing>
 </p:sld>
 </file>
 
@@ -12601,7 +14087,7 @@
           <a:lstStyle/>
           <a:p>
             <a:r>
-              <a:rPr lang="en-US" sz="4500" dirty="0">
+              <a:rPr lang="en-US" sz="4500" dirty="0" smtClean="0">
                 <a:solidFill>
                   <a:srgbClr val="29ABE2"/>
                 </a:solidFill>
@@ -12610,6 +14096,13 @@
               </a:rPr>
               <a:t>Slider</a:t>
             </a:r>
+            <a:endParaRPr lang="en-US" sz="4500" dirty="0">
+              <a:solidFill>
+                <a:srgbClr val="29ABE2"/>
+              </a:solidFill>
+              <a:latin typeface="Segoe UI" panose="020B0502040204020203" pitchFamily="34" charset="0"/>
+              <a:cs typeface="Segoe UI" panose="020B0502040204020203" pitchFamily="34" charset="0"/>
+            </a:endParaRPr>
           </a:p>
         </p:txBody>
       </p:sp>
@@ -12637,52 +14130,97 @@
           </a:prstGeom>
         </p:spPr>
       </p:pic>
-      <p:sp>
-        <p:nvSpPr>
-          <p:cNvPr id="5" name="Rectangle 4"/>
-          <p:cNvSpPr/>
+      <p:grpSp>
+        <p:nvGrpSpPr>
+          <p:cNvPr id="4" name="Group 3"/>
+          <p:cNvGrpSpPr/>
           <p:nvPr/>
-        </p:nvSpPr>
-        <p:spPr>
+        </p:nvGrpSpPr>
+        <p:grpSpPr>
           <a:xfrm>
             <a:off x="0" y="6101740"/>
-            <a:ext cx="9144000" cy="756260"/>
-          </a:xfrm>
-          <a:prstGeom prst="rect">
-            <a:avLst/>
-          </a:prstGeom>
-          <a:solidFill>
-            <a:srgbClr val="29ABE2"/>
-          </a:solidFill>
-          <a:ln>
-            <a:noFill/>
-          </a:ln>
-        </p:spPr>
-        <p:style>
-          <a:lnRef idx="2">
-            <a:schemeClr val="accent1">
-              <a:shade val="50000"/>
-            </a:schemeClr>
-          </a:lnRef>
-          <a:fillRef idx="1">
-            <a:schemeClr val="accent1"/>
-          </a:fillRef>
-          <a:effectRef idx="0">
-            <a:schemeClr val="accent1"/>
-          </a:effectRef>
-          <a:fontRef idx="minor">
-            <a:schemeClr val="lt1"/>
-          </a:fontRef>
-        </p:style>
-        <p:txBody>
-          <a:bodyPr rtlCol="0" anchor="ctr"/>
-          <a:lstStyle/>
-          <a:p>
-            <a:pPr algn="ctr"/>
-            <a:endParaRPr lang="en-US"/>
-          </a:p>
-        </p:txBody>
-      </p:sp>
+            <a:ext cx="9264993" cy="756260"/>
+            <a:chOff x="0" y="6101740"/>
+            <a:chExt cx="9264993" cy="756260"/>
+          </a:xfrm>
+        </p:grpSpPr>
+        <p:sp>
+          <p:nvSpPr>
+            <p:cNvPr id="5" name="Rectangle 4"/>
+            <p:cNvSpPr/>
+            <p:nvPr/>
+          </p:nvSpPr>
+          <p:spPr>
+            <a:xfrm>
+              <a:off x="0" y="6101740"/>
+              <a:ext cx="9144000" cy="756260"/>
+            </a:xfrm>
+            <a:prstGeom prst="rect">
+              <a:avLst/>
+            </a:prstGeom>
+            <a:solidFill>
+              <a:srgbClr val="29ABE2"/>
+            </a:solidFill>
+            <a:ln>
+              <a:noFill/>
+            </a:ln>
+          </p:spPr>
+          <p:style>
+            <a:lnRef idx="2">
+              <a:schemeClr val="accent1">
+                <a:shade val="50000"/>
+              </a:schemeClr>
+            </a:lnRef>
+            <a:fillRef idx="1">
+              <a:schemeClr val="accent1"/>
+            </a:fillRef>
+            <a:effectRef idx="0">
+              <a:schemeClr val="accent1"/>
+            </a:effectRef>
+            <a:fontRef idx="minor">
+              <a:schemeClr val="lt1"/>
+            </a:fontRef>
+          </p:style>
+          <p:txBody>
+            <a:bodyPr rtlCol="0" anchor="ctr"/>
+            <a:lstStyle/>
+            <a:p>
+              <a:pPr algn="ctr"/>
+              <a:endParaRPr lang="en-US"/>
+            </a:p>
+          </p:txBody>
+        </p:sp>
+        <p:pic>
+          <p:nvPicPr>
+            <p:cNvPr id="6" name="Picture 5"/>
+            <p:cNvPicPr>
+              <a:picLocks noChangeAspect="1"/>
+            </p:cNvPicPr>
+            <p:nvPr/>
+          </p:nvPicPr>
+          <p:blipFill>
+            <a:blip r:embed="rId4" cstate="print">
+              <a:extLst>
+                <a:ext uri="{28A0092B-C50C-407E-A947-70E740481C1C}">
+                  <a14:useLocalDpi xmlns:a14="http://schemas.microsoft.com/office/drawing/2010/main" val="0"/>
+                </a:ext>
+              </a:extLst>
+            </a:blip>
+            <a:stretch>
+              <a:fillRect/>
+            </a:stretch>
+          </p:blipFill>
+          <p:spPr>
+            <a:xfrm>
+              <a:off x="6705600" y="6101740"/>
+              <a:ext cx="2559393" cy="756260"/>
+            </a:xfrm>
+            <a:prstGeom prst="rect">
+              <a:avLst/>
+            </a:prstGeom>
+          </p:spPr>
+        </p:pic>
+      </p:grpSp>
     </p:spTree>
     <p:extLst>
       <p:ext uri="{BB962C8B-B14F-4D97-AF65-F5344CB8AC3E}">
@@ -12693,6 +14231,13 @@
   <p:clrMapOvr>
     <a:masterClrMapping/>
   </p:clrMapOvr>
+  <p:timing>
+    <p:tnLst>
+      <p:par>
+        <p:cTn id="1" dur="indefinite" restart="never" nodeType="tmRoot"/>
+      </p:par>
+    </p:tnLst>
+  </p:timing>
 </p:sld>
 </file>
 
@@ -12731,7 +14276,7 @@
           <a:lstStyle/>
           <a:p>
             <a:r>
-              <a:rPr lang="en-US" sz="4500" dirty="0">
+              <a:rPr lang="en-US" sz="4500" dirty="0" smtClean="0">
                 <a:solidFill>
                   <a:srgbClr val="29ABE2"/>
                 </a:solidFill>
@@ -12740,6 +14285,13 @@
               </a:rPr>
               <a:t>Splitter</a:t>
             </a:r>
+            <a:endParaRPr lang="en-US" sz="4500" dirty="0">
+              <a:solidFill>
+                <a:srgbClr val="29ABE2"/>
+              </a:solidFill>
+              <a:latin typeface="Segoe UI" panose="020B0502040204020203" pitchFamily="34" charset="0"/>
+              <a:cs typeface="Segoe UI" panose="020B0502040204020203" pitchFamily="34" charset="0"/>
+            </a:endParaRPr>
           </a:p>
         </p:txBody>
       </p:sp>
@@ -12767,52 +14319,97 @@
           </a:prstGeom>
         </p:spPr>
       </p:pic>
-      <p:sp>
-        <p:nvSpPr>
-          <p:cNvPr id="6" name="Rectangle 5"/>
-          <p:cNvSpPr/>
+      <p:grpSp>
+        <p:nvGrpSpPr>
+          <p:cNvPr id="5" name="Group 4"/>
+          <p:cNvGrpSpPr/>
           <p:nvPr/>
-        </p:nvSpPr>
-        <p:spPr>
+        </p:nvGrpSpPr>
+        <p:grpSpPr>
           <a:xfrm>
             <a:off x="0" y="6101740"/>
-            <a:ext cx="9144000" cy="756260"/>
-          </a:xfrm>
-          <a:prstGeom prst="rect">
-            <a:avLst/>
-          </a:prstGeom>
-          <a:solidFill>
-            <a:srgbClr val="29ABE2"/>
-          </a:solidFill>
-          <a:ln>
-            <a:noFill/>
-          </a:ln>
-        </p:spPr>
-        <p:style>
-          <a:lnRef idx="2">
-            <a:schemeClr val="accent1">
-              <a:shade val="50000"/>
-            </a:schemeClr>
-          </a:lnRef>
-          <a:fillRef idx="1">
-            <a:schemeClr val="accent1"/>
-          </a:fillRef>
-          <a:effectRef idx="0">
-            <a:schemeClr val="accent1"/>
-          </a:effectRef>
-          <a:fontRef idx="minor">
-            <a:schemeClr val="lt1"/>
-          </a:fontRef>
-        </p:style>
-        <p:txBody>
-          <a:bodyPr rtlCol="0" anchor="ctr"/>
-          <a:lstStyle/>
-          <a:p>
-            <a:pPr algn="ctr"/>
-            <a:endParaRPr lang="en-US"/>
-          </a:p>
-        </p:txBody>
-      </p:sp>
+            <a:ext cx="9264993" cy="756260"/>
+            <a:chOff x="0" y="6101740"/>
+            <a:chExt cx="9264993" cy="756260"/>
+          </a:xfrm>
+        </p:grpSpPr>
+        <p:sp>
+          <p:nvSpPr>
+            <p:cNvPr id="6" name="Rectangle 5"/>
+            <p:cNvSpPr/>
+            <p:nvPr/>
+          </p:nvSpPr>
+          <p:spPr>
+            <a:xfrm>
+              <a:off x="0" y="6101740"/>
+              <a:ext cx="9144000" cy="756260"/>
+            </a:xfrm>
+            <a:prstGeom prst="rect">
+              <a:avLst/>
+            </a:prstGeom>
+            <a:solidFill>
+              <a:srgbClr val="29ABE2"/>
+            </a:solidFill>
+            <a:ln>
+              <a:noFill/>
+            </a:ln>
+          </p:spPr>
+          <p:style>
+            <a:lnRef idx="2">
+              <a:schemeClr val="accent1">
+                <a:shade val="50000"/>
+              </a:schemeClr>
+            </a:lnRef>
+            <a:fillRef idx="1">
+              <a:schemeClr val="accent1"/>
+            </a:fillRef>
+            <a:effectRef idx="0">
+              <a:schemeClr val="accent1"/>
+            </a:effectRef>
+            <a:fontRef idx="minor">
+              <a:schemeClr val="lt1"/>
+            </a:fontRef>
+          </p:style>
+          <p:txBody>
+            <a:bodyPr rtlCol="0" anchor="ctr"/>
+            <a:lstStyle/>
+            <a:p>
+              <a:pPr algn="ctr"/>
+              <a:endParaRPr lang="en-US"/>
+            </a:p>
+          </p:txBody>
+        </p:sp>
+        <p:pic>
+          <p:nvPicPr>
+            <p:cNvPr id="7" name="Picture 6"/>
+            <p:cNvPicPr>
+              <a:picLocks noChangeAspect="1"/>
+            </p:cNvPicPr>
+            <p:nvPr/>
+          </p:nvPicPr>
+          <p:blipFill>
+            <a:blip r:embed="rId4" cstate="print">
+              <a:extLst>
+                <a:ext uri="{28A0092B-C50C-407E-A947-70E740481C1C}">
+                  <a14:useLocalDpi xmlns:a14="http://schemas.microsoft.com/office/drawing/2010/main" val="0"/>
+                </a:ext>
+              </a:extLst>
+            </a:blip>
+            <a:stretch>
+              <a:fillRect/>
+            </a:stretch>
+          </p:blipFill>
+          <p:spPr>
+            <a:xfrm>
+              <a:off x="6705600" y="6101740"/>
+              <a:ext cx="2559393" cy="756260"/>
+            </a:xfrm>
+            <a:prstGeom prst="rect">
+              <a:avLst/>
+            </a:prstGeom>
+          </p:spPr>
+        </p:pic>
+      </p:grpSp>
     </p:spTree>
     <p:extLst>
       <p:ext uri="{BB962C8B-B14F-4D97-AF65-F5344CB8AC3E}">
@@ -12823,6 +14420,13 @@
   <p:clrMapOvr>
     <a:masterClrMapping/>
   </p:clrMapOvr>
+  <p:timing>
+    <p:tnLst>
+      <p:par>
+        <p:cTn id="1" dur="indefinite" restart="never" nodeType="tmRoot"/>
+      </p:par>
+    </p:tnLst>
+  </p:timing>
 </p:sld>
 </file>
 
@@ -12869,7 +14473,7 @@
           <a:lstStyle/>
           <a:p>
             <a:r>
-              <a:rPr lang="en-US" sz="4500" dirty="0">
+              <a:rPr lang="en-US" sz="4500" dirty="0" smtClean="0">
                 <a:solidFill>
                   <a:srgbClr val="29ABE2"/>
                 </a:solidFill>
@@ -12878,6 +14482,13 @@
               </a:rPr>
               <a:t>Chart</a:t>
             </a:r>
+            <a:endParaRPr lang="en-US" sz="4500" dirty="0">
+              <a:solidFill>
+                <a:srgbClr val="29ABE2"/>
+              </a:solidFill>
+              <a:latin typeface="Segoe UI" panose="020B0502040204020203" pitchFamily="34" charset="0"/>
+              <a:cs typeface="Segoe UI" panose="020B0502040204020203" pitchFamily="34" charset="0"/>
+            </a:endParaRPr>
           </a:p>
         </p:txBody>
       </p:sp>
@@ -12907,7 +14518,7 @@
               <a:buNone/>
             </a:pPr>
             <a:r>
-              <a:rPr lang="en-US" sz="2400" dirty="0">
+              <a:rPr lang="en-US" sz="2400" dirty="0" smtClean="0">
                 <a:solidFill>
                   <a:schemeClr val="tx1">
                     <a:lumMod val="65000"/>
@@ -12946,52 +14557,97 @@
           </a:prstGeom>
         </p:spPr>
       </p:pic>
-      <p:sp>
-        <p:nvSpPr>
-          <p:cNvPr id="9" name="Rectangle 8"/>
-          <p:cNvSpPr/>
+      <p:grpSp>
+        <p:nvGrpSpPr>
+          <p:cNvPr id="8" name="Group 7"/>
+          <p:cNvGrpSpPr/>
           <p:nvPr/>
-        </p:nvSpPr>
-        <p:spPr>
+        </p:nvGrpSpPr>
+        <p:grpSpPr>
           <a:xfrm>
             <a:off x="0" y="6101740"/>
-            <a:ext cx="9144000" cy="756260"/>
-          </a:xfrm>
-          <a:prstGeom prst="rect">
-            <a:avLst/>
-          </a:prstGeom>
-          <a:solidFill>
-            <a:srgbClr val="29ABE2"/>
-          </a:solidFill>
-          <a:ln>
-            <a:noFill/>
-          </a:ln>
-        </p:spPr>
-        <p:style>
-          <a:lnRef idx="2">
-            <a:schemeClr val="accent1">
-              <a:shade val="50000"/>
-            </a:schemeClr>
-          </a:lnRef>
-          <a:fillRef idx="1">
-            <a:schemeClr val="accent1"/>
-          </a:fillRef>
-          <a:effectRef idx="0">
-            <a:schemeClr val="accent1"/>
-          </a:effectRef>
-          <a:fontRef idx="minor">
-            <a:schemeClr val="lt1"/>
-          </a:fontRef>
-        </p:style>
-        <p:txBody>
-          <a:bodyPr rtlCol="0" anchor="ctr"/>
-          <a:lstStyle/>
-          <a:p>
-            <a:pPr algn="ctr"/>
-            <a:endParaRPr lang="en-US"/>
-          </a:p>
-        </p:txBody>
-      </p:sp>
+            <a:ext cx="9264993" cy="756260"/>
+            <a:chOff x="0" y="6101740"/>
+            <a:chExt cx="9264993" cy="756260"/>
+          </a:xfrm>
+        </p:grpSpPr>
+        <p:sp>
+          <p:nvSpPr>
+            <p:cNvPr id="9" name="Rectangle 8"/>
+            <p:cNvSpPr/>
+            <p:nvPr/>
+          </p:nvSpPr>
+          <p:spPr>
+            <a:xfrm>
+              <a:off x="0" y="6101740"/>
+              <a:ext cx="9144000" cy="756260"/>
+            </a:xfrm>
+            <a:prstGeom prst="rect">
+              <a:avLst/>
+            </a:prstGeom>
+            <a:solidFill>
+              <a:srgbClr val="29ABE2"/>
+            </a:solidFill>
+            <a:ln>
+              <a:noFill/>
+            </a:ln>
+          </p:spPr>
+          <p:style>
+            <a:lnRef idx="2">
+              <a:schemeClr val="accent1">
+                <a:shade val="50000"/>
+              </a:schemeClr>
+            </a:lnRef>
+            <a:fillRef idx="1">
+              <a:schemeClr val="accent1"/>
+            </a:fillRef>
+            <a:effectRef idx="0">
+              <a:schemeClr val="accent1"/>
+            </a:effectRef>
+            <a:fontRef idx="minor">
+              <a:schemeClr val="lt1"/>
+            </a:fontRef>
+          </p:style>
+          <p:txBody>
+            <a:bodyPr rtlCol="0" anchor="ctr"/>
+            <a:lstStyle/>
+            <a:p>
+              <a:pPr algn="ctr"/>
+              <a:endParaRPr lang="en-US"/>
+            </a:p>
+          </p:txBody>
+        </p:sp>
+        <p:pic>
+          <p:nvPicPr>
+            <p:cNvPr id="10" name="Picture 9"/>
+            <p:cNvPicPr>
+              <a:picLocks noChangeAspect="1"/>
+            </p:cNvPicPr>
+            <p:nvPr/>
+          </p:nvPicPr>
+          <p:blipFill>
+            <a:blip r:embed="rId4" cstate="print">
+              <a:extLst>
+                <a:ext uri="{28A0092B-C50C-407E-A947-70E740481C1C}">
+                  <a14:useLocalDpi xmlns:a14="http://schemas.microsoft.com/office/drawing/2010/main" val="0"/>
+                </a:ext>
+              </a:extLst>
+            </a:blip>
+            <a:stretch>
+              <a:fillRect/>
+            </a:stretch>
+          </p:blipFill>
+          <p:spPr>
+            <a:xfrm>
+              <a:off x="6705600" y="6101740"/>
+              <a:ext cx="2559393" cy="756260"/>
+            </a:xfrm>
+            <a:prstGeom prst="rect">
+              <a:avLst/>
+            </a:prstGeom>
+          </p:spPr>
+        </p:pic>
+      </p:grpSp>
     </p:spTree>
     <p:extLst>
       <p:ext uri="{BB962C8B-B14F-4D97-AF65-F5344CB8AC3E}">
@@ -13002,6 +14658,13 @@
   <p:clrMapOvr>
     <a:masterClrMapping/>
   </p:clrMapOvr>
+  <p:timing>
+    <p:tnLst>
+      <p:par>
+        <p:cTn id="1" dur="indefinite" restart="never" nodeType="tmRoot"/>
+      </p:par>
+    </p:tnLst>
+  </p:timing>
 </p:sld>
 </file>
 
@@ -13040,7 +14703,7 @@
           <a:lstStyle/>
           <a:p>
             <a:r>
-              <a:rPr lang="en-US" sz="4500" dirty="0">
+              <a:rPr lang="en-US" sz="4500" dirty="0" smtClean="0">
                 <a:solidFill>
                   <a:srgbClr val="29ABE2"/>
                 </a:solidFill>
@@ -13049,6 +14712,13 @@
               </a:rPr>
               <a:t>Tag Cloud</a:t>
             </a:r>
+            <a:endParaRPr lang="en-US" sz="4500" dirty="0">
+              <a:solidFill>
+                <a:srgbClr val="29ABE2"/>
+              </a:solidFill>
+              <a:latin typeface="Segoe UI" panose="020B0502040204020203" pitchFamily="34" charset="0"/>
+              <a:cs typeface="Segoe UI" panose="020B0502040204020203" pitchFamily="34" charset="0"/>
+            </a:endParaRPr>
           </a:p>
         </p:txBody>
       </p:sp>
@@ -13076,52 +14746,97 @@
           </a:prstGeom>
         </p:spPr>
       </p:pic>
-      <p:sp>
-        <p:nvSpPr>
-          <p:cNvPr id="5" name="Rectangle 4"/>
-          <p:cNvSpPr/>
+      <p:grpSp>
+        <p:nvGrpSpPr>
+          <p:cNvPr id="4" name="Group 3"/>
+          <p:cNvGrpSpPr/>
           <p:nvPr/>
-        </p:nvSpPr>
-        <p:spPr>
+        </p:nvGrpSpPr>
+        <p:grpSpPr>
           <a:xfrm>
             <a:off x="0" y="6101740"/>
-            <a:ext cx="9144000" cy="756260"/>
-          </a:xfrm>
-          <a:prstGeom prst="rect">
-            <a:avLst/>
-          </a:prstGeom>
-          <a:solidFill>
-            <a:srgbClr val="29ABE2"/>
-          </a:solidFill>
-          <a:ln>
-            <a:noFill/>
-          </a:ln>
-        </p:spPr>
-        <p:style>
-          <a:lnRef idx="2">
-            <a:schemeClr val="accent1">
-              <a:shade val="50000"/>
-            </a:schemeClr>
-          </a:lnRef>
-          <a:fillRef idx="1">
-            <a:schemeClr val="accent1"/>
-          </a:fillRef>
-          <a:effectRef idx="0">
-            <a:schemeClr val="accent1"/>
-          </a:effectRef>
-          <a:fontRef idx="minor">
-            <a:schemeClr val="lt1"/>
-          </a:fontRef>
-        </p:style>
-        <p:txBody>
-          <a:bodyPr rtlCol="0" anchor="ctr"/>
-          <a:lstStyle/>
-          <a:p>
-            <a:pPr algn="ctr"/>
-            <a:endParaRPr lang="en-US"/>
-          </a:p>
-        </p:txBody>
-      </p:sp>
+            <a:ext cx="9264993" cy="756260"/>
+            <a:chOff x="0" y="6101740"/>
+            <a:chExt cx="9264993" cy="756260"/>
+          </a:xfrm>
+        </p:grpSpPr>
+        <p:sp>
+          <p:nvSpPr>
+            <p:cNvPr id="5" name="Rectangle 4"/>
+            <p:cNvSpPr/>
+            <p:nvPr/>
+          </p:nvSpPr>
+          <p:spPr>
+            <a:xfrm>
+              <a:off x="0" y="6101740"/>
+              <a:ext cx="9144000" cy="756260"/>
+            </a:xfrm>
+            <a:prstGeom prst="rect">
+              <a:avLst/>
+            </a:prstGeom>
+            <a:solidFill>
+              <a:srgbClr val="29ABE2"/>
+            </a:solidFill>
+            <a:ln>
+              <a:noFill/>
+            </a:ln>
+          </p:spPr>
+          <p:style>
+            <a:lnRef idx="2">
+              <a:schemeClr val="accent1">
+                <a:shade val="50000"/>
+              </a:schemeClr>
+            </a:lnRef>
+            <a:fillRef idx="1">
+              <a:schemeClr val="accent1"/>
+            </a:fillRef>
+            <a:effectRef idx="0">
+              <a:schemeClr val="accent1"/>
+            </a:effectRef>
+            <a:fontRef idx="minor">
+              <a:schemeClr val="lt1"/>
+            </a:fontRef>
+          </p:style>
+          <p:txBody>
+            <a:bodyPr rtlCol="0" anchor="ctr"/>
+            <a:lstStyle/>
+            <a:p>
+              <a:pPr algn="ctr"/>
+              <a:endParaRPr lang="en-US"/>
+            </a:p>
+          </p:txBody>
+        </p:sp>
+        <p:pic>
+          <p:nvPicPr>
+            <p:cNvPr id="6" name="Picture 5"/>
+            <p:cNvPicPr>
+              <a:picLocks noChangeAspect="1"/>
+            </p:cNvPicPr>
+            <p:nvPr/>
+          </p:nvPicPr>
+          <p:blipFill>
+            <a:blip r:embed="rId4" cstate="print">
+              <a:extLst>
+                <a:ext uri="{28A0092B-C50C-407E-A947-70E740481C1C}">
+                  <a14:useLocalDpi xmlns:a14="http://schemas.microsoft.com/office/drawing/2010/main" val="0"/>
+                </a:ext>
+              </a:extLst>
+            </a:blip>
+            <a:stretch>
+              <a:fillRect/>
+            </a:stretch>
+          </p:blipFill>
+          <p:spPr>
+            <a:xfrm>
+              <a:off x="6705600" y="6101740"/>
+              <a:ext cx="2559393" cy="756260"/>
+            </a:xfrm>
+            <a:prstGeom prst="rect">
+              <a:avLst/>
+            </a:prstGeom>
+          </p:spPr>
+        </p:pic>
+      </p:grpSp>
     </p:spTree>
     <p:extLst>
       <p:ext uri="{BB962C8B-B14F-4D97-AF65-F5344CB8AC3E}">
@@ -13132,6 +14847,13 @@
   <p:clrMapOvr>
     <a:masterClrMapping/>
   </p:clrMapOvr>
+  <p:timing>
+    <p:tnLst>
+      <p:par>
+        <p:cTn id="1" dur="indefinite" restart="never" nodeType="tmRoot"/>
+      </p:par>
+    </p:tnLst>
+  </p:timing>
 </p:sld>
 </file>
 
@@ -13170,7 +14892,7 @@
           <a:lstStyle/>
           <a:p>
             <a:r>
-              <a:rPr lang="en-US" sz="4500" dirty="0">
+              <a:rPr lang="en-US" sz="4500" dirty="0" smtClean="0">
                 <a:solidFill>
                   <a:srgbClr val="29ABE2"/>
                 </a:solidFill>
@@ -13179,6 +14901,13 @@
               </a:rPr>
               <a:t>Button</a:t>
             </a:r>
+            <a:endParaRPr lang="en-US" sz="4500" dirty="0">
+              <a:solidFill>
+                <a:srgbClr val="29ABE2"/>
+              </a:solidFill>
+              <a:latin typeface="Segoe UI" panose="020B0502040204020203" pitchFamily="34" charset="0"/>
+              <a:cs typeface="Segoe UI" panose="020B0502040204020203" pitchFamily="34" charset="0"/>
+            </a:endParaRPr>
           </a:p>
         </p:txBody>
       </p:sp>
@@ -13206,52 +14935,97 @@
           </a:prstGeom>
         </p:spPr>
       </p:pic>
-      <p:sp>
-        <p:nvSpPr>
-          <p:cNvPr id="6" name="Rectangle 5"/>
-          <p:cNvSpPr/>
+      <p:grpSp>
+        <p:nvGrpSpPr>
+          <p:cNvPr id="5" name="Group 4"/>
+          <p:cNvGrpSpPr/>
           <p:nvPr/>
-        </p:nvSpPr>
-        <p:spPr>
+        </p:nvGrpSpPr>
+        <p:grpSpPr>
           <a:xfrm>
             <a:off x="0" y="6101740"/>
-            <a:ext cx="9144000" cy="756260"/>
-          </a:xfrm>
-          <a:prstGeom prst="rect">
-            <a:avLst/>
-          </a:prstGeom>
-          <a:solidFill>
-            <a:srgbClr val="29ABE2"/>
-          </a:solidFill>
-          <a:ln>
-            <a:noFill/>
-          </a:ln>
-        </p:spPr>
-        <p:style>
-          <a:lnRef idx="2">
-            <a:schemeClr val="accent1">
-              <a:shade val="50000"/>
-            </a:schemeClr>
-          </a:lnRef>
-          <a:fillRef idx="1">
-            <a:schemeClr val="accent1"/>
-          </a:fillRef>
-          <a:effectRef idx="0">
-            <a:schemeClr val="accent1"/>
-          </a:effectRef>
-          <a:fontRef idx="minor">
-            <a:schemeClr val="lt1"/>
-          </a:fontRef>
-        </p:style>
-        <p:txBody>
-          <a:bodyPr rtlCol="0" anchor="ctr"/>
-          <a:lstStyle/>
-          <a:p>
-            <a:pPr algn="ctr"/>
-            <a:endParaRPr lang="en-US"/>
-          </a:p>
-        </p:txBody>
-      </p:sp>
+            <a:ext cx="9264993" cy="756260"/>
+            <a:chOff x="0" y="6101740"/>
+            <a:chExt cx="9264993" cy="756260"/>
+          </a:xfrm>
+        </p:grpSpPr>
+        <p:sp>
+          <p:nvSpPr>
+            <p:cNvPr id="6" name="Rectangle 5"/>
+            <p:cNvSpPr/>
+            <p:nvPr/>
+          </p:nvSpPr>
+          <p:spPr>
+            <a:xfrm>
+              <a:off x="0" y="6101740"/>
+              <a:ext cx="9144000" cy="756260"/>
+            </a:xfrm>
+            <a:prstGeom prst="rect">
+              <a:avLst/>
+            </a:prstGeom>
+            <a:solidFill>
+              <a:srgbClr val="29ABE2"/>
+            </a:solidFill>
+            <a:ln>
+              <a:noFill/>
+            </a:ln>
+          </p:spPr>
+          <p:style>
+            <a:lnRef idx="2">
+              <a:schemeClr val="accent1">
+                <a:shade val="50000"/>
+              </a:schemeClr>
+            </a:lnRef>
+            <a:fillRef idx="1">
+              <a:schemeClr val="accent1"/>
+            </a:fillRef>
+            <a:effectRef idx="0">
+              <a:schemeClr val="accent1"/>
+            </a:effectRef>
+            <a:fontRef idx="minor">
+              <a:schemeClr val="lt1"/>
+            </a:fontRef>
+          </p:style>
+          <p:txBody>
+            <a:bodyPr rtlCol="0" anchor="ctr"/>
+            <a:lstStyle/>
+            <a:p>
+              <a:pPr algn="ctr"/>
+              <a:endParaRPr lang="en-US"/>
+            </a:p>
+          </p:txBody>
+        </p:sp>
+        <p:pic>
+          <p:nvPicPr>
+            <p:cNvPr id="7" name="Picture 6"/>
+            <p:cNvPicPr>
+              <a:picLocks noChangeAspect="1"/>
+            </p:cNvPicPr>
+            <p:nvPr/>
+          </p:nvPicPr>
+          <p:blipFill>
+            <a:blip r:embed="rId4" cstate="print">
+              <a:extLst>
+                <a:ext uri="{28A0092B-C50C-407E-A947-70E740481C1C}">
+                  <a14:useLocalDpi xmlns:a14="http://schemas.microsoft.com/office/drawing/2010/main" val="0"/>
+                </a:ext>
+              </a:extLst>
+            </a:blip>
+            <a:stretch>
+              <a:fillRect/>
+            </a:stretch>
+          </p:blipFill>
+          <p:spPr>
+            <a:xfrm>
+              <a:off x="6705600" y="6101740"/>
+              <a:ext cx="2559393" cy="756260"/>
+            </a:xfrm>
+            <a:prstGeom prst="rect">
+              <a:avLst/>
+            </a:prstGeom>
+          </p:spPr>
+        </p:pic>
+      </p:grpSp>
     </p:spTree>
     <p:extLst>
       <p:ext uri="{BB962C8B-B14F-4D97-AF65-F5344CB8AC3E}">
@@ -13262,6 +15036,13 @@
   <p:clrMapOvr>
     <a:masterClrMapping/>
   </p:clrMapOvr>
+  <p:timing>
+    <p:tnLst>
+      <p:par>
+        <p:cTn id="1" dur="indefinite" restart="never" nodeType="tmRoot"/>
+      </p:par>
+    </p:tnLst>
+  </p:timing>
 </p:sld>
 </file>
 
@@ -13300,7 +15081,7 @@
           <a:lstStyle/>
           <a:p>
             <a:r>
-              <a:rPr lang="en-US" sz="4500" dirty="0">
+              <a:rPr lang="en-US" sz="4500" dirty="0" smtClean="0">
                 <a:solidFill>
                   <a:srgbClr val="29ABE2"/>
                 </a:solidFill>
@@ -13309,6 +15090,13 @@
               </a:rPr>
               <a:t>Toolbar</a:t>
             </a:r>
+            <a:endParaRPr lang="en-US" sz="4500" dirty="0">
+              <a:solidFill>
+                <a:srgbClr val="29ABE2"/>
+              </a:solidFill>
+              <a:latin typeface="Segoe UI" panose="020B0502040204020203" pitchFamily="34" charset="0"/>
+              <a:cs typeface="Segoe UI" panose="020B0502040204020203" pitchFamily="34" charset="0"/>
+            </a:endParaRPr>
           </a:p>
         </p:txBody>
       </p:sp>
@@ -13336,52 +15124,97 @@
           </a:prstGeom>
         </p:spPr>
       </p:pic>
-      <p:sp>
-        <p:nvSpPr>
-          <p:cNvPr id="5" name="Rectangle 4"/>
-          <p:cNvSpPr/>
+      <p:grpSp>
+        <p:nvGrpSpPr>
+          <p:cNvPr id="4" name="Group 3"/>
+          <p:cNvGrpSpPr/>
           <p:nvPr/>
-        </p:nvSpPr>
-        <p:spPr>
+        </p:nvGrpSpPr>
+        <p:grpSpPr>
           <a:xfrm>
             <a:off x="0" y="6101740"/>
-            <a:ext cx="9144000" cy="756260"/>
-          </a:xfrm>
-          <a:prstGeom prst="rect">
-            <a:avLst/>
-          </a:prstGeom>
-          <a:solidFill>
-            <a:srgbClr val="29ABE2"/>
-          </a:solidFill>
-          <a:ln>
-            <a:noFill/>
-          </a:ln>
-        </p:spPr>
-        <p:style>
-          <a:lnRef idx="2">
-            <a:schemeClr val="accent1">
-              <a:shade val="50000"/>
-            </a:schemeClr>
-          </a:lnRef>
-          <a:fillRef idx="1">
-            <a:schemeClr val="accent1"/>
-          </a:fillRef>
-          <a:effectRef idx="0">
-            <a:schemeClr val="accent1"/>
-          </a:effectRef>
-          <a:fontRef idx="minor">
-            <a:schemeClr val="lt1"/>
-          </a:fontRef>
-        </p:style>
-        <p:txBody>
-          <a:bodyPr rtlCol="0" anchor="ctr"/>
-          <a:lstStyle/>
-          <a:p>
-            <a:pPr algn="ctr"/>
-            <a:endParaRPr lang="en-US"/>
-          </a:p>
-        </p:txBody>
-      </p:sp>
+            <a:ext cx="9264993" cy="756260"/>
+            <a:chOff x="0" y="6101740"/>
+            <a:chExt cx="9264993" cy="756260"/>
+          </a:xfrm>
+        </p:grpSpPr>
+        <p:sp>
+          <p:nvSpPr>
+            <p:cNvPr id="5" name="Rectangle 4"/>
+            <p:cNvSpPr/>
+            <p:nvPr/>
+          </p:nvSpPr>
+          <p:spPr>
+            <a:xfrm>
+              <a:off x="0" y="6101740"/>
+              <a:ext cx="9144000" cy="756260"/>
+            </a:xfrm>
+            <a:prstGeom prst="rect">
+              <a:avLst/>
+            </a:prstGeom>
+            <a:solidFill>
+              <a:srgbClr val="29ABE2"/>
+            </a:solidFill>
+            <a:ln>
+              <a:noFill/>
+            </a:ln>
+          </p:spPr>
+          <p:style>
+            <a:lnRef idx="2">
+              <a:schemeClr val="accent1">
+                <a:shade val="50000"/>
+              </a:schemeClr>
+            </a:lnRef>
+            <a:fillRef idx="1">
+              <a:schemeClr val="accent1"/>
+            </a:fillRef>
+            <a:effectRef idx="0">
+              <a:schemeClr val="accent1"/>
+            </a:effectRef>
+            <a:fontRef idx="minor">
+              <a:schemeClr val="lt1"/>
+            </a:fontRef>
+          </p:style>
+          <p:txBody>
+            <a:bodyPr rtlCol="0" anchor="ctr"/>
+            <a:lstStyle/>
+            <a:p>
+              <a:pPr algn="ctr"/>
+              <a:endParaRPr lang="en-US"/>
+            </a:p>
+          </p:txBody>
+        </p:sp>
+        <p:pic>
+          <p:nvPicPr>
+            <p:cNvPr id="6" name="Picture 5"/>
+            <p:cNvPicPr>
+              <a:picLocks noChangeAspect="1"/>
+            </p:cNvPicPr>
+            <p:nvPr/>
+          </p:nvPicPr>
+          <p:blipFill>
+            <a:blip r:embed="rId4" cstate="print">
+              <a:extLst>
+                <a:ext uri="{28A0092B-C50C-407E-A947-70E740481C1C}">
+                  <a14:useLocalDpi xmlns:a14="http://schemas.microsoft.com/office/drawing/2010/main" val="0"/>
+                </a:ext>
+              </a:extLst>
+            </a:blip>
+            <a:stretch>
+              <a:fillRect/>
+            </a:stretch>
+          </p:blipFill>
+          <p:spPr>
+            <a:xfrm>
+              <a:off x="6705600" y="6101740"/>
+              <a:ext cx="2559393" cy="756260"/>
+            </a:xfrm>
+            <a:prstGeom prst="rect">
+              <a:avLst/>
+            </a:prstGeom>
+          </p:spPr>
+        </p:pic>
+      </p:grpSp>
     </p:spTree>
     <p:extLst>
       <p:ext uri="{BB962C8B-B14F-4D97-AF65-F5344CB8AC3E}">
@@ -13392,6 +15225,13 @@
   <p:clrMapOvr>
     <a:masterClrMapping/>
   </p:clrMapOvr>
+  <p:timing>
+    <p:tnLst>
+      <p:par>
+        <p:cTn id="1" dur="indefinite" restart="never" nodeType="tmRoot"/>
+      </p:par>
+    </p:tnLst>
+  </p:timing>
 </p:sld>
 </file>
 
@@ -13430,7 +15270,7 @@
           <a:lstStyle/>
           <a:p>
             <a:r>
-              <a:rPr lang="en-US" sz="4500" dirty="0">
+              <a:rPr lang="en-US" sz="4500" dirty="0" smtClean="0">
                 <a:solidFill>
                   <a:srgbClr val="29ABE2"/>
                 </a:solidFill>
@@ -13439,6 +15279,13 @@
               </a:rPr>
               <a:t>Waiting Popup</a:t>
             </a:r>
+            <a:endParaRPr lang="en-US" sz="4500" dirty="0">
+              <a:solidFill>
+                <a:srgbClr val="29ABE2"/>
+              </a:solidFill>
+              <a:latin typeface="Segoe UI" panose="020B0502040204020203" pitchFamily="34" charset="0"/>
+              <a:cs typeface="Segoe UI" panose="020B0502040204020203" pitchFamily="34" charset="0"/>
+            </a:endParaRPr>
           </a:p>
         </p:txBody>
       </p:sp>
@@ -13490,52 +15337,97 @@
           </a:prstGeom>
         </p:spPr>
       </p:pic>
-      <p:sp>
-        <p:nvSpPr>
-          <p:cNvPr id="7" name="Rectangle 6"/>
-          <p:cNvSpPr/>
+      <p:grpSp>
+        <p:nvGrpSpPr>
+          <p:cNvPr id="6" name="Group 5"/>
+          <p:cNvGrpSpPr/>
           <p:nvPr/>
-        </p:nvSpPr>
-        <p:spPr>
+        </p:nvGrpSpPr>
+        <p:grpSpPr>
           <a:xfrm>
             <a:off x="0" y="6101740"/>
-            <a:ext cx="9144000" cy="756260"/>
-          </a:xfrm>
-          <a:prstGeom prst="rect">
-            <a:avLst/>
-          </a:prstGeom>
-          <a:solidFill>
-            <a:srgbClr val="29ABE2"/>
-          </a:solidFill>
-          <a:ln>
-            <a:noFill/>
-          </a:ln>
-        </p:spPr>
-        <p:style>
-          <a:lnRef idx="2">
-            <a:schemeClr val="accent1">
-              <a:shade val="50000"/>
-            </a:schemeClr>
-          </a:lnRef>
-          <a:fillRef idx="1">
-            <a:schemeClr val="accent1"/>
-          </a:fillRef>
-          <a:effectRef idx="0">
-            <a:schemeClr val="accent1"/>
-          </a:effectRef>
-          <a:fontRef idx="minor">
-            <a:schemeClr val="lt1"/>
-          </a:fontRef>
-        </p:style>
-        <p:txBody>
-          <a:bodyPr rtlCol="0" anchor="ctr"/>
-          <a:lstStyle/>
-          <a:p>
-            <a:pPr algn="ctr"/>
-            <a:endParaRPr lang="en-US"/>
-          </a:p>
-        </p:txBody>
-      </p:sp>
+            <a:ext cx="9264993" cy="756260"/>
+            <a:chOff x="0" y="6101740"/>
+            <a:chExt cx="9264993" cy="756260"/>
+          </a:xfrm>
+        </p:grpSpPr>
+        <p:sp>
+          <p:nvSpPr>
+            <p:cNvPr id="7" name="Rectangle 6"/>
+            <p:cNvSpPr/>
+            <p:nvPr/>
+          </p:nvSpPr>
+          <p:spPr>
+            <a:xfrm>
+              <a:off x="0" y="6101740"/>
+              <a:ext cx="9144000" cy="756260"/>
+            </a:xfrm>
+            <a:prstGeom prst="rect">
+              <a:avLst/>
+            </a:prstGeom>
+            <a:solidFill>
+              <a:srgbClr val="29ABE2"/>
+            </a:solidFill>
+            <a:ln>
+              <a:noFill/>
+            </a:ln>
+          </p:spPr>
+          <p:style>
+            <a:lnRef idx="2">
+              <a:schemeClr val="accent1">
+                <a:shade val="50000"/>
+              </a:schemeClr>
+            </a:lnRef>
+            <a:fillRef idx="1">
+              <a:schemeClr val="accent1"/>
+            </a:fillRef>
+            <a:effectRef idx="0">
+              <a:schemeClr val="accent1"/>
+            </a:effectRef>
+            <a:fontRef idx="minor">
+              <a:schemeClr val="lt1"/>
+            </a:fontRef>
+          </p:style>
+          <p:txBody>
+            <a:bodyPr rtlCol="0" anchor="ctr"/>
+            <a:lstStyle/>
+            <a:p>
+              <a:pPr algn="ctr"/>
+              <a:endParaRPr lang="en-US"/>
+            </a:p>
+          </p:txBody>
+        </p:sp>
+        <p:pic>
+          <p:nvPicPr>
+            <p:cNvPr id="8" name="Picture 7"/>
+            <p:cNvPicPr>
+              <a:picLocks noChangeAspect="1"/>
+            </p:cNvPicPr>
+            <p:nvPr/>
+          </p:nvPicPr>
+          <p:blipFill>
+            <a:blip r:embed="rId5" cstate="print">
+              <a:extLst>
+                <a:ext uri="{28A0092B-C50C-407E-A947-70E740481C1C}">
+                  <a14:useLocalDpi xmlns:a14="http://schemas.microsoft.com/office/drawing/2010/main" val="0"/>
+                </a:ext>
+              </a:extLst>
+            </a:blip>
+            <a:stretch>
+              <a:fillRect/>
+            </a:stretch>
+          </p:blipFill>
+          <p:spPr>
+            <a:xfrm>
+              <a:off x="6705600" y="6101740"/>
+              <a:ext cx="2559393" cy="756260"/>
+            </a:xfrm>
+            <a:prstGeom prst="rect">
+              <a:avLst/>
+            </a:prstGeom>
+          </p:spPr>
+        </p:pic>
+      </p:grpSp>
     </p:spTree>
     <p:extLst>
       <p:ext uri="{BB962C8B-B14F-4D97-AF65-F5344CB8AC3E}">
@@ -13546,6 +15438,13 @@
   <p:clrMapOvr>
     <a:masterClrMapping/>
   </p:clrMapOvr>
+  <p:timing>
+    <p:tnLst>
+      <p:par>
+        <p:cTn id="1" dur="indefinite" restart="never" nodeType="tmRoot"/>
+      </p:par>
+    </p:tnLst>
+  </p:timing>
 </p:sld>
 </file>
 
@@ -13584,7 +15483,7 @@
           <a:lstStyle/>
           <a:p>
             <a:r>
-              <a:rPr lang="en-US" sz="4500" dirty="0">
+              <a:rPr lang="en-US" sz="4500" dirty="0" smtClean="0">
                 <a:solidFill>
                   <a:srgbClr val="29ABE2"/>
                 </a:solidFill>
@@ -13593,6 +15492,13 @@
               </a:rPr>
               <a:t>Dialog</a:t>
             </a:r>
+            <a:endParaRPr lang="en-US" sz="4500" dirty="0">
+              <a:solidFill>
+                <a:srgbClr val="29ABE2"/>
+              </a:solidFill>
+              <a:latin typeface="Segoe UI" panose="020B0502040204020203" pitchFamily="34" charset="0"/>
+              <a:cs typeface="Segoe UI" panose="020B0502040204020203" pitchFamily="34" charset="0"/>
+            </a:endParaRPr>
           </a:p>
         </p:txBody>
       </p:sp>
@@ -13721,6 +15627,13 @@
   <p:clrMapOvr>
     <a:masterClrMapping/>
   </p:clrMapOvr>
+  <p:timing>
+    <p:tnLst>
+      <p:par>
+        <p:cTn id="1" dur="indefinite" restart="never" nodeType="tmRoot"/>
+      </p:par>
+    </p:tnLst>
+  </p:timing>
 </p:sld>
 </file>
 
@@ -13759,7 +15672,7 @@
           <a:lstStyle/>
           <a:p>
             <a:r>
-              <a:rPr lang="en-US" sz="4500" dirty="0">
+              <a:rPr lang="en-US" sz="4500" dirty="0" smtClean="0">
                 <a:solidFill>
                   <a:srgbClr val="29ABE2"/>
                 </a:solidFill>
@@ -13768,6 +15681,13 @@
               </a:rPr>
               <a:t>Scrollbar</a:t>
             </a:r>
+            <a:endParaRPr lang="en-US" sz="4500" dirty="0">
+              <a:solidFill>
+                <a:srgbClr val="29ABE2"/>
+              </a:solidFill>
+              <a:latin typeface="Segoe UI" panose="020B0502040204020203" pitchFamily="34" charset="0"/>
+              <a:cs typeface="Segoe UI" panose="020B0502040204020203" pitchFamily="34" charset="0"/>
+            </a:endParaRPr>
           </a:p>
         </p:txBody>
       </p:sp>
@@ -13795,52 +15715,97 @@
           </a:prstGeom>
         </p:spPr>
       </p:pic>
-      <p:sp>
-        <p:nvSpPr>
-          <p:cNvPr id="6" name="Rectangle 5"/>
-          <p:cNvSpPr/>
+      <p:grpSp>
+        <p:nvGrpSpPr>
+          <p:cNvPr id="5" name="Group 4"/>
+          <p:cNvGrpSpPr/>
           <p:nvPr/>
-        </p:nvSpPr>
-        <p:spPr>
+        </p:nvGrpSpPr>
+        <p:grpSpPr>
           <a:xfrm>
             <a:off x="0" y="6101740"/>
-            <a:ext cx="9144000" cy="756260"/>
-          </a:xfrm>
-          <a:prstGeom prst="rect">
-            <a:avLst/>
-          </a:prstGeom>
-          <a:solidFill>
-            <a:srgbClr val="29ABE2"/>
-          </a:solidFill>
-          <a:ln>
-            <a:noFill/>
-          </a:ln>
-        </p:spPr>
-        <p:style>
-          <a:lnRef idx="2">
-            <a:schemeClr val="accent1">
-              <a:shade val="50000"/>
-            </a:schemeClr>
-          </a:lnRef>
-          <a:fillRef idx="1">
-            <a:schemeClr val="accent1"/>
-          </a:fillRef>
-          <a:effectRef idx="0">
-            <a:schemeClr val="accent1"/>
-          </a:effectRef>
-          <a:fontRef idx="minor">
-            <a:schemeClr val="lt1"/>
-          </a:fontRef>
-        </p:style>
-        <p:txBody>
-          <a:bodyPr rtlCol="0" anchor="ctr"/>
-          <a:lstStyle/>
-          <a:p>
-            <a:pPr algn="ctr"/>
-            <a:endParaRPr lang="en-US"/>
-          </a:p>
-        </p:txBody>
-      </p:sp>
+            <a:ext cx="9264993" cy="756260"/>
+            <a:chOff x="0" y="6101740"/>
+            <a:chExt cx="9264993" cy="756260"/>
+          </a:xfrm>
+        </p:grpSpPr>
+        <p:sp>
+          <p:nvSpPr>
+            <p:cNvPr id="6" name="Rectangle 5"/>
+            <p:cNvSpPr/>
+            <p:nvPr/>
+          </p:nvSpPr>
+          <p:spPr>
+            <a:xfrm>
+              <a:off x="0" y="6101740"/>
+              <a:ext cx="9144000" cy="756260"/>
+            </a:xfrm>
+            <a:prstGeom prst="rect">
+              <a:avLst/>
+            </a:prstGeom>
+            <a:solidFill>
+              <a:srgbClr val="29ABE2"/>
+            </a:solidFill>
+            <a:ln>
+              <a:noFill/>
+            </a:ln>
+          </p:spPr>
+          <p:style>
+            <a:lnRef idx="2">
+              <a:schemeClr val="accent1">
+                <a:shade val="50000"/>
+              </a:schemeClr>
+            </a:lnRef>
+            <a:fillRef idx="1">
+              <a:schemeClr val="accent1"/>
+            </a:fillRef>
+            <a:effectRef idx="0">
+              <a:schemeClr val="accent1"/>
+            </a:effectRef>
+            <a:fontRef idx="minor">
+              <a:schemeClr val="lt1"/>
+            </a:fontRef>
+          </p:style>
+          <p:txBody>
+            <a:bodyPr rtlCol="0" anchor="ctr"/>
+            <a:lstStyle/>
+            <a:p>
+              <a:pPr algn="ctr"/>
+              <a:endParaRPr lang="en-US"/>
+            </a:p>
+          </p:txBody>
+        </p:sp>
+        <p:pic>
+          <p:nvPicPr>
+            <p:cNvPr id="7" name="Picture 6"/>
+            <p:cNvPicPr>
+              <a:picLocks noChangeAspect="1"/>
+            </p:cNvPicPr>
+            <p:nvPr/>
+          </p:nvPicPr>
+          <p:blipFill>
+            <a:blip r:embed="rId4" cstate="print">
+              <a:extLst>
+                <a:ext uri="{28A0092B-C50C-407E-A947-70E740481C1C}">
+                  <a14:useLocalDpi xmlns:a14="http://schemas.microsoft.com/office/drawing/2010/main" val="0"/>
+                </a:ext>
+              </a:extLst>
+            </a:blip>
+            <a:stretch>
+              <a:fillRect/>
+            </a:stretch>
+          </p:blipFill>
+          <p:spPr>
+            <a:xfrm>
+              <a:off x="6705600" y="6101740"/>
+              <a:ext cx="2559393" cy="756260"/>
+            </a:xfrm>
+            <a:prstGeom prst="rect">
+              <a:avLst/>
+            </a:prstGeom>
+          </p:spPr>
+        </p:pic>
+      </p:grpSp>
     </p:spTree>
     <p:extLst>
       <p:ext uri="{BB962C8B-B14F-4D97-AF65-F5344CB8AC3E}">
@@ -13851,6 +15816,13 @@
   <p:clrMapOvr>
     <a:masterClrMapping/>
   </p:clrMapOvr>
+  <p:timing>
+    <p:tnLst>
+      <p:par>
+        <p:cTn id="1" dur="indefinite" restart="never" nodeType="tmRoot"/>
+      </p:par>
+    </p:tnLst>
+  </p:timing>
 </p:sld>
 </file>
 
@@ -13889,7 +15861,7 @@
           <a:lstStyle/>
           <a:p>
             <a:r>
-              <a:rPr lang="en-US" sz="4500" dirty="0">
+              <a:rPr lang="en-US" sz="4500" dirty="0" smtClean="0">
                 <a:solidFill>
                   <a:srgbClr val="29ABE2"/>
                 </a:solidFill>
@@ -13898,6 +15870,13 @@
               </a:rPr>
               <a:t>Barcode</a:t>
             </a:r>
+            <a:endParaRPr lang="en-US" sz="4500" dirty="0">
+              <a:solidFill>
+                <a:srgbClr val="29ABE2"/>
+              </a:solidFill>
+              <a:latin typeface="Segoe UI" panose="020B0502040204020203" pitchFamily="34" charset="0"/>
+              <a:cs typeface="Segoe UI" panose="020B0502040204020203" pitchFamily="34" charset="0"/>
+            </a:endParaRPr>
           </a:p>
         </p:txBody>
       </p:sp>
@@ -13925,52 +15904,97 @@
           </a:prstGeom>
         </p:spPr>
       </p:pic>
-      <p:sp>
-        <p:nvSpPr>
-          <p:cNvPr id="5" name="Rectangle 4"/>
-          <p:cNvSpPr/>
+      <p:grpSp>
+        <p:nvGrpSpPr>
+          <p:cNvPr id="4" name="Group 3"/>
+          <p:cNvGrpSpPr/>
           <p:nvPr/>
-        </p:nvSpPr>
-        <p:spPr>
+        </p:nvGrpSpPr>
+        <p:grpSpPr>
           <a:xfrm>
             <a:off x="0" y="6101740"/>
-            <a:ext cx="9144000" cy="756260"/>
-          </a:xfrm>
-          <a:prstGeom prst="rect">
-            <a:avLst/>
-          </a:prstGeom>
-          <a:solidFill>
-            <a:srgbClr val="29ABE2"/>
-          </a:solidFill>
-          <a:ln>
-            <a:noFill/>
-          </a:ln>
-        </p:spPr>
-        <p:style>
-          <a:lnRef idx="2">
-            <a:schemeClr val="accent1">
-              <a:shade val="50000"/>
-            </a:schemeClr>
-          </a:lnRef>
-          <a:fillRef idx="1">
-            <a:schemeClr val="accent1"/>
-          </a:fillRef>
-          <a:effectRef idx="0">
-            <a:schemeClr val="accent1"/>
-          </a:effectRef>
-          <a:fontRef idx="minor">
-            <a:schemeClr val="lt1"/>
-          </a:fontRef>
-        </p:style>
-        <p:txBody>
-          <a:bodyPr rtlCol="0" anchor="ctr"/>
-          <a:lstStyle/>
-          <a:p>
-            <a:pPr algn="ctr"/>
-            <a:endParaRPr lang="en-US"/>
-          </a:p>
-        </p:txBody>
-      </p:sp>
+            <a:ext cx="9264993" cy="756260"/>
+            <a:chOff x="0" y="6101740"/>
+            <a:chExt cx="9264993" cy="756260"/>
+          </a:xfrm>
+        </p:grpSpPr>
+        <p:sp>
+          <p:nvSpPr>
+            <p:cNvPr id="5" name="Rectangle 4"/>
+            <p:cNvSpPr/>
+            <p:nvPr/>
+          </p:nvSpPr>
+          <p:spPr>
+            <a:xfrm>
+              <a:off x="0" y="6101740"/>
+              <a:ext cx="9144000" cy="756260"/>
+            </a:xfrm>
+            <a:prstGeom prst="rect">
+              <a:avLst/>
+            </a:prstGeom>
+            <a:solidFill>
+              <a:srgbClr val="29ABE2"/>
+            </a:solidFill>
+            <a:ln>
+              <a:noFill/>
+            </a:ln>
+          </p:spPr>
+          <p:style>
+            <a:lnRef idx="2">
+              <a:schemeClr val="accent1">
+                <a:shade val="50000"/>
+              </a:schemeClr>
+            </a:lnRef>
+            <a:fillRef idx="1">
+              <a:schemeClr val="accent1"/>
+            </a:fillRef>
+            <a:effectRef idx="0">
+              <a:schemeClr val="accent1"/>
+            </a:effectRef>
+            <a:fontRef idx="minor">
+              <a:schemeClr val="lt1"/>
+            </a:fontRef>
+          </p:style>
+          <p:txBody>
+            <a:bodyPr rtlCol="0" anchor="ctr"/>
+            <a:lstStyle/>
+            <a:p>
+              <a:pPr algn="ctr"/>
+              <a:endParaRPr lang="en-US"/>
+            </a:p>
+          </p:txBody>
+        </p:sp>
+        <p:pic>
+          <p:nvPicPr>
+            <p:cNvPr id="6" name="Picture 5"/>
+            <p:cNvPicPr>
+              <a:picLocks noChangeAspect="1"/>
+            </p:cNvPicPr>
+            <p:nvPr/>
+          </p:nvPicPr>
+          <p:blipFill>
+            <a:blip r:embed="rId4" cstate="print">
+              <a:extLst>
+                <a:ext uri="{28A0092B-C50C-407E-A947-70E740481C1C}">
+                  <a14:useLocalDpi xmlns:a14="http://schemas.microsoft.com/office/drawing/2010/main" val="0"/>
+                </a:ext>
+              </a:extLst>
+            </a:blip>
+            <a:stretch>
+              <a:fillRect/>
+            </a:stretch>
+          </p:blipFill>
+          <p:spPr>
+            <a:xfrm>
+              <a:off x="6705600" y="6101740"/>
+              <a:ext cx="2559393" cy="756260"/>
+            </a:xfrm>
+            <a:prstGeom prst="rect">
+              <a:avLst/>
+            </a:prstGeom>
+          </p:spPr>
+        </p:pic>
+      </p:grpSp>
     </p:spTree>
     <p:extLst>
       <p:ext uri="{BB962C8B-B14F-4D97-AF65-F5344CB8AC3E}">
@@ -13981,6 +16005,13 @@
   <p:clrMapOvr>
     <a:masterClrMapping/>
   </p:clrMapOvr>
+  <p:timing>
+    <p:tnLst>
+      <p:par>
+        <p:cTn id="1" dur="indefinite" restart="never" nodeType="tmRoot"/>
+      </p:par>
+    </p:tnLst>
+  </p:timing>
 </p:sld>
 </file>
 
@@ -14025,7 +16056,7 @@
           <a:p>
             <a:pPr algn="l"/>
             <a:r>
-              <a:rPr lang="en-US" sz="4000" dirty="0">
+              <a:rPr lang="en-US" sz="4000" dirty="0" smtClean="0">
                 <a:solidFill>
                   <a:srgbClr val="29ABE2"/>
                 </a:solidFill>
@@ -14034,6 +16065,13 @@
               </a:rPr>
               <a:t>Demo</a:t>
             </a:r>
+            <a:endParaRPr lang="en-US" sz="4000" dirty="0">
+              <a:solidFill>
+                <a:srgbClr val="29ABE2"/>
+              </a:solidFill>
+              <a:latin typeface="Segoe UI" panose="020B0502040204020203" pitchFamily="34" charset="0"/>
+              <a:cs typeface="Segoe UI" panose="020B0502040204020203" pitchFamily="34" charset="0"/>
+            </a:endParaRPr>
           </a:p>
         </p:txBody>
       </p:sp>
@@ -14101,7 +16139,7 @@
           <a:lstStyle/>
           <a:p>
             <a:r>
-              <a:rPr lang="en-US" sz="2700" dirty="0">
+              <a:rPr lang="en-US" sz="2700" dirty="0" smtClean="0">
                 <a:solidFill>
                   <a:schemeClr val="tx1">
                     <a:lumMod val="65000"/>
@@ -14298,6 +16336,13 @@
   <p:clrMapOvr>
     <a:masterClrMapping/>
   </p:clrMapOvr>
+  <p:timing>
+    <p:tnLst>
+      <p:par>
+        <p:cTn id="1" dur="indefinite" restart="never" nodeType="tmRoot"/>
+      </p:par>
+    </p:tnLst>
+  </p:timing>
 </p:sld>
 </file>
 
@@ -14336,7 +16381,7 @@
           <a:lstStyle/>
           <a:p>
             <a:r>
-              <a:rPr lang="en-US" sz="4500" dirty="0">
+              <a:rPr lang="en-US" sz="4500" dirty="0" smtClean="0">
                 <a:solidFill>
                   <a:srgbClr val="29ABE2"/>
                 </a:solidFill>
@@ -14345,6 +16390,13 @@
               </a:rPr>
               <a:t>Chart smart labels</a:t>
             </a:r>
+            <a:endParaRPr lang="en-US" sz="4500" dirty="0">
+              <a:solidFill>
+                <a:srgbClr val="29ABE2"/>
+              </a:solidFill>
+              <a:latin typeface="Segoe UI" panose="020B0502040204020203" pitchFamily="34" charset="0"/>
+              <a:cs typeface="Segoe UI" panose="020B0502040204020203" pitchFamily="34" charset="0"/>
+            </a:endParaRPr>
           </a:p>
         </p:txBody>
       </p:sp>
@@ -14372,52 +16424,97 @@
           </a:prstGeom>
         </p:spPr>
       </p:pic>
-      <p:sp>
-        <p:nvSpPr>
-          <p:cNvPr id="9" name="Rectangle 8"/>
-          <p:cNvSpPr/>
+      <p:grpSp>
+        <p:nvGrpSpPr>
+          <p:cNvPr id="8" name="Group 7"/>
+          <p:cNvGrpSpPr/>
           <p:nvPr/>
-        </p:nvSpPr>
-        <p:spPr>
+        </p:nvGrpSpPr>
+        <p:grpSpPr>
           <a:xfrm>
             <a:off x="0" y="6101740"/>
-            <a:ext cx="9144000" cy="756260"/>
-          </a:xfrm>
-          <a:prstGeom prst="rect">
-            <a:avLst/>
-          </a:prstGeom>
-          <a:solidFill>
-            <a:srgbClr val="29ABE2"/>
-          </a:solidFill>
-          <a:ln>
-            <a:noFill/>
-          </a:ln>
-        </p:spPr>
-        <p:style>
-          <a:lnRef idx="2">
-            <a:schemeClr val="accent1">
-              <a:shade val="50000"/>
-            </a:schemeClr>
-          </a:lnRef>
-          <a:fillRef idx="1">
-            <a:schemeClr val="accent1"/>
-          </a:fillRef>
-          <a:effectRef idx="0">
-            <a:schemeClr val="accent1"/>
-          </a:effectRef>
-          <a:fontRef idx="minor">
-            <a:schemeClr val="lt1"/>
-          </a:fontRef>
-        </p:style>
-        <p:txBody>
-          <a:bodyPr rtlCol="0" anchor="ctr"/>
-          <a:lstStyle/>
-          <a:p>
-            <a:pPr algn="ctr"/>
-            <a:endParaRPr lang="en-US"/>
-          </a:p>
-        </p:txBody>
-      </p:sp>
+            <a:ext cx="9264993" cy="756260"/>
+            <a:chOff x="0" y="6101740"/>
+            <a:chExt cx="9264993" cy="756260"/>
+          </a:xfrm>
+        </p:grpSpPr>
+        <p:sp>
+          <p:nvSpPr>
+            <p:cNvPr id="9" name="Rectangle 8"/>
+            <p:cNvSpPr/>
+            <p:nvPr/>
+          </p:nvSpPr>
+          <p:spPr>
+            <a:xfrm>
+              <a:off x="0" y="6101740"/>
+              <a:ext cx="9144000" cy="756260"/>
+            </a:xfrm>
+            <a:prstGeom prst="rect">
+              <a:avLst/>
+            </a:prstGeom>
+            <a:solidFill>
+              <a:srgbClr val="29ABE2"/>
+            </a:solidFill>
+            <a:ln>
+              <a:noFill/>
+            </a:ln>
+          </p:spPr>
+          <p:style>
+            <a:lnRef idx="2">
+              <a:schemeClr val="accent1">
+                <a:shade val="50000"/>
+              </a:schemeClr>
+            </a:lnRef>
+            <a:fillRef idx="1">
+              <a:schemeClr val="accent1"/>
+            </a:fillRef>
+            <a:effectRef idx="0">
+              <a:schemeClr val="accent1"/>
+            </a:effectRef>
+            <a:fontRef idx="minor">
+              <a:schemeClr val="lt1"/>
+            </a:fontRef>
+          </p:style>
+          <p:txBody>
+            <a:bodyPr rtlCol="0" anchor="ctr"/>
+            <a:lstStyle/>
+            <a:p>
+              <a:pPr algn="ctr"/>
+              <a:endParaRPr lang="en-US"/>
+            </a:p>
+          </p:txBody>
+        </p:sp>
+        <p:pic>
+          <p:nvPicPr>
+            <p:cNvPr id="10" name="Picture 9"/>
+            <p:cNvPicPr>
+              <a:picLocks noChangeAspect="1"/>
+            </p:cNvPicPr>
+            <p:nvPr/>
+          </p:nvPicPr>
+          <p:blipFill>
+            <a:blip r:embed="rId4" cstate="print">
+              <a:extLst>
+                <a:ext uri="{28A0092B-C50C-407E-A947-70E740481C1C}">
+                  <a14:useLocalDpi xmlns:a14="http://schemas.microsoft.com/office/drawing/2010/main" val="0"/>
+                </a:ext>
+              </a:extLst>
+            </a:blip>
+            <a:stretch>
+              <a:fillRect/>
+            </a:stretch>
+          </p:blipFill>
+          <p:spPr>
+            <a:xfrm>
+              <a:off x="6705600" y="6101740"/>
+              <a:ext cx="2559393" cy="756260"/>
+            </a:xfrm>
+            <a:prstGeom prst="rect">
+              <a:avLst/>
+            </a:prstGeom>
+          </p:spPr>
+        </p:pic>
+      </p:grpSp>
       <p:sp>
         <p:nvSpPr>
           <p:cNvPr id="2" name="Rectangle 1"/>
@@ -14461,7 +16558,7 @@
           <a:p>
             <a:pPr algn="ctr"/>
             <a:r>
-              <a:rPr lang="en-US" dirty="0" err="1"/>
+              <a:rPr lang="en-US" dirty="0" err="1" smtClean="0"/>
               <a:t>i</a:t>
             </a:r>
             <a:endParaRPr lang="en-US" dirty="0"/>
@@ -14478,6 +16575,13 @@
   <p:clrMapOvr>
     <a:masterClrMapping/>
   </p:clrMapOvr>
+  <p:timing>
+    <p:tnLst>
+      <p:par>
+        <p:cTn id="1" dur="indefinite" restart="never" nodeType="tmRoot"/>
+      </p:par>
+    </p:tnLst>
+  </p:timing>
 </p:sld>
 </file>
 
@@ -14516,7 +16620,7 @@
           <a:lstStyle/>
           <a:p>
             <a:r>
-              <a:rPr lang="en-US" sz="4500" dirty="0">
+              <a:rPr lang="en-US" sz="4500" dirty="0" smtClean="0">
                 <a:solidFill>
                   <a:srgbClr val="29ABE2"/>
                 </a:solidFill>
@@ -14525,6 +16629,13 @@
               </a:rPr>
               <a:t>Chart Rows</a:t>
             </a:r>
+            <a:endParaRPr lang="en-US" sz="4500" dirty="0">
+              <a:solidFill>
+                <a:srgbClr val="29ABE2"/>
+              </a:solidFill>
+              <a:latin typeface="Segoe UI" panose="020B0502040204020203" pitchFamily="34" charset="0"/>
+              <a:cs typeface="Segoe UI" panose="020B0502040204020203" pitchFamily="34" charset="0"/>
+            </a:endParaRPr>
           </a:p>
         </p:txBody>
       </p:sp>
@@ -14552,52 +16663,97 @@
           </a:prstGeom>
         </p:spPr>
       </p:pic>
-      <p:sp>
-        <p:nvSpPr>
-          <p:cNvPr id="9" name="Rectangle 8"/>
-          <p:cNvSpPr/>
+      <p:grpSp>
+        <p:nvGrpSpPr>
+          <p:cNvPr id="8" name="Group 7"/>
+          <p:cNvGrpSpPr/>
           <p:nvPr/>
-        </p:nvSpPr>
-        <p:spPr>
+        </p:nvGrpSpPr>
+        <p:grpSpPr>
           <a:xfrm>
             <a:off x="0" y="6101740"/>
-            <a:ext cx="9144000" cy="756260"/>
-          </a:xfrm>
-          <a:prstGeom prst="rect">
-            <a:avLst/>
-          </a:prstGeom>
-          <a:solidFill>
-            <a:srgbClr val="29ABE2"/>
-          </a:solidFill>
-          <a:ln>
-            <a:noFill/>
-          </a:ln>
-        </p:spPr>
-        <p:style>
-          <a:lnRef idx="2">
-            <a:schemeClr val="accent1">
-              <a:shade val="50000"/>
-            </a:schemeClr>
-          </a:lnRef>
-          <a:fillRef idx="1">
-            <a:schemeClr val="accent1"/>
-          </a:fillRef>
-          <a:effectRef idx="0">
-            <a:schemeClr val="accent1"/>
-          </a:effectRef>
-          <a:fontRef idx="minor">
-            <a:schemeClr val="lt1"/>
-          </a:fontRef>
-        </p:style>
-        <p:txBody>
-          <a:bodyPr rtlCol="0" anchor="ctr"/>
-          <a:lstStyle/>
-          <a:p>
-            <a:pPr algn="ctr"/>
-            <a:endParaRPr lang="en-US"/>
-          </a:p>
-        </p:txBody>
-      </p:sp>
+            <a:ext cx="9264993" cy="756260"/>
+            <a:chOff x="0" y="6101740"/>
+            <a:chExt cx="9264993" cy="756260"/>
+          </a:xfrm>
+        </p:grpSpPr>
+        <p:sp>
+          <p:nvSpPr>
+            <p:cNvPr id="9" name="Rectangle 8"/>
+            <p:cNvSpPr/>
+            <p:nvPr/>
+          </p:nvSpPr>
+          <p:spPr>
+            <a:xfrm>
+              <a:off x="0" y="6101740"/>
+              <a:ext cx="9144000" cy="756260"/>
+            </a:xfrm>
+            <a:prstGeom prst="rect">
+              <a:avLst/>
+            </a:prstGeom>
+            <a:solidFill>
+              <a:srgbClr val="29ABE2"/>
+            </a:solidFill>
+            <a:ln>
+              <a:noFill/>
+            </a:ln>
+          </p:spPr>
+          <p:style>
+            <a:lnRef idx="2">
+              <a:schemeClr val="accent1">
+                <a:shade val="50000"/>
+              </a:schemeClr>
+            </a:lnRef>
+            <a:fillRef idx="1">
+              <a:schemeClr val="accent1"/>
+            </a:fillRef>
+            <a:effectRef idx="0">
+              <a:schemeClr val="accent1"/>
+            </a:effectRef>
+            <a:fontRef idx="minor">
+              <a:schemeClr val="lt1"/>
+            </a:fontRef>
+          </p:style>
+          <p:txBody>
+            <a:bodyPr rtlCol="0" anchor="ctr"/>
+            <a:lstStyle/>
+            <a:p>
+              <a:pPr algn="ctr"/>
+              <a:endParaRPr lang="en-US"/>
+            </a:p>
+          </p:txBody>
+        </p:sp>
+        <p:pic>
+          <p:nvPicPr>
+            <p:cNvPr id="10" name="Picture 9"/>
+            <p:cNvPicPr>
+              <a:picLocks noChangeAspect="1"/>
+            </p:cNvPicPr>
+            <p:nvPr/>
+          </p:nvPicPr>
+          <p:blipFill>
+            <a:blip r:embed="rId4" cstate="print">
+              <a:extLst>
+                <a:ext uri="{28A0092B-C50C-407E-A947-70E740481C1C}">
+                  <a14:useLocalDpi xmlns:a14="http://schemas.microsoft.com/office/drawing/2010/main" val="0"/>
+                </a:ext>
+              </a:extLst>
+            </a:blip>
+            <a:stretch>
+              <a:fillRect/>
+            </a:stretch>
+          </p:blipFill>
+          <p:spPr>
+            <a:xfrm>
+              <a:off x="6705600" y="6101740"/>
+              <a:ext cx="2559393" cy="756260"/>
+            </a:xfrm>
+            <a:prstGeom prst="rect">
+              <a:avLst/>
+            </a:prstGeom>
+          </p:spPr>
+        </p:pic>
+      </p:grpSp>
     </p:spTree>
     <p:extLst>
       <p:ext uri="{BB962C8B-B14F-4D97-AF65-F5344CB8AC3E}">
@@ -14608,6 +16764,13 @@
   <p:clrMapOvr>
     <a:masterClrMapping/>
   </p:clrMapOvr>
+  <p:timing>
+    <p:tnLst>
+      <p:par>
+        <p:cTn id="1" dur="indefinite" restart="never" nodeType="tmRoot"/>
+      </p:par>
+    </p:tnLst>
+  </p:timing>
 </p:sld>
 </file>
 
@@ -14646,7 +16809,7 @@
           <a:lstStyle/>
           <a:p>
             <a:r>
-              <a:rPr lang="en-US" sz="4500" dirty="0">
+              <a:rPr lang="en-US" sz="4500" dirty="0" smtClean="0">
                 <a:solidFill>
                   <a:srgbClr val="29ABE2"/>
                 </a:solidFill>
@@ -14655,6 +16818,13 @@
               </a:rPr>
               <a:t>Chart Rotate labels</a:t>
             </a:r>
+            <a:endParaRPr lang="en-US" sz="4500" dirty="0">
+              <a:solidFill>
+                <a:srgbClr val="29ABE2"/>
+              </a:solidFill>
+              <a:latin typeface="Segoe UI" panose="020B0502040204020203" pitchFamily="34" charset="0"/>
+              <a:cs typeface="Segoe UI" panose="020B0502040204020203" pitchFamily="34" charset="0"/>
+            </a:endParaRPr>
           </a:p>
         </p:txBody>
       </p:sp>
@@ -14682,52 +16852,97 @@
           </a:prstGeom>
         </p:spPr>
       </p:pic>
-      <p:sp>
-        <p:nvSpPr>
-          <p:cNvPr id="9" name="Rectangle 8"/>
-          <p:cNvSpPr/>
+      <p:grpSp>
+        <p:nvGrpSpPr>
+          <p:cNvPr id="8" name="Group 7"/>
+          <p:cNvGrpSpPr/>
           <p:nvPr/>
-        </p:nvSpPr>
-        <p:spPr>
+        </p:nvGrpSpPr>
+        <p:grpSpPr>
           <a:xfrm>
             <a:off x="0" y="6101740"/>
-            <a:ext cx="9144000" cy="756260"/>
-          </a:xfrm>
-          <a:prstGeom prst="rect">
-            <a:avLst/>
-          </a:prstGeom>
-          <a:solidFill>
-            <a:srgbClr val="29ABE2"/>
-          </a:solidFill>
-          <a:ln>
-            <a:noFill/>
-          </a:ln>
-        </p:spPr>
-        <p:style>
-          <a:lnRef idx="2">
-            <a:schemeClr val="accent1">
-              <a:shade val="50000"/>
-            </a:schemeClr>
-          </a:lnRef>
-          <a:fillRef idx="1">
-            <a:schemeClr val="accent1"/>
-          </a:fillRef>
-          <a:effectRef idx="0">
-            <a:schemeClr val="accent1"/>
-          </a:effectRef>
-          <a:fontRef idx="minor">
-            <a:schemeClr val="lt1"/>
-          </a:fontRef>
-        </p:style>
-        <p:txBody>
-          <a:bodyPr rtlCol="0" anchor="ctr"/>
-          <a:lstStyle/>
-          <a:p>
-            <a:pPr algn="ctr"/>
-            <a:endParaRPr lang="en-US"/>
-          </a:p>
-        </p:txBody>
-      </p:sp>
+            <a:ext cx="9264993" cy="756260"/>
+            <a:chOff x="0" y="6101740"/>
+            <a:chExt cx="9264993" cy="756260"/>
+          </a:xfrm>
+        </p:grpSpPr>
+        <p:sp>
+          <p:nvSpPr>
+            <p:cNvPr id="9" name="Rectangle 8"/>
+            <p:cNvSpPr/>
+            <p:nvPr/>
+          </p:nvSpPr>
+          <p:spPr>
+            <a:xfrm>
+              <a:off x="0" y="6101740"/>
+              <a:ext cx="9144000" cy="756260"/>
+            </a:xfrm>
+            <a:prstGeom prst="rect">
+              <a:avLst/>
+            </a:prstGeom>
+            <a:solidFill>
+              <a:srgbClr val="29ABE2"/>
+            </a:solidFill>
+            <a:ln>
+              <a:noFill/>
+            </a:ln>
+          </p:spPr>
+          <p:style>
+            <a:lnRef idx="2">
+              <a:schemeClr val="accent1">
+                <a:shade val="50000"/>
+              </a:schemeClr>
+            </a:lnRef>
+            <a:fillRef idx="1">
+              <a:schemeClr val="accent1"/>
+            </a:fillRef>
+            <a:effectRef idx="0">
+              <a:schemeClr val="accent1"/>
+            </a:effectRef>
+            <a:fontRef idx="minor">
+              <a:schemeClr val="lt1"/>
+            </a:fontRef>
+          </p:style>
+          <p:txBody>
+            <a:bodyPr rtlCol="0" anchor="ctr"/>
+            <a:lstStyle/>
+            <a:p>
+              <a:pPr algn="ctr"/>
+              <a:endParaRPr lang="en-US"/>
+            </a:p>
+          </p:txBody>
+        </p:sp>
+        <p:pic>
+          <p:nvPicPr>
+            <p:cNvPr id="10" name="Picture 9"/>
+            <p:cNvPicPr>
+              <a:picLocks noChangeAspect="1"/>
+            </p:cNvPicPr>
+            <p:nvPr/>
+          </p:nvPicPr>
+          <p:blipFill>
+            <a:blip r:embed="rId4" cstate="print">
+              <a:extLst>
+                <a:ext uri="{28A0092B-C50C-407E-A947-70E740481C1C}">
+                  <a14:useLocalDpi xmlns:a14="http://schemas.microsoft.com/office/drawing/2010/main" val="0"/>
+                </a:ext>
+              </a:extLst>
+            </a:blip>
+            <a:stretch>
+              <a:fillRect/>
+            </a:stretch>
+          </p:blipFill>
+          <p:spPr>
+            <a:xfrm>
+              <a:off x="6705600" y="6101740"/>
+              <a:ext cx="2559393" cy="756260"/>
+            </a:xfrm>
+            <a:prstGeom prst="rect">
+              <a:avLst/>
+            </a:prstGeom>
+          </p:spPr>
+        </p:pic>
+      </p:grpSp>
     </p:spTree>
     <p:extLst>
       <p:ext uri="{BB962C8B-B14F-4D97-AF65-F5344CB8AC3E}">
@@ -14738,6 +16953,13 @@
   <p:clrMapOvr>
     <a:masterClrMapping/>
   </p:clrMapOvr>
+  <p:timing>
+    <p:tnLst>
+      <p:par>
+        <p:cTn id="1" dur="indefinite" restart="never" nodeType="tmRoot"/>
+      </p:par>
+    </p:tnLst>
+  </p:timing>
 </p:sld>
 </file>
 
@@ -14776,7 +16998,7 @@
           <a:lstStyle/>
           <a:p>
             <a:r>
-              <a:rPr lang="en-US" sz="4500" dirty="0">
+              <a:rPr lang="en-US" sz="4500" dirty="0" smtClean="0">
                 <a:solidFill>
                   <a:srgbClr val="29ABE2"/>
                 </a:solidFill>
@@ -14785,6 +17007,13 @@
               </a:rPr>
               <a:t>Range Navigator</a:t>
             </a:r>
+            <a:endParaRPr lang="en-US" sz="4500" dirty="0">
+              <a:solidFill>
+                <a:srgbClr val="29ABE2"/>
+              </a:solidFill>
+              <a:latin typeface="Segoe UI" panose="020B0502040204020203" pitchFamily="34" charset="0"/>
+              <a:cs typeface="Segoe UI" panose="020B0502040204020203" pitchFamily="34" charset="0"/>
+            </a:endParaRPr>
           </a:p>
         </p:txBody>
       </p:sp>
@@ -14812,52 +17041,97 @@
           </a:prstGeom>
         </p:spPr>
       </p:pic>
-      <p:sp>
-        <p:nvSpPr>
-          <p:cNvPr id="9" name="Rectangle 8"/>
-          <p:cNvSpPr/>
+      <p:grpSp>
+        <p:nvGrpSpPr>
+          <p:cNvPr id="8" name="Group 7"/>
+          <p:cNvGrpSpPr/>
           <p:nvPr/>
-        </p:nvSpPr>
-        <p:spPr>
+        </p:nvGrpSpPr>
+        <p:grpSpPr>
           <a:xfrm>
             <a:off x="0" y="6101740"/>
-            <a:ext cx="9144000" cy="756260"/>
-          </a:xfrm>
-          <a:prstGeom prst="rect">
-            <a:avLst/>
-          </a:prstGeom>
-          <a:solidFill>
-            <a:srgbClr val="29ABE2"/>
-          </a:solidFill>
-          <a:ln>
-            <a:noFill/>
-          </a:ln>
-        </p:spPr>
-        <p:style>
-          <a:lnRef idx="2">
-            <a:schemeClr val="accent1">
-              <a:shade val="50000"/>
-            </a:schemeClr>
-          </a:lnRef>
-          <a:fillRef idx="1">
-            <a:schemeClr val="accent1"/>
-          </a:fillRef>
-          <a:effectRef idx="0">
-            <a:schemeClr val="accent1"/>
-          </a:effectRef>
-          <a:fontRef idx="minor">
-            <a:schemeClr val="lt1"/>
-          </a:fontRef>
-        </p:style>
-        <p:txBody>
-          <a:bodyPr rtlCol="0" anchor="ctr"/>
-          <a:lstStyle/>
-          <a:p>
-            <a:pPr algn="ctr"/>
-            <a:endParaRPr lang="en-US"/>
-          </a:p>
-        </p:txBody>
-      </p:sp>
+            <a:ext cx="9264993" cy="756260"/>
+            <a:chOff x="0" y="6101740"/>
+            <a:chExt cx="9264993" cy="756260"/>
+          </a:xfrm>
+        </p:grpSpPr>
+        <p:sp>
+          <p:nvSpPr>
+            <p:cNvPr id="9" name="Rectangle 8"/>
+            <p:cNvSpPr/>
+            <p:nvPr/>
+          </p:nvSpPr>
+          <p:spPr>
+            <a:xfrm>
+              <a:off x="0" y="6101740"/>
+              <a:ext cx="9144000" cy="756260"/>
+            </a:xfrm>
+            <a:prstGeom prst="rect">
+              <a:avLst/>
+            </a:prstGeom>
+            <a:solidFill>
+              <a:srgbClr val="29ABE2"/>
+            </a:solidFill>
+            <a:ln>
+              <a:noFill/>
+            </a:ln>
+          </p:spPr>
+          <p:style>
+            <a:lnRef idx="2">
+              <a:schemeClr val="accent1">
+                <a:shade val="50000"/>
+              </a:schemeClr>
+            </a:lnRef>
+            <a:fillRef idx="1">
+              <a:schemeClr val="accent1"/>
+            </a:fillRef>
+            <a:effectRef idx="0">
+              <a:schemeClr val="accent1"/>
+            </a:effectRef>
+            <a:fontRef idx="minor">
+              <a:schemeClr val="lt1"/>
+            </a:fontRef>
+          </p:style>
+          <p:txBody>
+            <a:bodyPr rtlCol="0" anchor="ctr"/>
+            <a:lstStyle/>
+            <a:p>
+              <a:pPr algn="ctr"/>
+              <a:endParaRPr lang="en-US"/>
+            </a:p>
+          </p:txBody>
+        </p:sp>
+        <p:pic>
+          <p:nvPicPr>
+            <p:cNvPr id="10" name="Picture 9"/>
+            <p:cNvPicPr>
+              <a:picLocks noChangeAspect="1"/>
+            </p:cNvPicPr>
+            <p:nvPr/>
+          </p:nvPicPr>
+          <p:blipFill>
+            <a:blip r:embed="rId4" cstate="print">
+              <a:extLst>
+                <a:ext uri="{28A0092B-C50C-407E-A947-70E740481C1C}">
+                  <a14:useLocalDpi xmlns:a14="http://schemas.microsoft.com/office/drawing/2010/main" val="0"/>
+                </a:ext>
+              </a:extLst>
+            </a:blip>
+            <a:stretch>
+              <a:fillRect/>
+            </a:stretch>
+          </p:blipFill>
+          <p:spPr>
+            <a:xfrm>
+              <a:off x="6705600" y="6101740"/>
+              <a:ext cx="2559393" cy="756260"/>
+            </a:xfrm>
+            <a:prstGeom prst="rect">
+              <a:avLst/>
+            </a:prstGeom>
+          </p:spPr>
+        </p:pic>
+      </p:grpSp>
     </p:spTree>
     <p:extLst>
       <p:ext uri="{BB962C8B-B14F-4D97-AF65-F5344CB8AC3E}">
@@ -14868,6 +17142,13 @@
   <p:clrMapOvr>
     <a:masterClrMapping/>
   </p:clrMapOvr>
+  <p:timing>
+    <p:tnLst>
+      <p:par>
+        <p:cTn id="1" dur="indefinite" restart="never" nodeType="tmRoot"/>
+      </p:par>
+    </p:tnLst>
+  </p:timing>
 </p:sld>
 </file>
 
@@ -14906,7 +17187,7 @@
           <a:lstStyle/>
           <a:p>
             <a:r>
-              <a:rPr lang="en-US" sz="4500" dirty="0">
+              <a:rPr lang="en-US" sz="4500" dirty="0" smtClean="0">
                 <a:solidFill>
                   <a:srgbClr val="29ABE2"/>
                 </a:solidFill>
@@ -14915,6 +17196,13 @@
               </a:rPr>
               <a:t>Diagram</a:t>
             </a:r>
+            <a:endParaRPr lang="en-US" sz="4500" dirty="0">
+              <a:solidFill>
+                <a:srgbClr val="29ABE2"/>
+              </a:solidFill>
+              <a:latin typeface="Segoe UI" panose="020B0502040204020203" pitchFamily="34" charset="0"/>
+              <a:cs typeface="Segoe UI" panose="020B0502040204020203" pitchFamily="34" charset="0"/>
+            </a:endParaRPr>
           </a:p>
         </p:txBody>
       </p:sp>
@@ -14942,52 +17230,97 @@
           </a:prstGeom>
         </p:spPr>
       </p:pic>
-      <p:sp>
-        <p:nvSpPr>
-          <p:cNvPr id="8" name="Rectangle 7"/>
-          <p:cNvSpPr/>
+      <p:grpSp>
+        <p:nvGrpSpPr>
+          <p:cNvPr id="7" name="Group 6"/>
+          <p:cNvGrpSpPr/>
           <p:nvPr/>
-        </p:nvSpPr>
-        <p:spPr>
+        </p:nvGrpSpPr>
+        <p:grpSpPr>
           <a:xfrm>
             <a:off x="0" y="6101740"/>
-            <a:ext cx="9144000" cy="756260"/>
-          </a:xfrm>
-          <a:prstGeom prst="rect">
-            <a:avLst/>
-          </a:prstGeom>
-          <a:solidFill>
-            <a:srgbClr val="29ABE2"/>
-          </a:solidFill>
-          <a:ln>
-            <a:noFill/>
-          </a:ln>
-        </p:spPr>
-        <p:style>
-          <a:lnRef idx="2">
-            <a:schemeClr val="accent1">
-              <a:shade val="50000"/>
-            </a:schemeClr>
-          </a:lnRef>
-          <a:fillRef idx="1">
-            <a:schemeClr val="accent1"/>
-          </a:fillRef>
-          <a:effectRef idx="0">
-            <a:schemeClr val="accent1"/>
-          </a:effectRef>
-          <a:fontRef idx="minor">
-            <a:schemeClr val="lt1"/>
-          </a:fontRef>
-        </p:style>
-        <p:txBody>
-          <a:bodyPr rtlCol="0" anchor="ctr"/>
-          <a:lstStyle/>
-          <a:p>
-            <a:pPr algn="ctr"/>
-            <a:endParaRPr lang="en-US"/>
-          </a:p>
-        </p:txBody>
-      </p:sp>
+            <a:ext cx="9264993" cy="756260"/>
+            <a:chOff x="0" y="6101740"/>
+            <a:chExt cx="9264993" cy="756260"/>
+          </a:xfrm>
+        </p:grpSpPr>
+        <p:sp>
+          <p:nvSpPr>
+            <p:cNvPr id="8" name="Rectangle 7"/>
+            <p:cNvSpPr/>
+            <p:nvPr/>
+          </p:nvSpPr>
+          <p:spPr>
+            <a:xfrm>
+              <a:off x="0" y="6101740"/>
+              <a:ext cx="9144000" cy="756260"/>
+            </a:xfrm>
+            <a:prstGeom prst="rect">
+              <a:avLst/>
+            </a:prstGeom>
+            <a:solidFill>
+              <a:srgbClr val="29ABE2"/>
+            </a:solidFill>
+            <a:ln>
+              <a:noFill/>
+            </a:ln>
+          </p:spPr>
+          <p:style>
+            <a:lnRef idx="2">
+              <a:schemeClr val="accent1">
+                <a:shade val="50000"/>
+              </a:schemeClr>
+            </a:lnRef>
+            <a:fillRef idx="1">
+              <a:schemeClr val="accent1"/>
+            </a:fillRef>
+            <a:effectRef idx="0">
+              <a:schemeClr val="accent1"/>
+            </a:effectRef>
+            <a:fontRef idx="minor">
+              <a:schemeClr val="lt1"/>
+            </a:fontRef>
+          </p:style>
+          <p:txBody>
+            <a:bodyPr rtlCol="0" anchor="ctr"/>
+            <a:lstStyle/>
+            <a:p>
+              <a:pPr algn="ctr"/>
+              <a:endParaRPr lang="en-US"/>
+            </a:p>
+          </p:txBody>
+        </p:sp>
+        <p:pic>
+          <p:nvPicPr>
+            <p:cNvPr id="9" name="Picture 8"/>
+            <p:cNvPicPr>
+              <a:picLocks noChangeAspect="1"/>
+            </p:cNvPicPr>
+            <p:nvPr/>
+          </p:nvPicPr>
+          <p:blipFill>
+            <a:blip r:embed="rId4" cstate="print">
+              <a:extLst>
+                <a:ext uri="{28A0092B-C50C-407E-A947-70E740481C1C}">
+                  <a14:useLocalDpi xmlns:a14="http://schemas.microsoft.com/office/drawing/2010/main" val="0"/>
+                </a:ext>
+              </a:extLst>
+            </a:blip>
+            <a:stretch>
+              <a:fillRect/>
+            </a:stretch>
+          </p:blipFill>
+          <p:spPr>
+            <a:xfrm>
+              <a:off x="6705600" y="6101740"/>
+              <a:ext cx="2559393" cy="756260"/>
+            </a:xfrm>
+            <a:prstGeom prst="rect">
+              <a:avLst/>
+            </a:prstGeom>
+          </p:spPr>
+        </p:pic>
+      </p:grpSp>
     </p:spTree>
     <p:extLst>
       <p:ext uri="{BB962C8B-B14F-4D97-AF65-F5344CB8AC3E}">
@@ -14998,6 +17331,13 @@
   <p:clrMapOvr>
     <a:masterClrMapping/>
   </p:clrMapOvr>
+  <p:timing>
+    <p:tnLst>
+      <p:par>
+        <p:cTn id="1" dur="indefinite" restart="never" nodeType="tmRoot"/>
+      </p:par>
+    </p:tnLst>
+  </p:timing>
 </p:sld>
 </file>
 
